--- a/Covid19Preso.pptx
+++ b/Covid19Preso.pptx
@@ -4784,7 +4784,7 @@
           <a:p>
             <a:fld id="{043B725B-653D-4166-A8E9-72A38A1847CF}" type="datetimeFigureOut">
               <a:rPr lang="en-US"/>
-              <a:t>4/20/2020</a:t>
+              <a:t>4/22/2020</a:t>
             </a:fld>
             <a:endParaRPr/>
           </a:p>
@@ -4949,7 +4949,7 @@
           <a:p>
             <a:fld id="{783F64CD-0576-4A9A-BD06-7889D6E60BDC}" type="datetimeFigureOut">
               <a:rPr lang="en-US"/>
-              <a:t>4/20/2020</a:t>
+              <a:t>4/22/2020</a:t>
             </a:fld>
             <a:endParaRPr/>
           </a:p>
@@ -5547,7 +5547,7 @@
           <a:p>
             <a:fld id="{37CC0096-1860-4642-9CD2-0079EA5E7CD1}" type="datetimeFigureOut">
               <a:rPr lang="en-US"/>
-              <a:t>4/20/2020</a:t>
+              <a:t>4/22/2020</a:t>
             </a:fld>
             <a:endParaRPr/>
           </a:p>
@@ -5796,7 +5796,7 @@
           <a:p>
             <a:fld id="{37CC0096-1860-4642-9CD2-0079EA5E7CD1}" type="datetimeFigureOut">
               <a:rPr lang="en-US"/>
-              <a:t>4/20/2020</a:t>
+              <a:t>4/22/2020</a:t>
             </a:fld>
             <a:endParaRPr/>
           </a:p>
@@ -5982,7 +5982,7 @@
           <a:p>
             <a:fld id="{37CC0096-1860-4642-9CD2-0079EA5E7CD1}" type="datetimeFigureOut">
               <a:rPr lang="en-US"/>
-              <a:t>4/20/2020</a:t>
+              <a:t>4/22/2020</a:t>
             </a:fld>
             <a:endParaRPr/>
           </a:p>
@@ -6513,7 +6513,7 @@
           <a:p>
             <a:fld id="{37CC0096-1860-4642-9CD2-0079EA5E7CD1}" type="datetimeFigureOut">
               <a:rPr lang="en-US"/>
-              <a:t>4/20/2020</a:t>
+              <a:t>4/22/2020</a:t>
             </a:fld>
             <a:endParaRPr/>
           </a:p>
@@ -6965,7 +6965,7 @@
           <a:p>
             <a:fld id="{37CC0096-1860-4642-9CD2-0079EA5E7CD1}" type="datetimeFigureOut">
               <a:rPr lang="en-US"/>
-              <a:t>4/20/2020</a:t>
+              <a:t>4/22/2020</a:t>
             </a:fld>
             <a:endParaRPr/>
           </a:p>
@@ -7095,7 +7095,7 @@
           <a:p>
             <a:fld id="{37CC0096-1860-4642-9CD2-0079EA5E7CD1}" type="datetimeFigureOut">
               <a:rPr lang="en-US"/>
-              <a:t>4/20/2020</a:t>
+              <a:t>4/22/2020</a:t>
             </a:fld>
             <a:endParaRPr/>
           </a:p>
@@ -7202,7 +7202,7 @@
           <a:p>
             <a:fld id="{37CC0096-1860-4642-9CD2-0079EA5E7CD1}" type="datetimeFigureOut">
               <a:rPr lang="en-US"/>
-              <a:t>4/20/2020</a:t>
+              <a:t>4/22/2020</a:t>
             </a:fld>
             <a:endParaRPr/>
           </a:p>
@@ -8191,7 +8191,7 @@
             <a:fld id="{37CC0096-1860-4642-9CD2-0079EA5E7CD1}" type="datetimeFigureOut">
               <a:rPr lang="en-US" smtClean="0"/>
               <a:pPr/>
-              <a:t>4/20/2020</a:t>
+              <a:t>4/22/2020</a:t>
             </a:fld>
             <a:endParaRPr lang="en-US" dirty="0"/>
           </a:p>
@@ -8978,7 +8978,7 @@
           <a:p>
             <a:r>
               <a:rPr lang="en-US" dirty="0"/>
-              <a:t>Title and Content Layout with List</a:t>
+              <a:t>Background:</a:t>
             </a:r>
           </a:p>
         </p:txBody>
@@ -9000,19 +9000,33 @@
           <a:p>
             <a:r>
               <a:rPr lang="en-US" dirty="0"/>
-              <a:t>Add your first bullet point here</a:t>
+              <a:t>Independent data source: </a:t>
             </a:r>
-          </a:p>
-          <a:p>
+            <a:r>
+              <a:rPr lang="en-US" dirty="0" err="1"/>
+              <a:t>Nexoid</a:t>
+            </a:r>
             <a:r>
               <a:rPr lang="en-US" dirty="0"/>
-              <a:t>Add your second bullet point here</a:t>
+              <a:t>- UK based open-source platform</a:t>
             </a:r>
           </a:p>
           <a:p>
             <a:r>
               <a:rPr lang="en-US" dirty="0"/>
-              <a:t>Add your third bullet point here</a:t>
+              <a:t>619K samples, 173 Countries, self-reported</a:t>
+            </a:r>
+          </a:p>
+          <a:p>
+            <a:r>
+              <a:rPr lang="en-US" dirty="0"/>
+              <a:t>40 factors</a:t>
+            </a:r>
+          </a:p>
+          <a:p>
+            <a:r>
+              <a:rPr lang="en-US" dirty="0"/>
+              <a:t>Biology, Behavioral, Environmental</a:t>
             </a:r>
           </a:p>
         </p:txBody>

--- a/Covid19Preso.pptx
+++ b/Covid19Preso.pptx
@@ -9012,6 +9012,12 @@
             </a:r>
           </a:p>
           <a:p>
+            <a:endParaRPr lang="en-US" dirty="0"/>
+          </a:p>
+          <a:p>
+            <a:endParaRPr lang="en-US" dirty="0"/>
+          </a:p>
+          <a:p>
             <a:r>
               <a:rPr lang="en-US" dirty="0"/>
               <a:t>619K samples, 173 Countries, self-reported</a:t>
@@ -9024,6 +9030,7 @@
             </a:r>
           </a:p>
           <a:p>
+            <a:pPr lvl="1"/>
             <a:r>
               <a:rPr lang="en-US" dirty="0"/>
               <a:t>Biology, Behavioral, Environmental</a:t>
@@ -9031,6 +9038,153 @@
           </a:p>
         </p:txBody>
       </p:sp>
+      <p:pic>
+        <p:nvPicPr>
+          <p:cNvPr id="4" name="Picture 3">
+            <a:extLst>
+              <a:ext uri="{FF2B5EF4-FFF2-40B4-BE49-F238E27FC236}">
+                <a16:creationId xmlns:a16="http://schemas.microsoft.com/office/drawing/2014/main" id="{5A65B371-D4D2-4CEC-A698-6989E7199FDF}"/>
+              </a:ext>
+            </a:extLst>
+          </p:cNvPr>
+          <p:cNvPicPr>
+            <a:picLocks noChangeAspect="1"/>
+          </p:cNvPicPr>
+          <p:nvPr/>
+        </p:nvPicPr>
+        <p:blipFill>
+          <a:blip r:embed="rId2"/>
+          <a:stretch>
+            <a:fillRect/>
+          </a:stretch>
+        </p:blipFill>
+        <p:spPr>
+          <a:xfrm>
+            <a:off x="6591120" y="2289594"/>
+            <a:ext cx="4048125" cy="1104900"/>
+          </a:xfrm>
+          <a:prstGeom prst="rect">
+            <a:avLst/>
+          </a:prstGeom>
+        </p:spPr>
+      </p:pic>
+      <p:pic>
+        <p:nvPicPr>
+          <p:cNvPr id="8" name="Graphic 7" descr="Group">
+            <a:extLst>
+              <a:ext uri="{FF2B5EF4-FFF2-40B4-BE49-F238E27FC236}">
+                <a16:creationId xmlns:a16="http://schemas.microsoft.com/office/drawing/2014/main" id="{2E536D16-7C74-42F3-B212-81859B88868B}"/>
+              </a:ext>
+            </a:extLst>
+          </p:cNvPr>
+          <p:cNvPicPr>
+            <a:picLocks noChangeAspect="1"/>
+          </p:cNvPicPr>
+          <p:nvPr/>
+        </p:nvPicPr>
+        <p:blipFill>
+          <a:blip r:embed="rId3">
+            <a:extLst>
+              <a:ext uri="{28A0092B-C50C-407E-A947-70E740481C1C}">
+                <a14:useLocalDpi xmlns:a14="http://schemas.microsoft.com/office/drawing/2010/main" val="0"/>
+              </a:ext>
+              <a:ext uri="{96DAC541-7B7A-43D3-8B79-37D633B846F1}">
+                <asvg:svgBlip xmlns:asvg="http://schemas.microsoft.com/office/drawing/2016/SVG/main" r:embed="rId4"/>
+              </a:ext>
+            </a:extLst>
+          </a:blip>
+          <a:stretch>
+            <a:fillRect/>
+          </a:stretch>
+        </p:blipFill>
+        <p:spPr>
+          <a:xfrm>
+            <a:off x="3048000" y="4572000"/>
+            <a:ext cx="1219200" cy="1219200"/>
+          </a:xfrm>
+          <a:prstGeom prst="rect">
+            <a:avLst/>
+          </a:prstGeom>
+        </p:spPr>
+      </p:pic>
+      <p:pic>
+        <p:nvPicPr>
+          <p:cNvPr id="12" name="Graphic 11" descr="Map compass">
+            <a:extLst>
+              <a:ext uri="{FF2B5EF4-FFF2-40B4-BE49-F238E27FC236}">
+                <a16:creationId xmlns:a16="http://schemas.microsoft.com/office/drawing/2014/main" id="{843826F3-99A0-47E1-8981-B4C10E40634A}"/>
+              </a:ext>
+            </a:extLst>
+          </p:cNvPr>
+          <p:cNvPicPr>
+            <a:picLocks noChangeAspect="1"/>
+          </p:cNvPicPr>
+          <p:nvPr/>
+        </p:nvPicPr>
+        <p:blipFill>
+          <a:blip r:embed="rId5">
+            <a:extLst>
+              <a:ext uri="{28A0092B-C50C-407E-A947-70E740481C1C}">
+                <a14:useLocalDpi xmlns:a14="http://schemas.microsoft.com/office/drawing/2010/main" val="0"/>
+              </a:ext>
+              <a:ext uri="{96DAC541-7B7A-43D3-8B79-37D633B846F1}">
+                <asvg:svgBlip xmlns:asvg="http://schemas.microsoft.com/office/drawing/2016/SVG/main" r:embed="rId6"/>
+              </a:ext>
+            </a:extLst>
+          </a:blip>
+          <a:stretch>
+            <a:fillRect/>
+          </a:stretch>
+        </p:blipFill>
+        <p:spPr>
+          <a:xfrm>
+            <a:off x="4836160" y="4724400"/>
+            <a:ext cx="914400" cy="914400"/>
+          </a:xfrm>
+          <a:prstGeom prst="rect">
+            <a:avLst/>
+          </a:prstGeom>
+        </p:spPr>
+      </p:pic>
+      <p:pic>
+        <p:nvPicPr>
+          <p:cNvPr id="14" name="Graphic 13" descr="Microscope">
+            <a:extLst>
+              <a:ext uri="{FF2B5EF4-FFF2-40B4-BE49-F238E27FC236}">
+                <a16:creationId xmlns:a16="http://schemas.microsoft.com/office/drawing/2014/main" id="{CA2A537E-4072-436D-9B77-DA2CB893D9A3}"/>
+              </a:ext>
+            </a:extLst>
+          </p:cNvPr>
+          <p:cNvPicPr>
+            <a:picLocks noChangeAspect="1"/>
+          </p:cNvPicPr>
+          <p:nvPr/>
+        </p:nvPicPr>
+        <p:blipFill>
+          <a:blip r:embed="rId7">
+            <a:extLst>
+              <a:ext uri="{28A0092B-C50C-407E-A947-70E740481C1C}">
+                <a14:useLocalDpi xmlns:a14="http://schemas.microsoft.com/office/drawing/2010/main" val="0"/>
+              </a:ext>
+              <a:ext uri="{96DAC541-7B7A-43D3-8B79-37D633B846F1}">
+                <asvg:svgBlip xmlns:asvg="http://schemas.microsoft.com/office/drawing/2016/SVG/main" r:embed="rId8"/>
+              </a:ext>
+            </a:extLst>
+          </a:blip>
+          <a:stretch>
+            <a:fillRect/>
+          </a:stretch>
+        </p:blipFill>
+        <p:spPr>
+          <a:xfrm>
+            <a:off x="1981200" y="4724400"/>
+            <a:ext cx="858520" cy="858520"/>
+          </a:xfrm>
+          <a:prstGeom prst="rect">
+            <a:avLst/>
+          </a:prstGeom>
+        </p:spPr>
+      </p:pic>
     </p:spTree>
     <p:extLst>
       <p:ext uri="{BB962C8B-B14F-4D97-AF65-F5344CB8AC3E}">
@@ -9090,7 +9244,7 @@
           <a:p>
             <a:r>
               <a:rPr lang="en-US" dirty="0"/>
-              <a:t>Title and Content Layout with Chart</a:t>
+              <a:t>Top Factors:</a:t>
             </a:r>
           </a:p>
         </p:txBody>
@@ -9179,7 +9333,7 @@
           <a:p>
             <a:r>
               <a:rPr lang="en-US" dirty="0"/>
-              <a:t>Two Content Layout with Table</a:t>
+              <a:t>Top Factors for Testing Positive:</a:t>
             </a:r>
           </a:p>
         </p:txBody>

--- a/Covid19Preso.pptx
+++ b/Covid19Preso.pptx
@@ -5,10 +5,10 @@
     <p:sldMasterId id="2147483648" r:id="rId1"/>
   </p:sldMasterIdLst>
   <p:notesMasterIdLst>
-    <p:notesMasterId r:id="rId13"/>
+    <p:notesMasterId r:id="rId14"/>
   </p:notesMasterIdLst>
   <p:handoutMasterIdLst>
-    <p:handoutMasterId r:id="rId14"/>
+    <p:handoutMasterId r:id="rId15"/>
   </p:handoutMasterIdLst>
   <p:sldIdLst>
     <p:sldId id="256" r:id="rId2"/>
@@ -20,8 +20,9 @@
     <p:sldId id="262" r:id="rId8"/>
     <p:sldId id="268" r:id="rId9"/>
     <p:sldId id="259" r:id="rId10"/>
-    <p:sldId id="266" r:id="rId11"/>
-    <p:sldId id="269" r:id="rId12"/>
+    <p:sldId id="270" r:id="rId11"/>
+    <p:sldId id="266" r:id="rId12"/>
+    <p:sldId id="269" r:id="rId13"/>
   </p:sldIdLst>
   <p:sldSz cx="12192000" cy="6858000"/>
   <p:notesSz cx="6858000" cy="9144000"/>
@@ -142,6 +143,18 @@
 </p:presentation>
 </file>
 
+<file path=ppt/commentAuthors.xml><?xml version="1.0" encoding="utf-8"?>
+<p:cmAuthorLst xmlns:a="http://schemas.openxmlformats.org/drawingml/2006/main" xmlns:r="http://schemas.openxmlformats.org/officeDocument/2006/relationships" xmlns:p="http://schemas.openxmlformats.org/presentationml/2006/main">
+  <p:cmAuthor id="1" name="Andrea Osika -X (aosika - BAY AREA TECHWORKERS at Cisco)" initials="AO-(-BATaC" lastIdx="1" clrIdx="0">
+    <p:extLst>
+      <p:ext uri="{19B8F6BF-5375-455C-9EA6-DF929625EA0E}">
+        <p15:presenceInfo xmlns:p15="http://schemas.microsoft.com/office/powerpoint/2012/main" userId="S::aosika@cisco.com::ee286a3d-2621-4912-b6b7-c2c175282c1e" providerId="AD"/>
+      </p:ext>
+    </p:extLst>
+  </p:cmAuthor>
+</p:cmAuthorLst>
+</file>
+
 <file path=ppt/handoutMasters/handoutMaster1.xml><?xml version="1.0" encoding="utf-8"?>
 <p:handoutMaster xmlns:a="http://schemas.openxmlformats.org/drawingml/2006/main" xmlns:r="http://schemas.openxmlformats.org/officeDocument/2006/relationships" xmlns:p="http://schemas.openxmlformats.org/presentationml/2006/main">
   <p:cSld>
@@ -224,7 +237,7 @@
           <a:p>
             <a:fld id="{043B725B-653D-4166-A8E9-72A38A1847CF}" type="datetimeFigureOut">
               <a:rPr lang="en-US"/>
-              <a:t>4/29/2020</a:t>
+              <a:t>4/30/2020</a:t>
             </a:fld>
             <a:endParaRPr/>
           </a:p>
@@ -389,7 +402,7 @@
           <a:p>
             <a:fld id="{783F64CD-0576-4A9A-BD06-7889D6E60BDC}" type="datetimeFigureOut">
               <a:rPr lang="en-US"/>
-              <a:t>4/29/2020</a:t>
+              <a:t>4/30/2020</a:t>
             </a:fld>
             <a:endParaRPr/>
           </a:p>
@@ -1499,7 +1512,7 @@
           <a:p>
             <a:fld id="{9555D449-B875-4B8D-8E66-224D27E54C9A}" type="slidenum">
               <a:rPr lang="en-US" smtClean="0"/>
-              <a:t>11</a:t>
+              <a:t>12</a:t>
             </a:fld>
             <a:endParaRPr lang="en-US"/>
           </a:p>
@@ -1854,7 +1867,7 @@
           <a:p>
             <a:fld id="{37CC0096-1860-4642-9CD2-0079EA5E7CD1}" type="datetimeFigureOut">
               <a:rPr lang="en-US"/>
-              <a:t>4/29/2020</a:t>
+              <a:t>4/30/2020</a:t>
             </a:fld>
             <a:endParaRPr/>
           </a:p>
@@ -2103,7 +2116,7 @@
           <a:p>
             <a:fld id="{37CC0096-1860-4642-9CD2-0079EA5E7CD1}" type="datetimeFigureOut">
               <a:rPr lang="en-US"/>
-              <a:t>4/29/2020</a:t>
+              <a:t>4/30/2020</a:t>
             </a:fld>
             <a:endParaRPr/>
           </a:p>
@@ -2289,7 +2302,7 @@
           <a:p>
             <a:fld id="{37CC0096-1860-4642-9CD2-0079EA5E7CD1}" type="datetimeFigureOut">
               <a:rPr lang="en-US"/>
-              <a:t>4/29/2020</a:t>
+              <a:t>4/30/2020</a:t>
             </a:fld>
             <a:endParaRPr/>
           </a:p>
@@ -2820,7 +2833,7 @@
           <a:p>
             <a:fld id="{37CC0096-1860-4642-9CD2-0079EA5E7CD1}" type="datetimeFigureOut">
               <a:rPr lang="en-US"/>
-              <a:t>4/29/2020</a:t>
+              <a:t>4/30/2020</a:t>
             </a:fld>
             <a:endParaRPr/>
           </a:p>
@@ -3272,7 +3285,7 @@
           <a:p>
             <a:fld id="{37CC0096-1860-4642-9CD2-0079EA5E7CD1}" type="datetimeFigureOut">
               <a:rPr lang="en-US"/>
-              <a:t>4/29/2020</a:t>
+              <a:t>4/30/2020</a:t>
             </a:fld>
             <a:endParaRPr/>
           </a:p>
@@ -3402,7 +3415,7 @@
           <a:p>
             <a:fld id="{37CC0096-1860-4642-9CD2-0079EA5E7CD1}" type="datetimeFigureOut">
               <a:rPr lang="en-US"/>
-              <a:t>4/29/2020</a:t>
+              <a:t>4/30/2020</a:t>
             </a:fld>
             <a:endParaRPr/>
           </a:p>
@@ -3509,7 +3522,7 @@
           <a:p>
             <a:fld id="{37CC0096-1860-4642-9CD2-0079EA5E7CD1}" type="datetimeFigureOut">
               <a:rPr lang="en-US"/>
-              <a:t>4/29/2020</a:t>
+              <a:t>4/30/2020</a:t>
             </a:fld>
             <a:endParaRPr/>
           </a:p>
@@ -4498,7 +4511,7 @@
             <a:fld id="{37CC0096-1860-4642-9CD2-0079EA5E7CD1}" type="datetimeFigureOut">
               <a:rPr lang="en-US" smtClean="0"/>
               <a:pPr/>
-              <a:t>4/29/2020</a:t>
+              <a:t>4/30/2020</a:t>
             </a:fld>
             <a:endParaRPr lang="en-US" dirty="0"/>
           </a:p>
@@ -5073,6 +5086,557 @@
       </p:grpSpPr>
       <p:sp>
         <p:nvSpPr>
+          <p:cNvPr id="10" name="Rectangle 9">
+            <a:extLst>
+              <a:ext uri="{FF2B5EF4-FFF2-40B4-BE49-F238E27FC236}">
+                <a16:creationId xmlns:a16="http://schemas.microsoft.com/office/drawing/2014/main" id="{F3702304-2283-4EE7-AD6E-8DBCE2E9213E}"/>
+              </a:ext>
+            </a:extLst>
+          </p:cNvPr>
+          <p:cNvSpPr/>
+          <p:nvPr/>
+        </p:nvSpPr>
+        <p:spPr>
+          <a:xfrm>
+            <a:off x="5846056" y="1899920"/>
+            <a:ext cx="3145544" cy="4572000"/>
+          </a:xfrm>
+          <a:prstGeom prst="rect">
+            <a:avLst/>
+          </a:prstGeom>
+        </p:spPr>
+        <p:style>
+          <a:lnRef idx="2">
+            <a:schemeClr val="dk1">
+              <a:shade val="50000"/>
+            </a:schemeClr>
+          </a:lnRef>
+          <a:fillRef idx="1">
+            <a:schemeClr val="dk1"/>
+          </a:fillRef>
+          <a:effectRef idx="0">
+            <a:schemeClr val="dk1"/>
+          </a:effectRef>
+          <a:fontRef idx="minor">
+            <a:schemeClr val="lt1"/>
+          </a:fontRef>
+        </p:style>
+        <p:txBody>
+          <a:bodyPr rtlCol="0" anchor="ctr"/>
+          <a:lstStyle/>
+          <a:p>
+            <a:pPr algn="ctr"/>
+            <a:endParaRPr lang="en-US" dirty="0"/>
+          </a:p>
+        </p:txBody>
+      </p:sp>
+      <p:sp>
+        <p:nvSpPr>
+          <p:cNvPr id="5" name="Rectangle 4">
+            <a:extLst>
+              <a:ext uri="{FF2B5EF4-FFF2-40B4-BE49-F238E27FC236}">
+                <a16:creationId xmlns:a16="http://schemas.microsoft.com/office/drawing/2014/main" id="{D5C32FAE-7148-4AF8-800E-5FA28CBA1388}"/>
+              </a:ext>
+            </a:extLst>
+          </p:cNvPr>
+          <p:cNvSpPr/>
+          <p:nvPr/>
+        </p:nvSpPr>
+        <p:spPr>
+          <a:xfrm>
+            <a:off x="152400" y="1905000"/>
+            <a:ext cx="5257800" cy="4572000"/>
+          </a:xfrm>
+          <a:prstGeom prst="rect">
+            <a:avLst/>
+          </a:prstGeom>
+        </p:spPr>
+        <p:style>
+          <a:lnRef idx="2">
+            <a:schemeClr val="dk1">
+              <a:shade val="50000"/>
+            </a:schemeClr>
+          </a:lnRef>
+          <a:fillRef idx="1">
+            <a:schemeClr val="dk1"/>
+          </a:fillRef>
+          <a:effectRef idx="0">
+            <a:schemeClr val="dk1"/>
+          </a:effectRef>
+          <a:fontRef idx="minor">
+            <a:schemeClr val="lt1"/>
+          </a:fontRef>
+        </p:style>
+        <p:txBody>
+          <a:bodyPr rtlCol="0" anchor="ctr"/>
+          <a:lstStyle/>
+          <a:p>
+            <a:pPr algn="ctr"/>
+            <a:endParaRPr lang="en-US"/>
+          </a:p>
+        </p:txBody>
+      </p:sp>
+      <p:sp>
+        <p:nvSpPr>
+          <p:cNvPr id="2" name="Title 1">
+            <a:extLst>
+              <a:ext uri="{FF2B5EF4-FFF2-40B4-BE49-F238E27FC236}">
+                <a16:creationId xmlns:a16="http://schemas.microsoft.com/office/drawing/2014/main" id="{7A99AB44-4069-460E-AC9C-200A43E2671D}"/>
+              </a:ext>
+            </a:extLst>
+          </p:cNvPr>
+          <p:cNvSpPr>
+            <a:spLocks noGrp="1"/>
+          </p:cNvSpPr>
+          <p:nvPr>
+            <p:ph type="title"/>
+          </p:nvPr>
+        </p:nvSpPr>
+        <p:spPr/>
+        <p:txBody>
+          <a:bodyPr/>
+          <a:lstStyle/>
+          <a:p>
+            <a:r>
+              <a:rPr lang="en-US" dirty="0"/>
+              <a:t>Recommendations:</a:t>
+            </a:r>
+          </a:p>
+        </p:txBody>
+      </p:sp>
+      <p:pic>
+        <p:nvPicPr>
+          <p:cNvPr id="1026" name="Picture 2" descr="Social Distancing Images, Stock Photos &amp; Vectors | Shutterstock">
+            <a:extLst>
+              <a:ext uri="{FF2B5EF4-FFF2-40B4-BE49-F238E27FC236}">
+                <a16:creationId xmlns:a16="http://schemas.microsoft.com/office/drawing/2014/main" id="{2561FE4D-521D-4F43-9DC3-27944E6DD7B0}"/>
+              </a:ext>
+            </a:extLst>
+          </p:cNvPr>
+          <p:cNvPicPr>
+            <a:picLocks noChangeAspect="1" noChangeArrowheads="1"/>
+          </p:cNvPicPr>
+          <p:nvPr/>
+        </p:nvPicPr>
+        <p:blipFill>
+          <a:blip r:embed="rId2">
+            <a:duotone>
+              <a:schemeClr val="accent1">
+                <a:shade val="45000"/>
+                <a:satMod val="135000"/>
+              </a:schemeClr>
+              <a:prstClr val="white"/>
+            </a:duotone>
+            <a:extLst>
+              <a:ext uri="{28A0092B-C50C-407E-A947-70E740481C1C}">
+                <a14:useLocalDpi xmlns:a14="http://schemas.microsoft.com/office/drawing/2010/main" val="0"/>
+              </a:ext>
+            </a:extLst>
+          </a:blip>
+          <a:srcRect/>
+          <a:stretch>
+            <a:fillRect/>
+          </a:stretch>
+        </p:blipFill>
+        <p:spPr bwMode="auto">
+          <a:xfrm>
+            <a:off x="429260" y="2341244"/>
+            <a:ext cx="1942609" cy="2095500"/>
+          </a:xfrm>
+          <a:prstGeom prst="rect">
+            <a:avLst/>
+          </a:prstGeom>
+          <a:noFill/>
+          <a:extLst>
+            <a:ext uri="{909E8E84-426E-40DD-AFC4-6F175D3DCCD1}">
+              <a14:hiddenFill xmlns:a14="http://schemas.microsoft.com/office/drawing/2010/main">
+                <a:solidFill>
+                  <a:srgbClr val="FFFFFF"/>
+                </a:solidFill>
+              </a14:hiddenFill>
+            </a:ext>
+          </a:extLst>
+        </p:spPr>
+      </p:pic>
+      <p:pic>
+        <p:nvPicPr>
+          <p:cNvPr id="1028" name="Picture 4" descr="Hand Wash Icons - Download Free Vector Icons | Noun Project">
+            <a:extLst>
+              <a:ext uri="{FF2B5EF4-FFF2-40B4-BE49-F238E27FC236}">
+                <a16:creationId xmlns:a16="http://schemas.microsoft.com/office/drawing/2014/main" id="{BADDB36B-0D0B-45D2-A0D5-C1A919EDAE87}"/>
+              </a:ext>
+            </a:extLst>
+          </p:cNvPr>
+          <p:cNvPicPr>
+            <a:picLocks noChangeAspect="1" noChangeArrowheads="1"/>
+          </p:cNvPicPr>
+          <p:nvPr/>
+        </p:nvPicPr>
+        <p:blipFill>
+          <a:blip r:embed="rId3">
+            <a:duotone>
+              <a:schemeClr val="accent1">
+                <a:shade val="45000"/>
+                <a:satMod val="135000"/>
+              </a:schemeClr>
+              <a:prstClr val="white"/>
+            </a:duotone>
+            <a:extLst>
+              <a:ext uri="{28A0092B-C50C-407E-A947-70E740481C1C}">
+                <a14:useLocalDpi xmlns:a14="http://schemas.microsoft.com/office/drawing/2010/main" val="0"/>
+              </a:ext>
+            </a:extLst>
+          </a:blip>
+          <a:srcRect/>
+          <a:stretch>
+            <a:fillRect/>
+          </a:stretch>
+        </p:blipFill>
+        <p:spPr bwMode="auto">
+          <a:xfrm>
+            <a:off x="2807725" y="2341245"/>
+            <a:ext cx="2095499" cy="2095499"/>
+          </a:xfrm>
+          <a:prstGeom prst="rect">
+            <a:avLst/>
+          </a:prstGeom>
+          <a:noFill/>
+          <a:extLst>
+            <a:ext uri="{909E8E84-426E-40DD-AFC4-6F175D3DCCD1}">
+              <a14:hiddenFill xmlns:a14="http://schemas.microsoft.com/office/drawing/2010/main">
+                <a:solidFill>
+                  <a:srgbClr val="FFFFFF"/>
+                </a:solidFill>
+              </a14:hiddenFill>
+            </a:ext>
+          </a:extLst>
+        </p:spPr>
+      </p:pic>
+      <p:pic>
+        <p:nvPicPr>
+          <p:cNvPr id="1030" name="Picture 6" descr="No Travel Icon of Colored Outline style - Available in SVG, PNG ...">
+            <a:extLst>
+              <a:ext uri="{FF2B5EF4-FFF2-40B4-BE49-F238E27FC236}">
+                <a16:creationId xmlns:a16="http://schemas.microsoft.com/office/drawing/2014/main" id="{9BC5219A-5F95-4093-9266-2A19CEF8FB54}"/>
+              </a:ext>
+            </a:extLst>
+          </p:cNvPr>
+          <p:cNvPicPr>
+            <a:picLocks noChangeAspect="1" noChangeArrowheads="1"/>
+          </p:cNvPicPr>
+          <p:nvPr/>
+        </p:nvPicPr>
+        <p:blipFill>
+          <a:blip r:embed="rId4">
+            <a:duotone>
+              <a:schemeClr val="accent1">
+                <a:shade val="45000"/>
+                <a:satMod val="135000"/>
+              </a:schemeClr>
+              <a:prstClr val="white"/>
+            </a:duotone>
+            <a:extLst>
+              <a:ext uri="{28A0092B-C50C-407E-A947-70E740481C1C}">
+                <a14:useLocalDpi xmlns:a14="http://schemas.microsoft.com/office/drawing/2010/main" val="0"/>
+              </a:ext>
+            </a:extLst>
+          </a:blip>
+          <a:srcRect/>
+          <a:stretch>
+            <a:fillRect/>
+          </a:stretch>
+        </p:blipFill>
+        <p:spPr bwMode="auto">
+          <a:xfrm>
+            <a:off x="6238876" y="2242820"/>
+            <a:ext cx="2219324" cy="2219324"/>
+          </a:xfrm>
+          <a:prstGeom prst="rect">
+            <a:avLst/>
+          </a:prstGeom>
+          <a:noFill/>
+          <a:extLst>
+            <a:ext uri="{909E8E84-426E-40DD-AFC4-6F175D3DCCD1}">
+              <a14:hiddenFill xmlns:a14="http://schemas.microsoft.com/office/drawing/2010/main">
+                <a:solidFill>
+                  <a:srgbClr val="FFFFFF"/>
+                </a:solidFill>
+              </a14:hiddenFill>
+            </a:ext>
+          </a:extLst>
+        </p:spPr>
+      </p:pic>
+      <p:sp>
+        <p:nvSpPr>
+          <p:cNvPr id="4" name="TextBox 3">
+            <a:extLst>
+              <a:ext uri="{FF2B5EF4-FFF2-40B4-BE49-F238E27FC236}">
+                <a16:creationId xmlns:a16="http://schemas.microsoft.com/office/drawing/2014/main" id="{CD0938D9-FF38-4ECC-B169-466CFACF937A}"/>
+              </a:ext>
+            </a:extLst>
+          </p:cNvPr>
+          <p:cNvSpPr txBox="1"/>
+          <p:nvPr/>
+        </p:nvSpPr>
+        <p:spPr>
+          <a:xfrm>
+            <a:off x="6434138" y="4805044"/>
+            <a:ext cx="1828800" cy="369332"/>
+          </a:xfrm>
+          <a:prstGeom prst="rect">
+            <a:avLst/>
+          </a:prstGeom>
+          <a:noFill/>
+        </p:spPr>
+        <p:txBody>
+          <a:bodyPr wrap="square" rtlCol="0">
+            <a:spAutoFit/>
+          </a:bodyPr>
+          <a:lstStyle/>
+          <a:p>
+            <a:r>
+              <a:rPr lang="en-US" dirty="0">
+                <a:solidFill>
+                  <a:schemeClr val="bg1"/>
+                </a:solidFill>
+              </a:rPr>
+              <a:t>Minimize travel</a:t>
+            </a:r>
+          </a:p>
+        </p:txBody>
+      </p:sp>
+      <p:sp>
+        <p:nvSpPr>
+          <p:cNvPr id="8" name="TextBox 7">
+            <a:extLst>
+              <a:ext uri="{FF2B5EF4-FFF2-40B4-BE49-F238E27FC236}">
+                <a16:creationId xmlns:a16="http://schemas.microsoft.com/office/drawing/2014/main" id="{E32FCC94-711D-4159-8137-904481C8FC25}"/>
+              </a:ext>
+            </a:extLst>
+          </p:cNvPr>
+          <p:cNvSpPr txBox="1"/>
+          <p:nvPr/>
+        </p:nvSpPr>
+        <p:spPr>
+          <a:xfrm>
+            <a:off x="666750" y="4872988"/>
+            <a:ext cx="3848100" cy="1200329"/>
+          </a:xfrm>
+          <a:prstGeom prst="rect">
+            <a:avLst/>
+          </a:prstGeom>
+          <a:noFill/>
+        </p:spPr>
+        <p:txBody>
+          <a:bodyPr wrap="square" rtlCol="0">
+            <a:spAutoFit/>
+          </a:bodyPr>
+          <a:lstStyle/>
+          <a:p>
+            <a:r>
+              <a:rPr lang="en-US" dirty="0">
+                <a:solidFill>
+                  <a:schemeClr val="bg1"/>
+                </a:solidFill>
+              </a:rPr>
+              <a:t>Practice social distancing and good hygiene.</a:t>
+            </a:r>
+          </a:p>
+          <a:p>
+            <a:r>
+              <a:rPr lang="en-US" dirty="0">
+                <a:solidFill>
+                  <a:schemeClr val="bg1"/>
+                </a:solidFill>
+              </a:rPr>
+              <a:t>Encourage/ensure those in your household do the same.</a:t>
+            </a:r>
+          </a:p>
+        </p:txBody>
+      </p:sp>
+      <p:sp>
+        <p:nvSpPr>
+          <p:cNvPr id="11" name="Rectangle 10">
+            <a:extLst>
+              <a:ext uri="{FF2B5EF4-FFF2-40B4-BE49-F238E27FC236}">
+                <a16:creationId xmlns:a16="http://schemas.microsoft.com/office/drawing/2014/main" id="{7D8034CD-50D0-43FC-AA94-C9A7C75EE1DD}"/>
+              </a:ext>
+            </a:extLst>
+          </p:cNvPr>
+          <p:cNvSpPr/>
+          <p:nvPr/>
+        </p:nvSpPr>
+        <p:spPr>
+          <a:xfrm>
+            <a:off x="9133840" y="1899920"/>
+            <a:ext cx="2905760" cy="4572000"/>
+          </a:xfrm>
+          <a:prstGeom prst="rect">
+            <a:avLst/>
+          </a:prstGeom>
+        </p:spPr>
+        <p:style>
+          <a:lnRef idx="2">
+            <a:schemeClr val="dk1">
+              <a:shade val="50000"/>
+            </a:schemeClr>
+          </a:lnRef>
+          <a:fillRef idx="1">
+            <a:schemeClr val="dk1"/>
+          </a:fillRef>
+          <a:effectRef idx="0">
+            <a:schemeClr val="dk1"/>
+          </a:effectRef>
+          <a:fontRef idx="minor">
+            <a:schemeClr val="lt1"/>
+          </a:fontRef>
+        </p:style>
+        <p:txBody>
+          <a:bodyPr rtlCol="0" anchor="ctr"/>
+          <a:lstStyle/>
+          <a:p>
+            <a:pPr algn="ctr"/>
+            <a:endParaRPr lang="en-US"/>
+          </a:p>
+        </p:txBody>
+      </p:sp>
+      <p:sp>
+        <p:nvSpPr>
+          <p:cNvPr id="12" name="TextBox 11">
+            <a:extLst>
+              <a:ext uri="{FF2B5EF4-FFF2-40B4-BE49-F238E27FC236}">
+                <a16:creationId xmlns:a16="http://schemas.microsoft.com/office/drawing/2014/main" id="{6FE66937-7309-46DE-8C89-F94DABA48FD0}"/>
+              </a:ext>
+            </a:extLst>
+          </p:cNvPr>
+          <p:cNvSpPr txBox="1"/>
+          <p:nvPr/>
+        </p:nvSpPr>
+        <p:spPr>
+          <a:xfrm>
+            <a:off x="9408796" y="4691550"/>
+            <a:ext cx="2580640" cy="1200329"/>
+          </a:xfrm>
+          <a:prstGeom prst="rect">
+            <a:avLst/>
+          </a:prstGeom>
+          <a:noFill/>
+        </p:spPr>
+        <p:txBody>
+          <a:bodyPr wrap="square" rtlCol="0">
+            <a:spAutoFit/>
+          </a:bodyPr>
+          <a:lstStyle/>
+          <a:p>
+            <a:r>
+              <a:rPr lang="en-US" dirty="0">
+                <a:solidFill>
+                  <a:schemeClr val="bg1"/>
+                </a:solidFill>
+              </a:rPr>
+              <a:t>If taking prescription medications, discuss with physician increased risk for infection.</a:t>
+            </a:r>
+          </a:p>
+        </p:txBody>
+      </p:sp>
+      <p:pic>
+        <p:nvPicPr>
+          <p:cNvPr id="1034" name="Picture 10" descr="Medicine Icons">
+            <a:extLst>
+              <a:ext uri="{FF2B5EF4-FFF2-40B4-BE49-F238E27FC236}">
+                <a16:creationId xmlns:a16="http://schemas.microsoft.com/office/drawing/2014/main" id="{0540E28A-15EE-477C-BCB7-900B1CBAA4F7}"/>
+              </a:ext>
+            </a:extLst>
+          </p:cNvPr>
+          <p:cNvPicPr>
+            <a:picLocks noChangeAspect="1" noChangeArrowheads="1"/>
+          </p:cNvPicPr>
+          <p:nvPr/>
+        </p:nvPicPr>
+        <p:blipFill>
+          <a:blip r:embed="rId5">
+            <a:duotone>
+              <a:schemeClr val="accent1">
+                <a:shade val="45000"/>
+                <a:satMod val="135000"/>
+              </a:schemeClr>
+              <a:prstClr val="white"/>
+            </a:duotone>
+            <a:extLst>
+              <a:ext uri="{28A0092B-C50C-407E-A947-70E740481C1C}">
+                <a14:useLocalDpi xmlns:a14="http://schemas.microsoft.com/office/drawing/2010/main" val="0"/>
+              </a:ext>
+            </a:extLst>
+          </a:blip>
+          <a:srcRect/>
+          <a:stretch>
+            <a:fillRect/>
+          </a:stretch>
+        </p:blipFill>
+        <p:spPr bwMode="auto">
+          <a:xfrm>
+            <a:off x="9515157" y="2242820"/>
+            <a:ext cx="2143125" cy="2143125"/>
+          </a:xfrm>
+          <a:prstGeom prst="rect">
+            <a:avLst/>
+          </a:prstGeom>
+          <a:noFill/>
+          <a:extLst>
+            <a:ext uri="{909E8E84-426E-40DD-AFC4-6F175D3DCCD1}">
+              <a14:hiddenFill xmlns:a14="http://schemas.microsoft.com/office/drawing/2010/main">
+                <a:solidFill>
+                  <a:srgbClr val="FFFFFF"/>
+                </a:solidFill>
+              </a14:hiddenFill>
+            </a:ext>
+          </a:extLst>
+        </p:spPr>
+      </p:pic>
+    </p:spTree>
+    <p:extLst>
+      <p:ext uri="{BB962C8B-B14F-4D97-AF65-F5344CB8AC3E}">
+        <p14:creationId xmlns:p14="http://schemas.microsoft.com/office/powerpoint/2010/main" val="811711130"/>
+      </p:ext>
+    </p:extLst>
+  </p:cSld>
+  <p:clrMapOvr>
+    <a:masterClrMapping/>
+  </p:clrMapOvr>
+  <mc:AlternateContent xmlns:mc="http://schemas.openxmlformats.org/markup-compatibility/2006" xmlns:p14="http://schemas.microsoft.com/office/powerpoint/2010/main">
+    <mc:Choice Requires="p14">
+      <p:transition spd="med" p14:dur="700">
+        <p:fade/>
+      </p:transition>
+    </mc:Choice>
+    <mc:Fallback xmlns="">
+      <p:transition spd="med">
+        <p:fade/>
+      </p:transition>
+    </mc:Fallback>
+  </mc:AlternateContent>
+</p:sld>
+</file>
+
+<file path=ppt/slides/slide11.xml><?xml version="1.0" encoding="utf-8"?>
+<p:sld xmlns:a="http://schemas.openxmlformats.org/drawingml/2006/main" xmlns:r="http://schemas.openxmlformats.org/officeDocument/2006/relationships" xmlns:p="http://schemas.openxmlformats.org/presentationml/2006/main">
+  <p:cSld>
+    <p:spTree>
+      <p:nvGrpSpPr>
+        <p:cNvPr id="1" name=""/>
+        <p:cNvGrpSpPr/>
+        <p:nvPr/>
+      </p:nvGrpSpPr>
+      <p:grpSpPr>
+        <a:xfrm>
+          <a:off x="0" y="0"/>
+          <a:ext cx="0" cy="0"/>
+          <a:chOff x="0" y="0"/>
+          <a:chExt cx="0" cy="0"/>
+        </a:xfrm>
+      </p:grpSpPr>
+      <p:sp>
+        <p:nvSpPr>
           <p:cNvPr id="22" name="Rectangle 21">
             <a:extLst>
               <a:ext uri="{FF2B5EF4-FFF2-40B4-BE49-F238E27FC236}">
@@ -5255,7 +5819,7 @@
         </p:nvSpPr>
         <p:spPr>
           <a:xfrm>
-            <a:off x="876300" y="1968549"/>
+            <a:off x="762000" y="2023236"/>
             <a:ext cx="3455438" cy="4500962"/>
           </a:xfrm>
           <a:prstGeom prst="rect">
@@ -5677,8 +6241,8 @@
         </p:nvSpPr>
         <p:spPr>
           <a:xfrm>
-            <a:off x="6661701" y="3992546"/>
-            <a:ext cx="3505200" cy="2585323"/>
+            <a:off x="6400801" y="4013693"/>
+            <a:ext cx="3886199" cy="2585323"/>
           </a:xfrm>
           <a:prstGeom prst="rect">
             <a:avLst/>
@@ -5692,7 +6256,50 @@
           <a:p>
             <a:r>
               <a:rPr lang="en-US" dirty="0"/>
-              <a:t>This feature was complex and the unsorted data contained over 57K values.  Since this feature demonstrated a top factor in contraction of COVID19, isolated work could be done to identify what medications or combination of medications if any could reduce contraction of the disease.</a:t>
+              <a:t>Out of the 1200 unique medications:</a:t>
+            </a:r>
+          </a:p>
+          <a:p>
+            <a:endParaRPr lang="en-US" dirty="0"/>
+          </a:p>
+          <a:p>
+            <a:pPr marL="285750" indent="-285750">
+              <a:buFont typeface="Arial" panose="020B0604020202020204" pitchFamily="34" charset="0"/>
+              <a:buChar char="•"/>
+            </a:pPr>
+            <a:r>
+              <a:rPr lang="en-US" dirty="0"/>
+              <a:t>Identify what medications or combinations </a:t>
+            </a:r>
+          </a:p>
+          <a:p>
+            <a:pPr marL="285750" indent="-285750">
+              <a:buFont typeface="Arial" panose="020B0604020202020204" pitchFamily="34" charset="0"/>
+              <a:buChar char="•"/>
+            </a:pPr>
+            <a:endParaRPr lang="en-US" dirty="0"/>
+          </a:p>
+          <a:p>
+            <a:pPr marL="285750" indent="-285750">
+              <a:buFont typeface="Arial" panose="020B0604020202020204" pitchFamily="34" charset="0"/>
+              <a:buChar char="•"/>
+            </a:pPr>
+            <a:r>
+              <a:rPr lang="en-US" dirty="0"/>
+              <a:t>Evaluate if increase in number of prescriptions </a:t>
+            </a:r>
+          </a:p>
+          <a:p>
+            <a:pPr marL="285750" indent="-285750">
+              <a:buFont typeface="Arial" panose="020B0604020202020204" pitchFamily="34" charset="0"/>
+              <a:buChar char="•"/>
+            </a:pPr>
+            <a:endParaRPr lang="en-US" dirty="0"/>
+          </a:p>
+          <a:p>
+            <a:r>
+              <a:rPr lang="en-US" dirty="0"/>
+              <a:t>Are contributing factors</a:t>
             </a:r>
           </a:p>
         </p:txBody>
@@ -5722,7 +6329,7 @@
 </p:sld>
 </file>
 
-<file path=ppt/slides/slide11.xml><?xml version="1.0" encoding="utf-8"?>
+<file path=ppt/slides/slide12.xml><?xml version="1.0" encoding="utf-8"?>
 <p:sld xmlns:a="http://schemas.openxmlformats.org/drawingml/2006/main" xmlns:r="http://schemas.openxmlformats.org/officeDocument/2006/relationships" xmlns:p="http://schemas.openxmlformats.org/presentationml/2006/main">
   <p:cSld>
     <p:spTree>

--- a/Covid19Preso.pptx
+++ b/Covid19Preso.pptx
@@ -145,7 +145,7 @@
 
 <file path=ppt/commentAuthors.xml><?xml version="1.0" encoding="utf-8"?>
 <p:cmAuthorLst xmlns:a="http://schemas.openxmlformats.org/drawingml/2006/main" xmlns:r="http://schemas.openxmlformats.org/officeDocument/2006/relationships" xmlns:p="http://schemas.openxmlformats.org/presentationml/2006/main">
-  <p:cmAuthor id="1" name="Andrea Osika -X (aosika - BAY AREA TECHWORKERS at Cisco)" initials="AO-(-BATaC" lastIdx="1" clrIdx="0">
+  <p:cmAuthor id="1" name="Andrea Osika -X (aosika - BAY AREA TECHWORKERS at Cisco)" initials="AO-(-BATaC" lastIdx="2" clrIdx="0">
     <p:extLst>
       <p:ext uri="{19B8F6BF-5375-455C-9EA6-DF929625EA0E}">
         <p15:presenceInfo xmlns:p15="http://schemas.microsoft.com/office/powerpoint/2012/main" userId="S::aosika@cisco.com::ee286a3d-2621-4912-b6b7-c2c175282c1e" providerId="AD"/>
@@ -237,7 +237,7 @@
           <a:p>
             <a:fld id="{043B725B-653D-4166-A8E9-72A38A1847CF}" type="datetimeFigureOut">
               <a:rPr lang="en-US"/>
-              <a:t>4/30/2020</a:t>
+              <a:t>5/1/2020</a:t>
             </a:fld>
             <a:endParaRPr/>
           </a:p>
@@ -402,7 +402,7 @@
           <a:p>
             <a:fld id="{783F64CD-0576-4A9A-BD06-7889D6E60BDC}" type="datetimeFigureOut">
               <a:rPr lang="en-US"/>
-              <a:t>4/30/2020</a:t>
+              <a:t>5/1/2020</a:t>
             </a:fld>
             <a:endParaRPr/>
           </a:p>
@@ -996,6 +996,79 @@
             <a:endParaRPr lang="fr-FR" dirty="0"/>
           </a:p>
           <a:p>
+            <a:r>
+              <a:rPr lang="fr-FR" dirty="0" err="1"/>
+              <a:t>Testing</a:t>
+            </a:r>
+            <a:r>
+              <a:rPr lang="fr-FR" dirty="0"/>
+              <a:t> in the United States at </a:t>
+            </a:r>
+            <a:r>
+              <a:rPr lang="fr-FR" dirty="0" err="1"/>
+              <a:t>this</a:t>
+            </a:r>
+            <a:r>
+              <a:rPr lang="fr-FR" dirty="0"/>
+              <a:t> time </a:t>
+            </a:r>
+            <a:r>
+              <a:rPr lang="fr-FR" dirty="0" err="1"/>
+              <a:t>was</a:t>
+            </a:r>
+            <a:r>
+              <a:rPr lang="fr-FR" dirty="0"/>
+              <a:t> </a:t>
+            </a:r>
+            <a:r>
+              <a:rPr lang="fr-FR" dirty="0" err="1"/>
+              <a:t>limited</a:t>
+            </a:r>
+            <a:r>
+              <a:rPr lang="fr-FR" dirty="0"/>
+              <a:t> due to </a:t>
+            </a:r>
+            <a:r>
+              <a:rPr lang="fr-FR" dirty="0" err="1"/>
+              <a:t>shortages</a:t>
+            </a:r>
+            <a:r>
+              <a:rPr lang="fr-FR" dirty="0"/>
+              <a:t> of supplies and </a:t>
+            </a:r>
+            <a:r>
+              <a:rPr lang="fr-FR" dirty="0" err="1"/>
+              <a:t>latency</a:t>
+            </a:r>
+            <a:r>
+              <a:rPr lang="fr-FR" dirty="0"/>
+              <a:t> in </a:t>
+            </a:r>
+            <a:r>
+              <a:rPr lang="fr-FR" dirty="0" err="1"/>
+              <a:t>receiving</a:t>
+            </a:r>
+            <a:r>
+              <a:rPr lang="fr-FR" dirty="0"/>
+              <a:t> </a:t>
+            </a:r>
+            <a:r>
+              <a:rPr lang="fr-FR" dirty="0" err="1"/>
+              <a:t>results</a:t>
+            </a:r>
+            <a:r>
+              <a:rPr lang="fr-FR" dirty="0"/>
+              <a:t>.</a:t>
+            </a:r>
+            <a:br>
+              <a:rPr lang="fr-FR" dirty="0"/>
+            </a:br>
+            <a:endParaRPr lang="fr-FR" dirty="0"/>
+          </a:p>
+          <a:p>
+            <a:endParaRPr lang="fr-FR" dirty="0"/>
+          </a:p>
+          <a:p>
             <a:endParaRPr lang="en-US" dirty="0"/>
           </a:p>
           <a:p>
@@ -1249,7 +1322,7 @@
                 <a:ea typeface="+mn-ea"/>
                 <a:cs typeface="+mn-cs"/>
               </a:rPr>
-              <a:t> the diagnostic ability of binary classifiers. It shows the tradeoff between sensitivity and specificity (any increase in sensitivity will be accompanied by a decrease in specificity). The closer the curve follows the left-hand border and then the top border of the </a:t>
+              <a:t> the diagnostic ability of binary classifiers. It shows the tradeoff between sensitivity TP/(TP+FN) and specificity TN/(TN+FP)  (any increase in sensitivity will be accompanied by a decrease in specificity). The closer the curve follows the left-hand border and then the top border of the </a:t>
             </a:r>
             <a:r>
               <a:rPr lang="en-US" sz="1200" b="1" i="0" kern="1200" dirty="0">
@@ -1407,6 +1480,22 @@
           <a:bodyPr/>
           <a:lstStyle/>
           <a:p>
+            <a:r>
+              <a:rPr lang="en-US" dirty="0"/>
+              <a:t>Feature importance </a:t>
+            </a:r>
+            <a:r>
+              <a:rPr lang="en-US" sz="1200" b="0" i="0" kern="1200" dirty="0">
+                <a:solidFill>
+                  <a:schemeClr val="tx1"/>
+                </a:solidFill>
+                <a:effectLst/>
+                <a:latin typeface="+mn-lt"/>
+                <a:ea typeface="+mn-ea"/>
+                <a:cs typeface="+mn-cs"/>
+              </a:rPr>
+              <a:t>directly measures variable importance by observing the effect on model accuracy of randomly shuffling each predictor variable. </a:t>
+            </a:r>
             <a:endParaRPr lang="en-US" dirty="0"/>
           </a:p>
         </p:txBody>
@@ -1867,7 +1956,7 @@
           <a:p>
             <a:fld id="{37CC0096-1860-4642-9CD2-0079EA5E7CD1}" type="datetimeFigureOut">
               <a:rPr lang="en-US"/>
-              <a:t>4/30/2020</a:t>
+              <a:t>5/1/2020</a:t>
             </a:fld>
             <a:endParaRPr/>
           </a:p>
@@ -2116,7 +2205,7 @@
           <a:p>
             <a:fld id="{37CC0096-1860-4642-9CD2-0079EA5E7CD1}" type="datetimeFigureOut">
               <a:rPr lang="en-US"/>
-              <a:t>4/30/2020</a:t>
+              <a:t>5/1/2020</a:t>
             </a:fld>
             <a:endParaRPr/>
           </a:p>
@@ -2302,7 +2391,7 @@
           <a:p>
             <a:fld id="{37CC0096-1860-4642-9CD2-0079EA5E7CD1}" type="datetimeFigureOut">
               <a:rPr lang="en-US"/>
-              <a:t>4/30/2020</a:t>
+              <a:t>5/1/2020</a:t>
             </a:fld>
             <a:endParaRPr/>
           </a:p>
@@ -2833,7 +2922,7 @@
           <a:p>
             <a:fld id="{37CC0096-1860-4642-9CD2-0079EA5E7CD1}" type="datetimeFigureOut">
               <a:rPr lang="en-US"/>
-              <a:t>4/30/2020</a:t>
+              <a:t>5/1/2020</a:t>
             </a:fld>
             <a:endParaRPr/>
           </a:p>
@@ -3285,7 +3374,7 @@
           <a:p>
             <a:fld id="{37CC0096-1860-4642-9CD2-0079EA5E7CD1}" type="datetimeFigureOut">
               <a:rPr lang="en-US"/>
-              <a:t>4/30/2020</a:t>
+              <a:t>5/1/2020</a:t>
             </a:fld>
             <a:endParaRPr/>
           </a:p>
@@ -3415,7 +3504,7 @@
           <a:p>
             <a:fld id="{37CC0096-1860-4642-9CD2-0079EA5E7CD1}" type="datetimeFigureOut">
               <a:rPr lang="en-US"/>
-              <a:t>4/30/2020</a:t>
+              <a:t>5/1/2020</a:t>
             </a:fld>
             <a:endParaRPr/>
           </a:p>
@@ -3522,7 +3611,7 @@
           <a:p>
             <a:fld id="{37CC0096-1860-4642-9CD2-0079EA5E7CD1}" type="datetimeFigureOut">
               <a:rPr lang="en-US"/>
-              <a:t>4/30/2020</a:t>
+              <a:t>5/1/2020</a:t>
             </a:fld>
             <a:endParaRPr/>
           </a:p>
@@ -4511,7 +4600,7 @@
             <a:fld id="{37CC0096-1860-4642-9CD2-0079EA5E7CD1}" type="datetimeFigureOut">
               <a:rPr lang="en-US" smtClean="0"/>
               <a:pPr/>
-              <a:t>4/30/2020</a:t>
+              <a:t>5/1/2020</a:t>
             </a:fld>
             <a:endParaRPr lang="en-US" dirty="0"/>
           </a:p>
@@ -5144,7 +5233,7 @@
         </p:nvSpPr>
         <p:spPr>
           <a:xfrm>
-            <a:off x="152400" y="1905000"/>
+            <a:off x="152400" y="1840071"/>
             <a:ext cx="5257800" cy="4572000"/>
           </a:xfrm>
           <a:prstGeom prst="rect">
@@ -5192,7 +5281,12 @@
             <p:ph type="title"/>
           </p:nvPr>
         </p:nvSpPr>
-        <p:spPr/>
+        <p:spPr>
+          <a:xfrm>
+            <a:off x="381000" y="101673"/>
+            <a:ext cx="10058400" cy="1325563"/>
+          </a:xfrm>
+        </p:spPr>
         <p:txBody>
           <a:bodyPr/>
           <a:lstStyle/>
@@ -5336,6 +5430,15 @@
               <a:prstClr val="white"/>
             </a:duotone>
             <a:extLst>
+              <a:ext uri="{BEBA8EAE-BF5A-486C-A8C5-ECC9F3942E4B}">
+                <a14:imgProps xmlns:a14="http://schemas.microsoft.com/office/drawing/2010/main">
+                  <a14:imgLayer r:embed="rId5">
+                    <a14:imgEffect>
+                      <a14:saturation sat="400000"/>
+                    </a14:imgEffect>
+                  </a14:imgLayer>
+                </a14:imgProps>
+              </a:ext>
               <a:ext uri="{28A0092B-C50C-407E-A947-70E740481C1C}">
                 <a14:useLocalDpi xmlns:a14="http://schemas.microsoft.com/office/drawing/2010/main" val="0"/>
               </a:ext>
@@ -5354,16 +5457,14 @@
           <a:prstGeom prst="rect">
             <a:avLst/>
           </a:prstGeom>
-          <a:noFill/>
-          <a:extLst>
-            <a:ext uri="{909E8E84-426E-40DD-AFC4-6F175D3DCCD1}">
-              <a14:hiddenFill xmlns:a14="http://schemas.microsoft.com/office/drawing/2010/main">
-                <a:solidFill>
-                  <a:srgbClr val="FFFFFF"/>
-                </a:solidFill>
-              </a14:hiddenFill>
-            </a:ext>
-          </a:extLst>
+          <a:solidFill>
+            <a:schemeClr val="bg1"/>
+          </a:solidFill>
+          <a:ln>
+            <a:solidFill>
+              <a:srgbClr val="FDFAFA"/>
+            </a:solidFill>
+          </a:ln>
         </p:spPr>
       </p:pic>
       <p:sp>
@@ -5380,8 +5481,8 @@
         </p:nvSpPr>
         <p:spPr>
           <a:xfrm>
-            <a:off x="6434138" y="4805044"/>
-            <a:ext cx="1828800" cy="369332"/>
+            <a:off x="6238876" y="4805044"/>
+            <a:ext cx="2024062" cy="369332"/>
           </a:xfrm>
           <a:prstGeom prst="rect">
             <a:avLst/>
@@ -5394,6 +5495,10 @@
           </a:bodyPr>
           <a:lstStyle/>
           <a:p>
+            <a:pPr marL="285750" indent="-285750">
+              <a:buFont typeface="Arial" panose="020B0604020202020204" pitchFamily="34" charset="0"/>
+              <a:buChar char="•"/>
+            </a:pPr>
             <a:r>
               <a:rPr lang="en-US" dirty="0">
                 <a:solidFill>
@@ -5419,8 +5524,8 @@
         </p:nvSpPr>
         <p:spPr>
           <a:xfrm>
-            <a:off x="666750" y="4872988"/>
-            <a:ext cx="3848100" cy="1200329"/>
+            <a:off x="391160" y="4547244"/>
+            <a:ext cx="4591050" cy="1754326"/>
           </a:xfrm>
           <a:prstGeom prst="rect">
             <a:avLst/>
@@ -5433,6 +5538,10 @@
           </a:bodyPr>
           <a:lstStyle/>
           <a:p>
+            <a:pPr marL="285750" indent="-285750">
+              <a:buFont typeface="Arial" panose="020B0604020202020204" pitchFamily="34" charset="0"/>
+              <a:buChar char="•"/>
+            </a:pPr>
             <a:r>
               <a:rPr lang="en-US" dirty="0">
                 <a:solidFill>
@@ -5443,6 +5552,10 @@
             </a:r>
           </a:p>
           <a:p>
+            <a:pPr marL="285750" indent="-285750">
+              <a:buFont typeface="Arial" panose="020B0604020202020204" pitchFamily="34" charset="0"/>
+              <a:buChar char="•"/>
+            </a:pPr>
             <a:r>
               <a:rPr lang="en-US" dirty="0">
                 <a:solidFill>
@@ -5450,6 +5563,20 @@
                 </a:solidFill>
               </a:rPr>
               <a:t>Encourage/ensure those in your household do the same.</a:t>
+            </a:r>
+          </a:p>
+          <a:p>
+            <a:pPr marL="285750" indent="-285750">
+              <a:buFont typeface="Arial" panose="020B0604020202020204" pitchFamily="34" charset="0"/>
+              <a:buChar char="•"/>
+            </a:pPr>
+            <a:r>
+              <a:rPr lang="en-US" dirty="0">
+                <a:solidFill>
+                  <a:schemeClr val="bg1"/>
+                </a:solidFill>
+              </a:rPr>
+              <a:t>Avoid contact with those known to be infected.</a:t>
             </a:r>
           </a:p>
         </p:txBody>
@@ -5515,7 +5642,7 @@
         <p:spPr>
           <a:xfrm>
             <a:off x="9408796" y="4691550"/>
-            <a:ext cx="2580640" cy="1200329"/>
+            <a:ext cx="2580640" cy="1477328"/>
           </a:xfrm>
           <a:prstGeom prst="rect">
             <a:avLst/>
@@ -5534,7 +5661,7 @@
                   <a:schemeClr val="bg1"/>
                 </a:solidFill>
               </a:rPr>
-              <a:t>If taking prescription medications, discuss with physician increased risk for infection.</a:t>
+              <a:t>If taking prescription medications, discuss with physician possibility for increased risk for infection.</a:t>
             </a:r>
           </a:p>
         </p:txBody>
@@ -5554,7 +5681,7 @@
           <p:nvPr/>
         </p:nvPicPr>
         <p:blipFill>
-          <a:blip r:embed="rId5">
+          <a:blip r:embed="rId6">
             <a:duotone>
               <a:schemeClr val="accent1">
                 <a:shade val="45000"/>
@@ -5593,6 +5720,60 @@
           </a:extLst>
         </p:spPr>
       </p:pic>
+      <p:sp>
+        <p:nvSpPr>
+          <p:cNvPr id="3" name="Rectangle 2">
+            <a:extLst>
+              <a:ext uri="{FF2B5EF4-FFF2-40B4-BE49-F238E27FC236}">
+                <a16:creationId xmlns:a16="http://schemas.microsoft.com/office/drawing/2014/main" id="{7639BB74-E1F2-4274-A3F3-DE98811C310A}"/>
+              </a:ext>
+            </a:extLst>
+          </p:cNvPr>
+          <p:cNvSpPr/>
+          <p:nvPr/>
+        </p:nvSpPr>
+        <p:spPr>
+          <a:xfrm>
+            <a:off x="609600" y="4191000"/>
+            <a:ext cx="1600200" cy="194945"/>
+          </a:xfrm>
+          <a:prstGeom prst="rect">
+            <a:avLst/>
+          </a:prstGeom>
+          <a:solidFill>
+            <a:schemeClr val="bg1"/>
+          </a:solidFill>
+          <a:ln>
+            <a:solidFill>
+              <a:schemeClr val="bg1"/>
+            </a:solidFill>
+          </a:ln>
+        </p:spPr>
+        <p:style>
+          <a:lnRef idx="2">
+            <a:schemeClr val="accent1">
+              <a:shade val="50000"/>
+            </a:schemeClr>
+          </a:lnRef>
+          <a:fillRef idx="1">
+            <a:schemeClr val="accent1"/>
+          </a:fillRef>
+          <a:effectRef idx="0">
+            <a:schemeClr val="accent1"/>
+          </a:effectRef>
+          <a:fontRef idx="minor">
+            <a:schemeClr val="lt1"/>
+          </a:fontRef>
+        </p:style>
+        <p:txBody>
+          <a:bodyPr rtlCol="0" anchor="ctr"/>
+          <a:lstStyle/>
+          <a:p>
+            <a:pPr algn="ctr"/>
+            <a:endParaRPr lang="en-US"/>
+          </a:p>
+        </p:txBody>
+      </p:sp>
     </p:spTree>
     <p:extLst>
       <p:ext uri="{BB962C8B-B14F-4D97-AF65-F5344CB8AC3E}">
@@ -5621,6 +5802,19 @@
 <file path=ppt/slides/slide11.xml><?xml version="1.0" encoding="utf-8"?>
 <p:sld xmlns:a="http://schemas.openxmlformats.org/drawingml/2006/main" xmlns:r="http://schemas.openxmlformats.org/officeDocument/2006/relationships" xmlns:p="http://schemas.openxmlformats.org/presentationml/2006/main">
   <p:cSld>
+    <p:bg>
+      <p:bgPr>
+        <a:pattFill prst="pct5">
+          <a:fgClr>
+            <a:schemeClr val="bg2"/>
+          </a:fgClr>
+          <a:bgClr>
+            <a:schemeClr val="bg1"/>
+          </a:bgClr>
+        </a:pattFill>
+        <a:effectLst/>
+      </p:bgPr>
+    </p:bg>
     <p:spTree>
       <p:nvGrpSpPr>
         <p:cNvPr id="1" name=""/>
@@ -5649,8 +5843,8 @@
         </p:nvSpPr>
         <p:spPr>
           <a:xfrm>
-            <a:off x="5400247" y="1819674"/>
-            <a:ext cx="5984999" cy="4939106"/>
+            <a:off x="7162800" y="2200674"/>
+            <a:ext cx="4222446" cy="4047726"/>
           </a:xfrm>
           <a:prstGeom prst="rect">
             <a:avLst/>
@@ -5683,6 +5877,130 @@
       </p:sp>
       <p:sp>
         <p:nvSpPr>
+          <p:cNvPr id="13" name="Rectangle 12">
+            <a:extLst>
+              <a:ext uri="{FF2B5EF4-FFF2-40B4-BE49-F238E27FC236}">
+                <a16:creationId xmlns:a16="http://schemas.microsoft.com/office/drawing/2014/main" id="{B13B5151-5188-47BD-9573-849870770DB1}"/>
+              </a:ext>
+            </a:extLst>
+          </p:cNvPr>
+          <p:cNvSpPr/>
+          <p:nvPr/>
+        </p:nvSpPr>
+        <p:spPr>
+          <a:xfrm>
+            <a:off x="214886" y="1814604"/>
+            <a:ext cx="5652513" cy="4939106"/>
+          </a:xfrm>
+          <a:prstGeom prst="rect">
+            <a:avLst/>
+          </a:prstGeom>
+        </p:spPr>
+        <p:style>
+          <a:lnRef idx="2">
+            <a:schemeClr val="accent1">
+              <a:shade val="50000"/>
+            </a:schemeClr>
+          </a:lnRef>
+          <a:fillRef idx="1">
+            <a:schemeClr val="accent1"/>
+          </a:fillRef>
+          <a:effectRef idx="0">
+            <a:schemeClr val="accent1"/>
+          </a:effectRef>
+          <a:fontRef idx="minor">
+            <a:schemeClr val="lt1"/>
+          </a:fontRef>
+        </p:style>
+        <p:txBody>
+          <a:bodyPr rtlCol="0" anchor="ctr"/>
+          <a:lstStyle/>
+          <a:p>
+            <a:pPr algn="ctr"/>
+            <a:endParaRPr lang="en-US"/>
+          </a:p>
+        </p:txBody>
+      </p:sp>
+      <p:sp>
+        <p:nvSpPr>
+          <p:cNvPr id="2" name="Title 1"/>
+          <p:cNvSpPr>
+            <a:spLocks noGrp="1"/>
+          </p:cNvSpPr>
+          <p:nvPr>
+            <p:ph type="title"/>
+          </p:nvPr>
+        </p:nvSpPr>
+        <p:spPr>
+          <a:xfrm>
+            <a:off x="1066800" y="99220"/>
+            <a:ext cx="10058400" cy="1325563"/>
+          </a:xfrm>
+        </p:spPr>
+        <p:txBody>
+          <a:bodyPr anchor="ctr">
+            <a:normAutofit/>
+          </a:bodyPr>
+          <a:lstStyle/>
+          <a:p>
+            <a:r>
+              <a:rPr lang="en-US" dirty="0"/>
+              <a:t>Future Work:</a:t>
+            </a:r>
+          </a:p>
+        </p:txBody>
+      </p:sp>
+      <p:sp>
+        <p:nvSpPr>
+          <p:cNvPr id="16" name="Rectangle 15">
+            <a:extLst>
+              <a:ext uri="{FF2B5EF4-FFF2-40B4-BE49-F238E27FC236}">
+                <a16:creationId xmlns:a16="http://schemas.microsoft.com/office/drawing/2014/main" id="{8BE3BF35-4CA9-4325-A00F-5274171B5793}"/>
+              </a:ext>
+            </a:extLst>
+          </p:cNvPr>
+          <p:cNvSpPr/>
+          <p:nvPr/>
+        </p:nvSpPr>
+        <p:spPr>
+          <a:xfrm>
+            <a:off x="7451113" y="2404236"/>
+            <a:ext cx="3674087" cy="3615564"/>
+          </a:xfrm>
+          <a:prstGeom prst="rect">
+            <a:avLst/>
+          </a:prstGeom>
+          <a:solidFill>
+            <a:srgbClr val="F2F2F2"/>
+          </a:solidFill>
+        </p:spPr>
+        <p:style>
+          <a:lnRef idx="2">
+            <a:schemeClr val="accent1">
+              <a:shade val="50000"/>
+            </a:schemeClr>
+          </a:lnRef>
+          <a:fillRef idx="1">
+            <a:schemeClr val="accent1"/>
+          </a:fillRef>
+          <a:effectRef idx="0">
+            <a:schemeClr val="accent1"/>
+          </a:effectRef>
+          <a:fontRef idx="minor">
+            <a:schemeClr val="lt1"/>
+          </a:fontRef>
+        </p:style>
+        <p:txBody>
+          <a:bodyPr rtlCol="0" anchor="ctr"/>
+          <a:lstStyle/>
+          <a:p>
+            <a:pPr algn="ctr"/>
+            <a:endParaRPr lang="en-US"/>
+          </a:p>
+        </p:txBody>
+      </p:sp>
+      <p:sp>
+        <p:nvSpPr>
           <p:cNvPr id="23" name="Rectangle 22">
             <a:extLst>
               <a:ext uri="{FF2B5EF4-FFF2-40B4-BE49-F238E27FC236}">
@@ -5695,8 +6013,8 @@
         </p:nvSpPr>
         <p:spPr>
           <a:xfrm>
-            <a:off x="6400800" y="1973619"/>
-            <a:ext cx="3886200" cy="4604250"/>
+            <a:off x="577595" y="2023236"/>
+            <a:ext cx="5037329" cy="4604250"/>
           </a:xfrm>
           <a:prstGeom prst="rect">
             <a:avLst/>
@@ -5730,12 +6048,108 @@
           </a:p>
         </p:txBody>
       </p:sp>
+      <p:pic>
+        <p:nvPicPr>
+          <p:cNvPr id="1026" name="Picture 2" descr="How Do You Manage Taking Prescription Medications While In Recovery?">
+            <a:extLst>
+              <a:ext uri="{FF2B5EF4-FFF2-40B4-BE49-F238E27FC236}">
+                <a16:creationId xmlns:a16="http://schemas.microsoft.com/office/drawing/2014/main" id="{A8649058-8D5E-4D2E-B33B-C47E1A575836}"/>
+              </a:ext>
+            </a:extLst>
+          </p:cNvPr>
+          <p:cNvPicPr>
+            <a:picLocks noChangeAspect="1" noChangeArrowheads="1"/>
+          </p:cNvPicPr>
+          <p:nvPr/>
+        </p:nvPicPr>
+        <p:blipFill>
+          <a:blip r:embed="rId2">
+            <a:alphaModFix amt="29000"/>
+            <a:extLst>
+              <a:ext uri="{BEBA8EAE-BF5A-486C-A8C5-ECC9F3942E4B}">
+                <a14:imgProps xmlns:a14="http://schemas.microsoft.com/office/drawing/2010/main">
+                  <a14:imgLayer r:embed="rId3">
+                    <a14:imgEffect>
+                      <a14:saturation sat="111000"/>
+                    </a14:imgEffect>
+                  </a14:imgLayer>
+                </a14:imgProps>
+              </a:ext>
+              <a:ext uri="{28A0092B-C50C-407E-A947-70E740481C1C}">
+                <a14:useLocalDpi xmlns:a14="http://schemas.microsoft.com/office/drawing/2010/main" val="0"/>
+              </a:ext>
+            </a:extLst>
+          </a:blip>
+          <a:srcRect/>
+          <a:stretch>
+            <a:fillRect/>
+          </a:stretch>
+        </p:blipFill>
+        <p:spPr bwMode="auto">
+          <a:xfrm>
+            <a:off x="672773" y="3290936"/>
+            <a:ext cx="4846972" cy="3225440"/>
+          </a:xfrm>
+          <a:prstGeom prst="rect">
+            <a:avLst/>
+          </a:prstGeom>
+          <a:noFill/>
+          <a:extLst>
+            <a:ext uri="{909E8E84-426E-40DD-AFC4-6F175D3DCCD1}">
+              <a14:hiddenFill xmlns:a14="http://schemas.microsoft.com/office/drawing/2010/main">
+                <a:solidFill>
+                  <a:srgbClr val="FFFFFF"/>
+                </a:solidFill>
+              </a14:hiddenFill>
+            </a:ext>
+          </a:extLst>
+        </p:spPr>
+      </p:pic>
       <p:sp>
         <p:nvSpPr>
-          <p:cNvPr id="13" name="Rectangle 12">
+          <p:cNvPr id="19" name="Text Placeholder 4">
             <a:extLst>
               <a:ext uri="{FF2B5EF4-FFF2-40B4-BE49-F238E27FC236}">
-                <a16:creationId xmlns:a16="http://schemas.microsoft.com/office/drawing/2014/main" id="{B13B5151-5188-47BD-9573-849870770DB1}"/>
+                <a16:creationId xmlns:a16="http://schemas.microsoft.com/office/drawing/2014/main" id="{99D8F60B-DE32-4F9F-BF49-423AD7023B43}"/>
+              </a:ext>
+            </a:extLst>
+          </p:cNvPr>
+          <p:cNvSpPr>
+            <a:spLocks noGrp="1"/>
+          </p:cNvSpPr>
+          <p:nvPr>
+            <p:ph type="body" sz="quarter" idx="3"/>
+          </p:nvPr>
+        </p:nvSpPr>
+        <p:spPr>
+          <a:xfrm>
+            <a:off x="701876" y="2260028"/>
+            <a:ext cx="4800600" cy="762000"/>
+          </a:xfrm>
+        </p:spPr>
+        <p:txBody>
+          <a:bodyPr/>
+          <a:lstStyle/>
+          <a:p>
+            <a:r>
+              <a:rPr lang="en-US" dirty="0">
+                <a:solidFill>
+                  <a:schemeClr val="accent1">
+                    <a:lumMod val="75000"/>
+                  </a:schemeClr>
+                </a:solidFill>
+              </a:rPr>
+              <a:t>Prescription Medications: </a:t>
+            </a:r>
+          </a:p>
+        </p:txBody>
+      </p:sp>
+      <p:sp>
+        <p:nvSpPr>
+          <p:cNvPr id="18" name="Rectangle 17">
+            <a:extLst>
+              <a:ext uri="{FF2B5EF4-FFF2-40B4-BE49-F238E27FC236}">
+                <a16:creationId xmlns:a16="http://schemas.microsoft.com/office/drawing/2014/main" id="{C2552A96-96C3-4A12-94FD-A736622B4A6C}"/>
               </a:ext>
             </a:extLst>
           </p:cNvPr>
@@ -5744,113 +6158,195 @@
         </p:nvSpPr>
         <p:spPr>
           <a:xfrm>
-            <a:off x="214887" y="1814604"/>
-            <a:ext cx="4814313" cy="4939106"/>
+            <a:off x="680536" y="3429000"/>
+            <a:ext cx="5037329" cy="2554545"/>
           </a:xfrm>
           <a:prstGeom prst="rect">
             <a:avLst/>
           </a:prstGeom>
         </p:spPr>
-        <p:style>
-          <a:lnRef idx="2">
-            <a:schemeClr val="accent1">
-              <a:shade val="50000"/>
-            </a:schemeClr>
-          </a:lnRef>
-          <a:fillRef idx="1">
-            <a:schemeClr val="accent1"/>
-          </a:fillRef>
-          <a:effectRef idx="0">
-            <a:schemeClr val="accent1"/>
-          </a:effectRef>
-          <a:fontRef idx="minor">
-            <a:schemeClr val="lt1"/>
-          </a:fontRef>
-        </p:style>
         <p:txBody>
-          <a:bodyPr rtlCol="0" anchor="ctr"/>
+          <a:bodyPr wrap="square">
+            <a:spAutoFit/>
+          </a:bodyPr>
           <a:lstStyle/>
           <a:p>
-            <a:pPr algn="ctr"/>
-            <a:endParaRPr lang="en-US"/>
+            <a:r>
+              <a:rPr lang="en-US" sz="2000" dirty="0"/>
+              <a:t>Out of the 1200 unique medications:</a:t>
+            </a:r>
+          </a:p>
+          <a:p>
+            <a:endParaRPr lang="en-US" sz="2000" dirty="0"/>
+          </a:p>
+          <a:p>
+            <a:pPr marL="285750" indent="-285750">
+              <a:buFont typeface="Arial" panose="020B0604020202020204" pitchFamily="34" charset="0"/>
+              <a:buChar char="•"/>
+            </a:pPr>
+            <a:r>
+              <a:rPr lang="en-US" sz="2000" dirty="0"/>
+              <a:t>Identify what medications or combinations could be contributing factors</a:t>
+            </a:r>
+          </a:p>
+          <a:p>
+            <a:pPr marL="285750" indent="-285750">
+              <a:buFont typeface="Arial" panose="020B0604020202020204" pitchFamily="34" charset="0"/>
+              <a:buChar char="•"/>
+            </a:pPr>
+            <a:endParaRPr lang="en-US" sz="2000" dirty="0"/>
+          </a:p>
+          <a:p>
+            <a:pPr marL="285750" indent="-285750">
+              <a:buFont typeface="Arial" panose="020B0604020202020204" pitchFamily="34" charset="0"/>
+              <a:buChar char="•"/>
+            </a:pPr>
+            <a:r>
+              <a:rPr lang="en-US" sz="2000" dirty="0"/>
+              <a:t>Evaluate if increase in number of prescriptions are contributing factors</a:t>
+            </a:r>
           </a:p>
         </p:txBody>
       </p:sp>
-      <p:sp>
-        <p:nvSpPr>
-          <p:cNvPr id="2" name="Title 1"/>
-          <p:cNvSpPr>
-            <a:spLocks noGrp="1"/>
-          </p:cNvSpPr>
-          <p:nvPr>
-            <p:ph type="title"/>
-          </p:nvPr>
-        </p:nvSpPr>
-        <p:spPr>
-          <a:xfrm>
-            <a:off x="1066800" y="99220"/>
-            <a:ext cx="10058400" cy="1325563"/>
-          </a:xfrm>
-        </p:spPr>
-        <p:txBody>
-          <a:bodyPr anchor="ctr">
-            <a:normAutofit/>
-          </a:bodyPr>
-          <a:lstStyle/>
-          <a:p>
-            <a:r>
-              <a:rPr lang="en-US" dirty="0"/>
-              <a:t>FUTURE WORK:</a:t>
-            </a:r>
-          </a:p>
-        </p:txBody>
-      </p:sp>
-      <p:sp>
-        <p:nvSpPr>
-          <p:cNvPr id="16" name="Rectangle 15">
+      <p:pic>
+        <p:nvPicPr>
+          <p:cNvPr id="17" name="Picture 10" descr="Medicine Icons">
             <a:extLst>
               <a:ext uri="{FF2B5EF4-FFF2-40B4-BE49-F238E27FC236}">
-                <a16:creationId xmlns:a16="http://schemas.microsoft.com/office/drawing/2014/main" id="{8BE3BF35-4CA9-4325-A00F-5274171B5793}"/>
+                <a16:creationId xmlns:a16="http://schemas.microsoft.com/office/drawing/2014/main" id="{AEA0EC00-975B-4F87-99F0-1ED7B1B3A100}"/>
               </a:ext>
             </a:extLst>
           </p:cNvPr>
-          <p:cNvSpPr/>
+          <p:cNvPicPr>
+            <a:picLocks noChangeAspect="1" noChangeArrowheads="1"/>
+          </p:cNvPicPr>
           <p:nvPr/>
-        </p:nvSpPr>
-        <p:spPr>
+        </p:nvPicPr>
+        <p:blipFill>
+          <a:blip r:embed="rId4">
+            <a:duotone>
+              <a:schemeClr val="accent1">
+                <a:shade val="45000"/>
+                <a:satMod val="135000"/>
+              </a:schemeClr>
+              <a:prstClr val="white"/>
+            </a:duotone>
+            <a:extLst>
+              <a:ext uri="{28A0092B-C50C-407E-A947-70E740481C1C}">
+                <a14:useLocalDpi xmlns:a14="http://schemas.microsoft.com/office/drawing/2010/main" val="0"/>
+              </a:ext>
+            </a:extLst>
+          </a:blip>
+          <a:srcRect/>
+          <a:stretch>
+            <a:fillRect/>
+          </a:stretch>
+        </p:blipFill>
+        <p:spPr bwMode="auto">
           <a:xfrm>
-            <a:off x="762000" y="2023236"/>
-            <a:ext cx="3455438" cy="4500962"/>
+            <a:off x="4348363" y="2124455"/>
+            <a:ext cx="1033146" cy="1033146"/>
+          </a:xfrm>
+          <a:prstGeom prst="rect">
+            <a:avLst/>
+          </a:prstGeom>
+          <a:noFill/>
+          <a:extLst>
+            <a:ext uri="{909E8E84-426E-40DD-AFC4-6F175D3DCCD1}">
+              <a14:hiddenFill xmlns:a14="http://schemas.microsoft.com/office/drawing/2010/main">
+                <a:solidFill>
+                  <a:srgbClr val="FFFFFF"/>
+                </a:solidFill>
+              </a14:hiddenFill>
+            </a:ext>
+          </a:extLst>
+        </p:spPr>
+      </p:pic>
+      <p:pic>
+        <p:nvPicPr>
+          <p:cNvPr id="1028" name="Picture 4" descr="Free Thought Bubbles Clipart, Download Free Clip Art, Free Clip ...">
+            <a:extLst>
+              <a:ext uri="{FF2B5EF4-FFF2-40B4-BE49-F238E27FC236}">
+                <a16:creationId xmlns:a16="http://schemas.microsoft.com/office/drawing/2014/main" id="{E69D035F-517E-44A0-A41E-01A3D736FDA2}"/>
+              </a:ext>
+            </a:extLst>
+          </p:cNvPr>
+          <p:cNvPicPr>
+            <a:picLocks noChangeAspect="1" noChangeArrowheads="1"/>
+          </p:cNvPicPr>
+          <p:nvPr/>
+        </p:nvPicPr>
+        <p:blipFill>
+          <a:blip r:embed="rId5">
+            <a:duotone>
+              <a:schemeClr val="accent1">
+                <a:shade val="45000"/>
+                <a:satMod val="135000"/>
+              </a:schemeClr>
+              <a:prstClr val="white"/>
+            </a:duotone>
+            <a:extLst>
+              <a:ext uri="{28A0092B-C50C-407E-A947-70E740481C1C}">
+                <a14:useLocalDpi xmlns:a14="http://schemas.microsoft.com/office/drawing/2010/main" val="0"/>
+              </a:ext>
+            </a:extLst>
+          </a:blip>
+          <a:srcRect/>
+          <a:stretch>
+            <a:fillRect/>
+          </a:stretch>
+        </p:blipFill>
+        <p:spPr bwMode="auto">
+          <a:xfrm>
+            <a:off x="9864410" y="2580865"/>
+            <a:ext cx="1016140" cy="1076735"/>
           </a:xfrm>
           <a:prstGeom prst="rect">
             <a:avLst/>
           </a:prstGeom>
           <a:solidFill>
-            <a:schemeClr val="bg2"/>
+            <a:srgbClr val="FCF7F7"/>
           </a:solidFill>
         </p:spPr>
-        <p:style>
-          <a:lnRef idx="2">
-            <a:schemeClr val="accent1">
-              <a:shade val="50000"/>
-            </a:schemeClr>
-          </a:lnRef>
-          <a:fillRef idx="1">
-            <a:schemeClr val="accent1"/>
-          </a:fillRef>
-          <a:effectRef idx="0">
-            <a:schemeClr val="accent1"/>
-          </a:effectRef>
-          <a:fontRef idx="minor">
-            <a:schemeClr val="lt1"/>
-          </a:fontRef>
-        </p:style>
+      </p:pic>
+      <p:sp>
+        <p:nvSpPr>
+          <p:cNvPr id="11" name="TextBox 10">
+            <a:extLst>
+              <a:ext uri="{FF2B5EF4-FFF2-40B4-BE49-F238E27FC236}">
+                <a16:creationId xmlns:a16="http://schemas.microsoft.com/office/drawing/2014/main" id="{2B4C828F-2CC1-432D-8856-173D0C596351}"/>
+              </a:ext>
+            </a:extLst>
+          </p:cNvPr>
+          <p:cNvSpPr txBox="1"/>
+          <p:nvPr/>
+        </p:nvSpPr>
+        <p:spPr>
+          <a:xfrm>
+            <a:off x="10058400" y="2718556"/>
+            <a:ext cx="990600" cy="461665"/>
+          </a:xfrm>
+          <a:prstGeom prst="rect">
+            <a:avLst/>
+          </a:prstGeom>
+          <a:noFill/>
+        </p:spPr>
         <p:txBody>
-          <a:bodyPr rtlCol="0" anchor="ctr"/>
+          <a:bodyPr wrap="square" rtlCol="0">
+            <a:spAutoFit/>
+          </a:bodyPr>
           <a:lstStyle/>
           <a:p>
-            <a:pPr algn="ctr"/>
-            <a:endParaRPr lang="en-US"/>
+            <a:r>
+              <a:rPr lang="en-US" sz="2400" dirty="0">
+                <a:solidFill>
+                  <a:schemeClr val="accent1">
+                    <a:lumMod val="75000"/>
+                  </a:schemeClr>
+                </a:solidFill>
+              </a:rPr>
+              <a:t>???</a:t>
+            </a:r>
           </a:p>
         </p:txBody>
       </p:sp>
@@ -5870,7 +6366,7 @@
         </p:nvSpPr>
         <p:spPr>
           <a:xfrm>
-            <a:off x="1235038" y="1945082"/>
+            <a:off x="7433821" y="2589090"/>
             <a:ext cx="4800600" cy="762000"/>
           </a:xfrm>
           <a:prstGeom prst="rect">
@@ -6083,43 +6579,14 @@
           </a:lstStyle>
           <a:p>
             <a:r>
-              <a:rPr lang="en-US" dirty="0"/>
+              <a:rPr lang="en-US" dirty="0">
+                <a:solidFill>
+                  <a:schemeClr val="accent1">
+                    <a:lumMod val="75000"/>
+                  </a:schemeClr>
+                </a:solidFill>
+              </a:rPr>
               <a:t>Opinion Infection: </a:t>
-            </a:r>
-          </a:p>
-        </p:txBody>
-      </p:sp>
-      <p:sp>
-        <p:nvSpPr>
-          <p:cNvPr id="11" name="TextBox 10">
-            <a:extLst>
-              <a:ext uri="{FF2B5EF4-FFF2-40B4-BE49-F238E27FC236}">
-                <a16:creationId xmlns:a16="http://schemas.microsoft.com/office/drawing/2014/main" id="{2B4C828F-2CC1-432D-8856-173D0C596351}"/>
-              </a:ext>
-            </a:extLst>
-          </p:cNvPr>
-          <p:cNvSpPr txBox="1"/>
-          <p:nvPr/>
-        </p:nvSpPr>
-        <p:spPr>
-          <a:xfrm>
-            <a:off x="1844638" y="2942872"/>
-            <a:ext cx="990600" cy="646331"/>
-          </a:xfrm>
-          <a:prstGeom prst="rect">
-            <a:avLst/>
-          </a:prstGeom>
-          <a:noFill/>
-        </p:spPr>
-        <p:txBody>
-          <a:bodyPr wrap="square" rtlCol="0">
-            <a:spAutoFit/>
-          </a:bodyPr>
-          <a:lstStyle/>
-          <a:p>
-            <a:r>
-              <a:rPr lang="en-US" sz="3600" dirty="0"/>
-              <a:t>???</a:t>
             </a:r>
           </a:p>
         </p:txBody>
@@ -6138,13 +6605,19 @@
         </p:nvSpPr>
         <p:spPr>
           <a:xfrm>
-            <a:off x="1080052" y="4013694"/>
-            <a:ext cx="2572019" cy="2031325"/>
+            <a:off x="7611756" y="3990983"/>
+            <a:ext cx="3352800" cy="1754326"/>
           </a:xfrm>
           <a:prstGeom prst="rect">
             <a:avLst/>
           </a:prstGeom>
-          <a:noFill/>
+          <a:solidFill>
+            <a:schemeClr val="accent1">
+              <a:lumMod val="20000"/>
+              <a:lumOff val="80000"/>
+              <a:alpha val="50000"/>
+            </a:schemeClr>
+          </a:solidFill>
         </p:spPr>
         <p:txBody>
           <a:bodyPr wrap="square" rtlCol="0">
@@ -6152,154 +6625,13 @@
           </a:bodyPr>
           <a:lstStyle/>
           <a:p>
-            <a:r>
-              <a:rPr lang="en-US" dirty="0"/>
-              <a:t>There is not much data to inform what this feature is about. The questionnaire has had several versions an is no longer collecting data on this.</a:t>
-            </a:r>
-          </a:p>
-        </p:txBody>
-      </p:sp>
-      <p:sp>
-        <p:nvSpPr>
-          <p:cNvPr id="19" name="Text Placeholder 4">
-            <a:extLst>
-              <a:ext uri="{FF2B5EF4-FFF2-40B4-BE49-F238E27FC236}">
-                <a16:creationId xmlns:a16="http://schemas.microsoft.com/office/drawing/2014/main" id="{99D8F60B-DE32-4F9F-BF49-423AD7023B43}"/>
-              </a:ext>
-            </a:extLst>
-          </p:cNvPr>
-          <p:cNvSpPr>
-            <a:spLocks noGrp="1"/>
-          </p:cNvSpPr>
-          <p:nvPr>
-            <p:ph type="body" sz="quarter" idx="3"/>
-          </p:nvPr>
-        </p:nvSpPr>
-        <p:spPr>
-          <a:xfrm>
-            <a:off x="6554909" y="1828799"/>
-            <a:ext cx="4800600" cy="762000"/>
-          </a:xfrm>
-        </p:spPr>
-        <p:txBody>
-          <a:bodyPr/>
-          <a:lstStyle/>
-          <a:p>
-            <a:r>
-              <a:rPr lang="en-US" dirty="0"/>
-              <a:t>Prescription Medications: </a:t>
-            </a:r>
-          </a:p>
-        </p:txBody>
-      </p:sp>
-      <p:pic>
-        <p:nvPicPr>
-          <p:cNvPr id="10" name="Picture Placeholder 9" descr="A picture containing food&#10;&#10;Description automatically generated">
-            <a:extLst>
-              <a:ext uri="{FF2B5EF4-FFF2-40B4-BE49-F238E27FC236}">
-                <a16:creationId xmlns:a16="http://schemas.microsoft.com/office/drawing/2014/main" id="{A75E0C59-3DBB-4A47-80D5-1B1573BC40C7}"/>
-              </a:ext>
-            </a:extLst>
-          </p:cNvPr>
-          <p:cNvPicPr>
-            <a:picLocks noGrp="1" noChangeAspect="1"/>
-          </p:cNvPicPr>
-          <p:nvPr>
-            <p:ph sz="quarter" idx="4"/>
-          </p:nvPr>
-        </p:nvPicPr>
-        <p:blipFill rotWithShape="1">
-          <a:blip r:embed="rId2">
-            <a:extLst>
-              <a:ext uri="{28A0092B-C50C-407E-A947-70E740481C1C}">
-                <a14:useLocalDpi xmlns:a14="http://schemas.microsoft.com/office/drawing/2010/main" val="0"/>
-              </a:ext>
-            </a:extLst>
-          </a:blip>
-          <a:srcRect l="27100" r="2106" b="1"/>
-          <a:stretch/>
-        </p:blipFill>
-        <p:spPr>
-          <a:xfrm>
-            <a:off x="7380800" y="2381673"/>
-            <a:ext cx="1926200" cy="1528744"/>
-          </a:xfrm>
-          <a:noFill/>
-        </p:spPr>
-      </p:pic>
-      <p:sp>
-        <p:nvSpPr>
-          <p:cNvPr id="18" name="Rectangle 17">
-            <a:extLst>
-              <a:ext uri="{FF2B5EF4-FFF2-40B4-BE49-F238E27FC236}">
-                <a16:creationId xmlns:a16="http://schemas.microsoft.com/office/drawing/2014/main" id="{C2552A96-96C3-4A12-94FD-A736622B4A6C}"/>
-              </a:ext>
-            </a:extLst>
-          </p:cNvPr>
-          <p:cNvSpPr/>
-          <p:nvPr/>
-        </p:nvSpPr>
-        <p:spPr>
-          <a:xfrm>
-            <a:off x="6400801" y="4013693"/>
-            <a:ext cx="3886199" cy="2585323"/>
-          </a:xfrm>
-          <a:prstGeom prst="rect">
-            <a:avLst/>
-          </a:prstGeom>
-        </p:spPr>
-        <p:txBody>
-          <a:bodyPr wrap="square">
-            <a:spAutoFit/>
-          </a:bodyPr>
-          <a:lstStyle/>
-          <a:p>
-            <a:r>
-              <a:rPr lang="en-US" dirty="0"/>
-              <a:t>Out of the 1200 unique medications:</a:t>
-            </a:r>
-          </a:p>
-          <a:p>
-            <a:endParaRPr lang="en-US" dirty="0"/>
-          </a:p>
-          <a:p>
             <a:pPr marL="285750" indent="-285750">
               <a:buFont typeface="Arial" panose="020B0604020202020204" pitchFamily="34" charset="0"/>
               <a:buChar char="•"/>
             </a:pPr>
             <a:r>
               <a:rPr lang="en-US" dirty="0"/>
-              <a:t>Identify what medications or combinations </a:t>
-            </a:r>
-          </a:p>
-          <a:p>
-            <a:pPr marL="285750" indent="-285750">
-              <a:buFont typeface="Arial" panose="020B0604020202020204" pitchFamily="34" charset="0"/>
-              <a:buChar char="•"/>
-            </a:pPr>
-            <a:endParaRPr lang="en-US" dirty="0"/>
-          </a:p>
-          <a:p>
-            <a:pPr marL="285750" indent="-285750">
-              <a:buFont typeface="Arial" panose="020B0604020202020204" pitchFamily="34" charset="0"/>
-              <a:buChar char="•"/>
-            </a:pPr>
-            <a:r>
-              <a:rPr lang="en-US" dirty="0"/>
-              <a:t>Evaluate if increase in number of prescriptions </a:t>
-            </a:r>
-          </a:p>
-          <a:p>
-            <a:pPr marL="285750" indent="-285750">
-              <a:buFont typeface="Arial" panose="020B0604020202020204" pitchFamily="34" charset="0"/>
-              <a:buChar char="•"/>
-            </a:pPr>
-            <a:endParaRPr lang="en-US" dirty="0"/>
-          </a:p>
-          <a:p>
-            <a:r>
-              <a:rPr lang="en-US" dirty="0"/>
-              <a:t>Are contributing factors</a:t>
+              <a:t>Investigate the meaning behind this feature.  The questionnaire to collect data has had several versions and questions surrounding this no longer exist.</a:t>
             </a:r>
           </a:p>
         </p:txBody>
@@ -8675,7 +9007,7 @@
           <a:p>
             <a:r>
               <a:rPr lang="en-US" dirty="0"/>
-              <a:t>618K Self-Reported Samples</a:t>
+              <a:t>618K+ Self-Reported Samples</a:t>
             </a:r>
           </a:p>
           <a:p>
@@ -16061,7 +16393,7 @@
         </p:blipFill>
         <p:spPr>
           <a:xfrm>
-            <a:off x="6927" y="1664150"/>
+            <a:off x="120430" y="1676400"/>
             <a:ext cx="11749350" cy="4952745"/>
           </a:xfrm>
           <a:prstGeom prst="rect">
@@ -16105,8 +16437,8 @@
         </p:nvSpPr>
         <p:spPr>
           <a:xfrm>
-            <a:off x="1031488" y="1929041"/>
-            <a:ext cx="2016512" cy="461665"/>
+            <a:off x="179631" y="1792356"/>
+            <a:ext cx="3159512" cy="523220"/>
           </a:xfrm>
           <a:prstGeom prst="rect">
             <a:avLst/>
@@ -16120,7 +16452,7 @@
           <a:lstStyle/>
           <a:p>
             <a:r>
-              <a:rPr lang="en-US" sz="2400" dirty="0">
+              <a:rPr lang="en-US" sz="2800" dirty="0">
                 <a:solidFill>
                   <a:schemeClr val="accent4">
                     <a:lumMod val="75000"/>
@@ -16146,8 +16478,8 @@
         </p:nvSpPr>
         <p:spPr>
           <a:xfrm>
-            <a:off x="6172200" y="1941292"/>
-            <a:ext cx="5537200" cy="369332"/>
+            <a:off x="5712639" y="1803232"/>
+            <a:ext cx="5537200" cy="461665"/>
           </a:xfrm>
           <a:prstGeom prst="rect">
             <a:avLst/>
@@ -16161,7 +16493,7 @@
           <a:lstStyle/>
           <a:p>
             <a:r>
-              <a:rPr lang="en-US" dirty="0">
+              <a:rPr lang="en-US" sz="2400" dirty="0">
                 <a:solidFill>
                   <a:schemeClr val="accent4">
                     <a:lumMod val="75000"/>
@@ -16214,10 +16546,10 @@
       </p:pic>
       <p:pic>
         <p:nvPicPr>
-          <p:cNvPr id="11" name="Picture 10">
+          <p:cNvPr id="4" name="Picture 3">
             <a:extLst>
               <a:ext uri="{FF2B5EF4-FFF2-40B4-BE49-F238E27FC236}">
-                <a16:creationId xmlns:a16="http://schemas.microsoft.com/office/drawing/2014/main" id="{7F8D43AE-E2FE-4E53-A922-683F9E26337D}"/>
+                <a16:creationId xmlns:a16="http://schemas.microsoft.com/office/drawing/2014/main" id="{9D5467AE-28CC-4ED2-9C2A-E779A9C881FA}"/>
               </a:ext>
             </a:extLst>
           </p:cNvPr>
@@ -16242,8 +16574,8 @@
         </p:blipFill>
         <p:spPr>
           <a:xfrm>
-            <a:off x="108129" y="2390706"/>
-            <a:ext cx="5129813" cy="2257494"/>
+            <a:off x="5474020" y="2390706"/>
+            <a:ext cx="6112034" cy="3857694"/>
           </a:xfrm>
           <a:prstGeom prst="rect">
             <a:avLst/>
@@ -16252,10 +16584,10 @@
       </p:pic>
       <p:pic>
         <p:nvPicPr>
-          <p:cNvPr id="4" name="Picture 3">
+          <p:cNvPr id="3" name="Picture 2">
             <a:extLst>
               <a:ext uri="{FF2B5EF4-FFF2-40B4-BE49-F238E27FC236}">
-                <a16:creationId xmlns:a16="http://schemas.microsoft.com/office/drawing/2014/main" id="{9D5467AE-28CC-4ED2-9C2A-E779A9C881FA}"/>
+                <a16:creationId xmlns:a16="http://schemas.microsoft.com/office/drawing/2014/main" id="{8650EB01-DA9C-43B3-98BA-4AEFC3D44494}"/>
               </a:ext>
             </a:extLst>
           </p:cNvPr>
@@ -16280,14 +16612,182 @@
         </p:blipFill>
         <p:spPr>
           <a:xfrm>
-            <a:off x="5474020" y="2390706"/>
-            <a:ext cx="6112034" cy="3857694"/>
+            <a:off x="290136" y="2520843"/>
+            <a:ext cx="4671604" cy="1982011"/>
           </a:xfrm>
           <a:prstGeom prst="rect">
             <a:avLst/>
           </a:prstGeom>
         </p:spPr>
       </p:pic>
+      <p:grpSp>
+        <p:nvGrpSpPr>
+          <p:cNvPr id="13" name="Group 12">
+            <a:extLst>
+              <a:ext uri="{FF2B5EF4-FFF2-40B4-BE49-F238E27FC236}">
+                <a16:creationId xmlns:a16="http://schemas.microsoft.com/office/drawing/2014/main" id="{3993F53E-8284-4F2D-AC9B-0CDC3486C986}"/>
+              </a:ext>
+            </a:extLst>
+          </p:cNvPr>
+          <p:cNvGrpSpPr/>
+          <p:nvPr/>
+        </p:nvGrpSpPr>
+        <p:grpSpPr>
+          <a:xfrm>
+            <a:off x="259887" y="2368443"/>
+            <a:ext cx="1774125" cy="984357"/>
+            <a:chOff x="259887" y="2520843"/>
+            <a:chExt cx="1774125" cy="984357"/>
+          </a:xfrm>
+        </p:grpSpPr>
+        <p:sp>
+          <p:nvSpPr>
+            <p:cNvPr id="12" name="Arrow: Right 11">
+              <a:extLst>
+                <a:ext uri="{FF2B5EF4-FFF2-40B4-BE49-F238E27FC236}">
+                  <a16:creationId xmlns:a16="http://schemas.microsoft.com/office/drawing/2014/main" id="{CB6E5679-3FD4-4DCB-A2DF-8962742063A2}"/>
+                </a:ext>
+              </a:extLst>
+            </p:cNvPr>
+            <p:cNvSpPr/>
+            <p:nvPr/>
+          </p:nvSpPr>
+          <p:spPr>
+            <a:xfrm>
+              <a:off x="259887" y="2520843"/>
+              <a:ext cx="1340313" cy="984357"/>
+            </a:xfrm>
+            <a:prstGeom prst="rightArrow">
+              <a:avLst/>
+            </a:prstGeom>
+          </p:spPr>
+          <p:style>
+            <a:lnRef idx="1">
+              <a:schemeClr val="accent1"/>
+            </a:lnRef>
+            <a:fillRef idx="2">
+              <a:schemeClr val="accent1"/>
+            </a:fillRef>
+            <a:effectRef idx="1">
+              <a:schemeClr val="accent1"/>
+            </a:effectRef>
+            <a:fontRef idx="minor">
+              <a:schemeClr val="dk1"/>
+            </a:fontRef>
+          </p:style>
+          <p:txBody>
+            <a:bodyPr rtlCol="0" anchor="ctr"/>
+            <a:lstStyle/>
+            <a:p>
+              <a:pPr algn="ctr"/>
+              <a:endParaRPr lang="en-US"/>
+            </a:p>
+          </p:txBody>
+        </p:sp>
+        <p:sp>
+          <p:nvSpPr>
+            <p:cNvPr id="5" name="TextBox 4">
+              <a:extLst>
+                <a:ext uri="{FF2B5EF4-FFF2-40B4-BE49-F238E27FC236}">
+                  <a16:creationId xmlns:a16="http://schemas.microsoft.com/office/drawing/2014/main" id="{32AE3129-2C90-4EC3-8B45-5ADABAD24A02}"/>
+                </a:ext>
+              </a:extLst>
+            </p:cNvPr>
+            <p:cNvSpPr txBox="1"/>
+            <p:nvPr/>
+          </p:nvSpPr>
+          <p:spPr>
+            <a:xfrm>
+              <a:off x="273925" y="2759105"/>
+              <a:ext cx="1143000" cy="507831"/>
+            </a:xfrm>
+            <a:prstGeom prst="rect">
+              <a:avLst/>
+            </a:prstGeom>
+            <a:noFill/>
+          </p:spPr>
+          <p:txBody>
+            <a:bodyPr wrap="square" rtlCol="0">
+              <a:spAutoFit/>
+            </a:bodyPr>
+            <a:lstStyle/>
+            <a:p>
+              <a:r>
+                <a:rPr lang="en-US" sz="900" dirty="0">
+                  <a:solidFill>
+                    <a:schemeClr val="bg1"/>
+                  </a:solidFill>
+                </a:rPr>
+                <a:t>Biological, </a:t>
+              </a:r>
+            </a:p>
+            <a:p>
+              <a:r>
+                <a:rPr lang="en-US" sz="900" dirty="0">
+                  <a:solidFill>
+                    <a:schemeClr val="bg1"/>
+                  </a:solidFill>
+                </a:rPr>
+                <a:t>Behavioral,</a:t>
+              </a:r>
+            </a:p>
+            <a:p>
+              <a:r>
+                <a:rPr lang="en-US" sz="900" dirty="0">
+                  <a:solidFill>
+                    <a:schemeClr val="bg1"/>
+                  </a:solidFill>
+                </a:rPr>
+                <a:t>Environmental</a:t>
+              </a:r>
+              <a:endParaRPr lang="en-US" dirty="0">
+                <a:solidFill>
+                  <a:schemeClr val="bg1"/>
+                </a:solidFill>
+              </a:endParaRPr>
+            </a:p>
+          </p:txBody>
+        </p:sp>
+        <p:sp>
+          <p:nvSpPr>
+            <p:cNvPr id="7" name="TextBox 6">
+              <a:extLst>
+                <a:ext uri="{FF2B5EF4-FFF2-40B4-BE49-F238E27FC236}">
+                  <a16:creationId xmlns:a16="http://schemas.microsoft.com/office/drawing/2014/main" id="{6B002650-8436-4DA4-BFC0-D42533218ABB}"/>
+                </a:ext>
+              </a:extLst>
+            </p:cNvPr>
+            <p:cNvSpPr txBox="1"/>
+            <p:nvPr/>
+          </p:nvSpPr>
+          <p:spPr>
+            <a:xfrm>
+              <a:off x="891012" y="2802089"/>
+              <a:ext cx="1143000" cy="369332"/>
+            </a:xfrm>
+            <a:prstGeom prst="rect">
+              <a:avLst/>
+            </a:prstGeom>
+            <a:noFill/>
+          </p:spPr>
+          <p:txBody>
+            <a:bodyPr wrap="square" rtlCol="0">
+              <a:spAutoFit/>
+            </a:bodyPr>
+            <a:lstStyle/>
+            <a:p>
+              <a:r>
+                <a:rPr lang="en-US" dirty="0">
+                  <a:solidFill>
+                    <a:schemeClr val="bg1"/>
+                  </a:solidFill>
+                </a:rPr>
+                <a:t>Data</a:t>
+              </a:r>
+            </a:p>
+          </p:txBody>
+        </p:sp>
+      </p:grpSp>
     </p:spTree>
     <p:extLst>
       <p:ext uri="{BB962C8B-B14F-4D97-AF65-F5344CB8AC3E}">
@@ -16368,36 +16868,6 @@
           </a:p>
         </p:txBody>
       </p:sp>
-      <p:pic>
-        <p:nvPicPr>
-          <p:cNvPr id="4" name="Picture 3">
-            <a:extLst>
-              <a:ext uri="{FF2B5EF4-FFF2-40B4-BE49-F238E27FC236}">
-                <a16:creationId xmlns:a16="http://schemas.microsoft.com/office/drawing/2014/main" id="{CB40917C-72DB-4032-A97D-CC68DF65A2D7}"/>
-              </a:ext>
-            </a:extLst>
-          </p:cNvPr>
-          <p:cNvPicPr>
-            <a:picLocks noChangeAspect="1"/>
-          </p:cNvPicPr>
-          <p:nvPr/>
-        </p:nvPicPr>
-        <p:blipFill>
-          <a:blip r:embed="rId3"/>
-          <a:stretch>
-            <a:fillRect/>
-          </a:stretch>
-        </p:blipFill>
-        <p:spPr>
-          <a:xfrm>
-            <a:off x="6593333" y="2049150"/>
-            <a:ext cx="5598667" cy="4228093"/>
-          </a:xfrm>
-          <a:prstGeom prst="rect">
-            <a:avLst/>
-          </a:prstGeom>
-        </p:spPr>
-      </p:pic>
       <p:sp>
         <p:nvSpPr>
           <p:cNvPr id="5" name="Rectangle 4">
@@ -16459,7 +16929,7 @@
           <p:nvPr/>
         </p:nvPicPr>
         <p:blipFill>
-          <a:blip r:embed="rId4"/>
+          <a:blip r:embed="rId3"/>
           <a:stretch>
             <a:fillRect/>
           </a:stretch>
@@ -16556,6 +17026,120 @@
           </a:p>
         </p:txBody>
       </p:sp>
+      <p:sp>
+        <p:nvSpPr>
+          <p:cNvPr id="3" name="TextBox 2">
+            <a:extLst>
+              <a:ext uri="{FF2B5EF4-FFF2-40B4-BE49-F238E27FC236}">
+                <a16:creationId xmlns:a16="http://schemas.microsoft.com/office/drawing/2014/main" id="{E31C96D7-B47E-4FA5-85CF-AE2033A936C1}"/>
+              </a:ext>
+            </a:extLst>
+          </p:cNvPr>
+          <p:cNvSpPr txBox="1"/>
+          <p:nvPr/>
+        </p:nvSpPr>
+        <p:spPr>
+          <a:xfrm>
+            <a:off x="1447800" y="3810000"/>
+            <a:ext cx="1676400" cy="261610"/>
+          </a:xfrm>
+          <a:prstGeom prst="rect">
+            <a:avLst/>
+          </a:prstGeom>
+          <a:noFill/>
+        </p:spPr>
+        <p:txBody>
+          <a:bodyPr wrap="square" rtlCol="0">
+            <a:spAutoFit/>
+          </a:bodyPr>
+          <a:lstStyle/>
+          <a:p>
+            <a:r>
+              <a:rPr lang="en-US" sz="1100" dirty="0">
+                <a:solidFill>
+                  <a:schemeClr val="accent2">
+                    <a:lumMod val="20000"/>
+                    <a:lumOff val="80000"/>
+                  </a:schemeClr>
+                </a:solidFill>
+              </a:rPr>
+              <a:t>True Negative</a:t>
+            </a:r>
+          </a:p>
+        </p:txBody>
+      </p:sp>
+      <p:sp>
+        <p:nvSpPr>
+          <p:cNvPr id="9" name="TextBox 8">
+            <a:extLst>
+              <a:ext uri="{FF2B5EF4-FFF2-40B4-BE49-F238E27FC236}">
+                <a16:creationId xmlns:a16="http://schemas.microsoft.com/office/drawing/2014/main" id="{7A5FD056-C860-45FA-ABAD-AF4A7BC16BD2}"/>
+              </a:ext>
+            </a:extLst>
+          </p:cNvPr>
+          <p:cNvSpPr txBox="1"/>
+          <p:nvPr/>
+        </p:nvSpPr>
+        <p:spPr>
+          <a:xfrm>
+            <a:off x="3645733" y="5368897"/>
+            <a:ext cx="1676400" cy="261610"/>
+          </a:xfrm>
+          <a:prstGeom prst="rect">
+            <a:avLst/>
+          </a:prstGeom>
+          <a:noFill/>
+        </p:spPr>
+        <p:txBody>
+          <a:bodyPr wrap="square" rtlCol="0">
+            <a:spAutoFit/>
+          </a:bodyPr>
+          <a:lstStyle/>
+          <a:p>
+            <a:r>
+              <a:rPr lang="en-US" sz="1100" dirty="0">
+                <a:solidFill>
+                  <a:schemeClr val="accent2">
+                    <a:lumMod val="20000"/>
+                    <a:lumOff val="80000"/>
+                  </a:schemeClr>
+                </a:solidFill>
+              </a:rPr>
+              <a:t>True Positive</a:t>
+            </a:r>
+          </a:p>
+        </p:txBody>
+      </p:sp>
+      <p:pic>
+        <p:nvPicPr>
+          <p:cNvPr id="10" name="Picture 9">
+            <a:extLst>
+              <a:ext uri="{FF2B5EF4-FFF2-40B4-BE49-F238E27FC236}">
+                <a16:creationId xmlns:a16="http://schemas.microsoft.com/office/drawing/2014/main" id="{BA0B552D-74F3-47F6-8BDF-9C9D341E99DD}"/>
+              </a:ext>
+            </a:extLst>
+          </p:cNvPr>
+          <p:cNvPicPr>
+            <a:picLocks noChangeAspect="1"/>
+          </p:cNvPicPr>
+          <p:nvPr/>
+        </p:nvPicPr>
+        <p:blipFill>
+          <a:blip r:embed="rId4"/>
+          <a:stretch>
+            <a:fillRect/>
+          </a:stretch>
+        </p:blipFill>
+        <p:spPr>
+          <a:xfrm>
+            <a:off x="6856602" y="2311959"/>
+            <a:ext cx="5325566" cy="3519302"/>
+          </a:xfrm>
+          <a:prstGeom prst="rect">
+            <a:avLst/>
+          </a:prstGeom>
+        </p:spPr>
+      </p:pic>
     </p:spTree>
     <p:extLst>
       <p:ext uri="{BB962C8B-B14F-4D97-AF65-F5344CB8AC3E}">
@@ -16740,6 +17324,109 @@
       </p:grpSpPr>
       <p:sp>
         <p:nvSpPr>
+          <p:cNvPr id="5" name="Rectangle 4">
+            <a:extLst>
+              <a:ext uri="{FF2B5EF4-FFF2-40B4-BE49-F238E27FC236}">
+                <a16:creationId xmlns:a16="http://schemas.microsoft.com/office/drawing/2014/main" id="{00E362E1-51B8-4957-9422-944EE1216076}"/>
+              </a:ext>
+            </a:extLst>
+          </p:cNvPr>
+          <p:cNvSpPr/>
+          <p:nvPr/>
+        </p:nvSpPr>
+        <p:spPr>
+          <a:xfrm>
+            <a:off x="136332" y="2586132"/>
+            <a:ext cx="3886200" cy="3788122"/>
+          </a:xfrm>
+          <a:prstGeom prst="rect">
+            <a:avLst/>
+          </a:prstGeom>
+          <a:solidFill>
+            <a:schemeClr val="bg1"/>
+          </a:solidFill>
+        </p:spPr>
+        <p:style>
+          <a:lnRef idx="2">
+            <a:schemeClr val="accent1">
+              <a:shade val="50000"/>
+            </a:schemeClr>
+          </a:lnRef>
+          <a:fillRef idx="1">
+            <a:schemeClr val="accent1"/>
+          </a:fillRef>
+          <a:effectRef idx="0">
+            <a:schemeClr val="accent1"/>
+          </a:effectRef>
+          <a:fontRef idx="minor">
+            <a:schemeClr val="lt1"/>
+          </a:fontRef>
+        </p:style>
+        <p:txBody>
+          <a:bodyPr rtlCol="0" anchor="ctr"/>
+          <a:lstStyle/>
+          <a:p>
+            <a:pPr algn="ctr"/>
+            <a:endParaRPr lang="en-US"/>
+          </a:p>
+        </p:txBody>
+      </p:sp>
+      <p:pic>
+        <p:nvPicPr>
+          <p:cNvPr id="2054" name="Picture 6" descr="WASHING HANDS - Free miscellaneous icons">
+            <a:extLst>
+              <a:ext uri="{FF2B5EF4-FFF2-40B4-BE49-F238E27FC236}">
+                <a16:creationId xmlns:a16="http://schemas.microsoft.com/office/drawing/2014/main" id="{18EDBB62-60A8-42FF-B504-1E30AD285701}"/>
+              </a:ext>
+            </a:extLst>
+          </p:cNvPr>
+          <p:cNvPicPr>
+            <a:picLocks noChangeAspect="1" noChangeArrowheads="1"/>
+          </p:cNvPicPr>
+          <p:nvPr/>
+        </p:nvPicPr>
+        <p:blipFill>
+          <a:blip r:embed="rId3">
+            <a:duotone>
+              <a:schemeClr val="accent1">
+                <a:shade val="45000"/>
+                <a:satMod val="135000"/>
+              </a:schemeClr>
+              <a:prstClr val="white"/>
+            </a:duotone>
+            <a:extLst>
+              <a:ext uri="{28A0092B-C50C-407E-A947-70E740481C1C}">
+                <a14:useLocalDpi xmlns:a14="http://schemas.microsoft.com/office/drawing/2010/main" val="0"/>
+              </a:ext>
+            </a:extLst>
+          </a:blip>
+          <a:srcRect/>
+          <a:stretch>
+            <a:fillRect/>
+          </a:stretch>
+        </p:blipFill>
+        <p:spPr bwMode="auto">
+          <a:xfrm>
+            <a:off x="1482534" y="4178898"/>
+            <a:ext cx="1108266" cy="1108266"/>
+          </a:xfrm>
+          <a:prstGeom prst="rect">
+            <a:avLst/>
+          </a:prstGeom>
+          <a:noFill/>
+          <a:extLst>
+            <a:ext uri="{909E8E84-426E-40DD-AFC4-6F175D3DCCD1}">
+              <a14:hiddenFill xmlns:a14="http://schemas.microsoft.com/office/drawing/2010/main">
+                <a:solidFill>
+                  <a:srgbClr val="FFFFFF"/>
+                </a:solidFill>
+              </a14:hiddenFill>
+            </a:ext>
+          </a:extLst>
+        </p:spPr>
+      </p:pic>
+      <p:sp>
+        <p:nvSpPr>
           <p:cNvPr id="2" name="Title 1"/>
           <p:cNvSpPr>
             <a:spLocks noGrp="1"/>
@@ -16760,17 +17447,14 @@
           </a:bodyPr>
           <a:lstStyle/>
           <a:p>
-            <a:r>
-              <a:rPr lang="en-US" dirty="0"/>
-              <a:t>Behavioral Patterns Matter </a:t>
-            </a:r>
             <a:br>
               <a:rPr lang="en-US" dirty="0"/>
             </a:br>
             <a:r>
-              <a:rPr lang="en-US" sz="2800" dirty="0"/>
+              <a:rPr lang="en-US" sz="4000" dirty="0"/>
               <a:t>Top Factors by level of importance:</a:t>
             </a:r>
+            <a:endParaRPr lang="en-US" sz="2800" dirty="0"/>
           </a:p>
         </p:txBody>
       </p:sp>
@@ -16806,36 +17490,6 @@
           </a:p>
         </p:txBody>
       </p:sp>
-      <p:pic>
-        <p:nvPicPr>
-          <p:cNvPr id="25" name="Picture 24">
-            <a:extLst>
-              <a:ext uri="{FF2B5EF4-FFF2-40B4-BE49-F238E27FC236}">
-                <a16:creationId xmlns:a16="http://schemas.microsoft.com/office/drawing/2014/main" id="{C0E909A9-9D8F-4D07-836B-C625F71A4F33}"/>
-              </a:ext>
-            </a:extLst>
-          </p:cNvPr>
-          <p:cNvPicPr>
-            <a:picLocks noChangeAspect="1"/>
-          </p:cNvPicPr>
-          <p:nvPr/>
-        </p:nvPicPr>
-        <p:blipFill>
-          <a:blip r:embed="rId3"/>
-          <a:stretch>
-            <a:fillRect/>
-          </a:stretch>
-        </p:blipFill>
-        <p:spPr>
-          <a:xfrm>
-            <a:off x="4131697" y="1842286"/>
-            <a:ext cx="7257729" cy="4796136"/>
-          </a:xfrm>
-          <a:prstGeom prst="rect">
-            <a:avLst/>
-          </a:prstGeom>
-        </p:spPr>
-      </p:pic>
       <p:sp>
         <p:nvSpPr>
           <p:cNvPr id="26" name="TextBox 25">
@@ -16910,153 +17564,6 @@
           </a:p>
         </p:txBody>
       </p:sp>
-      <p:sp>
-        <p:nvSpPr>
-          <p:cNvPr id="11" name="TextBox 10">
-            <a:extLst>
-              <a:ext uri="{FF2B5EF4-FFF2-40B4-BE49-F238E27FC236}">
-                <a16:creationId xmlns:a16="http://schemas.microsoft.com/office/drawing/2014/main" id="{B863347A-089C-4391-A109-28796D8B5E9B}"/>
-              </a:ext>
-            </a:extLst>
-          </p:cNvPr>
-          <p:cNvSpPr txBox="1"/>
-          <p:nvPr/>
-        </p:nvSpPr>
-        <p:spPr>
-          <a:xfrm>
-            <a:off x="8534400" y="2362200"/>
-            <a:ext cx="373858" cy="584775"/>
-          </a:xfrm>
-          <a:prstGeom prst="rect">
-            <a:avLst/>
-          </a:prstGeom>
-          <a:noFill/>
-        </p:spPr>
-        <p:txBody>
-          <a:bodyPr wrap="square" rtlCol="0">
-            <a:spAutoFit/>
-          </a:bodyPr>
-          <a:lstStyle/>
-          <a:p>
-            <a:r>
-              <a:rPr lang="en-US" sz="3200" b="1" dirty="0"/>
-              <a:t>+</a:t>
-            </a:r>
-          </a:p>
-        </p:txBody>
-      </p:sp>
-      <p:sp>
-        <p:nvSpPr>
-          <p:cNvPr id="13" name="TextBox 12">
-            <a:extLst>
-              <a:ext uri="{FF2B5EF4-FFF2-40B4-BE49-F238E27FC236}">
-                <a16:creationId xmlns:a16="http://schemas.microsoft.com/office/drawing/2014/main" id="{82331FE8-5DEC-48C5-89B3-D8F71F54FC22}"/>
-              </a:ext>
-            </a:extLst>
-          </p:cNvPr>
-          <p:cNvSpPr txBox="1"/>
-          <p:nvPr/>
-        </p:nvSpPr>
-        <p:spPr>
-          <a:xfrm>
-            <a:off x="8466221" y="2995073"/>
-            <a:ext cx="373858" cy="584775"/>
-          </a:xfrm>
-          <a:prstGeom prst="rect">
-            <a:avLst/>
-          </a:prstGeom>
-          <a:noFill/>
-        </p:spPr>
-        <p:txBody>
-          <a:bodyPr wrap="square" rtlCol="0">
-            <a:spAutoFit/>
-          </a:bodyPr>
-          <a:lstStyle/>
-          <a:p>
-            <a:r>
-              <a:rPr lang="en-US" sz="3200" b="1" dirty="0"/>
-              <a:t>+</a:t>
-            </a:r>
-          </a:p>
-        </p:txBody>
-      </p:sp>
-      <p:sp>
-        <p:nvSpPr>
-          <p:cNvPr id="15" name="TextBox 14">
-            <a:extLst>
-              <a:ext uri="{FF2B5EF4-FFF2-40B4-BE49-F238E27FC236}">
-                <a16:creationId xmlns:a16="http://schemas.microsoft.com/office/drawing/2014/main" id="{A95A0E33-9291-4635-BEEB-35024AA3EB2F}"/>
-              </a:ext>
-            </a:extLst>
-          </p:cNvPr>
-          <p:cNvSpPr txBox="1"/>
-          <p:nvPr/>
-        </p:nvSpPr>
-        <p:spPr>
-          <a:xfrm>
-            <a:off x="8445332" y="3567599"/>
-            <a:ext cx="373858" cy="584775"/>
-          </a:xfrm>
-          <a:prstGeom prst="rect">
-            <a:avLst/>
-          </a:prstGeom>
-          <a:noFill/>
-        </p:spPr>
-        <p:txBody>
-          <a:bodyPr wrap="square" rtlCol="0">
-            <a:spAutoFit/>
-          </a:bodyPr>
-          <a:lstStyle/>
-          <a:p>
-            <a:r>
-              <a:rPr lang="en-US" sz="3200" b="1" dirty="0"/>
-              <a:t>+</a:t>
-            </a:r>
-          </a:p>
-        </p:txBody>
-      </p:sp>
-      <p:sp>
-        <p:nvSpPr>
-          <p:cNvPr id="14" name="TextBox 13">
-            <a:extLst>
-              <a:ext uri="{FF2B5EF4-FFF2-40B4-BE49-F238E27FC236}">
-                <a16:creationId xmlns:a16="http://schemas.microsoft.com/office/drawing/2014/main" id="{16D24B88-375F-47DF-9E79-22F435808E5C}"/>
-              </a:ext>
-            </a:extLst>
-          </p:cNvPr>
-          <p:cNvSpPr txBox="1"/>
-          <p:nvPr/>
-        </p:nvSpPr>
-        <p:spPr>
-          <a:xfrm>
-            <a:off x="8394755" y="4038785"/>
-            <a:ext cx="373858" cy="707886"/>
-          </a:xfrm>
-          <a:prstGeom prst="rect">
-            <a:avLst/>
-          </a:prstGeom>
-          <a:noFill/>
-        </p:spPr>
-        <p:txBody>
-          <a:bodyPr wrap="square" rtlCol="0">
-            <a:spAutoFit/>
-          </a:bodyPr>
-          <a:lstStyle/>
-          <a:p>
-            <a:r>
-              <a:rPr lang="en-US" sz="4000" b="1" dirty="0">
-                <a:solidFill>
-                  <a:schemeClr val="tx1">
-                    <a:lumMod val="65000"/>
-                    <a:lumOff val="35000"/>
-                  </a:schemeClr>
-                </a:solidFill>
-              </a:rPr>
-              <a:t>-</a:t>
-            </a:r>
-          </a:p>
-        </p:txBody>
-      </p:sp>
       <p:graphicFrame>
         <p:nvGraphicFramePr>
           <p:cNvPr id="6" name="Table 5">
@@ -17072,21 +17579,21 @@
           <p:nvPr>
             <p:extLst>
               <p:ext uri="{D42A27DB-BD31-4B8C-83A1-F6EECF244321}">
-                <p14:modId xmlns:p14="http://schemas.microsoft.com/office/powerpoint/2010/main" val="3634455047"/>
+                <p14:modId xmlns:p14="http://schemas.microsoft.com/office/powerpoint/2010/main" val="1364550204"/>
               </p:ext>
             </p:extLst>
           </p:nvPr>
         </p:nvGraphicFramePr>
         <p:xfrm>
-          <a:off x="76200" y="1885591"/>
-          <a:ext cx="4034608" cy="4761502"/>
+          <a:off x="4307226" y="2140233"/>
+          <a:ext cx="4350866" cy="4503269"/>
         </p:xfrm>
         <a:graphic>
           <a:graphicData uri="http://schemas.openxmlformats.org/drawingml/2006/table">
             <a:tbl>
               <a:tblPr/>
               <a:tblGrid>
-                <a:gridCol w="4034608">
+                <a:gridCol w="4350866">
                   <a:extLst>
                     <a:ext uri="{9D8B030D-6E8A-4147-A177-3AD203B41FA5}">
                       <a16:colId xmlns:a16="http://schemas.microsoft.com/office/drawing/2014/main" val="3785040884"/>
@@ -17094,13 +17601,13 @@
                   </a:extLst>
                 </a:gridCol>
               </a:tblGrid>
-              <a:tr h="476609">
+              <a:tr h="450329">
                 <a:tc>
                   <a:txBody>
                     <a:bodyPr/>
                     <a:lstStyle/>
                     <a:p>
-                      <a:pPr algn="r" fontAlgn="b"/>
+                      <a:pPr algn="l" fontAlgn="b"/>
                       <a:r>
                         <a:rPr lang="en-US" sz="2400" b="1" i="0" u="none" strike="noStrike" dirty="0">
                           <a:solidFill>
@@ -17143,7 +17650,7 @@
                   </a:ext>
                 </a:extLst>
               </a:tr>
-              <a:tr h="613868">
+              <a:tr h="580020">
                 <a:tc>
                   <a:txBody>
                     <a:bodyPr/>
@@ -17158,7 +17665,7 @@
                           <a:effectLst/>
                           <a:latin typeface="Calibri" panose="020F0502020204030204" pitchFamily="34" charset="0"/>
                         </a:rPr>
-                        <a:t>The individual exhibited COVD-19 symptoms</a:t>
+                        <a:t>Exhibiting COVID-19 symptoms</a:t>
                       </a:r>
                     </a:p>
                   </a:txBody>
@@ -17192,7 +17699,7 @@
                   </a:ext>
                 </a:extLst>
               </a:tr>
-              <a:tr h="624408">
+              <a:tr h="589977">
                 <a:tc>
                   <a:txBody>
                     <a:bodyPr/>
@@ -17207,7 +17714,7 @@
                           <a:effectLst/>
                           <a:latin typeface="Calibri" panose="020F0502020204030204" pitchFamily="34" charset="0"/>
                         </a:rPr>
-                        <a:t>The individual believed they could contract the disease</a:t>
+                        <a:t>Belief in contracting the disease</a:t>
                       </a:r>
                     </a:p>
                   </a:txBody>
@@ -17235,7 +17742,7 @@
                   </a:ext>
                 </a:extLst>
               </a:tr>
-              <a:tr h="592947">
+              <a:tr h="565938">
                 <a:tc>
                   <a:txBody>
                     <a:bodyPr/>
@@ -17243,14 +17750,27 @@
                     <a:p>
                       <a:pPr algn="l" fontAlgn="b"/>
                       <a:r>
-                        <a:rPr lang="en-US" sz="1800" b="0" i="0" u="none" strike="noStrike">
+                        <a:rPr lang="en-US" sz="1800" b="0" i="0" u="none" strike="noStrike" dirty="0">
                           <a:solidFill>
                             <a:srgbClr val="000000"/>
                           </a:solidFill>
                           <a:effectLst/>
                           <a:latin typeface="Calibri" panose="020F0502020204030204" pitchFamily="34" charset="0"/>
                         </a:rPr>
-                        <a:t>The individual came into contact with someone who tested positive for COVID-19</a:t>
+                        <a:t>Contact with others infected with </a:t>
+                      </a:r>
+                    </a:p>
+                    <a:p>
+                      <a:pPr algn="l" fontAlgn="b"/>
+                      <a:r>
+                        <a:rPr lang="en-US" sz="1800" b="0" i="0" u="none" strike="noStrike" dirty="0">
+                          <a:solidFill>
+                            <a:srgbClr val="000000"/>
+                          </a:solidFill>
+                          <a:effectLst/>
+                          <a:latin typeface="Calibri" panose="020F0502020204030204" pitchFamily="34" charset="0"/>
+                        </a:rPr>
+                        <a:t>COVID-19</a:t>
                       </a:r>
                     </a:p>
                   </a:txBody>
@@ -17278,7 +17798,7 @@
                   </a:ext>
                 </a:extLst>
               </a:tr>
-              <a:tr h="682666">
+              <a:tr h="645023">
                 <a:tc>
                   <a:txBody>
                     <a:bodyPr/>
@@ -17293,7 +17813,7 @@
                           <a:effectLst/>
                           <a:latin typeface="Calibri" panose="020F0502020204030204" pitchFamily="34" charset="0"/>
                         </a:rPr>
-                        <a:t>The household practiced social distancing and hand washing</a:t>
+                        <a:t>Household practiced social distancing &amp; hygiene</a:t>
                       </a:r>
                     </a:p>
                   </a:txBody>
@@ -17321,7 +17841,7 @@
                   </a:ext>
                 </a:extLst>
               </a:tr>
-              <a:tr h="608007">
+              <a:tr h="574482">
                 <a:tc>
                   <a:txBody>
                     <a:bodyPr/>
@@ -17336,7 +17856,7 @@
                           <a:effectLst/>
                           <a:latin typeface="Calibri" panose="020F0502020204030204" pitchFamily="34" charset="0"/>
                         </a:rPr>
-                        <a:t>The individual is taking prescription medication</a:t>
+                        <a:t>Taking prescription medication</a:t>
                       </a:r>
                     </a:p>
                   </a:txBody>
@@ -17364,7 +17884,7 @@
                   </a:ext>
                 </a:extLst>
               </a:tr>
-              <a:tr h="608007">
+              <a:tr h="574482">
                 <a:tc>
                   <a:txBody>
                     <a:bodyPr/>
@@ -17379,7 +17899,7 @@
                           <a:effectLst/>
                           <a:latin typeface="Calibri" panose="020F0502020204030204" pitchFamily="34" charset="0"/>
                         </a:rPr>
-                        <a:t>The individual travels to work that is critical</a:t>
+                        <a:t>Travel</a:t>
                       </a:r>
                     </a:p>
                   </a:txBody>
@@ -17407,7 +17927,7 @@
                   </a:ext>
                 </a:extLst>
               </a:tr>
-              <a:tr h="553540">
+              <a:tr h="523018">
                 <a:tc>
                   <a:txBody>
                     <a:bodyPr/>
@@ -17422,7 +17942,7 @@
                           <a:effectLst/>
                           <a:latin typeface="Calibri" panose="020F0502020204030204" pitchFamily="34" charset="0"/>
                         </a:rPr>
-                        <a:t>The household practiced social distancing and hand washing</a:t>
+                        <a:t>Practicing social distancing &amp; hygiene</a:t>
                       </a:r>
                     </a:p>
                   </a:txBody>
@@ -17463,13 +17983,15 @@
               </a:ext>
             </a:extLst>
           </p:cNvPr>
-          <p:cNvCxnSpPr/>
+          <p:cNvCxnSpPr>
+            <a:cxnSpLocks/>
+          </p:cNvCxnSpPr>
           <p:nvPr/>
         </p:nvCxnSpPr>
         <p:spPr>
           <a:xfrm>
-            <a:off x="4110808" y="2362200"/>
-            <a:ext cx="0" cy="4276222"/>
+            <a:off x="4267200" y="2560397"/>
+            <a:ext cx="0" cy="4065558"/>
           </a:xfrm>
           <a:prstGeom prst="line">
             <a:avLst/>
@@ -17500,13 +18022,15 @@
               </a:ext>
             </a:extLst>
           </p:cNvPr>
-          <p:cNvCxnSpPr/>
+          <p:cNvCxnSpPr>
+            <a:cxnSpLocks/>
+          </p:cNvCxnSpPr>
           <p:nvPr/>
         </p:nvCxnSpPr>
         <p:spPr>
           <a:xfrm>
-            <a:off x="76200" y="2362200"/>
-            <a:ext cx="11201401" cy="0"/>
+            <a:off x="4326881" y="2586132"/>
+            <a:ext cx="7110637" cy="0"/>
           </a:xfrm>
           <a:prstGeom prst="line">
             <a:avLst/>
@@ -17528,6 +18052,502 @@
           </a:fontRef>
         </p:style>
       </p:cxnSp>
+      <p:pic>
+        <p:nvPicPr>
+          <p:cNvPr id="2052" name="Picture 4">
+            <a:extLst>
+              <a:ext uri="{FF2B5EF4-FFF2-40B4-BE49-F238E27FC236}">
+                <a16:creationId xmlns:a16="http://schemas.microsoft.com/office/drawing/2014/main" id="{1F721424-AD6D-4C58-B0C0-9A47CF7E9A2F}"/>
+              </a:ext>
+            </a:extLst>
+          </p:cNvPr>
+          <p:cNvPicPr>
+            <a:picLocks noChangeAspect="1" noChangeArrowheads="1"/>
+          </p:cNvPicPr>
+          <p:nvPr/>
+        </p:nvPicPr>
+        <p:blipFill>
+          <a:blip r:embed="rId4">
+            <a:duotone>
+              <a:schemeClr val="accent1">
+                <a:shade val="45000"/>
+                <a:satMod val="135000"/>
+              </a:schemeClr>
+              <a:prstClr val="white"/>
+            </a:duotone>
+            <a:extLst>
+              <a:ext uri="{28A0092B-C50C-407E-A947-70E740481C1C}">
+                <a14:useLocalDpi xmlns:a14="http://schemas.microsoft.com/office/drawing/2010/main" val="0"/>
+              </a:ext>
+            </a:extLst>
+          </a:blip>
+          <a:srcRect/>
+          <a:stretch>
+            <a:fillRect/>
+          </a:stretch>
+        </p:blipFill>
+        <p:spPr bwMode="auto">
+          <a:xfrm>
+            <a:off x="152400" y="3490037"/>
+            <a:ext cx="1220470" cy="1220470"/>
+          </a:xfrm>
+          <a:prstGeom prst="rect">
+            <a:avLst/>
+          </a:prstGeom>
+          <a:noFill/>
+          <a:extLst>
+            <a:ext uri="{909E8E84-426E-40DD-AFC4-6F175D3DCCD1}">
+              <a14:hiddenFill xmlns:a14="http://schemas.microsoft.com/office/drawing/2010/main">
+                <a:solidFill>
+                  <a:srgbClr val="FFFFFF"/>
+                </a:solidFill>
+              </a14:hiddenFill>
+            </a:ext>
+          </a:extLst>
+        </p:spPr>
+      </p:pic>
+      <p:pic>
+        <p:nvPicPr>
+          <p:cNvPr id="2056" name="Picture 8" descr="signs, travelling, baggage, Bag, travels, Bags, Banned, travel ...">
+            <a:extLst>
+              <a:ext uri="{FF2B5EF4-FFF2-40B4-BE49-F238E27FC236}">
+                <a16:creationId xmlns:a16="http://schemas.microsoft.com/office/drawing/2014/main" id="{33DF8B61-543C-4DA1-A355-912B61591DE9}"/>
+              </a:ext>
+            </a:extLst>
+          </p:cNvPr>
+          <p:cNvPicPr>
+            <a:picLocks noChangeAspect="1" noChangeArrowheads="1"/>
+          </p:cNvPicPr>
+          <p:nvPr/>
+        </p:nvPicPr>
+        <p:blipFill>
+          <a:blip r:embed="rId5">
+            <a:duotone>
+              <a:schemeClr val="accent1">
+                <a:shade val="45000"/>
+                <a:satMod val="135000"/>
+              </a:schemeClr>
+              <a:prstClr val="white"/>
+            </a:duotone>
+            <a:extLst>
+              <a:ext uri="{28A0092B-C50C-407E-A947-70E740481C1C}">
+                <a14:useLocalDpi xmlns:a14="http://schemas.microsoft.com/office/drawing/2010/main" val="0"/>
+              </a:ext>
+            </a:extLst>
+          </a:blip>
+          <a:srcRect/>
+          <a:stretch>
+            <a:fillRect/>
+          </a:stretch>
+        </p:blipFill>
+        <p:spPr bwMode="auto">
+          <a:xfrm>
+            <a:off x="2680113" y="5105400"/>
+            <a:ext cx="1147763" cy="1147763"/>
+          </a:xfrm>
+          <a:prstGeom prst="rect">
+            <a:avLst/>
+          </a:prstGeom>
+          <a:noFill/>
+          <a:extLst>
+            <a:ext uri="{909E8E84-426E-40DD-AFC4-6F175D3DCCD1}">
+              <a14:hiddenFill xmlns:a14="http://schemas.microsoft.com/office/drawing/2010/main">
+                <a:solidFill>
+                  <a:srgbClr val="FFFFFF"/>
+                </a:solidFill>
+              </a14:hiddenFill>
+            </a:ext>
+          </a:extLst>
+        </p:spPr>
+      </p:pic>
+      <p:sp>
+        <p:nvSpPr>
+          <p:cNvPr id="4" name="TextBox 3">
+            <a:extLst>
+              <a:ext uri="{FF2B5EF4-FFF2-40B4-BE49-F238E27FC236}">
+                <a16:creationId xmlns:a16="http://schemas.microsoft.com/office/drawing/2014/main" id="{57EE8F21-8F69-4229-95DA-596CA450EEAD}"/>
+              </a:ext>
+            </a:extLst>
+          </p:cNvPr>
+          <p:cNvSpPr txBox="1"/>
+          <p:nvPr/>
+        </p:nvSpPr>
+        <p:spPr>
+          <a:xfrm>
+            <a:off x="871954" y="2705725"/>
+            <a:ext cx="3082567" cy="1446550"/>
+          </a:xfrm>
+          <a:prstGeom prst="rect">
+            <a:avLst/>
+          </a:prstGeom>
+          <a:noFill/>
+        </p:spPr>
+        <p:txBody>
+          <a:bodyPr wrap="square" rtlCol="0">
+            <a:spAutoFit/>
+          </a:bodyPr>
+          <a:lstStyle/>
+          <a:p>
+            <a:pPr algn="ctr"/>
+            <a:r>
+              <a:rPr lang="en-US" sz="4400" dirty="0">
+                <a:cs typeface="Aharoni" panose="02010803020104030203" pitchFamily="2" charset="-79"/>
+              </a:rPr>
+              <a:t>Behavior </a:t>
+            </a:r>
+          </a:p>
+          <a:p>
+            <a:pPr algn="ctr"/>
+            <a:r>
+              <a:rPr lang="en-US" sz="4400" dirty="0">
+                <a:cs typeface="Aharoni" panose="02010803020104030203" pitchFamily="2" charset="-79"/>
+              </a:rPr>
+              <a:t>Matters:</a:t>
+            </a:r>
+          </a:p>
+        </p:txBody>
+      </p:sp>
+      <p:grpSp>
+        <p:nvGrpSpPr>
+          <p:cNvPr id="17" name="Group 16">
+            <a:extLst>
+              <a:ext uri="{FF2B5EF4-FFF2-40B4-BE49-F238E27FC236}">
+                <a16:creationId xmlns:a16="http://schemas.microsoft.com/office/drawing/2014/main" id="{748A9B36-368A-4DC9-9472-64497AEF7B6F}"/>
+              </a:ext>
+            </a:extLst>
+          </p:cNvPr>
+          <p:cNvGrpSpPr/>
+          <p:nvPr/>
+        </p:nvGrpSpPr>
+        <p:grpSpPr>
+          <a:xfrm>
+            <a:off x="8458200" y="2662668"/>
+            <a:ext cx="457200" cy="3684669"/>
+            <a:chOff x="8382000" y="2657552"/>
+            <a:chExt cx="457200" cy="3684669"/>
+          </a:xfrm>
+        </p:grpSpPr>
+        <p:sp>
+          <p:nvSpPr>
+            <p:cNvPr id="12" name="TextBox 11">
+              <a:extLst>
+                <a:ext uri="{FF2B5EF4-FFF2-40B4-BE49-F238E27FC236}">
+                  <a16:creationId xmlns:a16="http://schemas.microsoft.com/office/drawing/2014/main" id="{BBE9661F-0813-4233-BEF8-8FC52552ACA6}"/>
+                </a:ext>
+              </a:extLst>
+            </p:cNvPr>
+            <p:cNvSpPr txBox="1"/>
+            <p:nvPr/>
+          </p:nvSpPr>
+          <p:spPr>
+            <a:xfrm>
+              <a:off x="8382000" y="2657552"/>
+              <a:ext cx="457200" cy="246221"/>
+            </a:xfrm>
+            <a:prstGeom prst="rect">
+              <a:avLst/>
+            </a:prstGeom>
+            <a:noFill/>
+          </p:spPr>
+          <p:txBody>
+            <a:bodyPr wrap="square" rtlCol="0">
+              <a:spAutoFit/>
+            </a:bodyPr>
+            <a:lstStyle/>
+            <a:p>
+              <a:r>
+                <a:rPr lang="en-US" sz="1000" dirty="0"/>
+                <a:t>+</a:t>
+              </a:r>
+            </a:p>
+          </p:txBody>
+        </p:sp>
+        <p:sp>
+          <p:nvSpPr>
+            <p:cNvPr id="24" name="TextBox 23">
+              <a:extLst>
+                <a:ext uri="{FF2B5EF4-FFF2-40B4-BE49-F238E27FC236}">
+                  <a16:creationId xmlns:a16="http://schemas.microsoft.com/office/drawing/2014/main" id="{713B020C-F1DD-49E5-AEE7-9003BB167A6D}"/>
+                </a:ext>
+              </a:extLst>
+            </p:cNvPr>
+            <p:cNvSpPr txBox="1"/>
+            <p:nvPr/>
+          </p:nvSpPr>
+          <p:spPr>
+            <a:xfrm>
+              <a:off x="8382000" y="3250767"/>
+              <a:ext cx="457200" cy="246221"/>
+            </a:xfrm>
+            <a:prstGeom prst="rect">
+              <a:avLst/>
+            </a:prstGeom>
+            <a:noFill/>
+          </p:spPr>
+          <p:txBody>
+            <a:bodyPr wrap="square" rtlCol="0">
+              <a:spAutoFit/>
+            </a:bodyPr>
+            <a:lstStyle/>
+            <a:p>
+              <a:r>
+                <a:rPr lang="en-US" sz="1000" dirty="0"/>
+                <a:t>+</a:t>
+              </a:r>
+            </a:p>
+          </p:txBody>
+        </p:sp>
+        <p:sp>
+          <p:nvSpPr>
+            <p:cNvPr id="27" name="TextBox 26">
+              <a:extLst>
+                <a:ext uri="{FF2B5EF4-FFF2-40B4-BE49-F238E27FC236}">
+                  <a16:creationId xmlns:a16="http://schemas.microsoft.com/office/drawing/2014/main" id="{F8D2833B-B4C7-4C65-A80F-3369CD12E08C}"/>
+                </a:ext>
+              </a:extLst>
+            </p:cNvPr>
+            <p:cNvSpPr txBox="1"/>
+            <p:nvPr/>
+          </p:nvSpPr>
+          <p:spPr>
+            <a:xfrm>
+              <a:off x="8382000" y="3807300"/>
+              <a:ext cx="304797" cy="246221"/>
+            </a:xfrm>
+            <a:prstGeom prst="rect">
+              <a:avLst/>
+            </a:prstGeom>
+            <a:noFill/>
+          </p:spPr>
+          <p:txBody>
+            <a:bodyPr wrap="square" rtlCol="0">
+              <a:spAutoFit/>
+            </a:bodyPr>
+            <a:lstStyle/>
+            <a:p>
+              <a:r>
+                <a:rPr lang="en-US" sz="1000" dirty="0"/>
+                <a:t>+</a:t>
+              </a:r>
+            </a:p>
+          </p:txBody>
+        </p:sp>
+        <p:sp>
+          <p:nvSpPr>
+            <p:cNvPr id="28" name="TextBox 27">
+              <a:extLst>
+                <a:ext uri="{FF2B5EF4-FFF2-40B4-BE49-F238E27FC236}">
+                  <a16:creationId xmlns:a16="http://schemas.microsoft.com/office/drawing/2014/main" id="{D76EC56C-F892-4A7F-B1AD-8FB81A2DBFEF}"/>
+                </a:ext>
+              </a:extLst>
+            </p:cNvPr>
+            <p:cNvSpPr txBox="1"/>
+            <p:nvPr/>
+          </p:nvSpPr>
+          <p:spPr>
+            <a:xfrm>
+              <a:off x="8382000" y="5102498"/>
+              <a:ext cx="457200" cy="246221"/>
+            </a:xfrm>
+            <a:prstGeom prst="rect">
+              <a:avLst/>
+            </a:prstGeom>
+            <a:noFill/>
+          </p:spPr>
+          <p:txBody>
+            <a:bodyPr wrap="square" rtlCol="0">
+              <a:spAutoFit/>
+            </a:bodyPr>
+            <a:lstStyle/>
+            <a:p>
+              <a:r>
+                <a:rPr lang="en-US" sz="1000" dirty="0"/>
+                <a:t>+</a:t>
+              </a:r>
+            </a:p>
+          </p:txBody>
+        </p:sp>
+        <p:sp>
+          <p:nvSpPr>
+            <p:cNvPr id="29" name="TextBox 28">
+              <a:extLst>
+                <a:ext uri="{FF2B5EF4-FFF2-40B4-BE49-F238E27FC236}">
+                  <a16:creationId xmlns:a16="http://schemas.microsoft.com/office/drawing/2014/main" id="{B189A998-E78B-483B-9176-0B48036F3023}"/>
+                </a:ext>
+              </a:extLst>
+            </p:cNvPr>
+            <p:cNvSpPr txBox="1"/>
+            <p:nvPr/>
+          </p:nvSpPr>
+          <p:spPr>
+            <a:xfrm>
+              <a:off x="8382000" y="5663905"/>
+              <a:ext cx="457200" cy="246221"/>
+            </a:xfrm>
+            <a:prstGeom prst="rect">
+              <a:avLst/>
+            </a:prstGeom>
+            <a:noFill/>
+          </p:spPr>
+          <p:txBody>
+            <a:bodyPr wrap="square" rtlCol="0">
+              <a:spAutoFit/>
+            </a:bodyPr>
+            <a:lstStyle/>
+            <a:p>
+              <a:r>
+                <a:rPr lang="en-US" sz="1000" dirty="0"/>
+                <a:t>+</a:t>
+              </a:r>
+            </a:p>
+          </p:txBody>
+        </p:sp>
+        <p:sp>
+          <p:nvSpPr>
+            <p:cNvPr id="30" name="TextBox 29">
+              <a:extLst>
+                <a:ext uri="{FF2B5EF4-FFF2-40B4-BE49-F238E27FC236}">
+                  <a16:creationId xmlns:a16="http://schemas.microsoft.com/office/drawing/2014/main" id="{BD956A6C-FDB4-4B92-B4F3-6355713BFE76}"/>
+                </a:ext>
+              </a:extLst>
+            </p:cNvPr>
+            <p:cNvSpPr txBox="1"/>
+            <p:nvPr/>
+          </p:nvSpPr>
+          <p:spPr>
+            <a:xfrm>
+              <a:off x="8406065" y="4459185"/>
+              <a:ext cx="280735" cy="246221"/>
+            </a:xfrm>
+            <a:prstGeom prst="rect">
+              <a:avLst/>
+            </a:prstGeom>
+            <a:noFill/>
+          </p:spPr>
+          <p:txBody>
+            <a:bodyPr wrap="square" rtlCol="0">
+              <a:spAutoFit/>
+            </a:bodyPr>
+            <a:lstStyle/>
+            <a:p>
+              <a:r>
+                <a:rPr lang="en-US" sz="1000" dirty="0"/>
+                <a:t>-</a:t>
+              </a:r>
+            </a:p>
+          </p:txBody>
+        </p:sp>
+        <p:sp>
+          <p:nvSpPr>
+            <p:cNvPr id="31" name="TextBox 30">
+              <a:extLst>
+                <a:ext uri="{FF2B5EF4-FFF2-40B4-BE49-F238E27FC236}">
+                  <a16:creationId xmlns:a16="http://schemas.microsoft.com/office/drawing/2014/main" id="{CB42CA43-9C2D-4F63-A1A5-90A5FAC9A706}"/>
+                </a:ext>
+              </a:extLst>
+            </p:cNvPr>
+            <p:cNvSpPr txBox="1"/>
+            <p:nvPr/>
+          </p:nvSpPr>
+          <p:spPr>
+            <a:xfrm>
+              <a:off x="8458200" y="6096000"/>
+              <a:ext cx="132361" cy="246221"/>
+            </a:xfrm>
+            <a:prstGeom prst="rect">
+              <a:avLst/>
+            </a:prstGeom>
+            <a:noFill/>
+          </p:spPr>
+          <p:txBody>
+            <a:bodyPr wrap="square" rtlCol="0">
+              <a:spAutoFit/>
+            </a:bodyPr>
+            <a:lstStyle/>
+            <a:p>
+              <a:r>
+                <a:rPr lang="en-US" sz="1000" dirty="0"/>
+                <a:t>-</a:t>
+              </a:r>
+            </a:p>
+          </p:txBody>
+        </p:sp>
+      </p:grpSp>
+      <p:cxnSp>
+        <p:nvCxnSpPr>
+          <p:cNvPr id="33" name="Straight Connector 32">
+            <a:extLst>
+              <a:ext uri="{FF2B5EF4-FFF2-40B4-BE49-F238E27FC236}">
+                <a16:creationId xmlns:a16="http://schemas.microsoft.com/office/drawing/2014/main" id="{4D986335-0B62-4540-A466-D8BD9FA3A666}"/>
+              </a:ext>
+            </a:extLst>
+          </p:cNvPr>
+          <p:cNvCxnSpPr>
+            <a:cxnSpLocks/>
+          </p:cNvCxnSpPr>
+          <p:nvPr/>
+        </p:nvCxnSpPr>
+        <p:spPr>
+          <a:xfrm>
+            <a:off x="8458200" y="2577944"/>
+            <a:ext cx="0" cy="4065558"/>
+          </a:xfrm>
+          <a:prstGeom prst="line">
+            <a:avLst/>
+          </a:prstGeom>
+          <a:ln w="12700"/>
+        </p:spPr>
+        <p:style>
+          <a:lnRef idx="1">
+            <a:schemeClr val="accent1"/>
+          </a:lnRef>
+          <a:fillRef idx="0">
+            <a:schemeClr val="accent1"/>
+          </a:fillRef>
+          <a:effectRef idx="0">
+            <a:schemeClr val="accent1"/>
+          </a:effectRef>
+          <a:fontRef idx="minor">
+            <a:schemeClr val="tx1"/>
+          </a:fontRef>
+        </p:style>
+      </p:cxnSp>
+      <p:sp>
+        <p:nvSpPr>
+          <p:cNvPr id="16" name="TextBox 15">
+            <a:extLst>
+              <a:ext uri="{FF2B5EF4-FFF2-40B4-BE49-F238E27FC236}">
+                <a16:creationId xmlns:a16="http://schemas.microsoft.com/office/drawing/2014/main" id="{EB759DCB-0BA8-4C5C-B99E-3E1AAD48B66A}"/>
+              </a:ext>
+            </a:extLst>
+          </p:cNvPr>
+          <p:cNvSpPr txBox="1"/>
+          <p:nvPr/>
+        </p:nvSpPr>
+        <p:spPr>
+          <a:xfrm>
+            <a:off x="8353917" y="2283398"/>
+            <a:ext cx="665760" cy="276999"/>
+          </a:xfrm>
+          <a:prstGeom prst="rect">
+            <a:avLst/>
+          </a:prstGeom>
+          <a:noFill/>
+        </p:spPr>
+        <p:txBody>
+          <a:bodyPr wrap="square" rtlCol="0">
+            <a:spAutoFit/>
+          </a:bodyPr>
+          <a:lstStyle/>
+          <a:p>
+            <a:r>
+              <a:rPr lang="en-US" sz="1200" dirty="0" err="1"/>
+              <a:t>Corr</a:t>
+            </a:r>
+            <a:endParaRPr lang="en-US" sz="1200" dirty="0"/>
+          </a:p>
+        </p:txBody>
+      </p:sp>
     </p:spTree>
     <p:extLst>
       <p:ext uri="{BB962C8B-B14F-4D97-AF65-F5344CB8AC3E}">

--- a/Covid19Preso.pptx
+++ b/Covid19Preso.pptx
@@ -17,8 +17,8 @@
     <p:sldId id="267" r:id="rId5"/>
     <p:sldId id="261" r:id="rId6"/>
     <p:sldId id="258" r:id="rId7"/>
-    <p:sldId id="262" r:id="rId8"/>
-    <p:sldId id="268" r:id="rId9"/>
+    <p:sldId id="268" r:id="rId8"/>
+    <p:sldId id="262" r:id="rId9"/>
     <p:sldId id="259" r:id="rId10"/>
     <p:sldId id="270" r:id="rId11"/>
     <p:sldId id="266" r:id="rId12"/>
@@ -237,7 +237,7 @@
           <a:p>
             <a:fld id="{043B725B-653D-4166-A8E9-72A38A1847CF}" type="datetimeFigureOut">
               <a:rPr lang="en-US"/>
-              <a:t>5/1/2020</a:t>
+              <a:t>5/2/2020</a:t>
             </a:fld>
             <a:endParaRPr/>
           </a:p>
@@ -402,7 +402,7 @@
           <a:p>
             <a:fld id="{783F64CD-0576-4A9A-BD06-7889D6E60BDC}" type="datetimeFigureOut">
               <a:rPr lang="en-US"/>
-              <a:t>5/1/2020</a:t>
+              <a:t>5/2/2020</a:t>
             </a:fld>
             <a:endParaRPr/>
           </a:p>
@@ -1417,7 +1417,7 @@
           <a:p>
             <a:fld id="{9555D449-B875-4B8D-8E66-224D27E54C9A}" type="slidenum">
               <a:rPr lang="en-US" smtClean="0"/>
-              <a:t>7</a:t>
+              <a:t>8</a:t>
             </a:fld>
             <a:endParaRPr lang="en-US"/>
           </a:p>
@@ -1956,7 +1956,7 @@
           <a:p>
             <a:fld id="{37CC0096-1860-4642-9CD2-0079EA5E7CD1}" type="datetimeFigureOut">
               <a:rPr lang="en-US"/>
-              <a:t>5/1/2020</a:t>
+              <a:t>5/2/2020</a:t>
             </a:fld>
             <a:endParaRPr/>
           </a:p>
@@ -2205,7 +2205,7 @@
           <a:p>
             <a:fld id="{37CC0096-1860-4642-9CD2-0079EA5E7CD1}" type="datetimeFigureOut">
               <a:rPr lang="en-US"/>
-              <a:t>5/1/2020</a:t>
+              <a:t>5/2/2020</a:t>
             </a:fld>
             <a:endParaRPr/>
           </a:p>
@@ -2391,7 +2391,7 @@
           <a:p>
             <a:fld id="{37CC0096-1860-4642-9CD2-0079EA5E7CD1}" type="datetimeFigureOut">
               <a:rPr lang="en-US"/>
-              <a:t>5/1/2020</a:t>
+              <a:t>5/2/2020</a:t>
             </a:fld>
             <a:endParaRPr/>
           </a:p>
@@ -2922,7 +2922,7 @@
           <a:p>
             <a:fld id="{37CC0096-1860-4642-9CD2-0079EA5E7CD1}" type="datetimeFigureOut">
               <a:rPr lang="en-US"/>
-              <a:t>5/1/2020</a:t>
+              <a:t>5/2/2020</a:t>
             </a:fld>
             <a:endParaRPr/>
           </a:p>
@@ -3374,7 +3374,7 @@
           <a:p>
             <a:fld id="{37CC0096-1860-4642-9CD2-0079EA5E7CD1}" type="datetimeFigureOut">
               <a:rPr lang="en-US"/>
-              <a:t>5/1/2020</a:t>
+              <a:t>5/2/2020</a:t>
             </a:fld>
             <a:endParaRPr/>
           </a:p>
@@ -3504,7 +3504,7 @@
           <a:p>
             <a:fld id="{37CC0096-1860-4642-9CD2-0079EA5E7CD1}" type="datetimeFigureOut">
               <a:rPr lang="en-US"/>
-              <a:t>5/1/2020</a:t>
+              <a:t>5/2/2020</a:t>
             </a:fld>
             <a:endParaRPr/>
           </a:p>
@@ -3611,7 +3611,7 @@
           <a:p>
             <a:fld id="{37CC0096-1860-4642-9CD2-0079EA5E7CD1}" type="datetimeFigureOut">
               <a:rPr lang="en-US"/>
-              <a:t>5/1/2020</a:t>
+              <a:t>5/2/2020</a:t>
             </a:fld>
             <a:endParaRPr/>
           </a:p>
@@ -4600,7 +4600,7 @@
             <a:fld id="{37CC0096-1860-4642-9CD2-0079EA5E7CD1}" type="datetimeFigureOut">
               <a:rPr lang="en-US" smtClean="0"/>
               <a:pPr/>
-              <a:t>5/1/2020</a:t>
+              <a:t>5/2/2020</a:t>
             </a:fld>
             <a:endParaRPr lang="en-US" dirty="0"/>
           </a:p>
@@ -16393,7 +16393,7 @@
         </p:blipFill>
         <p:spPr>
           <a:xfrm>
-            <a:off x="120430" y="1676400"/>
+            <a:off x="241248" y="1676400"/>
             <a:ext cx="11749350" cy="4952745"/>
           </a:xfrm>
           <a:prstGeom prst="rect">
@@ -16411,9 +16411,16 @@
             <p:ph type="title"/>
           </p:nvPr>
         </p:nvSpPr>
-        <p:spPr/>
+        <p:spPr>
+          <a:xfrm>
+            <a:off x="381000" y="77422"/>
+            <a:ext cx="10058400" cy="1325563"/>
+          </a:xfrm>
+        </p:spPr>
         <p:txBody>
-          <a:bodyPr/>
+          <a:bodyPr>
+            <a:normAutofit/>
+          </a:bodyPr>
           <a:lstStyle/>
           <a:p>
             <a:r>
@@ -16437,7 +16444,7 @@
         </p:nvSpPr>
         <p:spPr>
           <a:xfrm>
-            <a:off x="179631" y="1792356"/>
+            <a:off x="192072" y="1875719"/>
             <a:ext cx="3159512" cy="523220"/>
           </a:xfrm>
           <a:prstGeom prst="rect">
@@ -16460,47 +16467,6 @@
                 </a:solidFill>
               </a:rPr>
               <a:t>Decision Tree:</a:t>
-            </a:r>
-          </a:p>
-        </p:txBody>
-      </p:sp>
-      <p:sp>
-        <p:nvSpPr>
-          <p:cNvPr id="15" name="TextBox 14">
-            <a:extLst>
-              <a:ext uri="{FF2B5EF4-FFF2-40B4-BE49-F238E27FC236}">
-                <a16:creationId xmlns:a16="http://schemas.microsoft.com/office/drawing/2014/main" id="{B8560DDB-750C-42F5-A559-3771D178A55A}"/>
-              </a:ext>
-            </a:extLst>
-          </p:cNvPr>
-          <p:cNvSpPr txBox="1"/>
-          <p:nvPr/>
-        </p:nvSpPr>
-        <p:spPr>
-          <a:xfrm>
-            <a:off x="5712639" y="1803232"/>
-            <a:ext cx="5537200" cy="461665"/>
-          </a:xfrm>
-          <a:prstGeom prst="rect">
-            <a:avLst/>
-          </a:prstGeom>
-          <a:noFill/>
-        </p:spPr>
-        <p:txBody>
-          <a:bodyPr wrap="square" rtlCol="0">
-            <a:spAutoFit/>
-          </a:bodyPr>
-          <a:lstStyle/>
-          <a:p>
-            <a:r>
-              <a:rPr lang="en-US" sz="2400" dirty="0">
-                <a:solidFill>
-                  <a:schemeClr val="accent4">
-                    <a:lumMod val="75000"/>
-                  </a:schemeClr>
-                </a:solidFill>
-              </a:rPr>
-              <a:t>Many Decision Trees = Decision Forest</a:t>
             </a:r>
           </a:p>
         </p:txBody>
@@ -16536,8 +16502,8 @@
         </p:blipFill>
         <p:spPr>
           <a:xfrm>
-            <a:off x="845425" y="2520843"/>
-            <a:ext cx="3604034" cy="3604034"/>
+            <a:off x="741171" y="1901153"/>
+            <a:ext cx="4165474" cy="4165474"/>
           </a:xfrm>
           <a:prstGeom prst="rect">
             <a:avLst/>
@@ -16574,46 +16540,8 @@
         </p:blipFill>
         <p:spPr>
           <a:xfrm>
-            <a:off x="5474020" y="2390706"/>
-            <a:ext cx="6112034" cy="3857694"/>
-          </a:xfrm>
-          <a:prstGeom prst="rect">
-            <a:avLst/>
-          </a:prstGeom>
-        </p:spPr>
-      </p:pic>
-      <p:pic>
-        <p:nvPicPr>
-          <p:cNvPr id="3" name="Picture 2">
-            <a:extLst>
-              <a:ext uri="{FF2B5EF4-FFF2-40B4-BE49-F238E27FC236}">
-                <a16:creationId xmlns:a16="http://schemas.microsoft.com/office/drawing/2014/main" id="{8650EB01-DA9C-43B3-98BA-4AEFC3D44494}"/>
-              </a:ext>
-            </a:extLst>
-          </p:cNvPr>
-          <p:cNvPicPr>
-            <a:picLocks noChangeAspect="1"/>
-          </p:cNvPicPr>
-          <p:nvPr/>
-        </p:nvPicPr>
-        <p:blipFill>
-          <a:blip r:embed="rId7">
-            <a:duotone>
-              <a:schemeClr val="accent1">
-                <a:shade val="45000"/>
-                <a:satMod val="135000"/>
-              </a:schemeClr>
-              <a:prstClr val="white"/>
-            </a:duotone>
-          </a:blip>
-          <a:stretch>
-            <a:fillRect/>
-          </a:stretch>
-        </p:blipFill>
-        <p:spPr>
-          <a:xfrm>
-            <a:off x="290136" y="2520843"/>
-            <a:ext cx="4671604" cy="1982011"/>
+            <a:off x="5106031" y="2233085"/>
+            <a:ext cx="6599674" cy="4165474"/>
           </a:xfrm>
           <a:prstGeom prst="rect">
             <a:avLst/>
@@ -16788,6 +16716,453 @@
           </p:txBody>
         </p:sp>
       </p:grpSp>
+      <p:cxnSp>
+        <p:nvCxnSpPr>
+          <p:cNvPr id="19" name="Straight Arrow Connector 18">
+            <a:extLst>
+              <a:ext uri="{FF2B5EF4-FFF2-40B4-BE49-F238E27FC236}">
+                <a16:creationId xmlns:a16="http://schemas.microsoft.com/office/drawing/2014/main" id="{E7A40C92-E8B5-4FEA-BC88-94E543BC2A0D}"/>
+              </a:ext>
+            </a:extLst>
+          </p:cNvPr>
+          <p:cNvCxnSpPr>
+            <a:cxnSpLocks/>
+          </p:cNvCxnSpPr>
+          <p:nvPr/>
+        </p:nvCxnSpPr>
+        <p:spPr>
+          <a:xfrm>
+            <a:off x="2927743" y="3219297"/>
+            <a:ext cx="367791" cy="394568"/>
+          </a:xfrm>
+          <a:prstGeom prst="straightConnector1">
+            <a:avLst/>
+          </a:prstGeom>
+          <a:ln>
+            <a:solidFill>
+              <a:schemeClr val="bg1"/>
+            </a:solidFill>
+            <a:tailEnd type="triangle"/>
+          </a:ln>
+        </p:spPr>
+        <p:style>
+          <a:lnRef idx="1">
+            <a:schemeClr val="accent1"/>
+          </a:lnRef>
+          <a:fillRef idx="0">
+            <a:schemeClr val="accent1"/>
+          </a:fillRef>
+          <a:effectRef idx="0">
+            <a:schemeClr val="accent1"/>
+          </a:effectRef>
+          <a:fontRef idx="minor">
+            <a:schemeClr val="tx1"/>
+          </a:fontRef>
+        </p:style>
+      </p:cxnSp>
+      <p:cxnSp>
+        <p:nvCxnSpPr>
+          <p:cNvPr id="20" name="Straight Arrow Connector 19">
+            <a:extLst>
+              <a:ext uri="{FF2B5EF4-FFF2-40B4-BE49-F238E27FC236}">
+                <a16:creationId xmlns:a16="http://schemas.microsoft.com/office/drawing/2014/main" id="{1665337B-9A27-4C3D-B9B4-8B1CF48BC073}"/>
+              </a:ext>
+            </a:extLst>
+          </p:cNvPr>
+          <p:cNvCxnSpPr>
+            <a:cxnSpLocks/>
+          </p:cNvCxnSpPr>
+          <p:nvPr/>
+        </p:nvCxnSpPr>
+        <p:spPr>
+          <a:xfrm flipH="1">
+            <a:off x="2161876" y="3272671"/>
+            <a:ext cx="367791" cy="347759"/>
+          </a:xfrm>
+          <a:prstGeom prst="straightConnector1">
+            <a:avLst/>
+          </a:prstGeom>
+          <a:ln>
+            <a:solidFill>
+              <a:schemeClr val="bg1"/>
+            </a:solidFill>
+            <a:tailEnd type="triangle"/>
+          </a:ln>
+        </p:spPr>
+        <p:style>
+          <a:lnRef idx="1">
+            <a:schemeClr val="accent1"/>
+          </a:lnRef>
+          <a:fillRef idx="0">
+            <a:schemeClr val="accent1"/>
+          </a:fillRef>
+          <a:effectRef idx="0">
+            <a:schemeClr val="accent1"/>
+          </a:effectRef>
+          <a:fontRef idx="minor">
+            <a:schemeClr val="tx1"/>
+          </a:fontRef>
+        </p:style>
+      </p:cxnSp>
+      <p:sp>
+        <p:nvSpPr>
+          <p:cNvPr id="24" name="TextBox 23">
+            <a:extLst>
+              <a:ext uri="{FF2B5EF4-FFF2-40B4-BE49-F238E27FC236}">
+                <a16:creationId xmlns:a16="http://schemas.microsoft.com/office/drawing/2014/main" id="{8C17A44E-FB94-4866-A257-4FAF0934D09C}"/>
+              </a:ext>
+            </a:extLst>
+          </p:cNvPr>
+          <p:cNvSpPr txBox="1"/>
+          <p:nvPr/>
+        </p:nvSpPr>
+        <p:spPr>
+          <a:xfrm rot="2770241">
+            <a:off x="3024591" y="3295267"/>
+            <a:ext cx="358234" cy="184666"/>
+          </a:xfrm>
+          <a:prstGeom prst="rect">
+            <a:avLst/>
+          </a:prstGeom>
+          <a:noFill/>
+        </p:spPr>
+        <p:txBody>
+          <a:bodyPr wrap="square" rtlCol="0">
+            <a:spAutoFit/>
+          </a:bodyPr>
+          <a:lstStyle/>
+          <a:p>
+            <a:r>
+              <a:rPr lang="en-US" sz="600" dirty="0">
+                <a:solidFill>
+                  <a:schemeClr val="bg1"/>
+                </a:solidFill>
+              </a:rPr>
+              <a:t>TRUE</a:t>
+            </a:r>
+          </a:p>
+        </p:txBody>
+      </p:sp>
+      <p:sp>
+        <p:nvSpPr>
+          <p:cNvPr id="26" name="TextBox 25">
+            <a:extLst>
+              <a:ext uri="{FF2B5EF4-FFF2-40B4-BE49-F238E27FC236}">
+                <a16:creationId xmlns:a16="http://schemas.microsoft.com/office/drawing/2014/main" id="{AC7FF1BF-FBA7-40A4-A08C-B08FE564CCA5}"/>
+              </a:ext>
+            </a:extLst>
+          </p:cNvPr>
+          <p:cNvSpPr txBox="1"/>
+          <p:nvPr/>
+        </p:nvSpPr>
+        <p:spPr>
+          <a:xfrm rot="19055852">
+            <a:off x="2046754" y="3197366"/>
+            <a:ext cx="710400" cy="184666"/>
+          </a:xfrm>
+          <a:prstGeom prst="rect">
+            <a:avLst/>
+          </a:prstGeom>
+          <a:noFill/>
+        </p:spPr>
+        <p:txBody>
+          <a:bodyPr wrap="square" rtlCol="0">
+            <a:spAutoFit/>
+          </a:bodyPr>
+          <a:lstStyle/>
+          <a:p>
+            <a:r>
+              <a:rPr lang="en-US" sz="600" dirty="0">
+                <a:solidFill>
+                  <a:schemeClr val="bg1"/>
+                </a:solidFill>
+              </a:rPr>
+              <a:t>FALSE</a:t>
+            </a:r>
+          </a:p>
+        </p:txBody>
+      </p:sp>
+      <p:sp>
+        <p:nvSpPr>
+          <p:cNvPr id="15" name="TextBox 14">
+            <a:extLst>
+              <a:ext uri="{FF2B5EF4-FFF2-40B4-BE49-F238E27FC236}">
+                <a16:creationId xmlns:a16="http://schemas.microsoft.com/office/drawing/2014/main" id="{B8560DDB-750C-42F5-A559-3771D178A55A}"/>
+              </a:ext>
+            </a:extLst>
+          </p:cNvPr>
+          <p:cNvSpPr txBox="1"/>
+          <p:nvPr/>
+        </p:nvSpPr>
+        <p:spPr>
+          <a:xfrm>
+            <a:off x="8768288" y="2315576"/>
+            <a:ext cx="2937417" cy="461665"/>
+          </a:xfrm>
+          <a:prstGeom prst="rect">
+            <a:avLst/>
+          </a:prstGeom>
+          <a:noFill/>
+        </p:spPr>
+        <p:txBody>
+          <a:bodyPr wrap="square" rtlCol="0">
+            <a:spAutoFit/>
+          </a:bodyPr>
+          <a:lstStyle/>
+          <a:p>
+            <a:r>
+              <a:rPr lang="en-US" sz="2400" dirty="0">
+                <a:solidFill>
+                  <a:schemeClr val="accent4">
+                    <a:lumMod val="75000"/>
+                  </a:schemeClr>
+                </a:solidFill>
+              </a:rPr>
+              <a:t>Many Decision Trees</a:t>
+            </a:r>
+          </a:p>
+        </p:txBody>
+      </p:sp>
+      <p:sp>
+        <p:nvSpPr>
+          <p:cNvPr id="38" name="Rectangle: Rounded Corners 37">
+            <a:extLst>
+              <a:ext uri="{FF2B5EF4-FFF2-40B4-BE49-F238E27FC236}">
+                <a16:creationId xmlns:a16="http://schemas.microsoft.com/office/drawing/2014/main" id="{B881CC8A-DD38-48CC-A1BD-CDA21C8C13A3}"/>
+              </a:ext>
+            </a:extLst>
+          </p:cNvPr>
+          <p:cNvSpPr/>
+          <p:nvPr/>
+        </p:nvSpPr>
+        <p:spPr>
+          <a:xfrm>
+            <a:off x="1896478" y="2774885"/>
+            <a:ext cx="1854861" cy="404725"/>
+          </a:xfrm>
+          <a:prstGeom prst="roundRect">
+            <a:avLst/>
+          </a:prstGeom>
+        </p:spPr>
+        <p:style>
+          <a:lnRef idx="2">
+            <a:schemeClr val="accent1"/>
+          </a:lnRef>
+          <a:fillRef idx="1">
+            <a:schemeClr val="lt1"/>
+          </a:fillRef>
+          <a:effectRef idx="0">
+            <a:schemeClr val="accent1"/>
+          </a:effectRef>
+          <a:fontRef idx="minor">
+            <a:schemeClr val="dk1"/>
+          </a:fontRef>
+        </p:style>
+        <p:txBody>
+          <a:bodyPr rtlCol="0" anchor="ctr"/>
+          <a:lstStyle/>
+          <a:p>
+            <a:pPr algn="ctr"/>
+            <a:r>
+              <a:rPr lang="en-US" sz="800" dirty="0"/>
+              <a:t>COVID-19+</a:t>
+            </a:r>
+          </a:p>
+          <a:p>
+            <a:pPr algn="ctr"/>
+            <a:r>
+              <a:rPr lang="en-US" sz="1200" dirty="0"/>
+              <a:t>COVID-19 Contact=False</a:t>
+            </a:r>
+          </a:p>
+        </p:txBody>
+      </p:sp>
+      <p:sp>
+        <p:nvSpPr>
+          <p:cNvPr id="39" name="Rectangle: Rounded Corners 38">
+            <a:extLst>
+              <a:ext uri="{FF2B5EF4-FFF2-40B4-BE49-F238E27FC236}">
+                <a16:creationId xmlns:a16="http://schemas.microsoft.com/office/drawing/2014/main" id="{AD85332C-4657-4064-A20E-C1B44944BB60}"/>
+              </a:ext>
+            </a:extLst>
+          </p:cNvPr>
+          <p:cNvSpPr/>
+          <p:nvPr/>
+        </p:nvSpPr>
+        <p:spPr>
+          <a:xfrm>
+            <a:off x="1318619" y="3717465"/>
+            <a:ext cx="1143001" cy="299077"/>
+          </a:xfrm>
+          <a:prstGeom prst="roundRect">
+            <a:avLst/>
+          </a:prstGeom>
+        </p:spPr>
+        <p:style>
+          <a:lnRef idx="2">
+            <a:schemeClr val="accent1"/>
+          </a:lnRef>
+          <a:fillRef idx="1">
+            <a:schemeClr val="lt1"/>
+          </a:fillRef>
+          <a:effectRef idx="0">
+            <a:schemeClr val="accent1"/>
+          </a:effectRef>
+          <a:fontRef idx="minor">
+            <a:schemeClr val="dk1"/>
+          </a:fontRef>
+        </p:style>
+        <p:txBody>
+          <a:bodyPr rtlCol="0" anchor="ctr"/>
+          <a:lstStyle/>
+          <a:p>
+            <a:pPr algn="ctr"/>
+            <a:r>
+              <a:rPr lang="en-US" sz="1200" dirty="0"/>
+              <a:t>Other Feature</a:t>
+            </a:r>
+          </a:p>
+          <a:p>
+            <a:pPr algn="ctr"/>
+            <a:r>
+              <a:rPr lang="en-US" sz="700" dirty="0"/>
+              <a:t>COVID-19 -</a:t>
+            </a:r>
+          </a:p>
+        </p:txBody>
+      </p:sp>
+      <p:sp>
+        <p:nvSpPr>
+          <p:cNvPr id="40" name="Rectangle: Rounded Corners 39">
+            <a:extLst>
+              <a:ext uri="{FF2B5EF4-FFF2-40B4-BE49-F238E27FC236}">
+                <a16:creationId xmlns:a16="http://schemas.microsoft.com/office/drawing/2014/main" id="{F3B706E4-8129-4645-86DD-622CD4D062C9}"/>
+              </a:ext>
+            </a:extLst>
+          </p:cNvPr>
+          <p:cNvSpPr/>
+          <p:nvPr/>
+        </p:nvSpPr>
+        <p:spPr>
+          <a:xfrm>
+            <a:off x="2916543" y="3717465"/>
+            <a:ext cx="1143001" cy="299077"/>
+          </a:xfrm>
+          <a:prstGeom prst="roundRect">
+            <a:avLst/>
+          </a:prstGeom>
+        </p:spPr>
+        <p:style>
+          <a:lnRef idx="2">
+            <a:schemeClr val="accent1"/>
+          </a:lnRef>
+          <a:fillRef idx="1">
+            <a:schemeClr val="lt1"/>
+          </a:fillRef>
+          <a:effectRef idx="0">
+            <a:schemeClr val="accent1"/>
+          </a:effectRef>
+          <a:fontRef idx="minor">
+            <a:schemeClr val="dk1"/>
+          </a:fontRef>
+        </p:style>
+        <p:txBody>
+          <a:bodyPr rtlCol="0" anchor="ctr"/>
+          <a:lstStyle/>
+          <a:p>
+            <a:pPr algn="ctr"/>
+            <a:r>
+              <a:rPr lang="en-US" sz="1200" dirty="0"/>
+              <a:t>Other Feature</a:t>
+            </a:r>
+          </a:p>
+          <a:p>
+            <a:pPr algn="ctr"/>
+            <a:r>
+              <a:rPr lang="en-US" sz="700" dirty="0"/>
+              <a:t>COVID-19 +</a:t>
+            </a:r>
+          </a:p>
+        </p:txBody>
+      </p:sp>
+      <p:sp>
+        <p:nvSpPr>
+          <p:cNvPr id="42" name="Rectangle 41">
+            <a:extLst>
+              <a:ext uri="{FF2B5EF4-FFF2-40B4-BE49-F238E27FC236}">
+                <a16:creationId xmlns:a16="http://schemas.microsoft.com/office/drawing/2014/main" id="{D00BB015-B32F-45B6-BBDE-80AE1CE48CA6}"/>
+              </a:ext>
+            </a:extLst>
+          </p:cNvPr>
+          <p:cNvSpPr/>
+          <p:nvPr/>
+        </p:nvSpPr>
+        <p:spPr>
+          <a:xfrm>
+            <a:off x="3013057" y="5181600"/>
+            <a:ext cx="2984362" cy="1222479"/>
+          </a:xfrm>
+          <a:prstGeom prst="rect">
+            <a:avLst/>
+          </a:prstGeom>
+        </p:spPr>
+        <p:style>
+          <a:lnRef idx="1">
+            <a:schemeClr val="accent1"/>
+          </a:lnRef>
+          <a:fillRef idx="2">
+            <a:schemeClr val="accent1"/>
+          </a:fillRef>
+          <a:effectRef idx="1">
+            <a:schemeClr val="accent1"/>
+          </a:effectRef>
+          <a:fontRef idx="minor">
+            <a:schemeClr val="dk1"/>
+          </a:fontRef>
+        </p:style>
+        <p:txBody>
+          <a:bodyPr rtlCol="0" anchor="ctr"/>
+          <a:lstStyle/>
+          <a:p>
+            <a:pPr algn="ctr"/>
+            <a:r>
+              <a:rPr lang="en-US" dirty="0">
+                <a:solidFill>
+                  <a:schemeClr val="bg1"/>
+                </a:solidFill>
+              </a:rPr>
+              <a:t>True/False Decisions  Develop</a:t>
+            </a:r>
+          </a:p>
+          <a:p>
+            <a:pPr algn="ctr"/>
+            <a:r>
+              <a:rPr lang="en-US" dirty="0">
+                <a:solidFill>
+                  <a:schemeClr val="bg1"/>
+                </a:solidFill>
+              </a:rPr>
+              <a:t>“</a:t>
+            </a:r>
+            <a:r>
+              <a:rPr lang="en-US" sz="2400" b="1" dirty="0">
+                <a:solidFill>
+                  <a:schemeClr val="bg1"/>
+                </a:solidFill>
+              </a:rPr>
+              <a:t>Feature Importance</a:t>
+            </a:r>
+            <a:r>
+              <a:rPr lang="en-US" dirty="0">
+                <a:solidFill>
+                  <a:schemeClr val="bg1"/>
+                </a:solidFill>
+              </a:rPr>
+              <a:t>”</a:t>
+            </a:r>
+          </a:p>
+        </p:txBody>
+      </p:sp>
     </p:spTree>
     <p:extLst>
       <p:ext uri="{BB962C8B-B14F-4D97-AF65-F5344CB8AC3E}">
@@ -16814,358 +17189,6 @@
 </file>
 
 <file path=ppt/slides/slide7.xml><?xml version="1.0" encoding="utf-8"?>
-<p:sld xmlns:a="http://schemas.openxmlformats.org/drawingml/2006/main" xmlns:r="http://schemas.openxmlformats.org/officeDocument/2006/relationships" xmlns:p="http://schemas.openxmlformats.org/presentationml/2006/main">
-  <p:cSld>
-    <p:bg>
-      <p:bgPr>
-        <a:gradFill>
-          <a:gsLst>
-            <a:gs pos="0">
-              <a:srgbClr val="D9D9D9"/>
-            </a:gs>
-            <a:gs pos="100000">
-              <a:schemeClr val="bg1"/>
-            </a:gs>
-          </a:gsLst>
-          <a:lin ang="16200000" scaled="1"/>
-        </a:gradFill>
-        <a:effectLst/>
-      </p:bgPr>
-    </p:bg>
-    <p:spTree>
-      <p:nvGrpSpPr>
-        <p:cNvPr id="1" name=""/>
-        <p:cNvGrpSpPr/>
-        <p:nvPr/>
-      </p:nvGrpSpPr>
-      <p:grpSpPr>
-        <a:xfrm>
-          <a:off x="0" y="0"/>
-          <a:ext cx="0" cy="0"/>
-          <a:chOff x="0" y="0"/>
-          <a:chExt cx="0" cy="0"/>
-        </a:xfrm>
-      </p:grpSpPr>
-      <p:sp>
-        <p:nvSpPr>
-          <p:cNvPr id="2" name="Title 1"/>
-          <p:cNvSpPr>
-            <a:spLocks noGrp="1"/>
-          </p:cNvSpPr>
-          <p:nvPr>
-            <p:ph type="title"/>
-          </p:nvPr>
-        </p:nvSpPr>
-        <p:spPr/>
-        <p:txBody>
-          <a:bodyPr/>
-          <a:lstStyle/>
-          <a:p>
-            <a:r>
-              <a:rPr lang="en-US" dirty="0"/>
-              <a:t>Modeling Results: </a:t>
-            </a:r>
-          </a:p>
-        </p:txBody>
-      </p:sp>
-      <p:sp>
-        <p:nvSpPr>
-          <p:cNvPr id="5" name="Rectangle 4">
-            <a:extLst>
-              <a:ext uri="{FF2B5EF4-FFF2-40B4-BE49-F238E27FC236}">
-                <a16:creationId xmlns:a16="http://schemas.microsoft.com/office/drawing/2014/main" id="{F15B20EC-3FFD-460B-925E-D1B621F22566}"/>
-              </a:ext>
-            </a:extLst>
-          </p:cNvPr>
-          <p:cNvSpPr/>
-          <p:nvPr/>
-        </p:nvSpPr>
-        <p:spPr>
-          <a:xfrm>
-            <a:off x="5887443" y="2049150"/>
-            <a:ext cx="441698" cy="4228093"/>
-          </a:xfrm>
-          <a:prstGeom prst="rect">
-            <a:avLst/>
-          </a:prstGeom>
-        </p:spPr>
-        <p:style>
-          <a:lnRef idx="2">
-            <a:schemeClr val="accent1">
-              <a:shade val="50000"/>
-            </a:schemeClr>
-          </a:lnRef>
-          <a:fillRef idx="1">
-            <a:schemeClr val="accent1"/>
-          </a:fillRef>
-          <a:effectRef idx="0">
-            <a:schemeClr val="accent1"/>
-          </a:effectRef>
-          <a:fontRef idx="minor">
-            <a:schemeClr val="lt1"/>
-          </a:fontRef>
-        </p:style>
-        <p:txBody>
-          <a:bodyPr rtlCol="0" anchor="ctr"/>
-          <a:lstStyle/>
-          <a:p>
-            <a:pPr algn="ctr"/>
-            <a:endParaRPr lang="en-US"/>
-          </a:p>
-        </p:txBody>
-      </p:sp>
-      <p:pic>
-        <p:nvPicPr>
-          <p:cNvPr id="12" name="Picture 11">
-            <a:extLst>
-              <a:ext uri="{FF2B5EF4-FFF2-40B4-BE49-F238E27FC236}">
-                <a16:creationId xmlns:a16="http://schemas.microsoft.com/office/drawing/2014/main" id="{0F31ECD0-614C-4D87-B4A3-C0E3100162AF}"/>
-              </a:ext>
-            </a:extLst>
-          </p:cNvPr>
-          <p:cNvPicPr>
-            <a:picLocks noChangeAspect="1"/>
-          </p:cNvPicPr>
-          <p:nvPr/>
-        </p:nvPicPr>
-        <p:blipFill>
-          <a:blip r:embed="rId3"/>
-          <a:stretch>
-            <a:fillRect/>
-          </a:stretch>
-        </p:blipFill>
-        <p:spPr>
-          <a:xfrm>
-            <a:off x="146972" y="2049150"/>
-            <a:ext cx="5451696" cy="4228093"/>
-          </a:xfrm>
-          <a:prstGeom prst="rect">
-            <a:avLst/>
-          </a:prstGeom>
-        </p:spPr>
-      </p:pic>
-      <p:sp>
-        <p:nvSpPr>
-          <p:cNvPr id="14" name="TextBox 13">
-            <a:extLst>
-              <a:ext uri="{FF2B5EF4-FFF2-40B4-BE49-F238E27FC236}">
-                <a16:creationId xmlns:a16="http://schemas.microsoft.com/office/drawing/2014/main" id="{E5FAF5BA-9064-4788-AE04-F4C8A072C423}"/>
-              </a:ext>
-            </a:extLst>
-          </p:cNvPr>
-          <p:cNvSpPr txBox="1"/>
-          <p:nvPr/>
-        </p:nvSpPr>
-        <p:spPr>
-          <a:xfrm>
-            <a:off x="10058400" y="5466608"/>
-            <a:ext cx="1905000" cy="276999"/>
-          </a:xfrm>
-          <a:prstGeom prst="rect">
-            <a:avLst/>
-          </a:prstGeom>
-          <a:noFill/>
-        </p:spPr>
-        <p:txBody>
-          <a:bodyPr wrap="square" rtlCol="0">
-            <a:spAutoFit/>
-          </a:bodyPr>
-          <a:lstStyle/>
-          <a:p>
-            <a:r>
-              <a:rPr lang="en-US" sz="1200" spc="600" dirty="0">
-                <a:solidFill>
-                  <a:schemeClr val="bg2">
-                    <a:lumMod val="75000"/>
-                  </a:schemeClr>
-                </a:solidFill>
-              </a:rPr>
-              <a:t>Specificity </a:t>
-            </a:r>
-          </a:p>
-        </p:txBody>
-      </p:sp>
-      <p:sp>
-        <p:nvSpPr>
-          <p:cNvPr id="8" name="TextBox 7">
-            <a:extLst>
-              <a:ext uri="{FF2B5EF4-FFF2-40B4-BE49-F238E27FC236}">
-                <a16:creationId xmlns:a16="http://schemas.microsoft.com/office/drawing/2014/main" id="{699B0630-98ED-4E63-A85A-FA18B926B887}"/>
-              </a:ext>
-            </a:extLst>
-          </p:cNvPr>
-          <p:cNvSpPr txBox="1"/>
-          <p:nvPr/>
-        </p:nvSpPr>
-        <p:spPr>
-          <a:xfrm rot="16200000">
-            <a:off x="6425000" y="4375608"/>
-            <a:ext cx="1905000" cy="276999"/>
-          </a:xfrm>
-          <a:prstGeom prst="rect">
-            <a:avLst/>
-          </a:prstGeom>
-          <a:noFill/>
-        </p:spPr>
-        <p:txBody>
-          <a:bodyPr wrap="square" rtlCol="0">
-            <a:spAutoFit/>
-          </a:bodyPr>
-          <a:lstStyle/>
-          <a:p>
-            <a:r>
-              <a:rPr lang="en-US" sz="1200" spc="600" dirty="0">
-                <a:solidFill>
-                  <a:schemeClr val="bg2">
-                    <a:lumMod val="75000"/>
-                  </a:schemeClr>
-                </a:solidFill>
-              </a:rPr>
-              <a:t>Sensitivity </a:t>
-            </a:r>
-          </a:p>
-        </p:txBody>
-      </p:sp>
-      <p:sp>
-        <p:nvSpPr>
-          <p:cNvPr id="3" name="TextBox 2">
-            <a:extLst>
-              <a:ext uri="{FF2B5EF4-FFF2-40B4-BE49-F238E27FC236}">
-                <a16:creationId xmlns:a16="http://schemas.microsoft.com/office/drawing/2014/main" id="{E31C96D7-B47E-4FA5-85CF-AE2033A936C1}"/>
-              </a:ext>
-            </a:extLst>
-          </p:cNvPr>
-          <p:cNvSpPr txBox="1"/>
-          <p:nvPr/>
-        </p:nvSpPr>
-        <p:spPr>
-          <a:xfrm>
-            <a:off x="1447800" y="3810000"/>
-            <a:ext cx="1676400" cy="261610"/>
-          </a:xfrm>
-          <a:prstGeom prst="rect">
-            <a:avLst/>
-          </a:prstGeom>
-          <a:noFill/>
-        </p:spPr>
-        <p:txBody>
-          <a:bodyPr wrap="square" rtlCol="0">
-            <a:spAutoFit/>
-          </a:bodyPr>
-          <a:lstStyle/>
-          <a:p>
-            <a:r>
-              <a:rPr lang="en-US" sz="1100" dirty="0">
-                <a:solidFill>
-                  <a:schemeClr val="accent2">
-                    <a:lumMod val="20000"/>
-                    <a:lumOff val="80000"/>
-                  </a:schemeClr>
-                </a:solidFill>
-              </a:rPr>
-              <a:t>True Negative</a:t>
-            </a:r>
-          </a:p>
-        </p:txBody>
-      </p:sp>
-      <p:sp>
-        <p:nvSpPr>
-          <p:cNvPr id="9" name="TextBox 8">
-            <a:extLst>
-              <a:ext uri="{FF2B5EF4-FFF2-40B4-BE49-F238E27FC236}">
-                <a16:creationId xmlns:a16="http://schemas.microsoft.com/office/drawing/2014/main" id="{7A5FD056-C860-45FA-ABAD-AF4A7BC16BD2}"/>
-              </a:ext>
-            </a:extLst>
-          </p:cNvPr>
-          <p:cNvSpPr txBox="1"/>
-          <p:nvPr/>
-        </p:nvSpPr>
-        <p:spPr>
-          <a:xfrm>
-            <a:off x="3645733" y="5368897"/>
-            <a:ext cx="1676400" cy="261610"/>
-          </a:xfrm>
-          <a:prstGeom prst="rect">
-            <a:avLst/>
-          </a:prstGeom>
-          <a:noFill/>
-        </p:spPr>
-        <p:txBody>
-          <a:bodyPr wrap="square" rtlCol="0">
-            <a:spAutoFit/>
-          </a:bodyPr>
-          <a:lstStyle/>
-          <a:p>
-            <a:r>
-              <a:rPr lang="en-US" sz="1100" dirty="0">
-                <a:solidFill>
-                  <a:schemeClr val="accent2">
-                    <a:lumMod val="20000"/>
-                    <a:lumOff val="80000"/>
-                  </a:schemeClr>
-                </a:solidFill>
-              </a:rPr>
-              <a:t>True Positive</a:t>
-            </a:r>
-          </a:p>
-        </p:txBody>
-      </p:sp>
-      <p:pic>
-        <p:nvPicPr>
-          <p:cNvPr id="10" name="Picture 9">
-            <a:extLst>
-              <a:ext uri="{FF2B5EF4-FFF2-40B4-BE49-F238E27FC236}">
-                <a16:creationId xmlns:a16="http://schemas.microsoft.com/office/drawing/2014/main" id="{BA0B552D-74F3-47F6-8BDF-9C9D341E99DD}"/>
-              </a:ext>
-            </a:extLst>
-          </p:cNvPr>
-          <p:cNvPicPr>
-            <a:picLocks noChangeAspect="1"/>
-          </p:cNvPicPr>
-          <p:nvPr/>
-        </p:nvPicPr>
-        <p:blipFill>
-          <a:blip r:embed="rId4"/>
-          <a:stretch>
-            <a:fillRect/>
-          </a:stretch>
-        </p:blipFill>
-        <p:spPr>
-          <a:xfrm>
-            <a:off x="6856602" y="2311959"/>
-            <a:ext cx="5325566" cy="3519302"/>
-          </a:xfrm>
-          <a:prstGeom prst="rect">
-            <a:avLst/>
-          </a:prstGeom>
-        </p:spPr>
-      </p:pic>
-    </p:spTree>
-    <p:extLst>
-      <p:ext uri="{BB962C8B-B14F-4D97-AF65-F5344CB8AC3E}">
-        <p14:creationId xmlns:p14="http://schemas.microsoft.com/office/powerpoint/2010/main" val="2637673684"/>
-      </p:ext>
-    </p:extLst>
-  </p:cSld>
-  <p:clrMapOvr>
-    <a:masterClrMapping/>
-  </p:clrMapOvr>
-  <mc:AlternateContent xmlns:mc="http://schemas.openxmlformats.org/markup-compatibility/2006" xmlns:p14="http://schemas.microsoft.com/office/powerpoint/2010/main">
-    <mc:Choice Requires="p14">
-      <p:transition spd="med" p14:dur="700">
-        <p:fade/>
-      </p:transition>
-    </mc:Choice>
-    <mc:Fallback xmlns="">
-      <p:transition spd="med">
-        <p:fade/>
-      </p:transition>
-    </mc:Fallback>
-  </mc:AlternateContent>
-</p:sld>
-</file>
-
-<file path=ppt/slides/slide8.xml><?xml version="1.0" encoding="utf-8"?>
 <p:sld xmlns:a="http://schemas.openxmlformats.org/drawingml/2006/main" xmlns:r="http://schemas.openxmlformats.org/officeDocument/2006/relationships" xmlns:p="http://schemas.openxmlformats.org/presentationml/2006/main">
   <p:cSld>
     <p:spTree>
@@ -17305,9 +17328,25 @@
 </p:sld>
 </file>
 
-<file path=ppt/slides/slide9.xml><?xml version="1.0" encoding="utf-8"?>
+<file path=ppt/slides/slide8.xml><?xml version="1.0" encoding="utf-8"?>
 <p:sld xmlns:a="http://schemas.openxmlformats.org/drawingml/2006/main" xmlns:r="http://schemas.openxmlformats.org/officeDocument/2006/relationships" xmlns:p="http://schemas.openxmlformats.org/presentationml/2006/main">
   <p:cSld>
+    <p:bg>
+      <p:bgPr>
+        <a:gradFill>
+          <a:gsLst>
+            <a:gs pos="0">
+              <a:srgbClr val="D9D9D9"/>
+            </a:gs>
+            <a:gs pos="100000">
+              <a:schemeClr val="bg1"/>
+            </a:gs>
+          </a:gsLst>
+          <a:lin ang="16200000" scaled="1"/>
+        </a:gradFill>
+        <a:effectLst/>
+      </p:bgPr>
+    </p:bg>
     <p:spTree>
       <p:nvGrpSpPr>
         <p:cNvPr id="1" name=""/>
@@ -17324,10 +17363,39 @@
       </p:grpSpPr>
       <p:sp>
         <p:nvSpPr>
+          <p:cNvPr id="2" name="Title 1"/>
+          <p:cNvSpPr>
+            <a:spLocks noGrp="1"/>
+          </p:cNvSpPr>
+          <p:nvPr>
+            <p:ph type="title"/>
+          </p:nvPr>
+        </p:nvSpPr>
+        <p:spPr/>
+        <p:txBody>
+          <a:bodyPr/>
+          <a:lstStyle/>
+          <a:p>
+            <a:r>
+              <a:rPr lang="en-US" dirty="0"/>
+              <a:t>Modeling Results:</a:t>
+            </a:r>
+            <a:br>
+              <a:rPr lang="en-US" dirty="0"/>
+            </a:br>
+            <a:r>
+              <a:rPr lang="en-US" dirty="0"/>
+              <a:t> Accuracy: 96%</a:t>
+            </a:r>
+          </a:p>
+        </p:txBody>
+      </p:sp>
+      <p:sp>
+        <p:nvSpPr>
           <p:cNvPr id="5" name="Rectangle 4">
             <a:extLst>
               <a:ext uri="{FF2B5EF4-FFF2-40B4-BE49-F238E27FC236}">
-                <a16:creationId xmlns:a16="http://schemas.microsoft.com/office/drawing/2014/main" id="{00E362E1-51B8-4957-9422-944EE1216076}"/>
+                <a16:creationId xmlns:a16="http://schemas.microsoft.com/office/drawing/2014/main" id="{F15B20EC-3FFD-460B-925E-D1B621F22566}"/>
               </a:ext>
             </a:extLst>
           </p:cNvPr>
@@ -17336,15 +17404,12 @@
         </p:nvSpPr>
         <p:spPr>
           <a:xfrm>
-            <a:off x="136332" y="2586132"/>
-            <a:ext cx="3886200" cy="3788122"/>
+            <a:off x="6037115" y="2091427"/>
+            <a:ext cx="441698" cy="4228093"/>
           </a:xfrm>
           <a:prstGeom prst="rect">
             <a:avLst/>
           </a:prstGeom>
-          <a:solidFill>
-            <a:schemeClr val="bg1"/>
-          </a:solidFill>
         </p:spPr>
         <p:style>
           <a:lnRef idx="2">
@@ -17373,20 +17438,164 @@
       </p:sp>
       <p:pic>
         <p:nvPicPr>
-          <p:cNvPr id="2054" name="Picture 6" descr="WASHING HANDS - Free miscellaneous icons">
+          <p:cNvPr id="12" name="Picture 11">
             <a:extLst>
               <a:ext uri="{FF2B5EF4-FFF2-40B4-BE49-F238E27FC236}">
-                <a16:creationId xmlns:a16="http://schemas.microsoft.com/office/drawing/2014/main" id="{18EDBB62-60A8-42FF-B504-1E30AD285701}"/>
+                <a16:creationId xmlns:a16="http://schemas.microsoft.com/office/drawing/2014/main" id="{0F31ECD0-614C-4D87-B4A3-C0E3100162AF}"/>
               </a:ext>
             </a:extLst>
           </p:cNvPr>
           <p:cNvPicPr>
-            <a:picLocks noChangeAspect="1" noChangeArrowheads="1"/>
+            <a:picLocks noChangeAspect="1"/>
           </p:cNvPicPr>
           <p:nvPr/>
         </p:nvPicPr>
         <p:blipFill>
-          <a:blip r:embed="rId3">
+          <a:blip r:embed="rId3"/>
+          <a:stretch>
+            <a:fillRect/>
+          </a:stretch>
+        </p:blipFill>
+        <p:spPr>
+          <a:xfrm>
+            <a:off x="6553200" y="2091427"/>
+            <a:ext cx="5451696" cy="4228093"/>
+          </a:xfrm>
+          <a:prstGeom prst="rect">
+            <a:avLst/>
+          </a:prstGeom>
+        </p:spPr>
+      </p:pic>
+      <p:sp>
+        <p:nvSpPr>
+          <p:cNvPr id="3" name="TextBox 2">
+            <a:extLst>
+              <a:ext uri="{FF2B5EF4-FFF2-40B4-BE49-F238E27FC236}">
+                <a16:creationId xmlns:a16="http://schemas.microsoft.com/office/drawing/2014/main" id="{E31C96D7-B47E-4FA5-85CF-AE2033A936C1}"/>
+              </a:ext>
+            </a:extLst>
+          </p:cNvPr>
+          <p:cNvSpPr txBox="1"/>
+          <p:nvPr/>
+        </p:nvSpPr>
+        <p:spPr>
+          <a:xfrm>
+            <a:off x="7848600" y="3810000"/>
+            <a:ext cx="1676400" cy="261610"/>
+          </a:xfrm>
+          <a:prstGeom prst="rect">
+            <a:avLst/>
+          </a:prstGeom>
+          <a:noFill/>
+        </p:spPr>
+        <p:txBody>
+          <a:bodyPr wrap="square" rtlCol="0">
+            <a:spAutoFit/>
+          </a:bodyPr>
+          <a:lstStyle/>
+          <a:p>
+            <a:r>
+              <a:rPr lang="en-US" sz="1100" dirty="0">
+                <a:solidFill>
+                  <a:schemeClr val="accent2">
+                    <a:lumMod val="20000"/>
+                    <a:lumOff val="80000"/>
+                  </a:schemeClr>
+                </a:solidFill>
+              </a:rPr>
+              <a:t>True Negative</a:t>
+            </a:r>
+          </a:p>
+        </p:txBody>
+      </p:sp>
+      <p:sp>
+        <p:nvSpPr>
+          <p:cNvPr id="9" name="TextBox 8">
+            <a:extLst>
+              <a:ext uri="{FF2B5EF4-FFF2-40B4-BE49-F238E27FC236}">
+                <a16:creationId xmlns:a16="http://schemas.microsoft.com/office/drawing/2014/main" id="{7A5FD056-C860-45FA-ABAD-AF4A7BC16BD2}"/>
+              </a:ext>
+            </a:extLst>
+          </p:cNvPr>
+          <p:cNvSpPr txBox="1"/>
+          <p:nvPr/>
+        </p:nvSpPr>
+        <p:spPr>
+          <a:xfrm>
+            <a:off x="10058400" y="5410200"/>
+            <a:ext cx="1676400" cy="261610"/>
+          </a:xfrm>
+          <a:prstGeom prst="rect">
+            <a:avLst/>
+          </a:prstGeom>
+          <a:noFill/>
+        </p:spPr>
+        <p:txBody>
+          <a:bodyPr wrap="square" rtlCol="0">
+            <a:spAutoFit/>
+          </a:bodyPr>
+          <a:lstStyle/>
+          <a:p>
+            <a:r>
+              <a:rPr lang="en-US" sz="1100" dirty="0">
+                <a:solidFill>
+                  <a:schemeClr val="accent2">
+                    <a:lumMod val="20000"/>
+                    <a:lumOff val="80000"/>
+                  </a:schemeClr>
+                </a:solidFill>
+              </a:rPr>
+              <a:t>True Positive</a:t>
+            </a:r>
+          </a:p>
+        </p:txBody>
+      </p:sp>
+      <p:pic>
+        <p:nvPicPr>
+          <p:cNvPr id="10" name="Picture 9">
+            <a:extLst>
+              <a:ext uri="{FF2B5EF4-FFF2-40B4-BE49-F238E27FC236}">
+                <a16:creationId xmlns:a16="http://schemas.microsoft.com/office/drawing/2014/main" id="{BA0B552D-74F3-47F6-8BDF-9C9D341E99DD}"/>
+              </a:ext>
+            </a:extLst>
+          </p:cNvPr>
+          <p:cNvPicPr>
+            <a:picLocks noChangeAspect="1"/>
+          </p:cNvPicPr>
+          <p:nvPr/>
+        </p:nvPicPr>
+        <p:blipFill>
+          <a:blip r:embed="rId4"/>
+          <a:stretch>
+            <a:fillRect/>
+          </a:stretch>
+        </p:blipFill>
+        <p:spPr>
+          <a:xfrm>
+            <a:off x="197264" y="2300473"/>
+            <a:ext cx="5765464" cy="3810000"/>
+          </a:xfrm>
+          <a:prstGeom prst="rect">
+            <a:avLst/>
+          </a:prstGeom>
+        </p:spPr>
+      </p:pic>
+      <p:pic>
+        <p:nvPicPr>
+          <p:cNvPr id="11" name="Picture 10">
+            <a:extLst>
+              <a:ext uri="{FF2B5EF4-FFF2-40B4-BE49-F238E27FC236}">
+                <a16:creationId xmlns:a16="http://schemas.microsoft.com/office/drawing/2014/main" id="{6E35151D-EEE6-453A-AB92-C1ABA3DE1AB8}"/>
+              </a:ext>
+            </a:extLst>
+          </p:cNvPr>
+          <p:cNvPicPr>
+            <a:picLocks noChangeAspect="1"/>
+          </p:cNvPicPr>
+          <p:nvPr/>
+        </p:nvPicPr>
+        <p:blipFill>
+          <a:blip r:embed="rId5">
             <a:duotone>
               <a:schemeClr val="accent1">
                 <a:shade val="45000"/>
@@ -17394,37 +17603,107 @@
               </a:schemeClr>
               <a:prstClr val="white"/>
             </a:duotone>
-            <a:extLst>
-              <a:ext uri="{28A0092B-C50C-407E-A947-70E740481C1C}">
-                <a14:useLocalDpi xmlns:a14="http://schemas.microsoft.com/office/drawing/2010/main" val="0"/>
-              </a:ext>
-            </a:extLst>
+            <a:alphaModFix/>
           </a:blip>
-          <a:srcRect/>
           <a:stretch>
             <a:fillRect/>
           </a:stretch>
         </p:blipFill>
-        <p:spPr bwMode="auto">
+        <p:spPr>
           <a:xfrm>
-            <a:off x="1482534" y="4178898"/>
-            <a:ext cx="1108266" cy="1108266"/>
+            <a:off x="8915400" y="163911"/>
+            <a:ext cx="2819400" cy="1196180"/>
           </a:xfrm>
           <a:prstGeom prst="rect">
             <a:avLst/>
           </a:prstGeom>
-          <a:noFill/>
-          <a:extLst>
-            <a:ext uri="{909E8E84-426E-40DD-AFC4-6F175D3DCCD1}">
-              <a14:hiddenFill xmlns:a14="http://schemas.microsoft.com/office/drawing/2010/main">
-                <a:solidFill>
-                  <a:srgbClr val="FFFFFF"/>
-                </a:solidFill>
-              </a14:hiddenFill>
-            </a:ext>
-          </a:extLst>
         </p:spPr>
       </p:pic>
+      <p:sp>
+        <p:nvSpPr>
+          <p:cNvPr id="7" name="Rectangle 6">
+            <a:extLst>
+              <a:ext uri="{FF2B5EF4-FFF2-40B4-BE49-F238E27FC236}">
+                <a16:creationId xmlns:a16="http://schemas.microsoft.com/office/drawing/2014/main" id="{B8B0FDF6-DBF6-43C0-B96B-55D56E55267F}"/>
+              </a:ext>
+            </a:extLst>
+          </p:cNvPr>
+          <p:cNvSpPr/>
+          <p:nvPr/>
+        </p:nvSpPr>
+        <p:spPr>
+          <a:xfrm>
+            <a:off x="4228556" y="2233666"/>
+            <a:ext cx="1661224" cy="461665"/>
+          </a:xfrm>
+          <a:prstGeom prst="rect">
+            <a:avLst/>
+          </a:prstGeom>
+          <a:solidFill>
+            <a:schemeClr val="bg1"/>
+          </a:solidFill>
+        </p:spPr>
+        <p:txBody>
+          <a:bodyPr wrap="none">
+            <a:spAutoFit/>
+          </a:bodyPr>
+          <a:lstStyle/>
+          <a:p>
+            <a:r>
+              <a:rPr lang="en-US" sz="2400" b="1" dirty="0">
+                <a:solidFill>
+                  <a:srgbClr val="000000"/>
+                </a:solidFill>
+                <a:latin typeface="Calibri" panose="020F0502020204030204" pitchFamily="34" charset="0"/>
+              </a:rPr>
+              <a:t>Importance</a:t>
+            </a:r>
+            <a:endParaRPr lang="en-US" dirty="0"/>
+          </a:p>
+        </p:txBody>
+      </p:sp>
+    </p:spTree>
+    <p:extLst>
+      <p:ext uri="{BB962C8B-B14F-4D97-AF65-F5344CB8AC3E}">
+        <p14:creationId xmlns:p14="http://schemas.microsoft.com/office/powerpoint/2010/main" val="2637673684"/>
+      </p:ext>
+    </p:extLst>
+  </p:cSld>
+  <p:clrMapOvr>
+    <a:masterClrMapping/>
+  </p:clrMapOvr>
+  <mc:AlternateContent xmlns:mc="http://schemas.openxmlformats.org/markup-compatibility/2006" xmlns:p14="http://schemas.microsoft.com/office/powerpoint/2010/main">
+    <mc:Choice Requires="p14">
+      <p:transition spd="med" p14:dur="700">
+        <p:fade/>
+      </p:transition>
+    </mc:Choice>
+    <mc:Fallback xmlns="">
+      <p:transition spd="med">
+        <p:fade/>
+      </p:transition>
+    </mc:Fallback>
+  </mc:AlternateContent>
+</p:sld>
+</file>
+
+<file path=ppt/slides/slide9.xml><?xml version="1.0" encoding="utf-8"?>
+<p:sld xmlns:a="http://schemas.openxmlformats.org/drawingml/2006/main" xmlns:r="http://schemas.openxmlformats.org/officeDocument/2006/relationships" xmlns:p="http://schemas.openxmlformats.org/presentationml/2006/main">
+  <p:cSld>
+    <p:spTree>
+      <p:nvGrpSpPr>
+        <p:cNvPr id="1" name=""/>
+        <p:cNvGrpSpPr/>
+        <p:nvPr/>
+      </p:nvGrpSpPr>
+      <p:grpSpPr>
+        <a:xfrm>
+          <a:off x="0" y="0"/>
+          <a:ext cx="0" cy="0"/>
+          <a:chOff x="0" y="0"/>
+          <a:chExt cx="0" cy="0"/>
+        </a:xfrm>
+      </p:grpSpPr>
       <p:sp>
         <p:nvSpPr>
           <p:cNvPr id="2" name="Title 1"/>
@@ -17437,13 +17716,13 @@
         </p:nvSpPr>
         <p:spPr>
           <a:xfrm>
-            <a:off x="425505" y="57420"/>
-            <a:ext cx="10058400" cy="1325563"/>
+            <a:off x="425505" y="54747"/>
+            <a:ext cx="6965895" cy="1091238"/>
           </a:xfrm>
         </p:spPr>
         <p:txBody>
           <a:bodyPr anchor="ctr">
-            <a:normAutofit/>
+            <a:normAutofit fontScale="90000"/>
           </a:bodyPr>
           <a:lstStyle/>
           <a:p>
@@ -17452,7 +17731,7 @@
             </a:br>
             <a:r>
               <a:rPr lang="en-US" sz="4000" dirty="0"/>
-              <a:t>Top Factors by level of importance:</a:t>
+              <a:t>Top Factors by level of importance in prediction using Random Forest </a:t>
             </a:r>
             <a:endParaRPr lang="en-US" sz="2800" dirty="0"/>
           </a:p>
@@ -17564,12 +17843,341 @@
           </a:p>
         </p:txBody>
       </p:sp>
+      <p:grpSp>
+        <p:nvGrpSpPr>
+          <p:cNvPr id="37" name="Group 36">
+            <a:extLst>
+              <a:ext uri="{FF2B5EF4-FFF2-40B4-BE49-F238E27FC236}">
+                <a16:creationId xmlns:a16="http://schemas.microsoft.com/office/drawing/2014/main" id="{FEED6C0F-C312-4C6B-802F-5AFC1E22AABE}"/>
+              </a:ext>
+            </a:extLst>
+          </p:cNvPr>
+          <p:cNvGrpSpPr/>
+          <p:nvPr/>
+        </p:nvGrpSpPr>
+        <p:grpSpPr>
+          <a:xfrm>
+            <a:off x="8077200" y="2310573"/>
+            <a:ext cx="3827262" cy="3650990"/>
+            <a:chOff x="304799" y="2239268"/>
+            <a:chExt cx="3886200" cy="3788122"/>
+          </a:xfrm>
+        </p:grpSpPr>
+        <p:sp>
+          <p:nvSpPr>
+            <p:cNvPr id="5" name="Rectangle 4">
+              <a:extLst>
+                <a:ext uri="{FF2B5EF4-FFF2-40B4-BE49-F238E27FC236}">
+                  <a16:creationId xmlns:a16="http://schemas.microsoft.com/office/drawing/2014/main" id="{00E362E1-51B8-4957-9422-944EE1216076}"/>
+                </a:ext>
+              </a:extLst>
+            </p:cNvPr>
+            <p:cNvSpPr/>
+            <p:nvPr/>
+          </p:nvSpPr>
+          <p:spPr>
+            <a:xfrm>
+              <a:off x="304799" y="2239268"/>
+              <a:ext cx="3886200" cy="3788122"/>
+            </a:xfrm>
+            <a:prstGeom prst="rect">
+              <a:avLst/>
+            </a:prstGeom>
+            <a:solidFill>
+              <a:schemeClr val="bg1"/>
+            </a:solidFill>
+          </p:spPr>
+          <p:style>
+            <a:lnRef idx="2">
+              <a:schemeClr val="accent1">
+                <a:shade val="50000"/>
+              </a:schemeClr>
+            </a:lnRef>
+            <a:fillRef idx="1">
+              <a:schemeClr val="accent1"/>
+            </a:fillRef>
+            <a:effectRef idx="0">
+              <a:schemeClr val="accent1"/>
+            </a:effectRef>
+            <a:fontRef idx="minor">
+              <a:schemeClr val="lt1"/>
+            </a:fontRef>
+          </p:style>
+          <p:txBody>
+            <a:bodyPr rtlCol="0" anchor="ctr"/>
+            <a:lstStyle/>
+            <a:p>
+              <a:pPr algn="ctr"/>
+              <a:r>
+                <a:rPr lang="en-US">
+                  <a:cs typeface="Aharoni" panose="02010803020104030203" pitchFamily="2" charset="-79"/>
+                </a:rPr>
+                <a:t>Behavior Matters</a:t>
+              </a:r>
+              <a:r>
+                <a:rPr lang="en-US" sz="2400">
+                  <a:cs typeface="Aharoni" panose="02010803020104030203" pitchFamily="2" charset="-79"/>
+                </a:rPr>
+                <a:t>:</a:t>
+              </a:r>
+              <a:endParaRPr lang="en-US" sz="2400" dirty="0">
+                <a:cs typeface="Aharoni" panose="02010803020104030203" pitchFamily="2" charset="-79"/>
+              </a:endParaRPr>
+            </a:p>
+          </p:txBody>
+        </p:sp>
+        <p:pic>
+          <p:nvPicPr>
+            <p:cNvPr id="2054" name="Picture 6" descr="WASHING HANDS - Free miscellaneous icons">
+              <a:extLst>
+                <a:ext uri="{FF2B5EF4-FFF2-40B4-BE49-F238E27FC236}">
+                  <a16:creationId xmlns:a16="http://schemas.microsoft.com/office/drawing/2014/main" id="{18EDBB62-60A8-42FF-B504-1E30AD285701}"/>
+                </a:ext>
+              </a:extLst>
+            </p:cNvPr>
+            <p:cNvPicPr>
+              <a:picLocks noChangeAspect="1" noChangeArrowheads="1"/>
+            </p:cNvPicPr>
+            <p:nvPr/>
+          </p:nvPicPr>
+          <p:blipFill>
+            <a:blip r:embed="rId3">
+              <a:duotone>
+                <a:schemeClr val="accent1">
+                  <a:shade val="45000"/>
+                  <a:satMod val="135000"/>
+                </a:schemeClr>
+                <a:prstClr val="white"/>
+              </a:duotone>
+              <a:extLst>
+                <a:ext uri="{28A0092B-C50C-407E-A947-70E740481C1C}">
+                  <a14:useLocalDpi xmlns:a14="http://schemas.microsoft.com/office/drawing/2010/main" val="0"/>
+                </a:ext>
+              </a:extLst>
+            </a:blip>
+            <a:srcRect/>
+            <a:stretch>
+              <a:fillRect/>
+            </a:stretch>
+          </p:blipFill>
+          <p:spPr bwMode="auto">
+            <a:xfrm>
+              <a:off x="1683314" y="3926046"/>
+              <a:ext cx="1108266" cy="1108266"/>
+            </a:xfrm>
+            <a:prstGeom prst="rect">
+              <a:avLst/>
+            </a:prstGeom>
+            <a:noFill/>
+            <a:extLst>
+              <a:ext uri="{909E8E84-426E-40DD-AFC4-6F175D3DCCD1}">
+                <a14:hiddenFill xmlns:a14="http://schemas.microsoft.com/office/drawing/2010/main">
+                  <a:solidFill>
+                    <a:srgbClr val="FFFFFF"/>
+                  </a:solidFill>
+                </a14:hiddenFill>
+              </a:ext>
+            </a:extLst>
+          </p:spPr>
+        </p:pic>
+        <p:pic>
+          <p:nvPicPr>
+            <p:cNvPr id="2052" name="Picture 4">
+              <a:extLst>
+                <a:ext uri="{FF2B5EF4-FFF2-40B4-BE49-F238E27FC236}">
+                  <a16:creationId xmlns:a16="http://schemas.microsoft.com/office/drawing/2014/main" id="{1F721424-AD6D-4C58-B0C0-9A47CF7E9A2F}"/>
+                </a:ext>
+              </a:extLst>
+            </p:cNvPr>
+            <p:cNvPicPr>
+              <a:picLocks noChangeAspect="1" noChangeArrowheads="1"/>
+            </p:cNvPicPr>
+            <p:nvPr/>
+          </p:nvPicPr>
+          <p:blipFill>
+            <a:blip r:embed="rId4">
+              <a:duotone>
+                <a:schemeClr val="accent1">
+                  <a:shade val="45000"/>
+                  <a:satMod val="135000"/>
+                </a:schemeClr>
+                <a:prstClr val="white"/>
+              </a:duotone>
+              <a:extLst>
+                <a:ext uri="{28A0092B-C50C-407E-A947-70E740481C1C}">
+                  <a14:useLocalDpi xmlns:a14="http://schemas.microsoft.com/office/drawing/2010/main" val="0"/>
+                </a:ext>
+              </a:extLst>
+            </a:blip>
+            <a:srcRect/>
+            <a:stretch>
+              <a:fillRect/>
+            </a:stretch>
+          </p:blipFill>
+          <p:spPr bwMode="auto">
+            <a:xfrm>
+              <a:off x="388879" y="3178885"/>
+              <a:ext cx="1220470" cy="1220470"/>
+            </a:xfrm>
+            <a:prstGeom prst="rect">
+              <a:avLst/>
+            </a:prstGeom>
+            <a:noFill/>
+            <a:extLst>
+              <a:ext uri="{909E8E84-426E-40DD-AFC4-6F175D3DCCD1}">
+                <a14:hiddenFill xmlns:a14="http://schemas.microsoft.com/office/drawing/2010/main">
+                  <a:solidFill>
+                    <a:srgbClr val="FFFFFF"/>
+                  </a:solidFill>
+                </a14:hiddenFill>
+              </a:ext>
+            </a:extLst>
+          </p:spPr>
+        </p:pic>
+        <p:pic>
+          <p:nvPicPr>
+            <p:cNvPr id="2056" name="Picture 8" descr="signs, travelling, baggage, Bag, travels, Bags, Banned, travel ...">
+              <a:extLst>
+                <a:ext uri="{FF2B5EF4-FFF2-40B4-BE49-F238E27FC236}">
+                  <a16:creationId xmlns:a16="http://schemas.microsoft.com/office/drawing/2014/main" id="{33DF8B61-543C-4DA1-A355-912B61591DE9}"/>
+                </a:ext>
+              </a:extLst>
+            </p:cNvPr>
+            <p:cNvPicPr>
+              <a:picLocks noChangeAspect="1" noChangeArrowheads="1"/>
+            </p:cNvPicPr>
+            <p:nvPr/>
+          </p:nvPicPr>
+          <p:blipFill>
+            <a:blip r:embed="rId5">
+              <a:duotone>
+                <a:schemeClr val="accent1">
+                  <a:shade val="45000"/>
+                  <a:satMod val="135000"/>
+                </a:schemeClr>
+                <a:prstClr val="white"/>
+              </a:duotone>
+              <a:extLst>
+                <a:ext uri="{28A0092B-C50C-407E-A947-70E740481C1C}">
+                  <a14:useLocalDpi xmlns:a14="http://schemas.microsoft.com/office/drawing/2010/main" val="0"/>
+                </a:ext>
+              </a:extLst>
+            </a:blip>
+            <a:srcRect/>
+            <a:stretch>
+              <a:fillRect/>
+            </a:stretch>
+          </p:blipFill>
+          <p:spPr bwMode="auto">
+            <a:xfrm>
+              <a:off x="2861253" y="4577308"/>
+              <a:ext cx="1147763" cy="1147763"/>
+            </a:xfrm>
+            <a:prstGeom prst="rect">
+              <a:avLst/>
+            </a:prstGeom>
+            <a:noFill/>
+            <a:extLst>
+              <a:ext uri="{909E8E84-426E-40DD-AFC4-6F175D3DCCD1}">
+                <a14:hiddenFill xmlns:a14="http://schemas.microsoft.com/office/drawing/2010/main">
+                  <a:solidFill>
+                    <a:srgbClr val="FFFFFF"/>
+                  </a:solidFill>
+                </a14:hiddenFill>
+              </a:ext>
+            </a:extLst>
+          </p:spPr>
+        </p:pic>
+        <p:sp>
+          <p:nvSpPr>
+            <p:cNvPr id="4" name="TextBox 3">
+              <a:extLst>
+                <a:ext uri="{FF2B5EF4-FFF2-40B4-BE49-F238E27FC236}">
+                  <a16:creationId xmlns:a16="http://schemas.microsoft.com/office/drawing/2014/main" id="{57EE8F21-8F69-4229-95DA-596CA450EEAD}"/>
+                </a:ext>
+              </a:extLst>
+            </p:cNvPr>
+            <p:cNvSpPr txBox="1"/>
+            <p:nvPr/>
+          </p:nvSpPr>
+          <p:spPr>
+            <a:xfrm>
+              <a:off x="1463581" y="2598003"/>
+              <a:ext cx="2570835" cy="1323439"/>
+            </a:xfrm>
+            <a:prstGeom prst="rect">
+              <a:avLst/>
+            </a:prstGeom>
+            <a:noFill/>
+          </p:spPr>
+          <p:txBody>
+            <a:bodyPr wrap="square" rtlCol="0">
+              <a:spAutoFit/>
+            </a:bodyPr>
+            <a:lstStyle/>
+            <a:p>
+              <a:pPr algn="ctr"/>
+              <a:r>
+                <a:rPr lang="en-US" sz="3600" dirty="0">
+                  <a:cs typeface="Aharoni" panose="02010803020104030203" pitchFamily="2" charset="-79"/>
+                </a:rPr>
+                <a:t>Behavior Matters</a:t>
+              </a:r>
+              <a:r>
+                <a:rPr lang="en-US" sz="4400" dirty="0">
+                  <a:cs typeface="Aharoni" panose="02010803020104030203" pitchFamily="2" charset="-79"/>
+                </a:rPr>
+                <a:t>:</a:t>
+              </a:r>
+            </a:p>
+          </p:txBody>
+        </p:sp>
+      </p:grpSp>
+      <p:pic>
+        <p:nvPicPr>
+          <p:cNvPr id="25" name="Picture 24">
+            <a:extLst>
+              <a:ext uri="{FF2B5EF4-FFF2-40B4-BE49-F238E27FC236}">
+                <a16:creationId xmlns:a16="http://schemas.microsoft.com/office/drawing/2014/main" id="{65490911-9711-41BB-ADCE-3D29DD6020DB}"/>
+              </a:ext>
+            </a:extLst>
+          </p:cNvPr>
+          <p:cNvPicPr>
+            <a:picLocks noChangeAspect="1"/>
+          </p:cNvPicPr>
+          <p:nvPr/>
+        </p:nvPicPr>
+        <p:blipFill>
+          <a:blip r:embed="rId6">
+            <a:duotone>
+              <a:schemeClr val="accent1">
+                <a:shade val="45000"/>
+                <a:satMod val="135000"/>
+              </a:schemeClr>
+              <a:prstClr val="white"/>
+            </a:duotone>
+            <a:alphaModFix/>
+          </a:blip>
+          <a:stretch>
+            <a:fillRect/>
+          </a:stretch>
+        </p:blipFill>
+        <p:spPr>
+          <a:xfrm>
+            <a:off x="8763000" y="108482"/>
+            <a:ext cx="2776429" cy="1177949"/>
+          </a:xfrm>
+          <a:prstGeom prst="rect">
+            <a:avLst/>
+          </a:prstGeom>
+        </p:spPr>
+      </p:pic>
       <p:graphicFrame>
         <p:nvGraphicFramePr>
-          <p:cNvPr id="6" name="Table 5">
+          <p:cNvPr id="18" name="Table 17">
             <a:extLst>
               <a:ext uri="{FF2B5EF4-FFF2-40B4-BE49-F238E27FC236}">
-                <a16:creationId xmlns:a16="http://schemas.microsoft.com/office/drawing/2014/main" id="{8A28B6F7-F6A2-4AA9-B125-1D41EF6B7CE4}"/>
+                <a16:creationId xmlns:a16="http://schemas.microsoft.com/office/drawing/2014/main" id="{497B32AB-D86B-4864-BA88-A48E48B9E84D}"/>
               </a:ext>
             </a:extLst>
           </p:cNvPr>
@@ -17579,56 +18187,141 @@
           <p:nvPr>
             <p:extLst>
               <p:ext uri="{D42A27DB-BD31-4B8C-83A1-F6EECF244321}">
-                <p14:modId xmlns:p14="http://schemas.microsoft.com/office/powerpoint/2010/main" val="1364550204"/>
+                <p14:modId xmlns:p14="http://schemas.microsoft.com/office/powerpoint/2010/main" val="1852862731"/>
               </p:ext>
             </p:extLst>
           </p:nvPr>
         </p:nvGraphicFramePr>
         <p:xfrm>
-          <a:off x="4307226" y="2140233"/>
-          <a:ext cx="4350866" cy="4503269"/>
+          <a:off x="282667" y="2313208"/>
+          <a:ext cx="7267484" cy="3650990"/>
         </p:xfrm>
         <a:graphic>
           <a:graphicData uri="http://schemas.openxmlformats.org/drawingml/2006/table">
             <a:tbl>
               <a:tblPr/>
               <a:tblGrid>
-                <a:gridCol w="4350866">
+                <a:gridCol w="5432260">
                   <a:extLst>
                     <a:ext uri="{9D8B030D-6E8A-4147-A177-3AD203B41FA5}">
-                      <a16:colId xmlns:a16="http://schemas.microsoft.com/office/drawing/2014/main" val="3785040884"/>
+                      <a16:colId xmlns:a16="http://schemas.microsoft.com/office/drawing/2014/main" val="3356052469"/>
+                    </a:ext>
+                  </a:extLst>
+                </a:gridCol>
+                <a:gridCol w="1835224">
+                  <a:extLst>
+                    <a:ext uri="{9D8B030D-6E8A-4147-A177-3AD203B41FA5}">
+                      <a16:colId xmlns:a16="http://schemas.microsoft.com/office/drawing/2014/main" val="3317993951"/>
                     </a:ext>
                   </a:extLst>
                 </a:gridCol>
               </a:tblGrid>
-              <a:tr h="450329">
+              <a:tr h="503571">
                 <a:tc>
                   <a:txBody>
                     <a:bodyPr/>
                     <a:lstStyle/>
                     <a:p>
-                      <a:pPr algn="l" fontAlgn="b"/>
+                      <a:pPr algn="ctr" rtl="0" fontAlgn="b"/>
                       <a:r>
-                        <a:rPr lang="en-US" sz="2400" b="1" i="0" u="none" strike="noStrike" dirty="0">
+                        <a:rPr lang="en-US" sz="2400" b="1" i="0" u="none" strike="noStrike">
                           <a:solidFill>
                             <a:srgbClr val="000000"/>
                           </a:solidFill>
                           <a:effectLst/>
                           <a:latin typeface="Calibri" panose="020F0502020204030204" pitchFamily="34" charset="0"/>
                         </a:rPr>
-                        <a:t>Description</a:t>
+                        <a:t>Feature:</a:t>
                       </a:r>
                     </a:p>
                   </a:txBody>
                   <a:tcPr marL="6350" marR="6350" marT="6350" marB="0" anchor="b">
-                    <a:lnL>
-                      <a:noFill/>
+                    <a:lnL w="6350" cap="flat" cmpd="sng" algn="ctr">
+                      <a:solidFill>
+                        <a:srgbClr val="000000"/>
+                      </a:solidFill>
+                      <a:prstDash val="solid"/>
+                      <a:round/>
+                      <a:headEnd type="none" w="med" len="med"/>
+                      <a:tailEnd type="none" w="med" len="med"/>
                     </a:lnL>
-                    <a:lnR>
-                      <a:noFill/>
+                    <a:lnR w="6350" cap="flat" cmpd="sng" algn="ctr">
+                      <a:solidFill>
+                        <a:srgbClr val="000000"/>
+                      </a:solidFill>
+                      <a:prstDash val="solid"/>
+                      <a:round/>
+                      <a:headEnd type="none" w="med" len="med"/>
+                      <a:tailEnd type="none" w="med" len="med"/>
                     </a:lnR>
-                    <a:lnT>
-                      <a:noFill/>
+                    <a:lnT w="6350" cap="flat" cmpd="sng" algn="ctr">
+                      <a:solidFill>
+                        <a:srgbClr val="000000"/>
+                      </a:solidFill>
+                      <a:prstDash val="solid"/>
+                      <a:round/>
+                      <a:headEnd type="none" w="med" len="med"/>
+                      <a:tailEnd type="none" w="med" len="med"/>
+                    </a:lnT>
+                    <a:lnB w="6350" cap="flat" cmpd="sng" algn="ctr">
+                      <a:solidFill>
+                        <a:srgbClr val="000000"/>
+                      </a:solidFill>
+                      <a:prstDash val="solid"/>
+                      <a:round/>
+                      <a:headEnd type="none" w="med" len="med"/>
+                      <a:tailEnd type="none" w="med" len="med"/>
+                    </a:lnB>
+                    <a:solidFill>
+                      <a:srgbClr val="FFFFFF"/>
+                    </a:solidFill>
+                  </a:tcPr>
+                </a:tc>
+                <a:tc>
+                  <a:txBody>
+                    <a:bodyPr/>
+                    <a:lstStyle/>
+                    <a:p>
+                      <a:pPr algn="ctr" rtl="0" fontAlgn="b"/>
+                      <a:r>
+                        <a:rPr lang="en-US" sz="2400" b="1" i="0" u="none" strike="noStrike">
+                          <a:solidFill>
+                            <a:srgbClr val="000000"/>
+                          </a:solidFill>
+                          <a:effectLst/>
+                          <a:latin typeface="Calibri" panose="020F0502020204030204" pitchFamily="34" charset="0"/>
+                        </a:rPr>
+                        <a:t>Correlation:</a:t>
+                      </a:r>
+                    </a:p>
+                  </a:txBody>
+                  <a:tcPr marL="6350" marR="6350" marT="6350" marB="0" anchor="b">
+                    <a:lnL w="6350" cap="flat" cmpd="sng" algn="ctr">
+                      <a:solidFill>
+                        <a:srgbClr val="000000"/>
+                      </a:solidFill>
+                      <a:prstDash val="solid"/>
+                      <a:round/>
+                      <a:headEnd type="none" w="med" len="med"/>
+                      <a:tailEnd type="none" w="med" len="med"/>
+                    </a:lnL>
+                    <a:lnR w="6350" cap="flat" cmpd="sng" algn="ctr">
+                      <a:solidFill>
+                        <a:srgbClr val="000000"/>
+                      </a:solidFill>
+                      <a:prstDash val="solid"/>
+                      <a:round/>
+                      <a:headEnd type="none" w="med" len="med"/>
+                      <a:tailEnd type="none" w="med" len="med"/>
+                    </a:lnR>
+                    <a:lnT w="6350" cap="flat" cmpd="sng" algn="ctr">
+                      <a:solidFill>
+                        <a:srgbClr val="000000"/>
+                      </a:solidFill>
+                      <a:prstDash val="solid"/>
+                      <a:round/>
+                      <a:headEnd type="none" w="med" len="med"/>
+                      <a:tailEnd type="none" w="med" len="med"/>
                     </a:lnT>
                     <a:lnB w="6350" cap="flat" cmpd="sng" algn="ctr">
                       <a:solidFill>
@@ -17646,17 +18339,17 @@
                 </a:tc>
                 <a:extLst>
                   <a:ext uri="{0D108BD9-81ED-4DB2-BD59-A6C34878D82A}">
-                    <a16:rowId xmlns:a16="http://schemas.microsoft.com/office/drawing/2014/main" val="3629723100"/>
+                    <a16:rowId xmlns:a16="http://schemas.microsoft.com/office/drawing/2014/main" val="282097052"/>
                   </a:ext>
                 </a:extLst>
               </a:tr>
-              <a:tr h="580020">
+              <a:tr h="451252">
                 <a:tc>
                   <a:txBody>
                     <a:bodyPr/>
                     <a:lstStyle/>
                     <a:p>
-                      <a:pPr algn="l" fontAlgn="b"/>
+                      <a:pPr algn="l" rtl="0" fontAlgn="b"/>
                       <a:r>
                         <a:rPr lang="en-US" sz="1800" b="0" i="0" u="none" strike="noStrike" dirty="0">
                           <a:solidFill>
@@ -17670,11 +18363,23 @@
                     </a:p>
                   </a:txBody>
                   <a:tcPr marL="6350" marR="6350" marT="6350" marB="0" anchor="b">
-                    <a:lnL>
-                      <a:noFill/>
+                    <a:lnL w="6350" cap="flat" cmpd="sng" algn="ctr">
+                      <a:solidFill>
+                        <a:srgbClr val="000000"/>
+                      </a:solidFill>
+                      <a:prstDash val="solid"/>
+                      <a:round/>
+                      <a:headEnd type="none" w="med" len="med"/>
+                      <a:tailEnd type="none" w="med" len="med"/>
                     </a:lnL>
-                    <a:lnR>
-                      <a:noFill/>
+                    <a:lnR w="6350" cap="flat" cmpd="sng" algn="ctr">
+                      <a:solidFill>
+                        <a:srgbClr val="000000"/>
+                      </a:solidFill>
+                      <a:prstDash val="solid"/>
+                      <a:round/>
+                      <a:headEnd type="none" w="med" len="med"/>
+                      <a:tailEnd type="none" w="med" len="med"/>
                     </a:lnR>
                     <a:lnT w="6350" cap="flat" cmpd="sng" algn="ctr">
                       <a:solidFill>
@@ -17685,8 +18390,74 @@
                       <a:headEnd type="none" w="med" len="med"/>
                       <a:tailEnd type="none" w="med" len="med"/>
                     </a:lnT>
-                    <a:lnB>
-                      <a:noFill/>
+                    <a:lnB w="6350" cap="flat" cmpd="sng" algn="ctr">
+                      <a:solidFill>
+                        <a:srgbClr val="000000"/>
+                      </a:solidFill>
+                      <a:prstDash val="solid"/>
+                      <a:round/>
+                      <a:headEnd type="none" w="med" len="med"/>
+                      <a:tailEnd type="none" w="med" len="med"/>
+                    </a:lnB>
+                    <a:solidFill>
+                      <a:srgbClr val="F2F2F2"/>
+                    </a:solidFill>
+                  </a:tcPr>
+                </a:tc>
+                <a:tc>
+                  <a:txBody>
+                    <a:bodyPr/>
+                    <a:lstStyle/>
+                    <a:p>
+                      <a:pPr algn="ctr" rtl="0" fontAlgn="b"/>
+                      <a:r>
+                        <a:rPr lang="en-US" sz="2600" b="0" i="0" u="none" strike="noStrike">
+                          <a:solidFill>
+                            <a:srgbClr val="000000"/>
+                          </a:solidFill>
+                          <a:effectLst/>
+                          <a:latin typeface="Calibri" panose="020F0502020204030204" pitchFamily="34" charset="0"/>
+                        </a:rPr>
+                        <a:t>+</a:t>
+                      </a:r>
+                    </a:p>
+                  </a:txBody>
+                  <a:tcPr marL="6350" marR="6350" marT="6350" marB="0" anchor="b">
+                    <a:lnL w="6350" cap="flat" cmpd="sng" algn="ctr">
+                      <a:solidFill>
+                        <a:srgbClr val="000000"/>
+                      </a:solidFill>
+                      <a:prstDash val="solid"/>
+                      <a:round/>
+                      <a:headEnd type="none" w="med" len="med"/>
+                      <a:tailEnd type="none" w="med" len="med"/>
+                    </a:lnL>
+                    <a:lnR w="6350" cap="flat" cmpd="sng" algn="ctr">
+                      <a:solidFill>
+                        <a:srgbClr val="000000"/>
+                      </a:solidFill>
+                      <a:prstDash val="solid"/>
+                      <a:round/>
+                      <a:headEnd type="none" w="med" len="med"/>
+                      <a:tailEnd type="none" w="med" len="med"/>
+                    </a:lnR>
+                    <a:lnT w="6350" cap="flat" cmpd="sng" algn="ctr">
+                      <a:solidFill>
+                        <a:srgbClr val="000000"/>
+                      </a:solidFill>
+                      <a:prstDash val="solid"/>
+                      <a:round/>
+                      <a:headEnd type="none" w="med" len="med"/>
+                      <a:tailEnd type="none" w="med" len="med"/>
+                    </a:lnT>
+                    <a:lnB w="6350" cap="flat" cmpd="sng" algn="ctr">
+                      <a:solidFill>
+                        <a:srgbClr val="000000"/>
+                      </a:solidFill>
+                      <a:prstDash val="solid"/>
+                      <a:round/>
+                      <a:headEnd type="none" w="med" len="med"/>
+                      <a:tailEnd type="none" w="med" len="med"/>
                     </a:lnB>
                     <a:solidFill>
                       <a:srgbClr val="F2F2F2"/>
@@ -17695,19 +18466,19 @@
                 </a:tc>
                 <a:extLst>
                   <a:ext uri="{0D108BD9-81ED-4DB2-BD59-A6C34878D82A}">
-                    <a16:rowId xmlns:a16="http://schemas.microsoft.com/office/drawing/2014/main" val="2009051899"/>
+                    <a16:rowId xmlns:a16="http://schemas.microsoft.com/office/drawing/2014/main" val="4258238431"/>
                   </a:ext>
                 </a:extLst>
               </a:tr>
-              <a:tr h="589977">
+              <a:tr h="438172">
                 <a:tc>
                   <a:txBody>
                     <a:bodyPr/>
                     <a:lstStyle/>
                     <a:p>
-                      <a:pPr algn="l" fontAlgn="b"/>
+                      <a:pPr algn="l" rtl="0" fontAlgn="b"/>
                       <a:r>
-                        <a:rPr lang="en-US" sz="1800" b="0" i="0" u="none" strike="noStrike" dirty="0">
+                        <a:rPr lang="en-US" sz="1800" b="0" i="0" u="none" strike="noStrike">
                           <a:solidFill>
                             <a:srgbClr val="000000"/>
                           </a:solidFill>
@@ -17719,17 +18490,101 @@
                     </a:p>
                   </a:txBody>
                   <a:tcPr marL="6350" marR="6350" marT="6350" marB="0" anchor="b">
-                    <a:lnL>
-                      <a:noFill/>
+                    <a:lnL w="6350" cap="flat" cmpd="sng" algn="ctr">
+                      <a:solidFill>
+                        <a:srgbClr val="000000"/>
+                      </a:solidFill>
+                      <a:prstDash val="solid"/>
+                      <a:round/>
+                      <a:headEnd type="none" w="med" len="med"/>
+                      <a:tailEnd type="none" w="med" len="med"/>
                     </a:lnL>
-                    <a:lnR>
-                      <a:noFill/>
+                    <a:lnR w="6350" cap="flat" cmpd="sng" algn="ctr">
+                      <a:solidFill>
+                        <a:srgbClr val="000000"/>
+                      </a:solidFill>
+                      <a:prstDash val="solid"/>
+                      <a:round/>
+                      <a:headEnd type="none" w="med" len="med"/>
+                      <a:tailEnd type="none" w="med" len="med"/>
                     </a:lnR>
-                    <a:lnT>
-                      <a:noFill/>
+                    <a:lnT w="6350" cap="flat" cmpd="sng" algn="ctr">
+                      <a:solidFill>
+                        <a:srgbClr val="000000"/>
+                      </a:solidFill>
+                      <a:prstDash val="solid"/>
+                      <a:round/>
+                      <a:headEnd type="none" w="med" len="med"/>
+                      <a:tailEnd type="none" w="med" len="med"/>
                     </a:lnT>
-                    <a:lnB>
-                      <a:noFill/>
+                    <a:lnB w="6350" cap="flat" cmpd="sng" algn="ctr">
+                      <a:solidFill>
+                        <a:srgbClr val="000000"/>
+                      </a:solidFill>
+                      <a:prstDash val="solid"/>
+                      <a:round/>
+                      <a:headEnd type="none" w="med" len="med"/>
+                      <a:tailEnd type="none" w="med" len="med"/>
+                    </a:lnB>
+                    <a:solidFill>
+                      <a:srgbClr val="FFFFFF"/>
+                    </a:solidFill>
+                  </a:tcPr>
+                </a:tc>
+                <a:tc>
+                  <a:txBody>
+                    <a:bodyPr/>
+                    <a:lstStyle/>
+                    <a:p>
+                      <a:pPr algn="ctr" rtl="0" fontAlgn="b"/>
+                      <a:r>
+                        <a:rPr lang="en-US" sz="2600" b="0" i="0" u="none" strike="noStrike">
+                          <a:solidFill>
+                            <a:srgbClr val="000000"/>
+                          </a:solidFill>
+                          <a:effectLst/>
+                          <a:latin typeface="Calibri" panose="020F0502020204030204" pitchFamily="34" charset="0"/>
+                        </a:rPr>
+                        <a:t>+</a:t>
+                      </a:r>
+                    </a:p>
+                  </a:txBody>
+                  <a:tcPr marL="6350" marR="6350" marT="6350" marB="0" anchor="b">
+                    <a:lnL w="6350" cap="flat" cmpd="sng" algn="ctr">
+                      <a:solidFill>
+                        <a:srgbClr val="000000"/>
+                      </a:solidFill>
+                      <a:prstDash val="solid"/>
+                      <a:round/>
+                      <a:headEnd type="none" w="med" len="med"/>
+                      <a:tailEnd type="none" w="med" len="med"/>
+                    </a:lnL>
+                    <a:lnR w="6350" cap="flat" cmpd="sng" algn="ctr">
+                      <a:solidFill>
+                        <a:srgbClr val="000000"/>
+                      </a:solidFill>
+                      <a:prstDash val="solid"/>
+                      <a:round/>
+                      <a:headEnd type="none" w="med" len="med"/>
+                      <a:tailEnd type="none" w="med" len="med"/>
+                    </a:lnR>
+                    <a:lnT w="6350" cap="flat" cmpd="sng" algn="ctr">
+                      <a:solidFill>
+                        <a:srgbClr val="000000"/>
+                      </a:solidFill>
+                      <a:prstDash val="solid"/>
+                      <a:round/>
+                      <a:headEnd type="none" w="med" len="med"/>
+                      <a:tailEnd type="none" w="med" len="med"/>
+                    </a:lnT>
+                    <a:lnB w="6350" cap="flat" cmpd="sng" algn="ctr">
+                      <a:solidFill>
+                        <a:srgbClr val="000000"/>
+                      </a:solidFill>
+                      <a:prstDash val="solid"/>
+                      <a:round/>
+                      <a:headEnd type="none" w="med" len="med"/>
+                      <a:tailEnd type="none" w="med" len="med"/>
                     </a:lnB>
                     <a:solidFill>
                       <a:srgbClr val="FFFFFF"/>
@@ -17738,54 +18593,125 @@
                 </a:tc>
                 <a:extLst>
                   <a:ext uri="{0D108BD9-81ED-4DB2-BD59-A6C34878D82A}">
-                    <a16:rowId xmlns:a16="http://schemas.microsoft.com/office/drawing/2014/main" val="2066062471"/>
+                    <a16:rowId xmlns:a16="http://schemas.microsoft.com/office/drawing/2014/main" val="3976308527"/>
                   </a:ext>
                 </a:extLst>
               </a:tr>
-              <a:tr h="565938">
+              <a:tr h="461062">
                 <a:tc>
                   <a:txBody>
                     <a:bodyPr/>
                     <a:lstStyle/>
                     <a:p>
-                      <a:pPr algn="l" fontAlgn="b"/>
+                      <a:pPr algn="l" rtl="0" fontAlgn="b"/>
                       <a:r>
-                        <a:rPr lang="en-US" sz="1800" b="0" i="0" u="none" strike="noStrike" dirty="0">
+                        <a:rPr lang="en-US" sz="1800" b="0" i="0" u="none" strike="noStrike">
                           <a:solidFill>
                             <a:srgbClr val="000000"/>
                           </a:solidFill>
                           <a:effectLst/>
                           <a:latin typeface="Calibri" panose="020F0502020204030204" pitchFamily="34" charset="0"/>
                         </a:rPr>
-                        <a:t>Contact with others infected with </a:t>
+                        <a:t>Contact with others infected with COVID-19</a:t>
                       </a:r>
                     </a:p>
+                  </a:txBody>
+                  <a:tcPr marL="6350" marR="6350" marT="6350" marB="0" anchor="b">
+                    <a:lnL w="6350" cap="flat" cmpd="sng" algn="ctr">
+                      <a:solidFill>
+                        <a:srgbClr val="000000"/>
+                      </a:solidFill>
+                      <a:prstDash val="solid"/>
+                      <a:round/>
+                      <a:headEnd type="none" w="med" len="med"/>
+                      <a:tailEnd type="none" w="med" len="med"/>
+                    </a:lnL>
+                    <a:lnR w="6350" cap="flat" cmpd="sng" algn="ctr">
+                      <a:solidFill>
+                        <a:srgbClr val="000000"/>
+                      </a:solidFill>
+                      <a:prstDash val="solid"/>
+                      <a:round/>
+                      <a:headEnd type="none" w="med" len="med"/>
+                      <a:tailEnd type="none" w="med" len="med"/>
+                    </a:lnR>
+                    <a:lnT w="6350" cap="flat" cmpd="sng" algn="ctr">
+                      <a:solidFill>
+                        <a:srgbClr val="000000"/>
+                      </a:solidFill>
+                      <a:prstDash val="solid"/>
+                      <a:round/>
+                      <a:headEnd type="none" w="med" len="med"/>
+                      <a:tailEnd type="none" w="med" len="med"/>
+                    </a:lnT>
+                    <a:lnB w="6350" cap="flat" cmpd="sng" algn="ctr">
+                      <a:solidFill>
+                        <a:srgbClr val="000000"/>
+                      </a:solidFill>
+                      <a:prstDash val="solid"/>
+                      <a:round/>
+                      <a:headEnd type="none" w="med" len="med"/>
+                      <a:tailEnd type="none" w="med" len="med"/>
+                    </a:lnB>
+                    <a:solidFill>
+                      <a:srgbClr val="F2F2F2"/>
+                    </a:solidFill>
+                  </a:tcPr>
+                </a:tc>
+                <a:tc>
+                  <a:txBody>
+                    <a:bodyPr/>
+                    <a:lstStyle/>
                     <a:p>
-                      <a:pPr algn="l" fontAlgn="b"/>
+                      <a:pPr algn="ctr" rtl="0" fontAlgn="b"/>
                       <a:r>
-                        <a:rPr lang="en-US" sz="1800" b="0" i="0" u="none" strike="noStrike" dirty="0">
+                        <a:rPr lang="en-US" sz="2600" b="0" i="0" u="none" strike="noStrike" dirty="0">
                           <a:solidFill>
                             <a:srgbClr val="000000"/>
                           </a:solidFill>
                           <a:effectLst/>
                           <a:latin typeface="Calibri" panose="020F0502020204030204" pitchFamily="34" charset="0"/>
                         </a:rPr>
-                        <a:t>COVID-19</a:t>
+                        <a:t>+</a:t>
                       </a:r>
                     </a:p>
                   </a:txBody>
                   <a:tcPr marL="6350" marR="6350" marT="6350" marB="0" anchor="b">
-                    <a:lnL>
-                      <a:noFill/>
+                    <a:lnL w="6350" cap="flat" cmpd="sng" algn="ctr">
+                      <a:solidFill>
+                        <a:srgbClr val="000000"/>
+                      </a:solidFill>
+                      <a:prstDash val="solid"/>
+                      <a:round/>
+                      <a:headEnd type="none" w="med" len="med"/>
+                      <a:tailEnd type="none" w="med" len="med"/>
                     </a:lnL>
-                    <a:lnR>
-                      <a:noFill/>
+                    <a:lnR w="6350" cap="flat" cmpd="sng" algn="ctr">
+                      <a:solidFill>
+                        <a:srgbClr val="000000"/>
+                      </a:solidFill>
+                      <a:prstDash val="solid"/>
+                      <a:round/>
+                      <a:headEnd type="none" w="med" len="med"/>
+                      <a:tailEnd type="none" w="med" len="med"/>
                     </a:lnR>
-                    <a:lnT>
-                      <a:noFill/>
+                    <a:lnT w="6350" cap="flat" cmpd="sng" algn="ctr">
+                      <a:solidFill>
+                        <a:srgbClr val="000000"/>
+                      </a:solidFill>
+                      <a:prstDash val="solid"/>
+                      <a:round/>
+                      <a:headEnd type="none" w="med" len="med"/>
+                      <a:tailEnd type="none" w="med" len="med"/>
                     </a:lnT>
-                    <a:lnB>
-                      <a:noFill/>
+                    <a:lnB w="6350" cap="flat" cmpd="sng" algn="ctr">
+                      <a:solidFill>
+                        <a:srgbClr val="000000"/>
+                      </a:solidFill>
+                      <a:prstDash val="solid"/>
+                      <a:round/>
+                      <a:headEnd type="none" w="med" len="med"/>
+                      <a:tailEnd type="none" w="med" len="med"/>
                     </a:lnB>
                     <a:solidFill>
                       <a:srgbClr val="F2F2F2"/>
@@ -17794,17 +18720,17 @@
                 </a:tc>
                 <a:extLst>
                   <a:ext uri="{0D108BD9-81ED-4DB2-BD59-A6C34878D82A}">
-                    <a16:rowId xmlns:a16="http://schemas.microsoft.com/office/drawing/2014/main" val="2258675718"/>
+                    <a16:rowId xmlns:a16="http://schemas.microsoft.com/office/drawing/2014/main" val="4162284825"/>
                   </a:ext>
                 </a:extLst>
               </a:tr>
-              <a:tr h="645023">
+              <a:tr h="505960">
                 <a:tc>
                   <a:txBody>
                     <a:bodyPr/>
                     <a:lstStyle/>
                     <a:p>
-                      <a:pPr algn="l" fontAlgn="b"/>
+                      <a:pPr algn="l" rtl="0" fontAlgn="b"/>
                       <a:r>
                         <a:rPr lang="en-US" sz="1800" b="0" i="0" u="none" strike="noStrike" dirty="0">
                           <a:solidFill>
@@ -17818,17 +18744,101 @@
                     </a:p>
                   </a:txBody>
                   <a:tcPr marL="6350" marR="6350" marT="6350" marB="0" anchor="b">
-                    <a:lnL>
-                      <a:noFill/>
+                    <a:lnL w="6350" cap="flat" cmpd="sng" algn="ctr">
+                      <a:solidFill>
+                        <a:srgbClr val="000000"/>
+                      </a:solidFill>
+                      <a:prstDash val="solid"/>
+                      <a:round/>
+                      <a:headEnd type="none" w="med" len="med"/>
+                      <a:tailEnd type="none" w="med" len="med"/>
                     </a:lnL>
-                    <a:lnR>
-                      <a:noFill/>
+                    <a:lnR w="6350" cap="flat" cmpd="sng" algn="ctr">
+                      <a:solidFill>
+                        <a:srgbClr val="000000"/>
+                      </a:solidFill>
+                      <a:prstDash val="solid"/>
+                      <a:round/>
+                      <a:headEnd type="none" w="med" len="med"/>
+                      <a:tailEnd type="none" w="med" len="med"/>
                     </a:lnR>
-                    <a:lnT>
-                      <a:noFill/>
+                    <a:lnT w="6350" cap="flat" cmpd="sng" algn="ctr">
+                      <a:solidFill>
+                        <a:srgbClr val="000000"/>
+                      </a:solidFill>
+                      <a:prstDash val="solid"/>
+                      <a:round/>
+                      <a:headEnd type="none" w="med" len="med"/>
+                      <a:tailEnd type="none" w="med" len="med"/>
                     </a:lnT>
-                    <a:lnB>
-                      <a:noFill/>
+                    <a:lnB w="6350" cap="flat" cmpd="sng" algn="ctr">
+                      <a:solidFill>
+                        <a:srgbClr val="000000"/>
+                      </a:solidFill>
+                      <a:prstDash val="solid"/>
+                      <a:round/>
+                      <a:headEnd type="none" w="med" len="med"/>
+                      <a:tailEnd type="none" w="med" len="med"/>
+                    </a:lnB>
+                    <a:solidFill>
+                      <a:srgbClr val="FFFFFF"/>
+                    </a:solidFill>
+                  </a:tcPr>
+                </a:tc>
+                <a:tc>
+                  <a:txBody>
+                    <a:bodyPr/>
+                    <a:lstStyle/>
+                    <a:p>
+                      <a:pPr algn="ctr" rtl="0" fontAlgn="b"/>
+                      <a:r>
+                        <a:rPr lang="en-US" sz="2600" b="0" i="0" u="none" strike="noStrike">
+                          <a:solidFill>
+                            <a:srgbClr val="000000"/>
+                          </a:solidFill>
+                          <a:effectLst/>
+                          <a:latin typeface="Calibri" panose="020F0502020204030204" pitchFamily="34" charset="0"/>
+                        </a:rPr>
+                        <a:t>-</a:t>
+                      </a:r>
+                    </a:p>
+                  </a:txBody>
+                  <a:tcPr marL="6350" marR="6350" marT="6350" marB="0" anchor="b">
+                    <a:lnL w="6350" cap="flat" cmpd="sng" algn="ctr">
+                      <a:solidFill>
+                        <a:srgbClr val="000000"/>
+                      </a:solidFill>
+                      <a:prstDash val="solid"/>
+                      <a:round/>
+                      <a:headEnd type="none" w="med" len="med"/>
+                      <a:tailEnd type="none" w="med" len="med"/>
+                    </a:lnL>
+                    <a:lnR w="6350" cap="flat" cmpd="sng" algn="ctr">
+                      <a:solidFill>
+                        <a:srgbClr val="000000"/>
+                      </a:solidFill>
+                      <a:prstDash val="solid"/>
+                      <a:round/>
+                      <a:headEnd type="none" w="med" len="med"/>
+                      <a:tailEnd type="none" w="med" len="med"/>
+                    </a:lnR>
+                    <a:lnT w="6350" cap="flat" cmpd="sng" algn="ctr">
+                      <a:solidFill>
+                        <a:srgbClr val="000000"/>
+                      </a:solidFill>
+                      <a:prstDash val="solid"/>
+                      <a:round/>
+                      <a:headEnd type="none" w="med" len="med"/>
+                      <a:tailEnd type="none" w="med" len="med"/>
+                    </a:lnT>
+                    <a:lnB w="6350" cap="flat" cmpd="sng" algn="ctr">
+                      <a:solidFill>
+                        <a:srgbClr val="000000"/>
+                      </a:solidFill>
+                      <a:prstDash val="solid"/>
+                      <a:round/>
+                      <a:headEnd type="none" w="med" len="med"/>
+                      <a:tailEnd type="none" w="med" len="med"/>
                     </a:lnB>
                     <a:solidFill>
                       <a:srgbClr val="FFFFFF"/>
@@ -17837,17 +18847,17 @@
                 </a:tc>
                 <a:extLst>
                   <a:ext uri="{0D108BD9-81ED-4DB2-BD59-A6C34878D82A}">
-                    <a16:rowId xmlns:a16="http://schemas.microsoft.com/office/drawing/2014/main" val="1174582783"/>
+                    <a16:rowId xmlns:a16="http://schemas.microsoft.com/office/drawing/2014/main" val="3828410643"/>
                   </a:ext>
                 </a:extLst>
               </a:tr>
-              <a:tr h="574482">
+              <a:tr h="438172">
                 <a:tc>
                   <a:txBody>
                     <a:bodyPr/>
                     <a:lstStyle/>
                     <a:p>
-                      <a:pPr algn="l" fontAlgn="b"/>
+                      <a:pPr algn="l" rtl="0" fontAlgn="b"/>
                       <a:r>
                         <a:rPr lang="en-US" sz="1800" b="0" i="0" u="none" strike="noStrike" dirty="0">
                           <a:solidFill>
@@ -17861,17 +18871,101 @@
                     </a:p>
                   </a:txBody>
                   <a:tcPr marL="6350" marR="6350" marT="6350" marB="0" anchor="b">
-                    <a:lnL>
-                      <a:noFill/>
+                    <a:lnL w="6350" cap="flat" cmpd="sng" algn="ctr">
+                      <a:solidFill>
+                        <a:srgbClr val="000000"/>
+                      </a:solidFill>
+                      <a:prstDash val="solid"/>
+                      <a:round/>
+                      <a:headEnd type="none" w="med" len="med"/>
+                      <a:tailEnd type="none" w="med" len="med"/>
                     </a:lnL>
-                    <a:lnR>
-                      <a:noFill/>
+                    <a:lnR w="6350" cap="flat" cmpd="sng" algn="ctr">
+                      <a:solidFill>
+                        <a:srgbClr val="000000"/>
+                      </a:solidFill>
+                      <a:prstDash val="solid"/>
+                      <a:round/>
+                      <a:headEnd type="none" w="med" len="med"/>
+                      <a:tailEnd type="none" w="med" len="med"/>
                     </a:lnR>
-                    <a:lnT>
-                      <a:noFill/>
+                    <a:lnT w="6350" cap="flat" cmpd="sng" algn="ctr">
+                      <a:solidFill>
+                        <a:srgbClr val="000000"/>
+                      </a:solidFill>
+                      <a:prstDash val="solid"/>
+                      <a:round/>
+                      <a:headEnd type="none" w="med" len="med"/>
+                      <a:tailEnd type="none" w="med" len="med"/>
                     </a:lnT>
-                    <a:lnB>
-                      <a:noFill/>
+                    <a:lnB w="6350" cap="flat" cmpd="sng" algn="ctr">
+                      <a:solidFill>
+                        <a:srgbClr val="000000"/>
+                      </a:solidFill>
+                      <a:prstDash val="solid"/>
+                      <a:round/>
+                      <a:headEnd type="none" w="med" len="med"/>
+                      <a:tailEnd type="none" w="med" len="med"/>
+                    </a:lnB>
+                    <a:solidFill>
+                      <a:srgbClr val="F2F2F2"/>
+                    </a:solidFill>
+                  </a:tcPr>
+                </a:tc>
+                <a:tc>
+                  <a:txBody>
+                    <a:bodyPr/>
+                    <a:lstStyle/>
+                    <a:p>
+                      <a:pPr algn="ctr" rtl="0" fontAlgn="b"/>
+                      <a:r>
+                        <a:rPr lang="en-US" sz="2600" b="0" i="0" u="none" strike="noStrike">
+                          <a:solidFill>
+                            <a:srgbClr val="000000"/>
+                          </a:solidFill>
+                          <a:effectLst/>
+                          <a:latin typeface="Calibri" panose="020F0502020204030204" pitchFamily="34" charset="0"/>
+                        </a:rPr>
+                        <a:t>+</a:t>
+                      </a:r>
+                    </a:p>
+                  </a:txBody>
+                  <a:tcPr marL="6350" marR="6350" marT="6350" marB="0" anchor="b">
+                    <a:lnL w="6350" cap="flat" cmpd="sng" algn="ctr">
+                      <a:solidFill>
+                        <a:srgbClr val="000000"/>
+                      </a:solidFill>
+                      <a:prstDash val="solid"/>
+                      <a:round/>
+                      <a:headEnd type="none" w="med" len="med"/>
+                      <a:tailEnd type="none" w="med" len="med"/>
+                    </a:lnL>
+                    <a:lnR w="6350" cap="flat" cmpd="sng" algn="ctr">
+                      <a:solidFill>
+                        <a:srgbClr val="000000"/>
+                      </a:solidFill>
+                      <a:prstDash val="solid"/>
+                      <a:round/>
+                      <a:headEnd type="none" w="med" len="med"/>
+                      <a:tailEnd type="none" w="med" len="med"/>
+                    </a:lnR>
+                    <a:lnT w="6350" cap="flat" cmpd="sng" algn="ctr">
+                      <a:solidFill>
+                        <a:srgbClr val="000000"/>
+                      </a:solidFill>
+                      <a:prstDash val="solid"/>
+                      <a:round/>
+                      <a:headEnd type="none" w="med" len="med"/>
+                      <a:tailEnd type="none" w="med" len="med"/>
+                    </a:lnT>
+                    <a:lnB w="6350" cap="flat" cmpd="sng" algn="ctr">
+                      <a:solidFill>
+                        <a:srgbClr val="000000"/>
+                      </a:solidFill>
+                      <a:prstDash val="solid"/>
+                      <a:round/>
+                      <a:headEnd type="none" w="med" len="med"/>
+                      <a:tailEnd type="none" w="med" len="med"/>
                     </a:lnB>
                     <a:solidFill>
                       <a:srgbClr val="F2F2F2"/>
@@ -17880,19 +18974,19 @@
                 </a:tc>
                 <a:extLst>
                   <a:ext uri="{0D108BD9-81ED-4DB2-BD59-A6C34878D82A}">
-                    <a16:rowId xmlns:a16="http://schemas.microsoft.com/office/drawing/2014/main" val="2600496270"/>
+                    <a16:rowId xmlns:a16="http://schemas.microsoft.com/office/drawing/2014/main" val="3686016146"/>
                   </a:ext>
                 </a:extLst>
               </a:tr>
-              <a:tr h="574482">
+              <a:tr h="438172">
                 <a:tc>
                   <a:txBody>
                     <a:bodyPr/>
                     <a:lstStyle/>
                     <a:p>
-                      <a:pPr algn="l" fontAlgn="b"/>
+                      <a:pPr algn="l" rtl="0" fontAlgn="b"/>
                       <a:r>
-                        <a:rPr lang="en-US" sz="1800" b="0" i="0" u="none" strike="noStrike" dirty="0">
+                        <a:rPr lang="en-US" sz="1800" b="0" i="0" u="none" strike="noStrike">
                           <a:solidFill>
                             <a:srgbClr val="000000"/>
                           </a:solidFill>
@@ -17904,17 +18998,101 @@
                     </a:p>
                   </a:txBody>
                   <a:tcPr marL="6350" marR="6350" marT="6350" marB="0" anchor="b">
-                    <a:lnL>
-                      <a:noFill/>
+                    <a:lnL w="6350" cap="flat" cmpd="sng" algn="ctr">
+                      <a:solidFill>
+                        <a:srgbClr val="000000"/>
+                      </a:solidFill>
+                      <a:prstDash val="solid"/>
+                      <a:round/>
+                      <a:headEnd type="none" w="med" len="med"/>
+                      <a:tailEnd type="none" w="med" len="med"/>
                     </a:lnL>
-                    <a:lnR>
-                      <a:noFill/>
+                    <a:lnR w="6350" cap="flat" cmpd="sng" algn="ctr">
+                      <a:solidFill>
+                        <a:srgbClr val="000000"/>
+                      </a:solidFill>
+                      <a:prstDash val="solid"/>
+                      <a:round/>
+                      <a:headEnd type="none" w="med" len="med"/>
+                      <a:tailEnd type="none" w="med" len="med"/>
                     </a:lnR>
-                    <a:lnT>
-                      <a:noFill/>
+                    <a:lnT w="6350" cap="flat" cmpd="sng" algn="ctr">
+                      <a:solidFill>
+                        <a:srgbClr val="000000"/>
+                      </a:solidFill>
+                      <a:prstDash val="solid"/>
+                      <a:round/>
+                      <a:headEnd type="none" w="med" len="med"/>
+                      <a:tailEnd type="none" w="med" len="med"/>
                     </a:lnT>
-                    <a:lnB>
-                      <a:noFill/>
+                    <a:lnB w="6350" cap="flat" cmpd="sng" algn="ctr">
+                      <a:solidFill>
+                        <a:srgbClr val="000000"/>
+                      </a:solidFill>
+                      <a:prstDash val="solid"/>
+                      <a:round/>
+                      <a:headEnd type="none" w="med" len="med"/>
+                      <a:tailEnd type="none" w="med" len="med"/>
+                    </a:lnB>
+                    <a:solidFill>
+                      <a:srgbClr val="FFFFFF"/>
+                    </a:solidFill>
+                  </a:tcPr>
+                </a:tc>
+                <a:tc>
+                  <a:txBody>
+                    <a:bodyPr/>
+                    <a:lstStyle/>
+                    <a:p>
+                      <a:pPr algn="ctr" rtl="0" fontAlgn="b"/>
+                      <a:r>
+                        <a:rPr lang="en-US" sz="2600" b="0" i="0" u="none" strike="noStrike">
+                          <a:solidFill>
+                            <a:srgbClr val="000000"/>
+                          </a:solidFill>
+                          <a:effectLst/>
+                          <a:latin typeface="Calibri" panose="020F0502020204030204" pitchFamily="34" charset="0"/>
+                        </a:rPr>
+                        <a:t>+</a:t>
+                      </a:r>
+                    </a:p>
+                  </a:txBody>
+                  <a:tcPr marL="6350" marR="6350" marT="6350" marB="0" anchor="b">
+                    <a:lnL w="6350" cap="flat" cmpd="sng" algn="ctr">
+                      <a:solidFill>
+                        <a:srgbClr val="000000"/>
+                      </a:solidFill>
+                      <a:prstDash val="solid"/>
+                      <a:round/>
+                      <a:headEnd type="none" w="med" len="med"/>
+                      <a:tailEnd type="none" w="med" len="med"/>
+                    </a:lnL>
+                    <a:lnR w="6350" cap="flat" cmpd="sng" algn="ctr">
+                      <a:solidFill>
+                        <a:srgbClr val="000000"/>
+                      </a:solidFill>
+                      <a:prstDash val="solid"/>
+                      <a:round/>
+                      <a:headEnd type="none" w="med" len="med"/>
+                      <a:tailEnd type="none" w="med" len="med"/>
+                    </a:lnR>
+                    <a:lnT w="6350" cap="flat" cmpd="sng" algn="ctr">
+                      <a:solidFill>
+                        <a:srgbClr val="000000"/>
+                      </a:solidFill>
+                      <a:prstDash val="solid"/>
+                      <a:round/>
+                      <a:headEnd type="none" w="med" len="med"/>
+                      <a:tailEnd type="none" w="med" len="med"/>
+                    </a:lnT>
+                    <a:lnB w="6350" cap="flat" cmpd="sng" algn="ctr">
+                      <a:solidFill>
+                        <a:srgbClr val="000000"/>
+                      </a:solidFill>
+                      <a:prstDash val="solid"/>
+                      <a:round/>
+                      <a:headEnd type="none" w="med" len="med"/>
+                      <a:tailEnd type="none" w="med" len="med"/>
                     </a:lnB>
                     <a:solidFill>
                       <a:srgbClr val="FFFFFF"/>
@@ -17923,17 +19101,17 @@
                 </a:tc>
                 <a:extLst>
                   <a:ext uri="{0D108BD9-81ED-4DB2-BD59-A6C34878D82A}">
-                    <a16:rowId xmlns:a16="http://schemas.microsoft.com/office/drawing/2014/main" val="516416964"/>
+                    <a16:rowId xmlns:a16="http://schemas.microsoft.com/office/drawing/2014/main" val="1846506930"/>
                   </a:ext>
                 </a:extLst>
               </a:tr>
-              <a:tr h="523018">
+              <a:tr h="414629">
                 <a:tc>
                   <a:txBody>
                     <a:bodyPr/>
                     <a:lstStyle/>
                     <a:p>
-                      <a:pPr algn="l" fontAlgn="b"/>
+                      <a:pPr algn="l" rtl="0" fontAlgn="b"/>
                       <a:r>
                         <a:rPr lang="en-US" sz="1800" b="0" i="0" u="none" strike="noStrike" dirty="0">
                           <a:solidFill>
@@ -17942,22 +19120,106 @@
                           <a:effectLst/>
                           <a:latin typeface="Calibri" panose="020F0502020204030204" pitchFamily="34" charset="0"/>
                         </a:rPr>
-                        <a:t>Practicing social distancing &amp; hygiene</a:t>
+                        <a:t>Individual practiced social distancing &amp; hygiene</a:t>
                       </a:r>
                     </a:p>
                   </a:txBody>
                   <a:tcPr marL="6350" marR="6350" marT="6350" marB="0" anchor="b">
-                    <a:lnL>
-                      <a:noFill/>
+                    <a:lnL w="6350" cap="flat" cmpd="sng" algn="ctr">
+                      <a:solidFill>
+                        <a:srgbClr val="000000"/>
+                      </a:solidFill>
+                      <a:prstDash val="solid"/>
+                      <a:round/>
+                      <a:headEnd type="none" w="med" len="med"/>
+                      <a:tailEnd type="none" w="med" len="med"/>
                     </a:lnL>
-                    <a:lnR>
-                      <a:noFill/>
+                    <a:lnR w="6350" cap="flat" cmpd="sng" algn="ctr">
+                      <a:solidFill>
+                        <a:srgbClr val="000000"/>
+                      </a:solidFill>
+                      <a:prstDash val="solid"/>
+                      <a:round/>
+                      <a:headEnd type="none" w="med" len="med"/>
+                      <a:tailEnd type="none" w="med" len="med"/>
                     </a:lnR>
-                    <a:lnT>
-                      <a:noFill/>
+                    <a:lnT w="6350" cap="flat" cmpd="sng" algn="ctr">
+                      <a:solidFill>
+                        <a:srgbClr val="000000"/>
+                      </a:solidFill>
+                      <a:prstDash val="solid"/>
+                      <a:round/>
+                      <a:headEnd type="none" w="med" len="med"/>
+                      <a:tailEnd type="none" w="med" len="med"/>
                     </a:lnT>
-                    <a:lnB>
-                      <a:noFill/>
+                    <a:lnB w="6350" cap="flat" cmpd="sng" algn="ctr">
+                      <a:solidFill>
+                        <a:srgbClr val="000000"/>
+                      </a:solidFill>
+                      <a:prstDash val="solid"/>
+                      <a:round/>
+                      <a:headEnd type="none" w="med" len="med"/>
+                      <a:tailEnd type="none" w="med" len="med"/>
+                    </a:lnB>
+                    <a:solidFill>
+                      <a:srgbClr val="F2F2F2"/>
+                    </a:solidFill>
+                  </a:tcPr>
+                </a:tc>
+                <a:tc>
+                  <a:txBody>
+                    <a:bodyPr/>
+                    <a:lstStyle/>
+                    <a:p>
+                      <a:pPr algn="ctr" rtl="0" fontAlgn="b"/>
+                      <a:r>
+                        <a:rPr lang="en-US" sz="2600" b="0" i="0" u="none" strike="noStrike" dirty="0">
+                          <a:solidFill>
+                            <a:srgbClr val="000000"/>
+                          </a:solidFill>
+                          <a:effectLst/>
+                          <a:latin typeface="Calibri" panose="020F0502020204030204" pitchFamily="34" charset="0"/>
+                        </a:rPr>
+                        <a:t>-</a:t>
+                      </a:r>
+                    </a:p>
+                  </a:txBody>
+                  <a:tcPr marL="6350" marR="6350" marT="6350" marB="0" anchor="b">
+                    <a:lnL w="6350" cap="flat" cmpd="sng" algn="ctr">
+                      <a:solidFill>
+                        <a:srgbClr val="000000"/>
+                      </a:solidFill>
+                      <a:prstDash val="solid"/>
+                      <a:round/>
+                      <a:headEnd type="none" w="med" len="med"/>
+                      <a:tailEnd type="none" w="med" len="med"/>
+                    </a:lnL>
+                    <a:lnR w="6350" cap="flat" cmpd="sng" algn="ctr">
+                      <a:solidFill>
+                        <a:srgbClr val="000000"/>
+                      </a:solidFill>
+                      <a:prstDash val="solid"/>
+                      <a:round/>
+                      <a:headEnd type="none" w="med" len="med"/>
+                      <a:tailEnd type="none" w="med" len="med"/>
+                    </a:lnR>
+                    <a:lnT w="6350" cap="flat" cmpd="sng" algn="ctr">
+                      <a:solidFill>
+                        <a:srgbClr val="000000"/>
+                      </a:solidFill>
+                      <a:prstDash val="solid"/>
+                      <a:round/>
+                      <a:headEnd type="none" w="med" len="med"/>
+                      <a:tailEnd type="none" w="med" len="med"/>
+                    </a:lnT>
+                    <a:lnB w="6350" cap="flat" cmpd="sng" algn="ctr">
+                      <a:solidFill>
+                        <a:srgbClr val="000000"/>
+                      </a:solidFill>
+                      <a:prstDash val="solid"/>
+                      <a:round/>
+                      <a:headEnd type="none" w="med" len="med"/>
+                      <a:tailEnd type="none" w="med" len="med"/>
                     </a:lnB>
                     <a:solidFill>
                       <a:srgbClr val="F2F2F2"/>
@@ -17966,7 +19228,7 @@
                 </a:tc>
                 <a:extLst>
                   <a:ext uri="{0D108BD9-81ED-4DB2-BD59-A6C34878D82A}">
-                    <a16:rowId xmlns:a16="http://schemas.microsoft.com/office/drawing/2014/main" val="2894836186"/>
+                    <a16:rowId xmlns:a16="http://schemas.microsoft.com/office/drawing/2014/main" val="4212778254"/>
                   </a:ext>
                 </a:extLst>
               </a:tr>
@@ -17974,577 +19236,207 @@
           </a:graphicData>
         </a:graphic>
       </p:graphicFrame>
-      <p:cxnSp>
-        <p:nvCxnSpPr>
-          <p:cNvPr id="8" name="Straight Connector 7">
+      <p:sp>
+        <p:nvSpPr>
+          <p:cNvPr id="36" name="Flowchart: Connector 35">
             <a:extLst>
               <a:ext uri="{FF2B5EF4-FFF2-40B4-BE49-F238E27FC236}">
-                <a16:creationId xmlns:a16="http://schemas.microsoft.com/office/drawing/2014/main" id="{3E0A65D6-0340-47B8-AB85-0BA9F98A9C5D}"/>
+                <a16:creationId xmlns:a16="http://schemas.microsoft.com/office/drawing/2014/main" id="{084BA0E7-0D0F-4DF0-8B93-9EE06DDA3C39}"/>
               </a:ext>
             </a:extLst>
           </p:cNvPr>
-          <p:cNvCxnSpPr>
-            <a:cxnSpLocks/>
-          </p:cNvCxnSpPr>
+          <p:cNvSpPr/>
           <p:nvPr/>
-        </p:nvCxnSpPr>
+        </p:nvSpPr>
         <p:spPr>
           <a:xfrm>
-            <a:off x="4267200" y="2560397"/>
-            <a:ext cx="0" cy="4065558"/>
+            <a:off x="4948311" y="3814145"/>
+            <a:ext cx="166967" cy="173280"/>
           </a:xfrm>
-          <a:prstGeom prst="line">
+          <a:prstGeom prst="flowChartConnector">
             <a:avLst/>
           </a:prstGeom>
-          <a:ln w="12700"/>
+          <a:solidFill>
+            <a:schemeClr val="accent1">
+              <a:lumMod val="75000"/>
+            </a:schemeClr>
+          </a:solidFill>
         </p:spPr>
         <p:style>
-          <a:lnRef idx="1">
-            <a:schemeClr val="accent1"/>
+          <a:lnRef idx="2">
+            <a:schemeClr val="accent1">
+              <a:shade val="50000"/>
+            </a:schemeClr>
           </a:lnRef>
-          <a:fillRef idx="0">
+          <a:fillRef idx="1">
             <a:schemeClr val="accent1"/>
           </a:fillRef>
           <a:effectRef idx="0">
             <a:schemeClr val="accent1"/>
           </a:effectRef>
           <a:fontRef idx="minor">
-            <a:schemeClr val="tx1"/>
+            <a:schemeClr val="lt1"/>
           </a:fontRef>
         </p:style>
-      </p:cxnSp>
-      <p:cxnSp>
-        <p:nvCxnSpPr>
-          <p:cNvPr id="10" name="Straight Connector 9">
+        <p:txBody>
+          <a:bodyPr rtlCol="0" anchor="ctr"/>
+          <a:lstStyle/>
+          <a:p>
+            <a:pPr algn="ctr"/>
+            <a:endParaRPr lang="en-US"/>
+          </a:p>
+        </p:txBody>
+      </p:sp>
+      <p:sp>
+        <p:nvSpPr>
+          <p:cNvPr id="45" name="Flowchart: Connector 44">
             <a:extLst>
               <a:ext uri="{FF2B5EF4-FFF2-40B4-BE49-F238E27FC236}">
-                <a16:creationId xmlns:a16="http://schemas.microsoft.com/office/drawing/2014/main" id="{8AAF8885-3280-439A-8611-8254CA55E35D}"/>
+                <a16:creationId xmlns:a16="http://schemas.microsoft.com/office/drawing/2014/main" id="{57F034DA-6C66-4110-B7B3-4427168E7D42}"/>
               </a:ext>
             </a:extLst>
           </p:cNvPr>
-          <p:cNvCxnSpPr>
-            <a:cxnSpLocks/>
-          </p:cNvCxnSpPr>
-          <p:nvPr/>
-        </p:nvCxnSpPr>
-        <p:spPr>
-          <a:xfrm>
-            <a:off x="4326881" y="2586132"/>
-            <a:ext cx="7110637" cy="0"/>
-          </a:xfrm>
-          <a:prstGeom prst="line">
-            <a:avLst/>
-          </a:prstGeom>
-          <a:ln w="38100"/>
-        </p:spPr>
-        <p:style>
-          <a:lnRef idx="3">
-            <a:schemeClr val="dk1"/>
-          </a:lnRef>
-          <a:fillRef idx="0">
-            <a:schemeClr val="dk1"/>
-          </a:fillRef>
-          <a:effectRef idx="2">
-            <a:schemeClr val="dk1"/>
-          </a:effectRef>
-          <a:fontRef idx="minor">
-            <a:schemeClr val="tx1"/>
-          </a:fontRef>
-        </p:style>
-      </p:cxnSp>
-      <p:pic>
-        <p:nvPicPr>
-          <p:cNvPr id="2052" name="Picture 4">
-            <a:extLst>
-              <a:ext uri="{FF2B5EF4-FFF2-40B4-BE49-F238E27FC236}">
-                <a16:creationId xmlns:a16="http://schemas.microsoft.com/office/drawing/2014/main" id="{1F721424-AD6D-4C58-B0C0-9A47CF7E9A2F}"/>
-              </a:ext>
-            </a:extLst>
-          </p:cNvPr>
-          <p:cNvPicPr>
-            <a:picLocks noChangeAspect="1" noChangeArrowheads="1"/>
-          </p:cNvPicPr>
-          <p:nvPr/>
-        </p:nvPicPr>
-        <p:blipFill>
-          <a:blip r:embed="rId4">
-            <a:duotone>
-              <a:schemeClr val="accent1">
-                <a:shade val="45000"/>
-                <a:satMod val="135000"/>
-              </a:schemeClr>
-              <a:prstClr val="white"/>
-            </a:duotone>
-            <a:extLst>
-              <a:ext uri="{28A0092B-C50C-407E-A947-70E740481C1C}">
-                <a14:useLocalDpi xmlns:a14="http://schemas.microsoft.com/office/drawing/2010/main" val="0"/>
-              </a:ext>
-            </a:extLst>
-          </a:blip>
-          <a:srcRect/>
-          <a:stretch>
-            <a:fillRect/>
-          </a:stretch>
-        </p:blipFill>
-        <p:spPr bwMode="auto">
-          <a:xfrm>
-            <a:off x="152400" y="3490037"/>
-            <a:ext cx="1220470" cy="1220470"/>
-          </a:xfrm>
-          <a:prstGeom prst="rect">
-            <a:avLst/>
-          </a:prstGeom>
-          <a:noFill/>
-          <a:extLst>
-            <a:ext uri="{909E8E84-426E-40DD-AFC4-6F175D3DCCD1}">
-              <a14:hiddenFill xmlns:a14="http://schemas.microsoft.com/office/drawing/2010/main">
-                <a:solidFill>
-                  <a:srgbClr val="FFFFFF"/>
-                </a:solidFill>
-              </a14:hiddenFill>
-            </a:ext>
-          </a:extLst>
-        </p:spPr>
-      </p:pic>
-      <p:pic>
-        <p:nvPicPr>
-          <p:cNvPr id="2056" name="Picture 8" descr="signs, travelling, baggage, Bag, travels, Bags, Banned, travel ...">
-            <a:extLst>
-              <a:ext uri="{FF2B5EF4-FFF2-40B4-BE49-F238E27FC236}">
-                <a16:creationId xmlns:a16="http://schemas.microsoft.com/office/drawing/2014/main" id="{33DF8B61-543C-4DA1-A355-912B61591DE9}"/>
-              </a:ext>
-            </a:extLst>
-          </p:cNvPr>
-          <p:cNvPicPr>
-            <a:picLocks noChangeAspect="1" noChangeArrowheads="1"/>
-          </p:cNvPicPr>
-          <p:nvPr/>
-        </p:nvPicPr>
-        <p:blipFill>
-          <a:blip r:embed="rId5">
-            <a:duotone>
-              <a:schemeClr val="accent1">
-                <a:shade val="45000"/>
-                <a:satMod val="135000"/>
-              </a:schemeClr>
-              <a:prstClr val="white"/>
-            </a:duotone>
-            <a:extLst>
-              <a:ext uri="{28A0092B-C50C-407E-A947-70E740481C1C}">
-                <a14:useLocalDpi xmlns:a14="http://schemas.microsoft.com/office/drawing/2010/main" val="0"/>
-              </a:ext>
-            </a:extLst>
-          </a:blip>
-          <a:srcRect/>
-          <a:stretch>
-            <a:fillRect/>
-          </a:stretch>
-        </p:blipFill>
-        <p:spPr bwMode="auto">
-          <a:xfrm>
-            <a:off x="2680113" y="5105400"/>
-            <a:ext cx="1147763" cy="1147763"/>
-          </a:xfrm>
-          <a:prstGeom prst="rect">
-            <a:avLst/>
-          </a:prstGeom>
-          <a:noFill/>
-          <a:extLst>
-            <a:ext uri="{909E8E84-426E-40DD-AFC4-6F175D3DCCD1}">
-              <a14:hiddenFill xmlns:a14="http://schemas.microsoft.com/office/drawing/2010/main">
-                <a:solidFill>
-                  <a:srgbClr val="FFFFFF"/>
-                </a:solidFill>
-              </a14:hiddenFill>
-            </a:ext>
-          </a:extLst>
-        </p:spPr>
-      </p:pic>
-      <p:sp>
-        <p:nvSpPr>
-          <p:cNvPr id="4" name="TextBox 3">
-            <a:extLst>
-              <a:ext uri="{FF2B5EF4-FFF2-40B4-BE49-F238E27FC236}">
-                <a16:creationId xmlns:a16="http://schemas.microsoft.com/office/drawing/2014/main" id="{57EE8F21-8F69-4229-95DA-596CA450EEAD}"/>
-              </a:ext>
-            </a:extLst>
-          </p:cNvPr>
-          <p:cNvSpPr txBox="1"/>
+          <p:cNvSpPr/>
           <p:nvPr/>
         </p:nvSpPr>
         <p:spPr>
           <a:xfrm>
-            <a:off x="871954" y="2705725"/>
-            <a:ext cx="3082567" cy="1446550"/>
+            <a:off x="4948311" y="5221640"/>
+            <a:ext cx="166967" cy="173280"/>
           </a:xfrm>
-          <a:prstGeom prst="rect">
+          <a:prstGeom prst="flowChartConnector">
             <a:avLst/>
           </a:prstGeom>
-          <a:noFill/>
-        </p:spPr>
-        <p:txBody>
-          <a:bodyPr wrap="square" rtlCol="0">
-            <a:spAutoFit/>
-          </a:bodyPr>
-          <a:lstStyle/>
-          <a:p>
-            <a:pPr algn="ctr"/>
-            <a:r>
-              <a:rPr lang="en-US" sz="4400" dirty="0">
-                <a:cs typeface="Aharoni" panose="02010803020104030203" pitchFamily="2" charset="-79"/>
-              </a:rPr>
-              <a:t>Behavior </a:t>
-            </a:r>
-          </a:p>
-          <a:p>
-            <a:pPr algn="ctr"/>
-            <a:r>
-              <a:rPr lang="en-US" sz="4400" dirty="0">
-                <a:cs typeface="Aharoni" panose="02010803020104030203" pitchFamily="2" charset="-79"/>
-              </a:rPr>
-              <a:t>Matters:</a:t>
-            </a:r>
-          </a:p>
-        </p:txBody>
-      </p:sp>
-      <p:grpSp>
-        <p:nvGrpSpPr>
-          <p:cNvPr id="17" name="Group 16">
-            <a:extLst>
-              <a:ext uri="{FF2B5EF4-FFF2-40B4-BE49-F238E27FC236}">
-                <a16:creationId xmlns:a16="http://schemas.microsoft.com/office/drawing/2014/main" id="{748A9B36-368A-4DC9-9472-64497AEF7B6F}"/>
-              </a:ext>
-            </a:extLst>
-          </p:cNvPr>
-          <p:cNvGrpSpPr/>
-          <p:nvPr/>
-        </p:nvGrpSpPr>
-        <p:grpSpPr>
-          <a:xfrm>
-            <a:off x="8458200" y="2662668"/>
-            <a:ext cx="457200" cy="3684669"/>
-            <a:chOff x="8382000" y="2657552"/>
-            <a:chExt cx="457200" cy="3684669"/>
-          </a:xfrm>
-        </p:grpSpPr>
-        <p:sp>
-          <p:nvSpPr>
-            <p:cNvPr id="12" name="TextBox 11">
-              <a:extLst>
-                <a:ext uri="{FF2B5EF4-FFF2-40B4-BE49-F238E27FC236}">
-                  <a16:creationId xmlns:a16="http://schemas.microsoft.com/office/drawing/2014/main" id="{BBE9661F-0813-4233-BEF8-8FC52552ACA6}"/>
-                </a:ext>
-              </a:extLst>
-            </p:cNvPr>
-            <p:cNvSpPr txBox="1"/>
-            <p:nvPr/>
-          </p:nvSpPr>
-          <p:spPr>
-            <a:xfrm>
-              <a:off x="8382000" y="2657552"/>
-              <a:ext cx="457200" cy="246221"/>
-            </a:xfrm>
-            <a:prstGeom prst="rect">
-              <a:avLst/>
-            </a:prstGeom>
-            <a:noFill/>
-          </p:spPr>
-          <p:txBody>
-            <a:bodyPr wrap="square" rtlCol="0">
-              <a:spAutoFit/>
-            </a:bodyPr>
-            <a:lstStyle/>
-            <a:p>
-              <a:r>
-                <a:rPr lang="en-US" sz="1000" dirty="0"/>
-                <a:t>+</a:t>
-              </a:r>
-            </a:p>
-          </p:txBody>
-        </p:sp>
-        <p:sp>
-          <p:nvSpPr>
-            <p:cNvPr id="24" name="TextBox 23">
-              <a:extLst>
-                <a:ext uri="{FF2B5EF4-FFF2-40B4-BE49-F238E27FC236}">
-                  <a16:creationId xmlns:a16="http://schemas.microsoft.com/office/drawing/2014/main" id="{713B020C-F1DD-49E5-AEE7-9003BB167A6D}"/>
-                </a:ext>
-              </a:extLst>
-            </p:cNvPr>
-            <p:cNvSpPr txBox="1"/>
-            <p:nvPr/>
-          </p:nvSpPr>
-          <p:spPr>
-            <a:xfrm>
-              <a:off x="8382000" y="3250767"/>
-              <a:ext cx="457200" cy="246221"/>
-            </a:xfrm>
-            <a:prstGeom prst="rect">
-              <a:avLst/>
-            </a:prstGeom>
-            <a:noFill/>
-          </p:spPr>
-          <p:txBody>
-            <a:bodyPr wrap="square" rtlCol="0">
-              <a:spAutoFit/>
-            </a:bodyPr>
-            <a:lstStyle/>
-            <a:p>
-              <a:r>
-                <a:rPr lang="en-US" sz="1000" dirty="0"/>
-                <a:t>+</a:t>
-              </a:r>
-            </a:p>
-          </p:txBody>
-        </p:sp>
-        <p:sp>
-          <p:nvSpPr>
-            <p:cNvPr id="27" name="TextBox 26">
-              <a:extLst>
-                <a:ext uri="{FF2B5EF4-FFF2-40B4-BE49-F238E27FC236}">
-                  <a16:creationId xmlns:a16="http://schemas.microsoft.com/office/drawing/2014/main" id="{F8D2833B-B4C7-4C65-A80F-3369CD12E08C}"/>
-                </a:ext>
-              </a:extLst>
-            </p:cNvPr>
-            <p:cNvSpPr txBox="1"/>
-            <p:nvPr/>
-          </p:nvSpPr>
-          <p:spPr>
-            <a:xfrm>
-              <a:off x="8382000" y="3807300"/>
-              <a:ext cx="304797" cy="246221"/>
-            </a:xfrm>
-            <a:prstGeom prst="rect">
-              <a:avLst/>
-            </a:prstGeom>
-            <a:noFill/>
-          </p:spPr>
-          <p:txBody>
-            <a:bodyPr wrap="square" rtlCol="0">
-              <a:spAutoFit/>
-            </a:bodyPr>
-            <a:lstStyle/>
-            <a:p>
-              <a:r>
-                <a:rPr lang="en-US" sz="1000" dirty="0"/>
-                <a:t>+</a:t>
-              </a:r>
-            </a:p>
-          </p:txBody>
-        </p:sp>
-        <p:sp>
-          <p:nvSpPr>
-            <p:cNvPr id="28" name="TextBox 27">
-              <a:extLst>
-                <a:ext uri="{FF2B5EF4-FFF2-40B4-BE49-F238E27FC236}">
-                  <a16:creationId xmlns:a16="http://schemas.microsoft.com/office/drawing/2014/main" id="{D76EC56C-F892-4A7F-B1AD-8FB81A2DBFEF}"/>
-                </a:ext>
-              </a:extLst>
-            </p:cNvPr>
-            <p:cNvSpPr txBox="1"/>
-            <p:nvPr/>
-          </p:nvSpPr>
-          <p:spPr>
-            <a:xfrm>
-              <a:off x="8382000" y="5102498"/>
-              <a:ext cx="457200" cy="246221"/>
-            </a:xfrm>
-            <a:prstGeom prst="rect">
-              <a:avLst/>
-            </a:prstGeom>
-            <a:noFill/>
-          </p:spPr>
-          <p:txBody>
-            <a:bodyPr wrap="square" rtlCol="0">
-              <a:spAutoFit/>
-            </a:bodyPr>
-            <a:lstStyle/>
-            <a:p>
-              <a:r>
-                <a:rPr lang="en-US" sz="1000" dirty="0"/>
-                <a:t>+</a:t>
-              </a:r>
-            </a:p>
-          </p:txBody>
-        </p:sp>
-        <p:sp>
-          <p:nvSpPr>
-            <p:cNvPr id="29" name="TextBox 28">
-              <a:extLst>
-                <a:ext uri="{FF2B5EF4-FFF2-40B4-BE49-F238E27FC236}">
-                  <a16:creationId xmlns:a16="http://schemas.microsoft.com/office/drawing/2014/main" id="{B189A998-E78B-483B-9176-0B48036F3023}"/>
-                </a:ext>
-              </a:extLst>
-            </p:cNvPr>
-            <p:cNvSpPr txBox="1"/>
-            <p:nvPr/>
-          </p:nvSpPr>
-          <p:spPr>
-            <a:xfrm>
-              <a:off x="8382000" y="5663905"/>
-              <a:ext cx="457200" cy="246221"/>
-            </a:xfrm>
-            <a:prstGeom prst="rect">
-              <a:avLst/>
-            </a:prstGeom>
-            <a:noFill/>
-          </p:spPr>
-          <p:txBody>
-            <a:bodyPr wrap="square" rtlCol="0">
-              <a:spAutoFit/>
-            </a:bodyPr>
-            <a:lstStyle/>
-            <a:p>
-              <a:r>
-                <a:rPr lang="en-US" sz="1000" dirty="0"/>
-                <a:t>+</a:t>
-              </a:r>
-            </a:p>
-          </p:txBody>
-        </p:sp>
-        <p:sp>
-          <p:nvSpPr>
-            <p:cNvPr id="30" name="TextBox 29">
-              <a:extLst>
-                <a:ext uri="{FF2B5EF4-FFF2-40B4-BE49-F238E27FC236}">
-                  <a16:creationId xmlns:a16="http://schemas.microsoft.com/office/drawing/2014/main" id="{BD956A6C-FDB4-4B92-B4F3-6355713BFE76}"/>
-                </a:ext>
-              </a:extLst>
-            </p:cNvPr>
-            <p:cNvSpPr txBox="1"/>
-            <p:nvPr/>
-          </p:nvSpPr>
-          <p:spPr>
-            <a:xfrm>
-              <a:off x="8406065" y="4459185"/>
-              <a:ext cx="280735" cy="246221"/>
-            </a:xfrm>
-            <a:prstGeom prst="rect">
-              <a:avLst/>
-            </a:prstGeom>
-            <a:noFill/>
-          </p:spPr>
-          <p:txBody>
-            <a:bodyPr wrap="square" rtlCol="0">
-              <a:spAutoFit/>
-            </a:bodyPr>
-            <a:lstStyle/>
-            <a:p>
-              <a:r>
-                <a:rPr lang="en-US" sz="1000" dirty="0"/>
-                <a:t>-</a:t>
-              </a:r>
-            </a:p>
-          </p:txBody>
-        </p:sp>
-        <p:sp>
-          <p:nvSpPr>
-            <p:cNvPr id="31" name="TextBox 30">
-              <a:extLst>
-                <a:ext uri="{FF2B5EF4-FFF2-40B4-BE49-F238E27FC236}">
-                  <a16:creationId xmlns:a16="http://schemas.microsoft.com/office/drawing/2014/main" id="{CB42CA43-9C2D-4F63-A1A5-90A5FAC9A706}"/>
-                </a:ext>
-              </a:extLst>
-            </p:cNvPr>
-            <p:cNvSpPr txBox="1"/>
-            <p:nvPr/>
-          </p:nvSpPr>
-          <p:spPr>
-            <a:xfrm>
-              <a:off x="8458200" y="6096000"/>
-              <a:ext cx="132361" cy="246221"/>
-            </a:xfrm>
-            <a:prstGeom prst="rect">
-              <a:avLst/>
-            </a:prstGeom>
-            <a:noFill/>
-          </p:spPr>
-          <p:txBody>
-            <a:bodyPr wrap="square" rtlCol="0">
-              <a:spAutoFit/>
-            </a:bodyPr>
-            <a:lstStyle/>
-            <a:p>
-              <a:r>
-                <a:rPr lang="en-US" sz="1000" dirty="0"/>
-                <a:t>-</a:t>
-              </a:r>
-            </a:p>
-          </p:txBody>
-        </p:sp>
-      </p:grpSp>
-      <p:cxnSp>
-        <p:nvCxnSpPr>
-          <p:cNvPr id="33" name="Straight Connector 32">
-            <a:extLst>
-              <a:ext uri="{FF2B5EF4-FFF2-40B4-BE49-F238E27FC236}">
-                <a16:creationId xmlns:a16="http://schemas.microsoft.com/office/drawing/2014/main" id="{4D986335-0B62-4540-A466-D8BD9FA3A666}"/>
-              </a:ext>
-            </a:extLst>
-          </p:cNvPr>
-          <p:cNvCxnSpPr>
-            <a:cxnSpLocks/>
-          </p:cNvCxnSpPr>
-          <p:nvPr/>
-        </p:nvCxnSpPr>
-        <p:spPr>
-          <a:xfrm>
-            <a:off x="8458200" y="2577944"/>
-            <a:ext cx="0" cy="4065558"/>
-          </a:xfrm>
-          <a:prstGeom prst="line">
-            <a:avLst/>
-          </a:prstGeom>
-          <a:ln w="12700"/>
+          <a:solidFill>
+            <a:schemeClr val="accent1">
+              <a:lumMod val="75000"/>
+            </a:schemeClr>
+          </a:solidFill>
         </p:spPr>
         <p:style>
-          <a:lnRef idx="1">
-            <a:schemeClr val="accent1"/>
+          <a:lnRef idx="2">
+            <a:schemeClr val="accent1">
+              <a:shade val="50000"/>
+            </a:schemeClr>
           </a:lnRef>
-          <a:fillRef idx="0">
+          <a:fillRef idx="1">
             <a:schemeClr val="accent1"/>
           </a:fillRef>
           <a:effectRef idx="0">
             <a:schemeClr val="accent1"/>
           </a:effectRef>
           <a:fontRef idx="minor">
-            <a:schemeClr val="tx1"/>
+            <a:schemeClr val="lt1"/>
           </a:fontRef>
         </p:style>
-      </p:cxnSp>
+        <p:txBody>
+          <a:bodyPr rtlCol="0" anchor="ctr"/>
+          <a:lstStyle/>
+          <a:p>
+            <a:pPr algn="ctr"/>
+            <a:endParaRPr lang="en-US"/>
+          </a:p>
+        </p:txBody>
+      </p:sp>
       <p:sp>
         <p:nvSpPr>
-          <p:cNvPr id="16" name="TextBox 15">
+          <p:cNvPr id="46" name="Flowchart: Connector 45">
             <a:extLst>
               <a:ext uri="{FF2B5EF4-FFF2-40B4-BE49-F238E27FC236}">
-                <a16:creationId xmlns:a16="http://schemas.microsoft.com/office/drawing/2014/main" id="{EB759DCB-0BA8-4C5C-B99E-3E1AAD48B66A}"/>
+                <a16:creationId xmlns:a16="http://schemas.microsoft.com/office/drawing/2014/main" id="{F8720CAE-7F4F-4F8E-B9D4-972E917D87E9}"/>
               </a:ext>
             </a:extLst>
           </p:cNvPr>
-          <p:cNvSpPr txBox="1"/>
+          <p:cNvSpPr/>
           <p:nvPr/>
         </p:nvSpPr>
         <p:spPr>
           <a:xfrm>
-            <a:off x="8353917" y="2283398"/>
-            <a:ext cx="665760" cy="276999"/>
+            <a:off x="4948310" y="4331924"/>
+            <a:ext cx="166967" cy="173280"/>
           </a:xfrm>
-          <a:prstGeom prst="rect">
+          <a:prstGeom prst="flowChartConnector">
             <a:avLst/>
           </a:prstGeom>
-          <a:noFill/>
+          <a:solidFill>
+            <a:schemeClr val="accent1">
+              <a:lumMod val="75000"/>
+            </a:schemeClr>
+          </a:solidFill>
         </p:spPr>
+        <p:style>
+          <a:lnRef idx="2">
+            <a:schemeClr val="accent1">
+              <a:shade val="50000"/>
+            </a:schemeClr>
+          </a:lnRef>
+          <a:fillRef idx="1">
+            <a:schemeClr val="accent1"/>
+          </a:fillRef>
+          <a:effectRef idx="0">
+            <a:schemeClr val="accent1"/>
+          </a:effectRef>
+          <a:fontRef idx="minor">
+            <a:schemeClr val="lt1"/>
+          </a:fontRef>
+        </p:style>
         <p:txBody>
-          <a:bodyPr wrap="square" rtlCol="0">
-            <a:spAutoFit/>
-          </a:bodyPr>
+          <a:bodyPr rtlCol="0" anchor="ctr"/>
           <a:lstStyle/>
           <a:p>
-            <a:r>
-              <a:rPr lang="en-US" sz="1200" dirty="0" err="1"/>
-              <a:t>Corr</a:t>
-            </a:r>
-            <a:endParaRPr lang="en-US" sz="1200" dirty="0"/>
+            <a:pPr algn="ctr"/>
+            <a:endParaRPr lang="en-US"/>
+          </a:p>
+        </p:txBody>
+      </p:sp>
+      <p:sp>
+        <p:nvSpPr>
+          <p:cNvPr id="47" name="Flowchart: Connector 46">
+            <a:extLst>
+              <a:ext uri="{FF2B5EF4-FFF2-40B4-BE49-F238E27FC236}">
+                <a16:creationId xmlns:a16="http://schemas.microsoft.com/office/drawing/2014/main" id="{4D683B1B-66EC-4958-9CCC-66EB1FA25D27}"/>
+              </a:ext>
+            </a:extLst>
+          </p:cNvPr>
+          <p:cNvSpPr/>
+          <p:nvPr/>
+        </p:nvSpPr>
+        <p:spPr>
+          <a:xfrm>
+            <a:off x="4948310" y="5652779"/>
+            <a:ext cx="166967" cy="173280"/>
+          </a:xfrm>
+          <a:prstGeom prst="flowChartConnector">
+            <a:avLst/>
+          </a:prstGeom>
+          <a:solidFill>
+            <a:schemeClr val="accent1">
+              <a:lumMod val="75000"/>
+            </a:schemeClr>
+          </a:solidFill>
+        </p:spPr>
+        <p:style>
+          <a:lnRef idx="2">
+            <a:schemeClr val="accent1">
+              <a:shade val="50000"/>
+            </a:schemeClr>
+          </a:lnRef>
+          <a:fillRef idx="1">
+            <a:schemeClr val="accent1"/>
+          </a:fillRef>
+          <a:effectRef idx="0">
+            <a:schemeClr val="accent1"/>
+          </a:effectRef>
+          <a:fontRef idx="minor">
+            <a:schemeClr val="lt1"/>
+          </a:fontRef>
+        </p:style>
+        <p:txBody>
+          <a:bodyPr rtlCol="0" anchor="ctr"/>
+          <a:lstStyle/>
+          <a:p>
+            <a:pPr algn="ctr"/>
+            <a:endParaRPr lang="en-US"/>
           </a:p>
         </p:txBody>
       </p:sp>
@@ -18570,6 +19462,168 @@
       </p:transition>
     </mc:Fallback>
   </mc:AlternateContent>
+  <p:timing>
+    <p:tnLst>
+      <p:par>
+        <p:cTn id="1" dur="indefinite" restart="never" nodeType="tmRoot">
+          <p:childTnLst>
+            <p:seq concurrent="1" nextAc="seek">
+              <p:cTn id="2" dur="indefinite" nodeType="mainSeq">
+                <p:childTnLst>
+                  <p:par>
+                    <p:cTn id="3" fill="hold">
+                      <p:stCondLst>
+                        <p:cond delay="indefinite"/>
+                      </p:stCondLst>
+                      <p:childTnLst>
+                        <p:par>
+                          <p:cTn id="4" fill="hold">
+                            <p:stCondLst>
+                              <p:cond delay="0"/>
+                            </p:stCondLst>
+                            <p:childTnLst>
+                              <p:par>
+                                <p:cTn id="5" presetID="1" presetClass="entr" presetSubtype="0" fill="hold" grpId="0" nodeType="clickEffect">
+                                  <p:stCondLst>
+                                    <p:cond delay="0"/>
+                                  </p:stCondLst>
+                                  <p:childTnLst>
+                                    <p:set>
+                                      <p:cBhvr>
+                                        <p:cTn id="6" dur="1" fill="hold">
+                                          <p:stCondLst>
+                                            <p:cond delay="0"/>
+                                          </p:stCondLst>
+                                        </p:cTn>
+                                        <p:tgtEl>
+                                          <p:spTgt spid="45"/>
+                                        </p:tgtEl>
+                                        <p:attrNameLst>
+                                          <p:attrName>style.visibility</p:attrName>
+                                        </p:attrNameLst>
+                                      </p:cBhvr>
+                                      <p:to>
+                                        <p:strVal val="visible"/>
+                                      </p:to>
+                                    </p:set>
+                                  </p:childTnLst>
+                                </p:cTn>
+                              </p:par>
+                              <p:par>
+                                <p:cTn id="7" presetID="1" presetClass="entr" presetSubtype="0" fill="hold" grpId="0" nodeType="withEffect">
+                                  <p:stCondLst>
+                                    <p:cond delay="0"/>
+                                  </p:stCondLst>
+                                  <p:childTnLst>
+                                    <p:set>
+                                      <p:cBhvr>
+                                        <p:cTn id="8" dur="1" fill="hold">
+                                          <p:stCondLst>
+                                            <p:cond delay="0"/>
+                                          </p:stCondLst>
+                                        </p:cTn>
+                                        <p:tgtEl>
+                                          <p:spTgt spid="47"/>
+                                        </p:tgtEl>
+                                        <p:attrNameLst>
+                                          <p:attrName>style.visibility</p:attrName>
+                                        </p:attrNameLst>
+                                      </p:cBhvr>
+                                      <p:to>
+                                        <p:strVal val="visible"/>
+                                      </p:to>
+                                    </p:set>
+                                  </p:childTnLst>
+                                </p:cTn>
+                              </p:par>
+                              <p:par>
+                                <p:cTn id="9" presetID="1" presetClass="entr" presetSubtype="0" fill="hold" grpId="0" nodeType="withEffect">
+                                  <p:stCondLst>
+                                    <p:cond delay="0"/>
+                                  </p:stCondLst>
+                                  <p:childTnLst>
+                                    <p:set>
+                                      <p:cBhvr>
+                                        <p:cTn id="10" dur="1" fill="hold">
+                                          <p:stCondLst>
+                                            <p:cond delay="0"/>
+                                          </p:stCondLst>
+                                        </p:cTn>
+                                        <p:tgtEl>
+                                          <p:spTgt spid="46"/>
+                                        </p:tgtEl>
+                                        <p:attrNameLst>
+                                          <p:attrName>style.visibility</p:attrName>
+                                        </p:attrNameLst>
+                                      </p:cBhvr>
+                                      <p:to>
+                                        <p:strVal val="visible"/>
+                                      </p:to>
+                                    </p:set>
+                                  </p:childTnLst>
+                                </p:cTn>
+                              </p:par>
+                              <p:par>
+                                <p:cTn id="11" presetID="1" presetClass="entr" presetSubtype="0" fill="hold" grpId="0" nodeType="withEffect">
+                                  <p:stCondLst>
+                                    <p:cond delay="0"/>
+                                  </p:stCondLst>
+                                  <p:childTnLst>
+                                    <p:set>
+                                      <p:cBhvr>
+                                        <p:cTn id="12" dur="1" fill="hold">
+                                          <p:stCondLst>
+                                            <p:cond delay="0"/>
+                                          </p:stCondLst>
+                                        </p:cTn>
+                                        <p:tgtEl>
+                                          <p:spTgt spid="36"/>
+                                        </p:tgtEl>
+                                        <p:attrNameLst>
+                                          <p:attrName>style.visibility</p:attrName>
+                                        </p:attrNameLst>
+                                      </p:cBhvr>
+                                      <p:to>
+                                        <p:strVal val="visible"/>
+                                      </p:to>
+                                    </p:set>
+                                  </p:childTnLst>
+                                </p:cTn>
+                              </p:par>
+                            </p:childTnLst>
+                          </p:cTn>
+                        </p:par>
+                      </p:childTnLst>
+                    </p:cTn>
+                  </p:par>
+                </p:childTnLst>
+              </p:cTn>
+              <p:prevCondLst>
+                <p:cond evt="onPrev" delay="0">
+                  <p:tgtEl>
+                    <p:sldTgt/>
+                  </p:tgtEl>
+                </p:cond>
+              </p:prevCondLst>
+              <p:nextCondLst>
+                <p:cond evt="onNext" delay="0">
+                  <p:tgtEl>
+                    <p:sldTgt/>
+                  </p:tgtEl>
+                </p:cond>
+              </p:nextCondLst>
+            </p:seq>
+          </p:childTnLst>
+        </p:cTn>
+      </p:par>
+    </p:tnLst>
+    <p:bldLst>
+      <p:bldP spid="36" grpId="0" animBg="1"/>
+      <p:bldP spid="45" grpId="0" animBg="1"/>
+      <p:bldP spid="46" grpId="0" animBg="1"/>
+      <p:bldP spid="47" grpId="0" animBg="1"/>
+    </p:bldLst>
+  </p:timing>
 </p:sld>
 </file>
 

--- a/Covid19Preso.pptx
+++ b/Covid19Preso.pptx
@@ -5,10 +5,10 @@
     <p:sldMasterId id="2147483648" r:id="rId1"/>
   </p:sldMasterIdLst>
   <p:notesMasterIdLst>
-    <p:notesMasterId r:id="rId14"/>
+    <p:notesMasterId r:id="rId15"/>
   </p:notesMasterIdLst>
   <p:handoutMasterIdLst>
-    <p:handoutMasterId r:id="rId15"/>
+    <p:handoutMasterId r:id="rId16"/>
   </p:handoutMasterIdLst>
   <p:sldIdLst>
     <p:sldId id="256" r:id="rId2"/>
@@ -23,6 +23,7 @@
     <p:sldId id="270" r:id="rId11"/>
     <p:sldId id="266" r:id="rId12"/>
     <p:sldId id="269" r:id="rId13"/>
+    <p:sldId id="272" r:id="rId14"/>
   </p:sldIdLst>
   <p:sldSz cx="12192000" cy="6858000"/>
   <p:notesSz cx="6858000" cy="9144000"/>
@@ -237,7 +238,7 @@
           <a:p>
             <a:fld id="{043B725B-653D-4166-A8E9-72A38A1847CF}" type="datetimeFigureOut">
               <a:rPr lang="en-US"/>
-              <a:t>5/2/2020</a:t>
+              <a:t>5/4/2020</a:t>
             </a:fld>
             <a:endParaRPr/>
           </a:p>
@@ -402,7 +403,7 @@
           <a:p>
             <a:fld id="{783F64CD-0576-4A9A-BD06-7889D6E60BDC}" type="datetimeFigureOut">
               <a:rPr lang="en-US"/>
-              <a:t>5/2/2020</a:t>
+              <a:t>5/4/2020</a:t>
             </a:fld>
             <a:endParaRPr/>
           </a:p>
@@ -1241,6 +1242,10 @@
           <a:lstStyle/>
           <a:p>
             <a:r>
+              <a:rPr lang="en-US" dirty="0"/>
+              <a:t>Feature importance </a:t>
+            </a:r>
+            <a:r>
               <a:rPr lang="en-US" sz="1200" b="0" i="0" kern="1200" dirty="0">
                 <a:solidFill>
                   <a:schemeClr val="tx1"/>
@@ -1250,151 +1255,7 @@
                 <a:ea typeface="+mn-ea"/>
                 <a:cs typeface="+mn-cs"/>
               </a:rPr>
-              <a:t>A Receiver Operator Characteristic (</a:t>
-            </a:r>
-            <a:r>
-              <a:rPr lang="en-US" sz="1200" b="1" i="0" kern="1200" dirty="0">
-                <a:solidFill>
-                  <a:schemeClr val="tx1"/>
-                </a:solidFill>
-                <a:effectLst/>
-                <a:latin typeface="+mn-lt"/>
-                <a:ea typeface="+mn-ea"/>
-                <a:cs typeface="+mn-cs"/>
-              </a:rPr>
-              <a:t>ROC</a:t>
-            </a:r>
-            <a:r>
-              <a:rPr lang="en-US" sz="1200" b="0" i="0" kern="1200" dirty="0">
-                <a:solidFill>
-                  <a:schemeClr val="tx1"/>
-                </a:solidFill>
-                <a:effectLst/>
-                <a:latin typeface="+mn-lt"/>
-                <a:ea typeface="+mn-ea"/>
-                <a:cs typeface="+mn-cs"/>
-              </a:rPr>
-              <a:t>) </a:t>
-            </a:r>
-            <a:r>
-              <a:rPr lang="en-US" sz="1200" b="1" i="0" kern="1200" dirty="0">
-                <a:solidFill>
-                  <a:schemeClr val="tx1"/>
-                </a:solidFill>
-                <a:effectLst/>
-                <a:latin typeface="+mn-lt"/>
-                <a:ea typeface="+mn-ea"/>
-                <a:cs typeface="+mn-cs"/>
-              </a:rPr>
-              <a:t>curve</a:t>
-            </a:r>
-            <a:r>
-              <a:rPr lang="en-US" sz="1200" b="0" i="0" kern="1200" dirty="0">
-                <a:solidFill>
-                  <a:schemeClr val="tx1"/>
-                </a:solidFill>
-                <a:effectLst/>
-                <a:latin typeface="+mn-lt"/>
-                <a:ea typeface="+mn-ea"/>
-                <a:cs typeface="+mn-cs"/>
-              </a:rPr>
-              <a:t> is a graphical plot used to </a:t>
-            </a:r>
-            <a:r>
-              <a:rPr lang="en-US" sz="1200" b="1" i="0" kern="1200" dirty="0">
-                <a:solidFill>
-                  <a:schemeClr val="tx1"/>
-                </a:solidFill>
-                <a:effectLst/>
-                <a:latin typeface="+mn-lt"/>
-                <a:ea typeface="+mn-ea"/>
-                <a:cs typeface="+mn-cs"/>
-              </a:rPr>
-              <a:t>show</a:t>
-            </a:r>
-            <a:r>
-              <a:rPr lang="en-US" sz="1200" b="0" i="0" kern="1200" dirty="0">
-                <a:solidFill>
-                  <a:schemeClr val="tx1"/>
-                </a:solidFill>
-                <a:effectLst/>
-                <a:latin typeface="+mn-lt"/>
-                <a:ea typeface="+mn-ea"/>
-                <a:cs typeface="+mn-cs"/>
-              </a:rPr>
-              <a:t> the diagnostic ability of binary classifiers. It shows the tradeoff between sensitivity TP/(TP+FN) and specificity TN/(TN+FP)  (any increase in sensitivity will be accompanied by a decrease in specificity). The closer the curve follows the left-hand border and then the top border of the </a:t>
-            </a:r>
-            <a:r>
-              <a:rPr lang="en-US" sz="1200" b="1" i="0" kern="1200" dirty="0">
-                <a:solidFill>
-                  <a:schemeClr val="tx1"/>
-                </a:solidFill>
-                <a:effectLst/>
-                <a:latin typeface="+mn-lt"/>
-                <a:ea typeface="+mn-ea"/>
-                <a:cs typeface="+mn-cs"/>
-              </a:rPr>
-              <a:t>ROC</a:t>
-            </a:r>
-            <a:r>
-              <a:rPr lang="en-US" sz="1200" b="0" i="0" kern="1200" dirty="0">
-                <a:solidFill>
-                  <a:schemeClr val="tx1"/>
-                </a:solidFill>
-                <a:effectLst/>
-                <a:latin typeface="+mn-lt"/>
-                <a:ea typeface="+mn-ea"/>
-                <a:cs typeface="+mn-cs"/>
-              </a:rPr>
-              <a:t> space, the more accurate the test. The </a:t>
-            </a:r>
-            <a:r>
-              <a:rPr lang="en-US" sz="1200" b="0" i="0" u="sng" kern="1200" dirty="0">
-                <a:solidFill>
-                  <a:schemeClr val="tx1"/>
-                </a:solidFill>
-                <a:effectLst/>
-                <a:latin typeface="+mn-lt"/>
-                <a:ea typeface="+mn-ea"/>
-                <a:cs typeface="+mn-cs"/>
-              </a:rPr>
-              <a:t>area under </a:t>
-            </a:r>
-            <a:r>
-              <a:rPr lang="en-US" sz="1200" b="0" i="0" kern="1200" dirty="0">
-                <a:solidFill>
-                  <a:schemeClr val="tx1"/>
-                </a:solidFill>
-                <a:effectLst/>
-                <a:latin typeface="+mn-lt"/>
-                <a:ea typeface="+mn-ea"/>
-                <a:cs typeface="+mn-cs"/>
-              </a:rPr>
-              <a:t>an ROC </a:t>
-            </a:r>
-            <a:r>
-              <a:rPr lang="en-US" sz="1200" b="0" i="0" u="sng" kern="1200" dirty="0">
-                <a:solidFill>
-                  <a:schemeClr val="tx1"/>
-                </a:solidFill>
-                <a:effectLst/>
-                <a:latin typeface="+mn-lt"/>
-                <a:ea typeface="+mn-ea"/>
-                <a:cs typeface="+mn-cs"/>
-              </a:rPr>
-              <a:t>curve</a:t>
-            </a:r>
-            <a:r>
-              <a:rPr lang="en-US" sz="1200" b="0" i="0" kern="1200" dirty="0">
-                <a:solidFill>
-                  <a:schemeClr val="tx1"/>
-                </a:solidFill>
-                <a:effectLst/>
-                <a:latin typeface="+mn-lt"/>
-                <a:ea typeface="+mn-ea"/>
-                <a:cs typeface="+mn-cs"/>
-              </a:rPr>
-              <a:t> is a measure of the usefulness of a test in general, where a greater area means a more useful test, the areas under ROC curves are used to compare the usefulness of tests.</a:t>
+              <a:t>directly measures variable importance by observing the effect on model accuracy of randomly shuffling each predictor variable. The values total 1.  </a:t>
             </a:r>
             <a:endParaRPr lang="en-US" dirty="0"/>
           </a:p>
@@ -1480,21 +1341,138 @@
           <a:bodyPr/>
           <a:lstStyle/>
           <a:p>
-            <a:r>
+            <a:br>
               <a:rPr lang="en-US" dirty="0"/>
-              <a:t>Feature importance </a:t>
-            </a:r>
-            <a:r>
-              <a:rPr lang="en-US" sz="1200" b="0" i="0" kern="1200" dirty="0">
-                <a:solidFill>
-                  <a:schemeClr val="tx1"/>
-                </a:solidFill>
+            </a:br>
+            <a:r>
+              <a:rPr lang="en-US" dirty="0"/>
+              <a:t>covid19_positiveopinion_infection</a:t>
+            </a:r>
+            <a:r>
+              <a:rPr lang="en-US" dirty="0">
                 <a:effectLst/>
-                <a:latin typeface="+mn-lt"/>
-                <a:ea typeface="+mn-ea"/>
-                <a:cs typeface="+mn-cs"/>
               </a:rPr>
-              <a:t>directly measures variable importance by observing the effect on model accuracy of randomly shuffling each predictor variable. </a:t>
+              <a:t>0.049646*</a:t>
+            </a:r>
+          </a:p>
+          <a:p>
+            <a:r>
+              <a:rPr lang="en-US" dirty="0"/>
+              <a:t>covid19_symptoms</a:t>
+            </a:r>
+            <a:r>
+              <a:rPr lang="en-US" dirty="0">
+                <a:effectLst/>
+              </a:rPr>
+              <a:t>0.088013*</a:t>
+            </a:r>
+          </a:p>
+          <a:p>
+            <a:r>
+              <a:rPr lang="en-US" dirty="0"/>
+              <a:t>covid19_contact</a:t>
+            </a:r>
+            <a:r>
+              <a:rPr lang="en-US" dirty="0">
+                <a:effectLst/>
+              </a:rPr>
+              <a:t>0.050423*</a:t>
+            </a:r>
+          </a:p>
+          <a:p>
+            <a:r>
+              <a:rPr lang="en-US" b="1" dirty="0"/>
+              <a:t>rate_reducing_risk_house</a:t>
+            </a:r>
+            <a:r>
+              <a:rPr lang="en-US" b="1" dirty="0">
+                <a:effectLst/>
+              </a:rPr>
+              <a:t>-0.008963</a:t>
+            </a:r>
+          </a:p>
+          <a:p>
+            <a:r>
+              <a:rPr lang="en-US" dirty="0"/>
+              <a:t>omwasnull</a:t>
+            </a:r>
+            <a:r>
+              <a:rPr lang="en-US" dirty="0">
+                <a:effectLst/>
+              </a:rPr>
+              <a:t>0.002919</a:t>
+            </a:r>
+          </a:p>
+          <a:p>
+            <a:r>
+              <a:rPr lang="en-US" b="1" dirty="0"/>
+              <a:t>rate_reducing_risk_single</a:t>
+            </a:r>
+            <a:r>
+              <a:rPr lang="en-US" b="1" dirty="0">
+                <a:effectLst/>
+              </a:rPr>
+              <a:t>-0.012114</a:t>
+            </a:r>
+          </a:p>
+          <a:p>
+            <a:r>
+              <a:rPr lang="en-US" dirty="0"/>
+              <a:t>oiwasnull</a:t>
+            </a:r>
+            <a:r>
+              <a:rPr lang="en-US" dirty="0">
+                <a:effectLst/>
+              </a:rPr>
+              <a:t>0.002919</a:t>
+            </a:r>
+          </a:p>
+          <a:p>
+            <a:r>
+              <a:rPr lang="en-US" dirty="0"/>
+              <a:t>sex_male</a:t>
+            </a:r>
+            <a:r>
+              <a:rPr lang="en-US" dirty="0">
+                <a:effectLst/>
+              </a:rPr>
+              <a:t>0.009141</a:t>
+            </a:r>
+          </a:p>
+          <a:p>
+            <a:r>
+              <a:rPr lang="en-US" b="1" dirty="0"/>
+              <a:t>sex_female</a:t>
+            </a:r>
+            <a:r>
+              <a:rPr lang="en-US" b="1" dirty="0">
+                <a:effectLst/>
+              </a:rPr>
+              <a:t>-0.009122</a:t>
+            </a:r>
+          </a:p>
+          <a:p>
+            <a:r>
+              <a:rPr lang="en-US" dirty="0"/>
+              <a:t>bmi</a:t>
+            </a:r>
+            <a:r>
+              <a:rPr lang="en-US" dirty="0">
+                <a:effectLst/>
+              </a:rPr>
+              <a:t>0.004146</a:t>
+            </a:r>
+          </a:p>
+          <a:p>
+            <a:r>
+              <a:rPr lang="en-US" dirty="0"/>
+              <a:t>taking_prescription_medication</a:t>
+            </a:r>
+            <a:r>
+              <a:rPr lang="en-US" dirty="0">
+                <a:effectLst/>
+              </a:rPr>
+              <a:t>-0.004571</a:t>
             </a:r>
             <a:endParaRPr lang="en-US" dirty="0"/>
           </a:p>
@@ -1611,6 +1589,266 @@
     <p:extLst>
       <p:ext uri="{BB962C8B-B14F-4D97-AF65-F5344CB8AC3E}">
         <p14:creationId xmlns:p14="http://schemas.microsoft.com/office/powerpoint/2010/main" val="2737633482"/>
+      </p:ext>
+    </p:extLst>
+  </p:cSld>
+  <p:clrMapOvr>
+    <a:masterClrMapping/>
+  </p:clrMapOvr>
+</p:notes>
+</file>
+
+<file path=ppt/notesSlides/notesSlide8.xml><?xml version="1.0" encoding="utf-8"?>
+<p:notes xmlns:a="http://schemas.openxmlformats.org/drawingml/2006/main" xmlns:r="http://schemas.openxmlformats.org/officeDocument/2006/relationships" xmlns:p="http://schemas.openxmlformats.org/presentationml/2006/main">
+  <p:cSld>
+    <p:spTree>
+      <p:nvGrpSpPr>
+        <p:cNvPr id="1" name=""/>
+        <p:cNvGrpSpPr/>
+        <p:nvPr/>
+      </p:nvGrpSpPr>
+      <p:grpSpPr>
+        <a:xfrm>
+          <a:off x="0" y="0"/>
+          <a:ext cx="0" cy="0"/>
+          <a:chOff x="0" y="0"/>
+          <a:chExt cx="0" cy="0"/>
+        </a:xfrm>
+      </p:grpSpPr>
+      <p:sp>
+        <p:nvSpPr>
+          <p:cNvPr id="2" name="Slide Image Placeholder 1"/>
+          <p:cNvSpPr>
+            <a:spLocks noGrp="1" noRot="1" noChangeAspect="1"/>
+          </p:cNvSpPr>
+          <p:nvPr>
+            <p:ph type="sldImg"/>
+          </p:nvPr>
+        </p:nvSpPr>
+        <p:spPr/>
+      </p:sp>
+      <p:sp>
+        <p:nvSpPr>
+          <p:cNvPr id="3" name="Notes Placeholder 2"/>
+          <p:cNvSpPr>
+            <a:spLocks noGrp="1"/>
+          </p:cNvSpPr>
+          <p:nvPr>
+            <p:ph type="body" idx="1"/>
+          </p:nvPr>
+        </p:nvSpPr>
+        <p:spPr/>
+        <p:txBody>
+          <a:bodyPr/>
+          <a:lstStyle/>
+          <a:p>
+            <a:pPr marL="0" marR="0" lvl="0" indent="0" algn="l" defTabSz="914400" rtl="0" eaLnBrk="1" fontAlgn="auto" latinLnBrk="0" hangingPunct="1">
+              <a:lnSpc>
+                <a:spcPct val="100000"/>
+              </a:lnSpc>
+              <a:spcBef>
+                <a:spcPts val="0"/>
+              </a:spcBef>
+              <a:spcAft>
+                <a:spcPts val="0"/>
+              </a:spcAft>
+              <a:buClrTx/>
+              <a:buSzTx/>
+              <a:buFontTx/>
+              <a:buNone/>
+              <a:tabLst/>
+              <a:defRPr/>
+            </a:pPr>
+            <a:r>
+              <a:rPr lang="en-US" sz="1200" b="0" i="0" kern="1200" dirty="0">
+                <a:solidFill>
+                  <a:schemeClr val="tx1"/>
+                </a:solidFill>
+                <a:effectLst/>
+                <a:latin typeface="+mn-lt"/>
+                <a:ea typeface="+mn-ea"/>
+                <a:cs typeface="+mn-cs"/>
+              </a:rPr>
+              <a:t>A Receiver Operator Characteristic (</a:t>
+            </a:r>
+            <a:r>
+              <a:rPr lang="en-US" sz="1200" b="1" i="0" kern="1200" dirty="0">
+                <a:solidFill>
+                  <a:schemeClr val="tx1"/>
+                </a:solidFill>
+                <a:effectLst/>
+                <a:latin typeface="+mn-lt"/>
+                <a:ea typeface="+mn-ea"/>
+                <a:cs typeface="+mn-cs"/>
+              </a:rPr>
+              <a:t>ROC</a:t>
+            </a:r>
+            <a:r>
+              <a:rPr lang="en-US" sz="1200" b="0" i="0" kern="1200" dirty="0">
+                <a:solidFill>
+                  <a:schemeClr val="tx1"/>
+                </a:solidFill>
+                <a:effectLst/>
+                <a:latin typeface="+mn-lt"/>
+                <a:ea typeface="+mn-ea"/>
+                <a:cs typeface="+mn-cs"/>
+              </a:rPr>
+              <a:t>) </a:t>
+            </a:r>
+            <a:r>
+              <a:rPr lang="en-US" sz="1200" b="1" i="0" kern="1200" dirty="0">
+                <a:solidFill>
+                  <a:schemeClr val="tx1"/>
+                </a:solidFill>
+                <a:effectLst/>
+                <a:latin typeface="+mn-lt"/>
+                <a:ea typeface="+mn-ea"/>
+                <a:cs typeface="+mn-cs"/>
+              </a:rPr>
+              <a:t>curve</a:t>
+            </a:r>
+            <a:r>
+              <a:rPr lang="en-US" sz="1200" b="0" i="0" kern="1200" dirty="0">
+                <a:solidFill>
+                  <a:schemeClr val="tx1"/>
+                </a:solidFill>
+                <a:effectLst/>
+                <a:latin typeface="+mn-lt"/>
+                <a:ea typeface="+mn-ea"/>
+                <a:cs typeface="+mn-cs"/>
+              </a:rPr>
+              <a:t> is a graphical plot used to </a:t>
+            </a:r>
+            <a:r>
+              <a:rPr lang="en-US" sz="1200" b="1" i="0" kern="1200" dirty="0">
+                <a:solidFill>
+                  <a:schemeClr val="tx1"/>
+                </a:solidFill>
+                <a:effectLst/>
+                <a:latin typeface="+mn-lt"/>
+                <a:ea typeface="+mn-ea"/>
+                <a:cs typeface="+mn-cs"/>
+              </a:rPr>
+              <a:t>show</a:t>
+            </a:r>
+            <a:r>
+              <a:rPr lang="en-US" sz="1200" b="0" i="0" kern="1200" dirty="0">
+                <a:solidFill>
+                  <a:schemeClr val="tx1"/>
+                </a:solidFill>
+                <a:effectLst/>
+                <a:latin typeface="+mn-lt"/>
+                <a:ea typeface="+mn-ea"/>
+                <a:cs typeface="+mn-cs"/>
+              </a:rPr>
+              <a:t> the diagnostic ability of binary classifiers. It shows the tradeoff between sensitivity TP/(TP+FN) and specificity TN/(TN+FP)  (any increase in sensitivity will be accompanied by a decrease in specificity). The closer the curve follows the left-hand border and then the top border of the </a:t>
+            </a:r>
+            <a:r>
+              <a:rPr lang="en-US" sz="1200" b="1" i="0" kern="1200" dirty="0">
+                <a:solidFill>
+                  <a:schemeClr val="tx1"/>
+                </a:solidFill>
+                <a:effectLst/>
+                <a:latin typeface="+mn-lt"/>
+                <a:ea typeface="+mn-ea"/>
+                <a:cs typeface="+mn-cs"/>
+              </a:rPr>
+              <a:t>ROC</a:t>
+            </a:r>
+            <a:r>
+              <a:rPr lang="en-US" sz="1200" b="0" i="0" kern="1200" dirty="0">
+                <a:solidFill>
+                  <a:schemeClr val="tx1"/>
+                </a:solidFill>
+                <a:effectLst/>
+                <a:latin typeface="+mn-lt"/>
+                <a:ea typeface="+mn-ea"/>
+                <a:cs typeface="+mn-cs"/>
+              </a:rPr>
+              <a:t> space, the more accurate the test. The </a:t>
+            </a:r>
+            <a:r>
+              <a:rPr lang="en-US" sz="1200" b="0" i="0" u="sng" kern="1200" dirty="0">
+                <a:solidFill>
+                  <a:schemeClr val="tx1"/>
+                </a:solidFill>
+                <a:effectLst/>
+                <a:latin typeface="+mn-lt"/>
+                <a:ea typeface="+mn-ea"/>
+                <a:cs typeface="+mn-cs"/>
+              </a:rPr>
+              <a:t>area under </a:t>
+            </a:r>
+            <a:r>
+              <a:rPr lang="en-US" sz="1200" b="0" i="0" kern="1200" dirty="0">
+                <a:solidFill>
+                  <a:schemeClr val="tx1"/>
+                </a:solidFill>
+                <a:effectLst/>
+                <a:latin typeface="+mn-lt"/>
+                <a:ea typeface="+mn-ea"/>
+                <a:cs typeface="+mn-cs"/>
+              </a:rPr>
+              <a:t>an ROC </a:t>
+            </a:r>
+            <a:r>
+              <a:rPr lang="en-US" sz="1200" b="0" i="0" u="sng" kern="1200" dirty="0">
+                <a:solidFill>
+                  <a:schemeClr val="tx1"/>
+                </a:solidFill>
+                <a:effectLst/>
+                <a:latin typeface="+mn-lt"/>
+                <a:ea typeface="+mn-ea"/>
+                <a:cs typeface="+mn-cs"/>
+              </a:rPr>
+              <a:t>curve</a:t>
+            </a:r>
+            <a:r>
+              <a:rPr lang="en-US" sz="1200" b="0" i="0" kern="1200" dirty="0">
+                <a:solidFill>
+                  <a:schemeClr val="tx1"/>
+                </a:solidFill>
+                <a:effectLst/>
+                <a:latin typeface="+mn-lt"/>
+                <a:ea typeface="+mn-ea"/>
+                <a:cs typeface="+mn-cs"/>
+              </a:rPr>
+              <a:t> is a measure of the usefulness of a test in general, where a greater area means a more useful test, the areas under ROC curves are used to compare the usefulness of tests.</a:t>
+            </a:r>
+            <a:endParaRPr lang="en-US" dirty="0"/>
+          </a:p>
+          <a:p>
+            <a:endParaRPr lang="en-US" dirty="0"/>
+          </a:p>
+        </p:txBody>
+      </p:sp>
+      <p:sp>
+        <p:nvSpPr>
+          <p:cNvPr id="4" name="Slide Number Placeholder 3"/>
+          <p:cNvSpPr>
+            <a:spLocks noGrp="1"/>
+          </p:cNvSpPr>
+          <p:nvPr>
+            <p:ph type="sldNum" sz="quarter" idx="5"/>
+          </p:nvPr>
+        </p:nvSpPr>
+        <p:spPr/>
+        <p:txBody>
+          <a:bodyPr/>
+          <a:lstStyle/>
+          <a:p>
+            <a:fld id="{9555D449-B875-4B8D-8E66-224D27E54C9A}" type="slidenum">
+              <a:rPr lang="en-US" smtClean="0"/>
+              <a:t>13</a:t>
+            </a:fld>
+            <a:endParaRPr lang="en-US"/>
+          </a:p>
+        </p:txBody>
+      </p:sp>
+    </p:spTree>
+    <p:extLst>
+      <p:ext uri="{BB962C8B-B14F-4D97-AF65-F5344CB8AC3E}">
+        <p14:creationId xmlns:p14="http://schemas.microsoft.com/office/powerpoint/2010/main" val="390993250"/>
       </p:ext>
     </p:extLst>
   </p:cSld>
@@ -1956,7 +2194,7 @@
           <a:p>
             <a:fld id="{37CC0096-1860-4642-9CD2-0079EA5E7CD1}" type="datetimeFigureOut">
               <a:rPr lang="en-US"/>
-              <a:t>5/2/2020</a:t>
+              <a:t>5/4/2020</a:t>
             </a:fld>
             <a:endParaRPr/>
           </a:p>
@@ -2205,7 +2443,7 @@
           <a:p>
             <a:fld id="{37CC0096-1860-4642-9CD2-0079EA5E7CD1}" type="datetimeFigureOut">
               <a:rPr lang="en-US"/>
-              <a:t>5/2/2020</a:t>
+              <a:t>5/4/2020</a:t>
             </a:fld>
             <a:endParaRPr/>
           </a:p>
@@ -2391,7 +2629,7 @@
           <a:p>
             <a:fld id="{37CC0096-1860-4642-9CD2-0079EA5E7CD1}" type="datetimeFigureOut">
               <a:rPr lang="en-US"/>
-              <a:t>5/2/2020</a:t>
+              <a:t>5/4/2020</a:t>
             </a:fld>
             <a:endParaRPr/>
           </a:p>
@@ -2922,7 +3160,7 @@
           <a:p>
             <a:fld id="{37CC0096-1860-4642-9CD2-0079EA5E7CD1}" type="datetimeFigureOut">
               <a:rPr lang="en-US"/>
-              <a:t>5/2/2020</a:t>
+              <a:t>5/4/2020</a:t>
             </a:fld>
             <a:endParaRPr/>
           </a:p>
@@ -3374,7 +3612,7 @@
           <a:p>
             <a:fld id="{37CC0096-1860-4642-9CD2-0079EA5E7CD1}" type="datetimeFigureOut">
               <a:rPr lang="en-US"/>
-              <a:t>5/2/2020</a:t>
+              <a:t>5/4/2020</a:t>
             </a:fld>
             <a:endParaRPr/>
           </a:p>
@@ -3504,7 +3742,7 @@
           <a:p>
             <a:fld id="{37CC0096-1860-4642-9CD2-0079EA5E7CD1}" type="datetimeFigureOut">
               <a:rPr lang="en-US"/>
-              <a:t>5/2/2020</a:t>
+              <a:t>5/4/2020</a:t>
             </a:fld>
             <a:endParaRPr/>
           </a:p>
@@ -3611,7 +3849,7 @@
           <a:p>
             <a:fld id="{37CC0096-1860-4642-9CD2-0079EA5E7CD1}" type="datetimeFigureOut">
               <a:rPr lang="en-US"/>
-              <a:t>5/2/2020</a:t>
+              <a:t>5/4/2020</a:t>
             </a:fld>
             <a:endParaRPr/>
           </a:p>
@@ -4600,7 +4838,7 @@
             <a:fld id="{37CC0096-1860-4642-9CD2-0079EA5E7CD1}" type="datetimeFigureOut">
               <a:rPr lang="en-US" smtClean="0"/>
               <a:pPr/>
-              <a:t>5/2/2020</a:t>
+              <a:t>5/4/2020</a:t>
             </a:fld>
             <a:endParaRPr lang="en-US" dirty="0"/>
           </a:p>
@@ -5175,52 +5413,6 @@
       </p:grpSpPr>
       <p:sp>
         <p:nvSpPr>
-          <p:cNvPr id="10" name="Rectangle 9">
-            <a:extLst>
-              <a:ext uri="{FF2B5EF4-FFF2-40B4-BE49-F238E27FC236}">
-                <a16:creationId xmlns:a16="http://schemas.microsoft.com/office/drawing/2014/main" id="{F3702304-2283-4EE7-AD6E-8DBCE2E9213E}"/>
-              </a:ext>
-            </a:extLst>
-          </p:cNvPr>
-          <p:cNvSpPr/>
-          <p:nvPr/>
-        </p:nvSpPr>
-        <p:spPr>
-          <a:xfrm>
-            <a:off x="5846056" y="1899920"/>
-            <a:ext cx="3145544" cy="4572000"/>
-          </a:xfrm>
-          <a:prstGeom prst="rect">
-            <a:avLst/>
-          </a:prstGeom>
-        </p:spPr>
-        <p:style>
-          <a:lnRef idx="2">
-            <a:schemeClr val="dk1">
-              <a:shade val="50000"/>
-            </a:schemeClr>
-          </a:lnRef>
-          <a:fillRef idx="1">
-            <a:schemeClr val="dk1"/>
-          </a:fillRef>
-          <a:effectRef idx="0">
-            <a:schemeClr val="dk1"/>
-          </a:effectRef>
-          <a:fontRef idx="minor">
-            <a:schemeClr val="lt1"/>
-          </a:fontRef>
-        </p:style>
-        <p:txBody>
-          <a:bodyPr rtlCol="0" anchor="ctr"/>
-          <a:lstStyle/>
-          <a:p>
-            <a:pPr algn="ctr"/>
-            <a:endParaRPr lang="en-US" dirty="0"/>
-          </a:p>
-        </p:txBody>
-      </p:sp>
-      <p:sp>
-        <p:nvSpPr>
           <p:cNvPr id="5" name="Rectangle 4">
             <a:extLst>
               <a:ext uri="{FF2B5EF4-FFF2-40B4-BE49-F238E27FC236}">
@@ -5233,8 +5425,8 @@
         </p:nvSpPr>
         <p:spPr>
           <a:xfrm>
-            <a:off x="152400" y="1840071"/>
-            <a:ext cx="5257800" cy="4572000"/>
+            <a:off x="838200" y="1840070"/>
+            <a:ext cx="5943600" cy="4729479"/>
           </a:xfrm>
           <a:prstGeom prst="rect">
             <a:avLst/>
@@ -5334,8 +5526,8 @@
         </p:blipFill>
         <p:spPr bwMode="auto">
           <a:xfrm>
-            <a:off x="429260" y="2341244"/>
-            <a:ext cx="1942609" cy="2095500"/>
+            <a:off x="1500606" y="2293933"/>
+            <a:ext cx="2095499" cy="2260423"/>
           </a:xfrm>
           <a:prstGeom prst="rect">
             <a:avLst/>
@@ -5388,8 +5580,8 @@
         </p:blipFill>
         <p:spPr bwMode="auto">
           <a:xfrm>
-            <a:off x="2807725" y="2341245"/>
-            <a:ext cx="2095499" cy="2095499"/>
+            <a:off x="4072805" y="2332544"/>
+            <a:ext cx="2192912" cy="2192912"/>
           </a:xfrm>
           <a:prstGeom prst="rect">
             <a:avLst/>
@@ -5406,110 +5598,6 @@
           </a:extLst>
         </p:spPr>
       </p:pic>
-      <p:pic>
-        <p:nvPicPr>
-          <p:cNvPr id="1030" name="Picture 6" descr="No Travel Icon of Colored Outline style - Available in SVG, PNG ...">
-            <a:extLst>
-              <a:ext uri="{FF2B5EF4-FFF2-40B4-BE49-F238E27FC236}">
-                <a16:creationId xmlns:a16="http://schemas.microsoft.com/office/drawing/2014/main" id="{9BC5219A-5F95-4093-9266-2A19CEF8FB54}"/>
-              </a:ext>
-            </a:extLst>
-          </p:cNvPr>
-          <p:cNvPicPr>
-            <a:picLocks noChangeAspect="1" noChangeArrowheads="1"/>
-          </p:cNvPicPr>
-          <p:nvPr/>
-        </p:nvPicPr>
-        <p:blipFill>
-          <a:blip r:embed="rId4">
-            <a:duotone>
-              <a:schemeClr val="accent1">
-                <a:shade val="45000"/>
-                <a:satMod val="135000"/>
-              </a:schemeClr>
-              <a:prstClr val="white"/>
-            </a:duotone>
-            <a:extLst>
-              <a:ext uri="{BEBA8EAE-BF5A-486C-A8C5-ECC9F3942E4B}">
-                <a14:imgProps xmlns:a14="http://schemas.microsoft.com/office/drawing/2010/main">
-                  <a14:imgLayer r:embed="rId5">
-                    <a14:imgEffect>
-                      <a14:saturation sat="400000"/>
-                    </a14:imgEffect>
-                  </a14:imgLayer>
-                </a14:imgProps>
-              </a:ext>
-              <a:ext uri="{28A0092B-C50C-407E-A947-70E740481C1C}">
-                <a14:useLocalDpi xmlns:a14="http://schemas.microsoft.com/office/drawing/2010/main" val="0"/>
-              </a:ext>
-            </a:extLst>
-          </a:blip>
-          <a:srcRect/>
-          <a:stretch>
-            <a:fillRect/>
-          </a:stretch>
-        </p:blipFill>
-        <p:spPr bwMode="auto">
-          <a:xfrm>
-            <a:off x="6238876" y="2242820"/>
-            <a:ext cx="2219324" cy="2219324"/>
-          </a:xfrm>
-          <a:prstGeom prst="rect">
-            <a:avLst/>
-          </a:prstGeom>
-          <a:solidFill>
-            <a:schemeClr val="bg1"/>
-          </a:solidFill>
-          <a:ln>
-            <a:solidFill>
-              <a:srgbClr val="FDFAFA"/>
-            </a:solidFill>
-          </a:ln>
-        </p:spPr>
-      </p:pic>
-      <p:sp>
-        <p:nvSpPr>
-          <p:cNvPr id="4" name="TextBox 3">
-            <a:extLst>
-              <a:ext uri="{FF2B5EF4-FFF2-40B4-BE49-F238E27FC236}">
-                <a16:creationId xmlns:a16="http://schemas.microsoft.com/office/drawing/2014/main" id="{CD0938D9-FF38-4ECC-B169-466CFACF937A}"/>
-              </a:ext>
-            </a:extLst>
-          </p:cNvPr>
-          <p:cNvSpPr txBox="1"/>
-          <p:nvPr/>
-        </p:nvSpPr>
-        <p:spPr>
-          <a:xfrm>
-            <a:off x="6238876" y="4805044"/>
-            <a:ext cx="2024062" cy="369332"/>
-          </a:xfrm>
-          <a:prstGeom prst="rect">
-            <a:avLst/>
-          </a:prstGeom>
-          <a:noFill/>
-        </p:spPr>
-        <p:txBody>
-          <a:bodyPr wrap="square" rtlCol="0">
-            <a:spAutoFit/>
-          </a:bodyPr>
-          <a:lstStyle/>
-          <a:p>
-            <a:pPr marL="285750" indent="-285750">
-              <a:buFont typeface="Arial" panose="020B0604020202020204" pitchFamily="34" charset="0"/>
-              <a:buChar char="•"/>
-            </a:pPr>
-            <a:r>
-              <a:rPr lang="en-US" dirty="0">
-                <a:solidFill>
-                  <a:schemeClr val="bg1"/>
-                </a:solidFill>
-              </a:rPr>
-              <a:t>Minimize travel</a:t>
-            </a:r>
-          </a:p>
-        </p:txBody>
-      </p:sp>
       <p:sp>
         <p:nvSpPr>
           <p:cNvPr id="8" name="TextBox 7">
@@ -5524,8 +5612,8 @@
         </p:nvSpPr>
         <p:spPr>
           <a:xfrm>
-            <a:off x="391160" y="4547244"/>
-            <a:ext cx="4591050" cy="1754326"/>
+            <a:off x="1674667" y="4647479"/>
+            <a:ext cx="4591050" cy="1908215"/>
           </a:xfrm>
           <a:prstGeom prst="rect">
             <a:avLst/>
@@ -5578,6 +5666,33 @@
               </a:rPr>
               <a:t>Avoid contact with those known to be infected.</a:t>
             </a:r>
+          </a:p>
+          <a:p>
+            <a:pPr marL="742950" lvl="1" indent="-285750">
+              <a:buFont typeface="Arial" panose="020B0604020202020204" pitchFamily="34" charset="0"/>
+              <a:buChar char="•"/>
+            </a:pPr>
+            <a:r>
+              <a:rPr lang="en-US" sz="1000" dirty="0">
+                <a:solidFill>
+                  <a:schemeClr val="bg1"/>
+                </a:solidFill>
+              </a:rPr>
+              <a:t>Especially true for males, and those with higher  </a:t>
+            </a:r>
+            <a:r>
+              <a:rPr lang="en-US" sz="1000" dirty="0" err="1">
+                <a:solidFill>
+                  <a:schemeClr val="bg1"/>
+                </a:solidFill>
+              </a:rPr>
+              <a:t>bmi</a:t>
+            </a:r>
+            <a:endParaRPr lang="en-US" sz="1000" dirty="0">
+              <a:solidFill>
+                <a:schemeClr val="bg1"/>
+              </a:solidFill>
+            </a:endParaRPr>
           </a:p>
         </p:txBody>
       </p:sp>
@@ -5595,8 +5710,8 @@
         </p:nvSpPr>
         <p:spPr>
           <a:xfrm>
-            <a:off x="9133840" y="1899920"/>
-            <a:ext cx="2905760" cy="4572000"/>
+            <a:off x="7785634" y="1846998"/>
+            <a:ext cx="2905760" cy="4729478"/>
           </a:xfrm>
           <a:prstGeom prst="rect">
             <a:avLst/>
@@ -5641,7 +5756,7 @@
         </p:nvSpPr>
         <p:spPr>
           <a:xfrm>
-            <a:off x="9408796" y="4691550"/>
+            <a:off x="8060590" y="4638628"/>
             <a:ext cx="2580640" cy="1477328"/>
           </a:xfrm>
           <a:prstGeom prst="rect">
@@ -5681,7 +5796,7 @@
           <p:nvPr/>
         </p:nvPicPr>
         <p:blipFill>
-          <a:blip r:embed="rId6">
+          <a:blip r:embed="rId4">
             <a:duotone>
               <a:schemeClr val="accent1">
                 <a:shade val="45000"/>
@@ -5702,7 +5817,7 @@
         </p:blipFill>
         <p:spPr bwMode="auto">
           <a:xfrm>
-            <a:off x="9515157" y="2242820"/>
+            <a:off x="8166951" y="2189898"/>
             <a:ext cx="2143125" cy="2143125"/>
           </a:xfrm>
           <a:prstGeom prst="rect">
@@ -5734,7 +5849,7 @@
         </p:nvSpPr>
         <p:spPr>
           <a:xfrm>
-            <a:off x="609600" y="4191000"/>
+            <a:off x="1752600" y="4343400"/>
             <a:ext cx="1600200" cy="194945"/>
           </a:xfrm>
           <a:prstGeom prst="rect">
@@ -5770,7 +5885,7 @@
           <a:lstStyle/>
           <a:p>
             <a:pPr algn="ctr"/>
-            <a:endParaRPr lang="en-US"/>
+            <a:endParaRPr lang="en-US" dirty="0"/>
           </a:p>
         </p:txBody>
       </p:sp>
@@ -5843,8 +5958,8 @@
         </p:nvSpPr>
         <p:spPr>
           <a:xfrm>
-            <a:off x="7162800" y="2200674"/>
-            <a:ext cx="4222446" cy="4047726"/>
+            <a:off x="8763000" y="1814604"/>
+            <a:ext cx="3214114" cy="4939106"/>
           </a:xfrm>
           <a:prstGeom prst="rect">
             <a:avLst/>
@@ -5890,7 +6005,7 @@
         <p:spPr>
           <a:xfrm>
             <a:off x="214886" y="1814604"/>
-            <a:ext cx="5652513" cy="4939106"/>
+            <a:ext cx="5025699" cy="4939106"/>
           </a:xfrm>
           <a:prstGeom prst="rect">
             <a:avLst/>
@@ -5964,8 +6079,8 @@
         </p:nvSpPr>
         <p:spPr>
           <a:xfrm>
-            <a:off x="7451113" y="2404236"/>
-            <a:ext cx="3674087" cy="3615564"/>
+            <a:off x="9025194" y="2168510"/>
+            <a:ext cx="2779576" cy="4458976"/>
           </a:xfrm>
           <a:prstGeom prst="rect">
             <a:avLst/>
@@ -6013,8 +6128,8 @@
         </p:nvSpPr>
         <p:spPr>
           <a:xfrm>
-            <a:off x="577595" y="2023236"/>
-            <a:ext cx="5037329" cy="4604250"/>
+            <a:off x="577595" y="2057400"/>
+            <a:ext cx="4375405" cy="4570086"/>
           </a:xfrm>
           <a:prstGeom prst="rect">
             <a:avLst/>
@@ -6088,7 +6203,7 @@
         <p:spPr bwMode="auto">
           <a:xfrm>
             <a:off x="672773" y="3290936"/>
-            <a:ext cx="4846972" cy="3225440"/>
+            <a:ext cx="3823027" cy="3225440"/>
           </a:xfrm>
           <a:prstGeom prst="rect">
             <a:avLst/>
@@ -6123,7 +6238,7 @@
         </p:nvSpPr>
         <p:spPr>
           <a:xfrm>
-            <a:off x="701876" y="2260028"/>
+            <a:off x="640842" y="2260028"/>
             <a:ext cx="4800600" cy="762000"/>
           </a:xfrm>
         </p:spPr>
@@ -6158,8 +6273,8 @@
         </p:nvSpPr>
         <p:spPr>
           <a:xfrm>
-            <a:off x="680536" y="3429000"/>
-            <a:ext cx="5037329" cy="2554545"/>
+            <a:off x="680537" y="3429000"/>
+            <a:ext cx="3967664" cy="3170099"/>
           </a:xfrm>
           <a:prstGeom prst="rect">
             <a:avLst/>
@@ -6223,7 +6338,7 @@
           <p:nvPr/>
         </p:nvPicPr>
         <p:blipFill>
-          <a:blip r:embed="rId4">
+          <a:blip r:embed="rId4" cstate="print">
             <a:duotone>
               <a:schemeClr val="accent1">
                 <a:shade val="45000"/>
@@ -6244,8 +6359,8 @@
         </p:blipFill>
         <p:spPr bwMode="auto">
           <a:xfrm>
-            <a:off x="4348363" y="2124455"/>
-            <a:ext cx="1033146" cy="1033146"/>
+            <a:off x="4058777" y="2342635"/>
+            <a:ext cx="762000" cy="762000"/>
           </a:xfrm>
           <a:prstGeom prst="rect">
             <a:avLst/>
@@ -6298,8 +6413,8 @@
         </p:blipFill>
         <p:spPr bwMode="auto">
           <a:xfrm>
-            <a:off x="9864410" y="2580865"/>
-            <a:ext cx="1016140" cy="1076735"/>
+            <a:off x="11044270" y="2580865"/>
+            <a:ext cx="631049" cy="1076735"/>
           </a:xfrm>
           <a:prstGeom prst="rect">
             <a:avLst/>
@@ -6323,8 +6438,8 @@
         </p:nvSpPr>
         <p:spPr>
           <a:xfrm>
-            <a:off x="10058400" y="2718556"/>
-            <a:ext cx="990600" cy="461665"/>
+            <a:off x="11141161" y="2759632"/>
+            <a:ext cx="615188" cy="338554"/>
           </a:xfrm>
           <a:prstGeom prst="rect">
             <a:avLst/>
@@ -6338,7 +6453,7 @@
           <a:lstStyle/>
           <a:p>
             <a:r>
-              <a:rPr lang="en-US" sz="2400" dirty="0">
+              <a:rPr lang="en-US" sz="1600" dirty="0">
                 <a:solidFill>
                   <a:schemeClr val="accent1">
                     <a:lumMod val="75000"/>
@@ -6366,8 +6481,8 @@
         </p:nvSpPr>
         <p:spPr>
           <a:xfrm>
-            <a:off x="7433821" y="2589090"/>
-            <a:ext cx="4800600" cy="762000"/>
+            <a:off x="9085670" y="2131078"/>
+            <a:ext cx="2981294" cy="762000"/>
           </a:xfrm>
           <a:prstGeom prst="rect">
             <a:avLst/>
@@ -6605,8 +6720,8 @@
         </p:nvSpPr>
         <p:spPr>
           <a:xfrm>
-            <a:off x="7611756" y="3990983"/>
-            <a:ext cx="3352800" cy="1754326"/>
+            <a:off x="9208412" y="3179551"/>
+            <a:ext cx="2602588" cy="3170099"/>
           </a:xfrm>
           <a:prstGeom prst="rect">
             <a:avLst/>
@@ -6630,8 +6745,389 @@
               <a:buChar char="•"/>
             </a:pPr>
             <a:r>
-              <a:rPr lang="en-US" dirty="0"/>
+              <a:rPr lang="en-US" sz="2000" dirty="0"/>
               <a:t>Investigate the meaning behind this feature.  The questionnaire to collect data has had several versions and questions surrounding this no longer exist.</a:t>
+            </a:r>
+          </a:p>
+        </p:txBody>
+      </p:sp>
+      <p:sp>
+        <p:nvSpPr>
+          <p:cNvPr id="15" name="Rectangle 14">
+            <a:extLst>
+              <a:ext uri="{FF2B5EF4-FFF2-40B4-BE49-F238E27FC236}">
+                <a16:creationId xmlns:a16="http://schemas.microsoft.com/office/drawing/2014/main" id="{B593F756-297F-4978-B6D3-478B60EFE018}"/>
+              </a:ext>
+            </a:extLst>
+          </p:cNvPr>
+          <p:cNvSpPr/>
+          <p:nvPr/>
+        </p:nvSpPr>
+        <p:spPr>
+          <a:xfrm>
+            <a:off x="5315709" y="1814604"/>
+            <a:ext cx="3315869" cy="4939106"/>
+          </a:xfrm>
+          <a:prstGeom prst="rect">
+            <a:avLst/>
+          </a:prstGeom>
+        </p:spPr>
+        <p:style>
+          <a:lnRef idx="2">
+            <a:schemeClr val="accent1">
+              <a:shade val="50000"/>
+            </a:schemeClr>
+          </a:lnRef>
+          <a:fillRef idx="1">
+            <a:schemeClr val="accent1"/>
+          </a:fillRef>
+          <a:effectRef idx="0">
+            <a:schemeClr val="accent1"/>
+          </a:effectRef>
+          <a:fontRef idx="minor">
+            <a:schemeClr val="lt1"/>
+          </a:fontRef>
+        </p:style>
+        <p:txBody>
+          <a:bodyPr rtlCol="0" anchor="ctr"/>
+          <a:lstStyle/>
+          <a:p>
+            <a:pPr algn="ctr"/>
+            <a:endParaRPr lang="en-US"/>
+          </a:p>
+        </p:txBody>
+      </p:sp>
+      <p:sp>
+        <p:nvSpPr>
+          <p:cNvPr id="20" name="Rectangle 19">
+            <a:extLst>
+              <a:ext uri="{FF2B5EF4-FFF2-40B4-BE49-F238E27FC236}">
+                <a16:creationId xmlns:a16="http://schemas.microsoft.com/office/drawing/2014/main" id="{2AED76B2-0432-4BA1-967F-1A85981F779B}"/>
+              </a:ext>
+            </a:extLst>
+          </p:cNvPr>
+          <p:cNvSpPr/>
+          <p:nvPr/>
+        </p:nvSpPr>
+        <p:spPr>
+          <a:xfrm>
+            <a:off x="5468952" y="2057400"/>
+            <a:ext cx="2992740" cy="4451576"/>
+          </a:xfrm>
+          <a:prstGeom prst="rect">
+            <a:avLst/>
+          </a:prstGeom>
+          <a:solidFill>
+            <a:srgbClr val="F2F2F2"/>
+          </a:solidFill>
+        </p:spPr>
+        <p:style>
+          <a:lnRef idx="2">
+            <a:schemeClr val="accent1">
+              <a:shade val="50000"/>
+            </a:schemeClr>
+          </a:lnRef>
+          <a:fillRef idx="1">
+            <a:schemeClr val="accent1"/>
+          </a:fillRef>
+          <a:effectRef idx="0">
+            <a:schemeClr val="accent1"/>
+          </a:effectRef>
+          <a:fontRef idx="minor">
+            <a:schemeClr val="lt1"/>
+          </a:fontRef>
+        </p:style>
+        <p:txBody>
+          <a:bodyPr rtlCol="0" anchor="ctr"/>
+          <a:lstStyle/>
+          <a:p>
+            <a:pPr algn="ctr"/>
+            <a:endParaRPr lang="en-US"/>
+          </a:p>
+        </p:txBody>
+      </p:sp>
+      <p:sp>
+        <p:nvSpPr>
+          <p:cNvPr id="24" name="Text Placeholder 4">
+            <a:extLst>
+              <a:ext uri="{FF2B5EF4-FFF2-40B4-BE49-F238E27FC236}">
+                <a16:creationId xmlns:a16="http://schemas.microsoft.com/office/drawing/2014/main" id="{266F2F29-E4FF-4CBB-A26F-E7AF1B29AF8B}"/>
+              </a:ext>
+            </a:extLst>
+          </p:cNvPr>
+          <p:cNvSpPr txBox="1">
+            <a:spLocks/>
+          </p:cNvSpPr>
+          <p:nvPr/>
+        </p:nvSpPr>
+        <p:spPr>
+          <a:xfrm>
+            <a:off x="5982427" y="2156401"/>
+            <a:ext cx="2981294" cy="762000"/>
+          </a:xfrm>
+          <a:prstGeom prst="rect">
+            <a:avLst/>
+          </a:prstGeom>
+        </p:spPr>
+        <p:txBody>
+          <a:bodyPr vert="horz" lIns="91440" tIns="45720" rIns="91440" bIns="45720" rtlCol="0" anchor="ctr">
+            <a:noAutofit/>
+          </a:bodyPr>
+          <a:lstStyle>
+            <a:lvl1pPr marL="0" indent="0" algn="l" defTabSz="914400" rtl="0" eaLnBrk="1" latinLnBrk="0" hangingPunct="1">
+              <a:lnSpc>
+                <a:spcPct val="90000"/>
+              </a:lnSpc>
+              <a:spcBef>
+                <a:spcPts val="1800"/>
+              </a:spcBef>
+              <a:buSzPct val="100000"/>
+              <a:buFont typeface="Arial" pitchFamily="34" charset="0"/>
+              <a:buNone/>
+              <a:defRPr sz="2400" b="0" kern="1200" cap="none" baseline="0">
+                <a:solidFill>
+                  <a:schemeClr val="tx1">
+                    <a:lumMod val="75000"/>
+                    <a:lumOff val="25000"/>
+                  </a:schemeClr>
+                </a:solidFill>
+                <a:latin typeface="+mn-lt"/>
+                <a:ea typeface="+mn-ea"/>
+                <a:cs typeface="+mn-cs"/>
+              </a:defRPr>
+            </a:lvl1pPr>
+            <a:lvl2pPr marL="457200" indent="0" algn="l" defTabSz="914400" rtl="0" eaLnBrk="1" latinLnBrk="0" hangingPunct="1">
+              <a:lnSpc>
+                <a:spcPct val="90000"/>
+              </a:lnSpc>
+              <a:spcBef>
+                <a:spcPts val="600"/>
+              </a:spcBef>
+              <a:buSzPct val="100000"/>
+              <a:buFont typeface="Arial" pitchFamily="34" charset="0"/>
+              <a:buNone/>
+              <a:defRPr sz="2000" b="1" kern="1200">
+                <a:solidFill>
+                  <a:schemeClr val="tx1">
+                    <a:lumMod val="75000"/>
+                    <a:lumOff val="25000"/>
+                  </a:schemeClr>
+                </a:solidFill>
+                <a:latin typeface="+mn-lt"/>
+                <a:ea typeface="+mn-ea"/>
+                <a:cs typeface="+mn-cs"/>
+              </a:defRPr>
+            </a:lvl2pPr>
+            <a:lvl3pPr marL="914400" indent="0" algn="l" defTabSz="914400" rtl="0" eaLnBrk="1" latinLnBrk="0" hangingPunct="1">
+              <a:lnSpc>
+                <a:spcPct val="90000"/>
+              </a:lnSpc>
+              <a:spcBef>
+                <a:spcPts val="600"/>
+              </a:spcBef>
+              <a:buSzPct val="100000"/>
+              <a:buFont typeface="Arial" pitchFamily="34" charset="0"/>
+              <a:buNone/>
+              <a:defRPr sz="1800" b="1" kern="1200">
+                <a:solidFill>
+                  <a:schemeClr val="tx1">
+                    <a:lumMod val="75000"/>
+                    <a:lumOff val="25000"/>
+                  </a:schemeClr>
+                </a:solidFill>
+                <a:latin typeface="+mn-lt"/>
+                <a:ea typeface="+mn-ea"/>
+                <a:cs typeface="+mn-cs"/>
+              </a:defRPr>
+            </a:lvl3pPr>
+            <a:lvl4pPr marL="1371600" indent="0" algn="l" defTabSz="914400" rtl="0" eaLnBrk="1" latinLnBrk="0" hangingPunct="1">
+              <a:lnSpc>
+                <a:spcPct val="90000"/>
+              </a:lnSpc>
+              <a:spcBef>
+                <a:spcPts val="600"/>
+              </a:spcBef>
+              <a:buSzPct val="100000"/>
+              <a:buFont typeface="Arial" pitchFamily="34" charset="0"/>
+              <a:buNone/>
+              <a:defRPr sz="1600" b="1" kern="1200">
+                <a:solidFill>
+                  <a:schemeClr val="tx1">
+                    <a:lumMod val="75000"/>
+                    <a:lumOff val="25000"/>
+                  </a:schemeClr>
+                </a:solidFill>
+                <a:latin typeface="+mn-lt"/>
+                <a:ea typeface="+mn-ea"/>
+                <a:cs typeface="+mn-cs"/>
+              </a:defRPr>
+            </a:lvl4pPr>
+            <a:lvl5pPr marL="1828800" indent="0" algn="l" defTabSz="914400" rtl="0" eaLnBrk="1" latinLnBrk="0" hangingPunct="1">
+              <a:lnSpc>
+                <a:spcPct val="90000"/>
+              </a:lnSpc>
+              <a:spcBef>
+                <a:spcPts val="600"/>
+              </a:spcBef>
+              <a:buSzPct val="100000"/>
+              <a:buFont typeface="Arial" pitchFamily="34" charset="0"/>
+              <a:buNone/>
+              <a:defRPr sz="1600" b="1" kern="1200">
+                <a:solidFill>
+                  <a:schemeClr val="tx1">
+                    <a:lumMod val="75000"/>
+                    <a:lumOff val="25000"/>
+                  </a:schemeClr>
+                </a:solidFill>
+                <a:latin typeface="+mn-lt"/>
+                <a:ea typeface="+mn-ea"/>
+                <a:cs typeface="+mn-cs"/>
+              </a:defRPr>
+            </a:lvl5pPr>
+            <a:lvl6pPr marL="2286000" indent="0" algn="l" defTabSz="914400" rtl="0" eaLnBrk="1" latinLnBrk="0" hangingPunct="1">
+              <a:lnSpc>
+                <a:spcPct val="90000"/>
+              </a:lnSpc>
+              <a:spcBef>
+                <a:spcPts val="400"/>
+              </a:spcBef>
+              <a:buSzPct val="100000"/>
+              <a:buFont typeface="Arial" pitchFamily="34" charset="0"/>
+              <a:buNone/>
+              <a:defRPr sz="1600" b="1" kern="1200">
+                <a:solidFill>
+                  <a:schemeClr val="tx1">
+                    <a:lumMod val="75000"/>
+                    <a:lumOff val="25000"/>
+                  </a:schemeClr>
+                </a:solidFill>
+                <a:latin typeface="+mn-lt"/>
+                <a:ea typeface="+mn-ea"/>
+                <a:cs typeface="+mn-cs"/>
+              </a:defRPr>
+            </a:lvl6pPr>
+            <a:lvl7pPr marL="2743200" indent="0" algn="l" defTabSz="914400" rtl="0" eaLnBrk="1" latinLnBrk="0" hangingPunct="1">
+              <a:lnSpc>
+                <a:spcPct val="90000"/>
+              </a:lnSpc>
+              <a:spcBef>
+                <a:spcPts val="400"/>
+              </a:spcBef>
+              <a:buSzPct val="100000"/>
+              <a:buFont typeface="Arial" pitchFamily="34" charset="0"/>
+              <a:buNone/>
+              <a:defRPr sz="1600" b="1" kern="1200">
+                <a:solidFill>
+                  <a:schemeClr val="tx1">
+                    <a:lumMod val="75000"/>
+                    <a:lumOff val="25000"/>
+                  </a:schemeClr>
+                </a:solidFill>
+                <a:latin typeface="+mn-lt"/>
+                <a:ea typeface="+mn-ea"/>
+                <a:cs typeface="+mn-cs"/>
+              </a:defRPr>
+            </a:lvl7pPr>
+            <a:lvl8pPr marL="3200400" indent="0" algn="l" defTabSz="914400" rtl="0" eaLnBrk="1" latinLnBrk="0" hangingPunct="1">
+              <a:lnSpc>
+                <a:spcPct val="90000"/>
+              </a:lnSpc>
+              <a:spcBef>
+                <a:spcPts val="400"/>
+              </a:spcBef>
+              <a:buSzPct val="100000"/>
+              <a:buFont typeface="Arial" pitchFamily="34" charset="0"/>
+              <a:buNone/>
+              <a:defRPr sz="1600" b="1" kern="1200">
+                <a:solidFill>
+                  <a:schemeClr val="tx1">
+                    <a:lumMod val="75000"/>
+                    <a:lumOff val="25000"/>
+                  </a:schemeClr>
+                </a:solidFill>
+                <a:latin typeface="+mn-lt"/>
+                <a:ea typeface="+mn-ea"/>
+                <a:cs typeface="+mn-cs"/>
+              </a:defRPr>
+            </a:lvl8pPr>
+            <a:lvl9pPr marL="3657600" indent="0" algn="l" defTabSz="914400" rtl="0" eaLnBrk="1" latinLnBrk="0" hangingPunct="1">
+              <a:lnSpc>
+                <a:spcPct val="90000"/>
+              </a:lnSpc>
+              <a:spcBef>
+                <a:spcPts val="400"/>
+              </a:spcBef>
+              <a:buSzPct val="100000"/>
+              <a:buFont typeface="Arial" pitchFamily="34" charset="0"/>
+              <a:buNone/>
+              <a:defRPr sz="1600" b="1" kern="1200">
+                <a:solidFill>
+                  <a:schemeClr val="tx1">
+                    <a:lumMod val="75000"/>
+                    <a:lumOff val="25000"/>
+                  </a:schemeClr>
+                </a:solidFill>
+                <a:latin typeface="+mn-lt"/>
+                <a:ea typeface="+mn-ea"/>
+                <a:cs typeface="+mn-cs"/>
+              </a:defRPr>
+            </a:lvl9pPr>
+          </a:lstStyle>
+          <a:p>
+            <a:r>
+              <a:rPr lang="en-US" dirty="0">
+                <a:solidFill>
+                  <a:schemeClr val="accent1">
+                    <a:lumMod val="75000"/>
+                  </a:schemeClr>
+                </a:solidFill>
+              </a:rPr>
+              <a:t>BMI</a:t>
+            </a:r>
+          </a:p>
+        </p:txBody>
+      </p:sp>
+      <p:sp>
+        <p:nvSpPr>
+          <p:cNvPr id="25" name="TextBox 24">
+            <a:extLst>
+              <a:ext uri="{FF2B5EF4-FFF2-40B4-BE49-F238E27FC236}">
+                <a16:creationId xmlns:a16="http://schemas.microsoft.com/office/drawing/2014/main" id="{5032D929-EBE4-4529-B782-A1DDFA9C3D7F}"/>
+              </a:ext>
+            </a:extLst>
+          </p:cNvPr>
+          <p:cNvSpPr txBox="1"/>
+          <p:nvPr/>
+        </p:nvSpPr>
+        <p:spPr>
+          <a:xfrm>
+            <a:off x="5559406" y="3422554"/>
+            <a:ext cx="2746394" cy="2862322"/>
+          </a:xfrm>
+          <a:prstGeom prst="rect">
+            <a:avLst/>
+          </a:prstGeom>
+          <a:solidFill>
+            <a:schemeClr val="accent1">
+              <a:lumMod val="20000"/>
+              <a:lumOff val="80000"/>
+              <a:alpha val="50000"/>
+            </a:schemeClr>
+          </a:solidFill>
+        </p:spPr>
+        <p:txBody>
+          <a:bodyPr wrap="square" rtlCol="0">
+            <a:spAutoFit/>
+          </a:bodyPr>
+          <a:lstStyle/>
+          <a:p>
+            <a:pPr marL="285750" indent="-285750">
+              <a:buFont typeface="Arial" panose="020B0604020202020204" pitchFamily="34" charset="0"/>
+              <a:buChar char="•"/>
+            </a:pPr>
+            <a:r>
+              <a:rPr lang="en-US" sz="2000" dirty="0"/>
+              <a:t>In addition to this result, studies show that BMI is an important factor.  This feature could be further examined to determine what a possible threshold might be.</a:t>
             </a:r>
           </a:p>
         </p:txBody>
@@ -6736,6 +7232,106 @@
     <p:extLst>
       <p:ext uri="{BB962C8B-B14F-4D97-AF65-F5344CB8AC3E}">
         <p14:creationId xmlns:p14="http://schemas.microsoft.com/office/powerpoint/2010/main" val="2354640993"/>
+      </p:ext>
+    </p:extLst>
+  </p:cSld>
+  <p:clrMapOvr>
+    <a:masterClrMapping/>
+  </p:clrMapOvr>
+  <mc:AlternateContent xmlns:mc="http://schemas.openxmlformats.org/markup-compatibility/2006" xmlns:p14="http://schemas.microsoft.com/office/powerpoint/2010/main">
+    <mc:Choice Requires="p14">
+      <p:transition spd="med" p14:dur="700">
+        <p:fade/>
+      </p:transition>
+    </mc:Choice>
+    <mc:Fallback xmlns="">
+      <p:transition spd="med">
+        <p:fade/>
+      </p:transition>
+    </mc:Fallback>
+  </mc:AlternateContent>
+</p:sld>
+</file>
+
+<file path=ppt/slides/slide13.xml><?xml version="1.0" encoding="utf-8"?>
+<p:sld xmlns:a="http://schemas.openxmlformats.org/drawingml/2006/main" xmlns:r="http://schemas.openxmlformats.org/officeDocument/2006/relationships" xmlns:p="http://schemas.openxmlformats.org/presentationml/2006/main">
+  <p:cSld>
+    <p:spTree>
+      <p:nvGrpSpPr>
+        <p:cNvPr id="1" name=""/>
+        <p:cNvGrpSpPr/>
+        <p:nvPr/>
+      </p:nvGrpSpPr>
+      <p:grpSpPr>
+        <a:xfrm>
+          <a:off x="0" y="0"/>
+          <a:ext cx="0" cy="0"/>
+          <a:chOff x="0" y="0"/>
+          <a:chExt cx="0" cy="0"/>
+        </a:xfrm>
+      </p:grpSpPr>
+      <p:sp>
+        <p:nvSpPr>
+          <p:cNvPr id="2" name="Title 1">
+            <a:extLst>
+              <a:ext uri="{FF2B5EF4-FFF2-40B4-BE49-F238E27FC236}">
+                <a16:creationId xmlns:a16="http://schemas.microsoft.com/office/drawing/2014/main" id="{806BF1DA-B9BA-4F2A-A5A2-96E45612B669}"/>
+              </a:ext>
+            </a:extLst>
+          </p:cNvPr>
+          <p:cNvSpPr>
+            <a:spLocks noGrp="1"/>
+          </p:cNvSpPr>
+          <p:nvPr>
+            <p:ph type="title"/>
+          </p:nvPr>
+        </p:nvSpPr>
+        <p:spPr/>
+        <p:txBody>
+          <a:bodyPr/>
+          <a:lstStyle/>
+          <a:p>
+            <a:r>
+              <a:rPr lang="en-US" dirty="0"/>
+              <a:t>Receiver Operator Curve (ROC)</a:t>
+            </a:r>
+          </a:p>
+        </p:txBody>
+      </p:sp>
+      <p:pic>
+        <p:nvPicPr>
+          <p:cNvPr id="4" name="Picture 3">
+            <a:extLst>
+              <a:ext uri="{FF2B5EF4-FFF2-40B4-BE49-F238E27FC236}">
+                <a16:creationId xmlns:a16="http://schemas.microsoft.com/office/drawing/2014/main" id="{EDC28FAB-C109-4DFE-9D97-640E664F52C3}"/>
+              </a:ext>
+            </a:extLst>
+          </p:cNvPr>
+          <p:cNvPicPr>
+            <a:picLocks noChangeAspect="1"/>
+          </p:cNvPicPr>
+          <p:nvPr/>
+        </p:nvPicPr>
+        <p:blipFill>
+          <a:blip r:embed="rId3"/>
+          <a:stretch>
+            <a:fillRect/>
+          </a:stretch>
+        </p:blipFill>
+        <p:spPr>
+          <a:xfrm>
+            <a:off x="5867400" y="2057400"/>
+            <a:ext cx="5915025" cy="4548864"/>
+          </a:xfrm>
+          <a:prstGeom prst="rect">
+            <a:avLst/>
+          </a:prstGeom>
+        </p:spPr>
+      </p:pic>
+    </p:spTree>
+    <p:extLst>
+      <p:ext uri="{BB962C8B-B14F-4D97-AF65-F5344CB8AC3E}">
+        <p14:creationId xmlns:p14="http://schemas.microsoft.com/office/powerpoint/2010/main" val="1438998939"/>
       </p:ext>
     </p:extLst>
   </p:cSld>
@@ -16972,7 +17568,7 @@
             <a:pPr algn="ctr"/>
             <a:r>
               <a:rPr lang="en-US" sz="1200" dirty="0"/>
-              <a:t>COVID-19 Contact=False</a:t>
+              <a:t>COVID-19 Contact=True</a:t>
             </a:r>
           </a:p>
         </p:txBody>
@@ -17022,13 +17618,6 @@
               <a:t>Other Feature</a:t>
             </a:r>
           </a:p>
-          <a:p>
-            <a:pPr algn="ctr"/>
-            <a:r>
-              <a:rPr lang="en-US" sz="700" dirty="0"/>
-              <a:t>COVID-19 -</a:t>
-            </a:r>
-          </a:p>
         </p:txBody>
       </p:sp>
       <p:sp>
@@ -17074,13 +17663,6 @@
             <a:r>
               <a:rPr lang="en-US" sz="1200" dirty="0"/>
               <a:t>Other Feature</a:t>
-            </a:r>
-          </a:p>
-          <a:p>
-            <a:pPr algn="ctr"/>
-            <a:r>
-              <a:rPr lang="en-US" sz="700" dirty="0"/>
-              <a:t>COVID-19 +</a:t>
             </a:r>
           </a:p>
         </p:txBody>
@@ -17378,15 +17960,13 @@
           <a:p>
             <a:r>
               <a:rPr lang="en-US" dirty="0"/>
-              <a:t>Modeling Results:</a:t>
-            </a:r>
-            <a:br>
-              <a:rPr lang="en-US" dirty="0"/>
-            </a:br>
-            <a:r>
-              <a:rPr lang="en-US" dirty="0"/>
-              <a:t> Accuracy: 96%</a:t>
-            </a:r>
+              <a:t>Modeling Results: </a:t>
+            </a:r>
+            <a:r>
+              <a:rPr lang="en-US" sz="2400" dirty="0"/>
+              <a:t> 95.8% Accuracy</a:t>
+            </a:r>
+            <a:endParaRPr lang="en-US" dirty="0"/>
           </a:p>
         </p:txBody>
       </p:sp>
@@ -17404,8 +17984,8 @@
         </p:nvSpPr>
         <p:spPr>
           <a:xfrm>
-            <a:off x="6037115" y="2091427"/>
-            <a:ext cx="441698" cy="4228093"/>
+            <a:off x="5874242" y="2037560"/>
+            <a:ext cx="352318" cy="4733860"/>
           </a:xfrm>
           <a:prstGeom prst="rect">
             <a:avLst/>
@@ -17458,8 +18038,8 @@
         </p:blipFill>
         <p:spPr>
           <a:xfrm>
-            <a:off x="6553200" y="2091427"/>
-            <a:ext cx="5451696" cy="4228093"/>
+            <a:off x="6327590" y="2290576"/>
+            <a:ext cx="5753003" cy="4461773"/>
           </a:xfrm>
           <a:prstGeom prst="rect">
             <a:avLst/>
@@ -17480,7 +18060,7 @@
         </p:nvSpPr>
         <p:spPr>
           <a:xfrm>
-            <a:off x="7848600" y="3810000"/>
+            <a:off x="7696200" y="4050535"/>
             <a:ext cx="1676400" cy="261610"/>
           </a:xfrm>
           <a:prstGeom prst="rect">
@@ -17522,7 +18102,7 @@
         </p:nvSpPr>
         <p:spPr>
           <a:xfrm>
-            <a:off x="10058400" y="5410200"/>
+            <a:off x="10034155" y="5723555"/>
             <a:ext cx="1676400" cy="261610"/>
           </a:xfrm>
           <a:prstGeom prst="rect">
@@ -17550,36 +18130,6 @@
           </a:p>
         </p:txBody>
       </p:sp>
-      <p:pic>
-        <p:nvPicPr>
-          <p:cNvPr id="10" name="Picture 9">
-            <a:extLst>
-              <a:ext uri="{FF2B5EF4-FFF2-40B4-BE49-F238E27FC236}">
-                <a16:creationId xmlns:a16="http://schemas.microsoft.com/office/drawing/2014/main" id="{BA0B552D-74F3-47F6-8BDF-9C9D341E99DD}"/>
-              </a:ext>
-            </a:extLst>
-          </p:cNvPr>
-          <p:cNvPicPr>
-            <a:picLocks noChangeAspect="1"/>
-          </p:cNvPicPr>
-          <p:nvPr/>
-        </p:nvPicPr>
-        <p:blipFill>
-          <a:blip r:embed="rId4"/>
-          <a:stretch>
-            <a:fillRect/>
-          </a:stretch>
-        </p:blipFill>
-        <p:spPr>
-          <a:xfrm>
-            <a:off x="197264" y="2300473"/>
-            <a:ext cx="5765464" cy="3810000"/>
-          </a:xfrm>
-          <a:prstGeom prst="rect">
-            <a:avLst/>
-          </a:prstGeom>
-        </p:spPr>
-      </p:pic>
       <p:pic>
         <p:nvPicPr>
           <p:cNvPr id="11" name="Picture 10">
@@ -17595,7 +18145,7 @@
           <p:nvPr/>
         </p:nvPicPr>
         <p:blipFill>
-          <a:blip r:embed="rId5">
+          <a:blip r:embed="rId4">
             <a:duotone>
               <a:schemeClr val="accent1">
                 <a:shade val="45000"/>
@@ -17633,8 +18183,8 @@
         </p:nvSpPr>
         <p:spPr>
           <a:xfrm>
-            <a:off x="4228556" y="2233666"/>
-            <a:ext cx="1661224" cy="461665"/>
+            <a:off x="385650" y="1736485"/>
+            <a:ext cx="5176950" cy="830997"/>
           </a:xfrm>
           <a:prstGeom prst="rect">
             <a:avLst/>
@@ -17644,21 +18194,549 @@
           </a:solidFill>
         </p:spPr>
         <p:txBody>
+          <a:bodyPr wrap="square">
+            <a:spAutoFit/>
+          </a:bodyPr>
+          <a:lstStyle/>
+          <a:p>
+            <a:pPr algn="ctr"/>
+            <a:r>
+              <a:rPr lang="en-US" sz="2400" b="1" dirty="0">
+                <a:solidFill>
+                  <a:schemeClr val="accent1">
+                    <a:lumMod val="50000"/>
+                  </a:schemeClr>
+                </a:solidFill>
+                <a:latin typeface="Calibri" panose="020F0502020204030204" pitchFamily="34" charset="0"/>
+              </a:rPr>
+              <a:t>Feature Importance in Predicting the </a:t>
+            </a:r>
+          </a:p>
+          <a:p>
+            <a:pPr algn="ctr"/>
+            <a:r>
+              <a:rPr lang="en-US" sz="2400" b="1" dirty="0">
+                <a:solidFill>
+                  <a:schemeClr val="accent1">
+                    <a:lumMod val="50000"/>
+                  </a:schemeClr>
+                </a:solidFill>
+                <a:latin typeface="Calibri" panose="020F0502020204030204" pitchFamily="34" charset="0"/>
+              </a:rPr>
+              <a:t>Contraction of COVID-19</a:t>
+            </a:r>
+            <a:endParaRPr lang="en-US" dirty="0">
+              <a:solidFill>
+                <a:schemeClr val="accent1">
+                  <a:lumMod val="50000"/>
+                </a:schemeClr>
+              </a:solidFill>
+            </a:endParaRPr>
+          </a:p>
+        </p:txBody>
+      </p:sp>
+      <p:pic>
+        <p:nvPicPr>
+          <p:cNvPr id="25" name="Picture 24">
+            <a:extLst>
+              <a:ext uri="{FF2B5EF4-FFF2-40B4-BE49-F238E27FC236}">
+                <a16:creationId xmlns:a16="http://schemas.microsoft.com/office/drawing/2014/main" id="{677C32EF-D748-4D7B-9F95-46C0CB61F96A}"/>
+              </a:ext>
+            </a:extLst>
+          </p:cNvPr>
+          <p:cNvPicPr>
+            <a:picLocks noChangeAspect="1"/>
+          </p:cNvPicPr>
+          <p:nvPr/>
+        </p:nvPicPr>
+        <p:blipFill>
+          <a:blip r:embed="rId5">
+            <a:duotone>
+              <a:schemeClr val="accent1">
+                <a:shade val="45000"/>
+                <a:satMod val="135000"/>
+              </a:schemeClr>
+              <a:prstClr val="white"/>
+            </a:duotone>
+          </a:blip>
+          <a:stretch>
+            <a:fillRect/>
+          </a:stretch>
+        </p:blipFill>
+        <p:spPr>
+          <a:xfrm>
+            <a:off x="187104" y="2502103"/>
+            <a:ext cx="5517057" cy="4305703"/>
+          </a:xfrm>
+          <a:prstGeom prst="rect">
+            <a:avLst/>
+          </a:prstGeom>
+        </p:spPr>
+      </p:pic>
+      <p:sp>
+        <p:nvSpPr>
+          <p:cNvPr id="13" name="Rectangle 12">
+            <a:extLst>
+              <a:ext uri="{FF2B5EF4-FFF2-40B4-BE49-F238E27FC236}">
+                <a16:creationId xmlns:a16="http://schemas.microsoft.com/office/drawing/2014/main" id="{928EE878-98EB-4DEB-8E02-344E732E687A}"/>
+              </a:ext>
+            </a:extLst>
+          </p:cNvPr>
+          <p:cNvSpPr/>
+          <p:nvPr/>
+        </p:nvSpPr>
+        <p:spPr>
+          <a:xfrm>
+            <a:off x="561046" y="2579061"/>
+            <a:ext cx="1946046" cy="276999"/>
+          </a:xfrm>
+          <a:prstGeom prst="rect">
+            <a:avLst/>
+          </a:prstGeom>
+        </p:spPr>
+        <p:txBody>
           <a:bodyPr wrap="none">
             <a:spAutoFit/>
           </a:bodyPr>
           <a:lstStyle/>
           <a:p>
             <a:r>
-              <a:rPr lang="en-US" sz="2400" b="1" dirty="0">
+              <a:rPr lang="en-US" sz="1200" dirty="0">
                 <a:solidFill>
-                  <a:srgbClr val="000000"/>
+                  <a:schemeClr val="bg1"/>
                 </a:solidFill>
-                <a:latin typeface="Calibri" panose="020F0502020204030204" pitchFamily="34" charset="0"/>
               </a:rPr>
-              <a:t>Importance</a:t>
-            </a:r>
-            <a:endParaRPr lang="en-US" dirty="0"/>
+              <a:t>Belief individual is infected</a:t>
+            </a:r>
+          </a:p>
+        </p:txBody>
+      </p:sp>
+      <p:sp>
+        <p:nvSpPr>
+          <p:cNvPr id="14" name="Rectangle 13">
+            <a:extLst>
+              <a:ext uri="{FF2B5EF4-FFF2-40B4-BE49-F238E27FC236}">
+                <a16:creationId xmlns:a16="http://schemas.microsoft.com/office/drawing/2014/main" id="{4616D06F-9131-4FEB-99E1-F8589200F986}"/>
+              </a:ext>
+            </a:extLst>
+          </p:cNvPr>
+          <p:cNvSpPr/>
+          <p:nvPr/>
+        </p:nvSpPr>
+        <p:spPr>
+          <a:xfrm>
+            <a:off x="489712" y="2926223"/>
+            <a:ext cx="2221506" cy="276999"/>
+          </a:xfrm>
+          <a:prstGeom prst="rect">
+            <a:avLst/>
+          </a:prstGeom>
+        </p:spPr>
+        <p:txBody>
+          <a:bodyPr wrap="none">
+            <a:spAutoFit/>
+          </a:bodyPr>
+          <a:lstStyle/>
+          <a:p>
+            <a:r>
+              <a:rPr lang="en-US" sz="1200" dirty="0">
+                <a:solidFill>
+                  <a:schemeClr val="bg1"/>
+                </a:solidFill>
+              </a:rPr>
+              <a:t>Exhibiting COVID-19 symptoms</a:t>
+            </a:r>
+          </a:p>
+        </p:txBody>
+      </p:sp>
+      <p:sp>
+        <p:nvSpPr>
+          <p:cNvPr id="15" name="Rectangle 14">
+            <a:extLst>
+              <a:ext uri="{FF2B5EF4-FFF2-40B4-BE49-F238E27FC236}">
+                <a16:creationId xmlns:a16="http://schemas.microsoft.com/office/drawing/2014/main" id="{9697C9C2-6B66-4E9E-83BF-E72E13A5D4F5}"/>
+              </a:ext>
+            </a:extLst>
+          </p:cNvPr>
+          <p:cNvSpPr/>
+          <p:nvPr/>
+        </p:nvSpPr>
+        <p:spPr>
+          <a:xfrm>
+            <a:off x="1677526" y="3276967"/>
+            <a:ext cx="3018519" cy="276999"/>
+          </a:xfrm>
+          <a:prstGeom prst="rect">
+            <a:avLst/>
+          </a:prstGeom>
+        </p:spPr>
+        <p:txBody>
+          <a:bodyPr wrap="none">
+            <a:spAutoFit/>
+          </a:bodyPr>
+          <a:lstStyle/>
+          <a:p>
+            <a:r>
+              <a:rPr lang="en-US" sz="1200" dirty="0"/>
+              <a:t>Contact with others infected with COVID-19</a:t>
+            </a:r>
+          </a:p>
+        </p:txBody>
+      </p:sp>
+      <p:sp>
+        <p:nvSpPr>
+          <p:cNvPr id="16" name="Rectangle 15">
+            <a:extLst>
+              <a:ext uri="{FF2B5EF4-FFF2-40B4-BE49-F238E27FC236}">
+                <a16:creationId xmlns:a16="http://schemas.microsoft.com/office/drawing/2014/main" id="{C73DF8CD-CCC1-45EC-811B-C1124A11ADCC}"/>
+              </a:ext>
+            </a:extLst>
+          </p:cNvPr>
+          <p:cNvSpPr/>
+          <p:nvPr/>
+        </p:nvSpPr>
+        <p:spPr>
+          <a:xfrm>
+            <a:off x="622164" y="3630212"/>
+            <a:ext cx="4232377" cy="276999"/>
+          </a:xfrm>
+          <a:prstGeom prst="rect">
+            <a:avLst/>
+          </a:prstGeom>
+        </p:spPr>
+        <p:txBody>
+          <a:bodyPr wrap="none">
+            <a:spAutoFit/>
+          </a:bodyPr>
+          <a:lstStyle/>
+          <a:p>
+            <a:r>
+              <a:rPr lang="en-US" sz="1200" dirty="0"/>
+              <a:t>Social distancing and hand washing practiced as a household</a:t>
+            </a:r>
+          </a:p>
+        </p:txBody>
+      </p:sp>
+      <p:sp>
+        <p:nvSpPr>
+          <p:cNvPr id="17" name="Rectangle 16">
+            <a:extLst>
+              <a:ext uri="{FF2B5EF4-FFF2-40B4-BE49-F238E27FC236}">
+                <a16:creationId xmlns:a16="http://schemas.microsoft.com/office/drawing/2014/main" id="{BD73EC62-6008-4398-8A73-C62B0A2A3436}"/>
+              </a:ext>
+            </a:extLst>
+          </p:cNvPr>
+          <p:cNvSpPr/>
+          <p:nvPr/>
+        </p:nvSpPr>
+        <p:spPr>
+          <a:xfrm>
+            <a:off x="609600" y="4308103"/>
+            <a:ext cx="4227568" cy="276999"/>
+          </a:xfrm>
+          <a:prstGeom prst="rect">
+            <a:avLst/>
+          </a:prstGeom>
+        </p:spPr>
+        <p:txBody>
+          <a:bodyPr wrap="none">
+            <a:spAutoFit/>
+          </a:bodyPr>
+          <a:lstStyle/>
+          <a:p>
+            <a:r>
+              <a:rPr lang="en-US" sz="1200" dirty="0"/>
+              <a:t>Social distancing and hand washing practiced as an individual</a:t>
+            </a:r>
+          </a:p>
+        </p:txBody>
+      </p:sp>
+      <p:sp>
+        <p:nvSpPr>
+          <p:cNvPr id="18" name="Rectangle 17">
+            <a:extLst>
+              <a:ext uri="{FF2B5EF4-FFF2-40B4-BE49-F238E27FC236}">
+                <a16:creationId xmlns:a16="http://schemas.microsoft.com/office/drawing/2014/main" id="{2B2929EB-0C0D-4609-B9EA-EDD211895701}"/>
+              </a:ext>
+            </a:extLst>
+          </p:cNvPr>
+          <p:cNvSpPr/>
+          <p:nvPr/>
+        </p:nvSpPr>
+        <p:spPr>
+          <a:xfrm>
+            <a:off x="596606" y="3983457"/>
+            <a:ext cx="4514377" cy="246221"/>
+          </a:xfrm>
+          <a:prstGeom prst="rect">
+            <a:avLst/>
+          </a:prstGeom>
+        </p:spPr>
+        <p:txBody>
+          <a:bodyPr wrap="none">
+            <a:spAutoFit/>
+          </a:bodyPr>
+          <a:lstStyle/>
+          <a:p>
+            <a:r>
+              <a:rPr lang="en-US" sz="1000" dirty="0"/>
+              <a:t>No answer when asked if respondent believed they could die from the infection</a:t>
+            </a:r>
+          </a:p>
+        </p:txBody>
+      </p:sp>
+      <p:sp>
+        <p:nvSpPr>
+          <p:cNvPr id="20" name="Rectangle 19">
+            <a:extLst>
+              <a:ext uri="{FF2B5EF4-FFF2-40B4-BE49-F238E27FC236}">
+                <a16:creationId xmlns:a16="http://schemas.microsoft.com/office/drawing/2014/main" id="{852835E0-144D-4566-9EBD-C11547D31757}"/>
+              </a:ext>
+            </a:extLst>
+          </p:cNvPr>
+          <p:cNvSpPr/>
+          <p:nvPr/>
+        </p:nvSpPr>
+        <p:spPr>
+          <a:xfrm>
+            <a:off x="622164" y="4684816"/>
+            <a:ext cx="3663182" cy="246221"/>
+          </a:xfrm>
+          <a:prstGeom prst="rect">
+            <a:avLst/>
+          </a:prstGeom>
+        </p:spPr>
+        <p:txBody>
+          <a:bodyPr wrap="none">
+            <a:spAutoFit/>
+          </a:bodyPr>
+          <a:lstStyle/>
+          <a:p>
+            <a:r>
+              <a:rPr lang="en-US" sz="1000" dirty="0"/>
+              <a:t>No answer when asked if respondent believed had the infection</a:t>
+            </a:r>
+          </a:p>
+        </p:txBody>
+      </p:sp>
+      <p:sp>
+        <p:nvSpPr>
+          <p:cNvPr id="21" name="Rectangle 20">
+            <a:extLst>
+              <a:ext uri="{FF2B5EF4-FFF2-40B4-BE49-F238E27FC236}">
+                <a16:creationId xmlns:a16="http://schemas.microsoft.com/office/drawing/2014/main" id="{F2B6E1F3-8BFA-4AC0-8044-B62DC49450C8}"/>
+              </a:ext>
+            </a:extLst>
+          </p:cNvPr>
+          <p:cNvSpPr/>
+          <p:nvPr/>
+        </p:nvSpPr>
+        <p:spPr>
+          <a:xfrm>
+            <a:off x="596606" y="4968922"/>
+            <a:ext cx="556667" cy="276999"/>
+          </a:xfrm>
+          <a:prstGeom prst="rect">
+            <a:avLst/>
+          </a:prstGeom>
+        </p:spPr>
+        <p:txBody>
+          <a:bodyPr wrap="square">
+            <a:spAutoFit/>
+          </a:bodyPr>
+          <a:lstStyle/>
+          <a:p>
+            <a:r>
+              <a:rPr lang="en-US" sz="1200" dirty="0"/>
+              <a:t>Male</a:t>
+            </a:r>
+          </a:p>
+        </p:txBody>
+      </p:sp>
+      <p:sp>
+        <p:nvSpPr>
+          <p:cNvPr id="22" name="Rectangle 21">
+            <a:extLst>
+              <a:ext uri="{FF2B5EF4-FFF2-40B4-BE49-F238E27FC236}">
+                <a16:creationId xmlns:a16="http://schemas.microsoft.com/office/drawing/2014/main" id="{C3B275F4-B19E-439A-BFCF-7D76789A4572}"/>
+              </a:ext>
+            </a:extLst>
+          </p:cNvPr>
+          <p:cNvSpPr/>
+          <p:nvPr/>
+        </p:nvSpPr>
+        <p:spPr>
+          <a:xfrm>
+            <a:off x="581411" y="5283806"/>
+            <a:ext cx="675313" cy="276999"/>
+          </a:xfrm>
+          <a:prstGeom prst="rect">
+            <a:avLst/>
+          </a:prstGeom>
+        </p:spPr>
+        <p:txBody>
+          <a:bodyPr wrap="none">
+            <a:spAutoFit/>
+          </a:bodyPr>
+          <a:lstStyle/>
+          <a:p>
+            <a:r>
+              <a:rPr lang="en-US" sz="1200" dirty="0"/>
+              <a:t>Female</a:t>
+            </a:r>
+          </a:p>
+        </p:txBody>
+      </p:sp>
+      <p:sp>
+        <p:nvSpPr>
+          <p:cNvPr id="23" name="Rectangle 22">
+            <a:extLst>
+              <a:ext uri="{FF2B5EF4-FFF2-40B4-BE49-F238E27FC236}">
+                <a16:creationId xmlns:a16="http://schemas.microsoft.com/office/drawing/2014/main" id="{2136F052-85CB-4D12-8261-C00074CD5EC4}"/>
+              </a:ext>
+            </a:extLst>
+          </p:cNvPr>
+          <p:cNvSpPr/>
+          <p:nvPr/>
+        </p:nvSpPr>
+        <p:spPr>
+          <a:xfrm>
+            <a:off x="561046" y="5664829"/>
+            <a:ext cx="442750" cy="276999"/>
+          </a:xfrm>
+          <a:prstGeom prst="rect">
+            <a:avLst/>
+          </a:prstGeom>
+        </p:spPr>
+        <p:txBody>
+          <a:bodyPr wrap="none">
+            <a:spAutoFit/>
+          </a:bodyPr>
+          <a:lstStyle/>
+          <a:p>
+            <a:r>
+              <a:rPr lang="en-US" sz="1200" dirty="0"/>
+              <a:t>BMI</a:t>
+            </a:r>
+          </a:p>
+        </p:txBody>
+      </p:sp>
+      <p:sp>
+        <p:nvSpPr>
+          <p:cNvPr id="10" name="TextBox 9">
+            <a:extLst>
+              <a:ext uri="{FF2B5EF4-FFF2-40B4-BE49-F238E27FC236}">
+                <a16:creationId xmlns:a16="http://schemas.microsoft.com/office/drawing/2014/main" id="{54A1D6C4-948D-43D3-9C5E-EC6718F8E3D2}"/>
+              </a:ext>
+            </a:extLst>
+          </p:cNvPr>
+          <p:cNvSpPr txBox="1"/>
+          <p:nvPr/>
+        </p:nvSpPr>
+        <p:spPr>
+          <a:xfrm>
+            <a:off x="1600465" y="5076644"/>
+            <a:ext cx="556667" cy="338554"/>
+          </a:xfrm>
+          <a:prstGeom prst="rect">
+            <a:avLst/>
+          </a:prstGeom>
+          <a:noFill/>
+        </p:spPr>
+        <p:txBody>
+          <a:bodyPr wrap="square" rtlCol="0">
+            <a:spAutoFit/>
+          </a:bodyPr>
+          <a:lstStyle/>
+          <a:p>
+            <a:r>
+              <a:rPr lang="en-US" sz="1600" dirty="0">
+                <a:solidFill>
+                  <a:schemeClr val="accent1">
+                    <a:lumMod val="75000"/>
+                  </a:schemeClr>
+                </a:solidFill>
+              </a:rPr>
+              <a:t>Sex</a:t>
+            </a:r>
+          </a:p>
+        </p:txBody>
+      </p:sp>
+      <p:sp>
+        <p:nvSpPr>
+          <p:cNvPr id="6" name="Right Brace 5">
+            <a:extLst>
+              <a:ext uri="{FF2B5EF4-FFF2-40B4-BE49-F238E27FC236}">
+                <a16:creationId xmlns:a16="http://schemas.microsoft.com/office/drawing/2014/main" id="{1B218399-F903-4230-8DC3-14AE1EB564D4}"/>
+              </a:ext>
+            </a:extLst>
+          </p:cNvPr>
+          <p:cNvSpPr/>
+          <p:nvPr/>
+        </p:nvSpPr>
+        <p:spPr>
+          <a:xfrm>
+            <a:off x="1303309" y="5051752"/>
+            <a:ext cx="242534" cy="345439"/>
+          </a:xfrm>
+          <a:prstGeom prst="rightBrace">
+            <a:avLst/>
+          </a:prstGeom>
+        </p:spPr>
+        <p:style>
+          <a:lnRef idx="1">
+            <a:schemeClr val="accent1"/>
+          </a:lnRef>
+          <a:fillRef idx="0">
+            <a:schemeClr val="accent1"/>
+          </a:fillRef>
+          <a:effectRef idx="0">
+            <a:schemeClr val="accent1"/>
+          </a:effectRef>
+          <a:fontRef idx="minor">
+            <a:schemeClr val="tx1"/>
+          </a:fontRef>
+        </p:style>
+        <p:txBody>
+          <a:bodyPr rtlCol="0" anchor="ctr"/>
+          <a:lstStyle/>
+          <a:p>
+            <a:pPr algn="ctr"/>
+            <a:endParaRPr lang="en-US"/>
+          </a:p>
+        </p:txBody>
+      </p:sp>
+      <p:sp>
+        <p:nvSpPr>
+          <p:cNvPr id="26" name="Rectangle 25">
+            <a:extLst>
+              <a:ext uri="{FF2B5EF4-FFF2-40B4-BE49-F238E27FC236}">
+                <a16:creationId xmlns:a16="http://schemas.microsoft.com/office/drawing/2014/main" id="{CE81D414-6CE0-4229-8D26-2432C89FA0BB}"/>
+              </a:ext>
+            </a:extLst>
+          </p:cNvPr>
+          <p:cNvSpPr/>
+          <p:nvPr/>
+        </p:nvSpPr>
+        <p:spPr>
+          <a:xfrm>
+            <a:off x="538650" y="5985165"/>
+            <a:ext cx="2285434" cy="276999"/>
+          </a:xfrm>
+          <a:prstGeom prst="rect">
+            <a:avLst/>
+          </a:prstGeom>
+        </p:spPr>
+        <p:txBody>
+          <a:bodyPr wrap="none">
+            <a:spAutoFit/>
+          </a:bodyPr>
+          <a:lstStyle/>
+          <a:p>
+            <a:r>
+              <a:rPr lang="en-US" sz="1200" dirty="0"/>
+              <a:t>Taking prescription medications</a:t>
+            </a:r>
           </a:p>
         </p:txBody>
       </p:sp>
@@ -17857,9 +18935,9 @@
         </p:nvGrpSpPr>
         <p:grpSpPr>
           <a:xfrm>
-            <a:off x="8077200" y="2310573"/>
-            <a:ext cx="3827262" cy="3650990"/>
-            <a:chOff x="304799" y="2239268"/>
+            <a:off x="10047007" y="4661024"/>
+            <a:ext cx="2098695" cy="1806128"/>
+            <a:chOff x="312013" y="2505293"/>
             <a:chExt cx="3886200" cy="3788122"/>
           </a:xfrm>
         </p:grpSpPr>
@@ -17877,7 +18955,7 @@
           </p:nvSpPr>
           <p:spPr>
             <a:xfrm>
-              <a:off x="304799" y="2239268"/>
+              <a:off x="312013" y="2505293"/>
               <a:ext cx="3886200" cy="3788122"/>
             </a:xfrm>
             <a:prstGeom prst="rect">
@@ -17941,7 +19019,7 @@
             <p:nvPr/>
           </p:nvPicPr>
           <p:blipFill>
-            <a:blip r:embed="rId3">
+            <a:blip r:embed="rId3" cstate="print">
               <a:duotone>
                 <a:schemeClr val="accent1">
                   <a:shade val="45000"/>
@@ -17962,8 +19040,8 @@
           </p:blipFill>
           <p:spPr bwMode="auto">
             <a:xfrm>
-              <a:off x="1683314" y="3926046"/>
-              <a:ext cx="1108266" cy="1108266"/>
+              <a:off x="2594840" y="4337645"/>
+              <a:ext cx="1108267" cy="1108266"/>
             </a:xfrm>
             <a:prstGeom prst="rect">
               <a:avLst/>
@@ -17995,7 +19073,7 @@
             <p:nvPr/>
           </p:nvPicPr>
           <p:blipFill>
-            <a:blip r:embed="rId4">
+            <a:blip r:embed="rId4" cstate="print">
               <a:duotone>
                 <a:schemeClr val="accent1">
                   <a:shade val="45000"/>
@@ -18016,62 +19094,8 @@
           </p:blipFill>
           <p:spPr bwMode="auto">
             <a:xfrm>
-              <a:off x="388879" y="3178885"/>
-              <a:ext cx="1220470" cy="1220470"/>
-            </a:xfrm>
-            <a:prstGeom prst="rect">
-              <a:avLst/>
-            </a:prstGeom>
-            <a:noFill/>
-            <a:extLst>
-              <a:ext uri="{909E8E84-426E-40DD-AFC4-6F175D3DCCD1}">
-                <a14:hiddenFill xmlns:a14="http://schemas.microsoft.com/office/drawing/2010/main">
-                  <a:solidFill>
-                    <a:srgbClr val="FFFFFF"/>
-                  </a:solidFill>
-                </a14:hiddenFill>
-              </a:ext>
-            </a:extLst>
-          </p:spPr>
-        </p:pic>
-        <p:pic>
-          <p:nvPicPr>
-            <p:cNvPr id="2056" name="Picture 8" descr="signs, travelling, baggage, Bag, travels, Bags, Banned, travel ...">
-              <a:extLst>
-                <a:ext uri="{FF2B5EF4-FFF2-40B4-BE49-F238E27FC236}">
-                  <a16:creationId xmlns:a16="http://schemas.microsoft.com/office/drawing/2014/main" id="{33DF8B61-543C-4DA1-A355-912B61591DE9}"/>
-                </a:ext>
-              </a:extLst>
-            </p:cNvPr>
-            <p:cNvPicPr>
-              <a:picLocks noChangeAspect="1" noChangeArrowheads="1"/>
-            </p:cNvPicPr>
-            <p:nvPr/>
-          </p:nvPicPr>
-          <p:blipFill>
-            <a:blip r:embed="rId5">
-              <a:duotone>
-                <a:schemeClr val="accent1">
-                  <a:shade val="45000"/>
-                  <a:satMod val="135000"/>
-                </a:schemeClr>
-                <a:prstClr val="white"/>
-              </a:duotone>
-              <a:extLst>
-                <a:ext uri="{28A0092B-C50C-407E-A947-70E740481C1C}">
-                  <a14:useLocalDpi xmlns:a14="http://schemas.microsoft.com/office/drawing/2010/main" val="0"/>
-                </a:ext>
-              </a:extLst>
-            </a:blip>
-            <a:srcRect/>
-            <a:stretch>
-              <a:fillRect/>
-            </a:stretch>
-          </p:blipFill>
-          <p:spPr bwMode="auto">
-            <a:xfrm>
-              <a:off x="2861253" y="4577308"/>
-              <a:ext cx="1147763" cy="1147763"/>
+              <a:off x="920683" y="4169373"/>
+              <a:ext cx="1444814" cy="1444812"/>
             </a:xfrm>
             <a:prstGeom prst="rect">
               <a:avLst/>
@@ -18102,8 +19126,8 @@
           </p:nvSpPr>
           <p:spPr>
             <a:xfrm>
-              <a:off x="1463581" y="2598003"/>
-              <a:ext cx="2570835" cy="1323439"/>
+              <a:off x="442517" y="2937329"/>
+              <a:ext cx="3722402" cy="968283"/>
             </a:xfrm>
             <a:prstGeom prst="rect">
               <a:avLst/>
@@ -18118,13 +19142,13 @@
             <a:p>
               <a:pPr algn="ctr"/>
               <a:r>
-                <a:rPr lang="en-US" sz="3600" dirty="0">
+                <a:rPr lang="en-US" dirty="0">
                   <a:cs typeface="Aharoni" panose="02010803020104030203" pitchFamily="2" charset="-79"/>
                 </a:rPr>
                 <a:t>Behavior Matters</a:t>
               </a:r>
               <a:r>
-                <a:rPr lang="en-US" sz="4400" dirty="0">
+                <a:rPr lang="en-US" sz="2400" dirty="0">
                   <a:cs typeface="Aharoni" panose="02010803020104030203" pitchFamily="2" charset="-79"/>
                 </a:rPr>
                 <a:t>:</a:t>
@@ -18148,7 +19172,7 @@
           <p:nvPr/>
         </p:nvPicPr>
         <p:blipFill>
-          <a:blip r:embed="rId6">
+          <a:blip r:embed="rId5">
             <a:duotone>
               <a:schemeClr val="accent1">
                 <a:shade val="45000"/>
@@ -18174,10 +19198,10 @@
       </p:pic>
       <p:graphicFrame>
         <p:nvGraphicFramePr>
-          <p:cNvPr id="18" name="Table 17">
+          <p:cNvPr id="14" name="Table 13">
             <a:extLst>
               <a:ext uri="{FF2B5EF4-FFF2-40B4-BE49-F238E27FC236}">
-                <a16:creationId xmlns:a16="http://schemas.microsoft.com/office/drawing/2014/main" id="{497B32AB-D86B-4864-BA88-A48E48B9E84D}"/>
+                <a16:creationId xmlns:a16="http://schemas.microsoft.com/office/drawing/2014/main" id="{F180954B-B445-4FC2-A8C7-C78D5823BE26}"/>
               </a:ext>
             </a:extLst>
           </p:cNvPr>
@@ -18187,111 +19211,44 @@
           <p:nvPr>
             <p:extLst>
               <p:ext uri="{D42A27DB-BD31-4B8C-83A1-F6EECF244321}">
-                <p14:modId xmlns:p14="http://schemas.microsoft.com/office/powerpoint/2010/main" val="1852862731"/>
+                <p14:modId xmlns:p14="http://schemas.microsoft.com/office/powerpoint/2010/main" val="4153443324"/>
               </p:ext>
             </p:extLst>
           </p:nvPr>
         </p:nvGraphicFramePr>
         <p:xfrm>
-          <a:off x="282667" y="2313208"/>
-          <a:ext cx="7267484" cy="3650990"/>
+          <a:off x="7391400" y="1993111"/>
+          <a:ext cx="4800600" cy="2517560"/>
         </p:xfrm>
         <a:graphic>
           <a:graphicData uri="http://schemas.openxmlformats.org/drawingml/2006/table">
             <a:tbl>
               <a:tblPr/>
               <a:tblGrid>
-                <a:gridCol w="5432260">
+                <a:gridCol w="4800600">
                   <a:extLst>
                     <a:ext uri="{9D8B030D-6E8A-4147-A177-3AD203B41FA5}">
-                      <a16:colId xmlns:a16="http://schemas.microsoft.com/office/drawing/2014/main" val="3356052469"/>
-                    </a:ext>
-                  </a:extLst>
-                </a:gridCol>
-                <a:gridCol w="1835224">
-                  <a:extLst>
-                    <a:ext uri="{9D8B030D-6E8A-4147-A177-3AD203B41FA5}">
-                      <a16:colId xmlns:a16="http://schemas.microsoft.com/office/drawing/2014/main" val="3317993951"/>
+                      <a16:colId xmlns:a16="http://schemas.microsoft.com/office/drawing/2014/main" val="2673914551"/>
                     </a:ext>
                   </a:extLst>
                 </a:gridCol>
               </a:tblGrid>
-              <a:tr h="503571">
+              <a:tr h="629390">
                 <a:tc>
                   <a:txBody>
                     <a:bodyPr/>
                     <a:lstStyle/>
                     <a:p>
-                      <a:pPr algn="ctr" rtl="0" fontAlgn="b"/>
+                      <a:pPr algn="ctr" fontAlgn="b"/>
                       <a:r>
-                        <a:rPr lang="en-US" sz="2400" b="1" i="0" u="none" strike="noStrike">
+                        <a:rPr lang="en-US" sz="2000" b="1" i="0" u="none" strike="noStrike" dirty="0">
                           <a:solidFill>
                             <a:srgbClr val="000000"/>
                           </a:solidFill>
                           <a:effectLst/>
                           <a:latin typeface="Calibri" panose="020F0502020204030204" pitchFamily="34" charset="0"/>
                         </a:rPr>
-                        <a:t>Feature:</a:t>
-                      </a:r>
-                    </a:p>
-                  </a:txBody>
-                  <a:tcPr marL="6350" marR="6350" marT="6350" marB="0" anchor="b">
-                    <a:lnL w="6350" cap="flat" cmpd="sng" algn="ctr">
-                      <a:solidFill>
-                        <a:srgbClr val="000000"/>
-                      </a:solidFill>
-                      <a:prstDash val="solid"/>
-                      <a:round/>
-                      <a:headEnd type="none" w="med" len="med"/>
-                      <a:tailEnd type="none" w="med" len="med"/>
-                    </a:lnL>
-                    <a:lnR w="6350" cap="flat" cmpd="sng" algn="ctr">
-                      <a:solidFill>
-                        <a:srgbClr val="000000"/>
-                      </a:solidFill>
-                      <a:prstDash val="solid"/>
-                      <a:round/>
-                      <a:headEnd type="none" w="med" len="med"/>
-                      <a:tailEnd type="none" w="med" len="med"/>
-                    </a:lnR>
-                    <a:lnT w="6350" cap="flat" cmpd="sng" algn="ctr">
-                      <a:solidFill>
-                        <a:srgbClr val="000000"/>
-                      </a:solidFill>
-                      <a:prstDash val="solid"/>
-                      <a:round/>
-                      <a:headEnd type="none" w="med" len="med"/>
-                      <a:tailEnd type="none" w="med" len="med"/>
-                    </a:lnT>
-                    <a:lnB w="6350" cap="flat" cmpd="sng" algn="ctr">
-                      <a:solidFill>
-                        <a:srgbClr val="000000"/>
-                      </a:solidFill>
-                      <a:prstDash val="solid"/>
-                      <a:round/>
-                      <a:headEnd type="none" w="med" len="med"/>
-                      <a:tailEnd type="none" w="med" len="med"/>
-                    </a:lnB>
-                    <a:solidFill>
-                      <a:srgbClr val="FFFFFF"/>
-                    </a:solidFill>
-                  </a:tcPr>
-                </a:tc>
-                <a:tc>
-                  <a:txBody>
-                    <a:bodyPr/>
-                    <a:lstStyle/>
-                    <a:p>
-                      <a:pPr algn="ctr" rtl="0" fontAlgn="b"/>
-                      <a:r>
-                        <a:rPr lang="en-US" sz="2400" b="1" i="0" u="none" strike="noStrike">
-                          <a:solidFill>
-                            <a:srgbClr val="000000"/>
-                          </a:solidFill>
-                          <a:effectLst/>
-                          <a:latin typeface="Calibri" panose="020F0502020204030204" pitchFamily="34" charset="0"/>
-                        </a:rPr>
-                        <a:t>Correlation:</a:t>
+                        <a:t>Negatively Correlated</a:t>
                       </a:r>
                     </a:p>
                   </a:txBody>
@@ -18339,17 +19296,17 @@
                 </a:tc>
                 <a:extLst>
                   <a:ext uri="{0D108BD9-81ED-4DB2-BD59-A6C34878D82A}">
-                    <a16:rowId xmlns:a16="http://schemas.microsoft.com/office/drawing/2014/main" val="282097052"/>
+                    <a16:rowId xmlns:a16="http://schemas.microsoft.com/office/drawing/2014/main" val="4116428125"/>
                   </a:ext>
                 </a:extLst>
               </a:tr>
-              <a:tr h="451252">
+              <a:tr h="629390">
                 <a:tc>
                   <a:txBody>
                     <a:bodyPr/>
                     <a:lstStyle/>
                     <a:p>
-                      <a:pPr algn="l" rtl="0" fontAlgn="b"/>
+                      <a:pPr algn="l" fontAlgn="b"/>
                       <a:r>
                         <a:rPr lang="en-US" sz="1800" b="0" i="0" u="none" strike="noStrike" dirty="0">
                           <a:solidFill>
@@ -18358,67 +19315,7 @@
                           <a:effectLst/>
                           <a:latin typeface="Calibri" panose="020F0502020204030204" pitchFamily="34" charset="0"/>
                         </a:rPr>
-                        <a:t>Exhibiting COVID-19 symptoms</a:t>
-                      </a:r>
-                    </a:p>
-                  </a:txBody>
-                  <a:tcPr marL="6350" marR="6350" marT="6350" marB="0" anchor="b">
-                    <a:lnL w="6350" cap="flat" cmpd="sng" algn="ctr">
-                      <a:solidFill>
-                        <a:srgbClr val="000000"/>
-                      </a:solidFill>
-                      <a:prstDash val="solid"/>
-                      <a:round/>
-                      <a:headEnd type="none" w="med" len="med"/>
-                      <a:tailEnd type="none" w="med" len="med"/>
-                    </a:lnL>
-                    <a:lnR w="6350" cap="flat" cmpd="sng" algn="ctr">
-                      <a:solidFill>
-                        <a:srgbClr val="000000"/>
-                      </a:solidFill>
-                      <a:prstDash val="solid"/>
-                      <a:round/>
-                      <a:headEnd type="none" w="med" len="med"/>
-                      <a:tailEnd type="none" w="med" len="med"/>
-                    </a:lnR>
-                    <a:lnT w="6350" cap="flat" cmpd="sng" algn="ctr">
-                      <a:solidFill>
-                        <a:srgbClr val="000000"/>
-                      </a:solidFill>
-                      <a:prstDash val="solid"/>
-                      <a:round/>
-                      <a:headEnd type="none" w="med" len="med"/>
-                      <a:tailEnd type="none" w="med" len="med"/>
-                    </a:lnT>
-                    <a:lnB w="6350" cap="flat" cmpd="sng" algn="ctr">
-                      <a:solidFill>
-                        <a:srgbClr val="000000"/>
-                      </a:solidFill>
-                      <a:prstDash val="solid"/>
-                      <a:round/>
-                      <a:headEnd type="none" w="med" len="med"/>
-                      <a:tailEnd type="none" w="med" len="med"/>
-                    </a:lnB>
-                    <a:solidFill>
-                      <a:srgbClr val="F2F2F2"/>
-                    </a:solidFill>
-                  </a:tcPr>
-                </a:tc>
-                <a:tc>
-                  <a:txBody>
-                    <a:bodyPr/>
-                    <a:lstStyle/>
-                    <a:p>
-                      <a:pPr algn="ctr" rtl="0" fontAlgn="b"/>
-                      <a:r>
-                        <a:rPr lang="en-US" sz="2600" b="0" i="0" u="none" strike="noStrike">
-                          <a:solidFill>
-                            <a:srgbClr val="000000"/>
-                          </a:solidFill>
-                          <a:effectLst/>
-                          <a:latin typeface="Calibri" panose="020F0502020204030204" pitchFamily="34" charset="0"/>
-                        </a:rPr>
-                        <a:t>+</a:t>
+                        <a:t>Household practiced social distancing and hygiene</a:t>
                       </a:r>
                     </a:p>
                   </a:txBody>
@@ -18466,86 +19363,26 @@
                 </a:tc>
                 <a:extLst>
                   <a:ext uri="{0D108BD9-81ED-4DB2-BD59-A6C34878D82A}">
-                    <a16:rowId xmlns:a16="http://schemas.microsoft.com/office/drawing/2014/main" val="4258238431"/>
+                    <a16:rowId xmlns:a16="http://schemas.microsoft.com/office/drawing/2014/main" val="2217189570"/>
                   </a:ext>
                 </a:extLst>
               </a:tr>
-              <a:tr h="438172">
+              <a:tr h="629390">
                 <a:tc>
                   <a:txBody>
                     <a:bodyPr/>
                     <a:lstStyle/>
                     <a:p>
-                      <a:pPr algn="l" rtl="0" fontAlgn="b"/>
+                      <a:pPr algn="l" fontAlgn="b"/>
                       <a:r>
-                        <a:rPr lang="en-US" sz="1800" b="0" i="0" u="none" strike="noStrike">
+                        <a:rPr lang="en-US" sz="1800" b="0" i="0" u="none" strike="noStrike" dirty="0">
                           <a:solidFill>
                             <a:srgbClr val="000000"/>
                           </a:solidFill>
                           <a:effectLst/>
                           <a:latin typeface="Calibri" panose="020F0502020204030204" pitchFamily="34" charset="0"/>
                         </a:rPr>
-                        <a:t>Belief in contracting the disease</a:t>
-                      </a:r>
-                    </a:p>
-                  </a:txBody>
-                  <a:tcPr marL="6350" marR="6350" marT="6350" marB="0" anchor="b">
-                    <a:lnL w="6350" cap="flat" cmpd="sng" algn="ctr">
-                      <a:solidFill>
-                        <a:srgbClr val="000000"/>
-                      </a:solidFill>
-                      <a:prstDash val="solid"/>
-                      <a:round/>
-                      <a:headEnd type="none" w="med" len="med"/>
-                      <a:tailEnd type="none" w="med" len="med"/>
-                    </a:lnL>
-                    <a:lnR w="6350" cap="flat" cmpd="sng" algn="ctr">
-                      <a:solidFill>
-                        <a:srgbClr val="000000"/>
-                      </a:solidFill>
-                      <a:prstDash val="solid"/>
-                      <a:round/>
-                      <a:headEnd type="none" w="med" len="med"/>
-                      <a:tailEnd type="none" w="med" len="med"/>
-                    </a:lnR>
-                    <a:lnT w="6350" cap="flat" cmpd="sng" algn="ctr">
-                      <a:solidFill>
-                        <a:srgbClr val="000000"/>
-                      </a:solidFill>
-                      <a:prstDash val="solid"/>
-                      <a:round/>
-                      <a:headEnd type="none" w="med" len="med"/>
-                      <a:tailEnd type="none" w="med" len="med"/>
-                    </a:lnT>
-                    <a:lnB w="6350" cap="flat" cmpd="sng" algn="ctr">
-                      <a:solidFill>
-                        <a:srgbClr val="000000"/>
-                      </a:solidFill>
-                      <a:prstDash val="solid"/>
-                      <a:round/>
-                      <a:headEnd type="none" w="med" len="med"/>
-                      <a:tailEnd type="none" w="med" len="med"/>
-                    </a:lnB>
-                    <a:solidFill>
-                      <a:srgbClr val="FFFFFF"/>
-                    </a:solidFill>
-                  </a:tcPr>
-                </a:tc>
-                <a:tc>
-                  <a:txBody>
-                    <a:bodyPr/>
-                    <a:lstStyle/>
-                    <a:p>
-                      <a:pPr algn="ctr" rtl="0" fontAlgn="b"/>
-                      <a:r>
-                        <a:rPr lang="en-US" sz="2600" b="0" i="0" u="none" strike="noStrike">
-                          <a:solidFill>
-                            <a:srgbClr val="000000"/>
-                          </a:solidFill>
-                          <a:effectLst/>
-                          <a:latin typeface="Calibri" panose="020F0502020204030204" pitchFamily="34" charset="0"/>
-                        </a:rPr>
-                        <a:t>+</a:t>
+                        <a:t>Individual practiced social distancing and hygiene</a:t>
                       </a:r>
                     </a:p>
                   </a:txBody>
@@ -18593,86 +19430,26 @@
                 </a:tc>
                 <a:extLst>
                   <a:ext uri="{0D108BD9-81ED-4DB2-BD59-A6C34878D82A}">
-                    <a16:rowId xmlns:a16="http://schemas.microsoft.com/office/drawing/2014/main" val="3976308527"/>
+                    <a16:rowId xmlns:a16="http://schemas.microsoft.com/office/drawing/2014/main" val="4135570023"/>
                   </a:ext>
                 </a:extLst>
               </a:tr>
-              <a:tr h="461062">
+              <a:tr h="629390">
                 <a:tc>
                   <a:txBody>
                     <a:bodyPr/>
                     <a:lstStyle/>
                     <a:p>
-                      <a:pPr algn="l" rtl="0" fontAlgn="b"/>
+                      <a:pPr algn="l" fontAlgn="b"/>
                       <a:r>
-                        <a:rPr lang="en-US" sz="1800" b="0" i="0" u="none" strike="noStrike">
+                        <a:rPr lang="en-US" sz="1800" b="0" i="0" u="none" strike="noStrike" dirty="0">
                           <a:solidFill>
                             <a:srgbClr val="000000"/>
                           </a:solidFill>
                           <a:effectLst/>
                           <a:latin typeface="Calibri" panose="020F0502020204030204" pitchFamily="34" charset="0"/>
                         </a:rPr>
-                        <a:t>Contact with others infected with COVID-19</a:t>
-                      </a:r>
-                    </a:p>
-                  </a:txBody>
-                  <a:tcPr marL="6350" marR="6350" marT="6350" marB="0" anchor="b">
-                    <a:lnL w="6350" cap="flat" cmpd="sng" algn="ctr">
-                      <a:solidFill>
-                        <a:srgbClr val="000000"/>
-                      </a:solidFill>
-                      <a:prstDash val="solid"/>
-                      <a:round/>
-                      <a:headEnd type="none" w="med" len="med"/>
-                      <a:tailEnd type="none" w="med" len="med"/>
-                    </a:lnL>
-                    <a:lnR w="6350" cap="flat" cmpd="sng" algn="ctr">
-                      <a:solidFill>
-                        <a:srgbClr val="000000"/>
-                      </a:solidFill>
-                      <a:prstDash val="solid"/>
-                      <a:round/>
-                      <a:headEnd type="none" w="med" len="med"/>
-                      <a:tailEnd type="none" w="med" len="med"/>
-                    </a:lnR>
-                    <a:lnT w="6350" cap="flat" cmpd="sng" algn="ctr">
-                      <a:solidFill>
-                        <a:srgbClr val="000000"/>
-                      </a:solidFill>
-                      <a:prstDash val="solid"/>
-                      <a:round/>
-                      <a:headEnd type="none" w="med" len="med"/>
-                      <a:tailEnd type="none" w="med" len="med"/>
-                    </a:lnT>
-                    <a:lnB w="6350" cap="flat" cmpd="sng" algn="ctr">
-                      <a:solidFill>
-                        <a:srgbClr val="000000"/>
-                      </a:solidFill>
-                      <a:prstDash val="solid"/>
-                      <a:round/>
-                      <a:headEnd type="none" w="med" len="med"/>
-                      <a:tailEnd type="none" w="med" len="med"/>
-                    </a:lnB>
-                    <a:solidFill>
-                      <a:srgbClr val="F2F2F2"/>
-                    </a:solidFill>
-                  </a:tcPr>
-                </a:tc>
-                <a:tc>
-                  <a:txBody>
-                    <a:bodyPr/>
-                    <a:lstStyle/>
-                    <a:p>
-                      <a:pPr algn="ctr" rtl="0" fontAlgn="b"/>
-                      <a:r>
-                        <a:rPr lang="en-US" sz="2600" b="0" i="0" u="none" strike="noStrike" dirty="0">
-                          <a:solidFill>
-                            <a:srgbClr val="000000"/>
-                          </a:solidFill>
-                          <a:effectLst/>
-                          <a:latin typeface="Calibri" panose="020F0502020204030204" pitchFamily="34" charset="0"/>
-                        </a:rPr>
-                        <a:t>+</a:t>
+                        <a:t>Individual was female</a:t>
                       </a:r>
                     </a:p>
                   </a:txBody>
@@ -18720,86 +19497,106 @@
                 </a:tc>
                 <a:extLst>
                   <a:ext uri="{0D108BD9-81ED-4DB2-BD59-A6C34878D82A}">
-                    <a16:rowId xmlns:a16="http://schemas.microsoft.com/office/drawing/2014/main" val="4162284825"/>
+                    <a16:rowId xmlns:a16="http://schemas.microsoft.com/office/drawing/2014/main" val="3499823358"/>
                   </a:ext>
                 </a:extLst>
               </a:tr>
-              <a:tr h="505960">
+            </a:tbl>
+          </a:graphicData>
+        </a:graphic>
+      </p:graphicFrame>
+      <p:pic>
+        <p:nvPicPr>
+          <p:cNvPr id="10" name="Graphic 9" descr="Woman">
+            <a:extLst>
+              <a:ext uri="{FF2B5EF4-FFF2-40B4-BE49-F238E27FC236}">
+                <a16:creationId xmlns:a16="http://schemas.microsoft.com/office/drawing/2014/main" id="{333D9716-5BAE-4E24-9452-572473DD4661}"/>
+              </a:ext>
+            </a:extLst>
+          </p:cNvPr>
+          <p:cNvPicPr>
+            <a:picLocks noChangeAspect="1"/>
+          </p:cNvPicPr>
+          <p:nvPr/>
+        </p:nvPicPr>
+        <p:blipFill>
+          <a:blip r:embed="rId6">
+            <a:extLst>
+              <a:ext uri="{28A0092B-C50C-407E-A947-70E740481C1C}">
+                <a14:useLocalDpi xmlns:a14="http://schemas.microsoft.com/office/drawing/2010/main" val="0"/>
+              </a:ext>
+              <a:ext uri="{96DAC541-7B7A-43D3-8B79-37D633B846F1}">
+                <asvg:svgBlip xmlns:asvg="http://schemas.microsoft.com/office/drawing/2016/SVG/main" r:embed="rId7"/>
+              </a:ext>
+            </a:extLst>
+          </a:blip>
+          <a:stretch>
+            <a:fillRect/>
+          </a:stretch>
+        </p:blipFill>
+        <p:spPr>
+          <a:xfrm>
+            <a:off x="9508151" y="3899730"/>
+            <a:ext cx="590134" cy="590134"/>
+          </a:xfrm>
+          <a:prstGeom prst="rect">
+            <a:avLst/>
+          </a:prstGeom>
+        </p:spPr>
+      </p:pic>
+      <p:graphicFrame>
+        <p:nvGraphicFramePr>
+          <p:cNvPr id="16" name="Table 15">
+            <a:extLst>
+              <a:ext uri="{FF2B5EF4-FFF2-40B4-BE49-F238E27FC236}">
+                <a16:creationId xmlns:a16="http://schemas.microsoft.com/office/drawing/2014/main" id="{24B1FFF8-A3F8-4F14-A2D2-2EB341F9DA11}"/>
+              </a:ext>
+            </a:extLst>
+          </p:cNvPr>
+          <p:cNvGraphicFramePr>
+            <a:graphicFrameLocks noGrp="1"/>
+          </p:cNvGraphicFramePr>
+          <p:nvPr>
+            <p:extLst>
+              <p:ext uri="{D42A27DB-BD31-4B8C-83A1-F6EECF244321}">
+                <p14:modId xmlns:p14="http://schemas.microsoft.com/office/powerpoint/2010/main" val="3751677613"/>
+              </p:ext>
+            </p:extLst>
+          </p:nvPr>
+        </p:nvGraphicFramePr>
+        <p:xfrm>
+          <a:off x="265265" y="1975308"/>
+          <a:ext cx="6843153" cy="4377348"/>
+        </p:xfrm>
+        <a:graphic>
+          <a:graphicData uri="http://schemas.openxmlformats.org/drawingml/2006/table">
+            <a:tbl>
+              <a:tblPr/>
+              <a:tblGrid>
+                <a:gridCol w="6843153">
+                  <a:extLst>
+                    <a:ext uri="{9D8B030D-6E8A-4147-A177-3AD203B41FA5}">
+                      <a16:colId xmlns:a16="http://schemas.microsoft.com/office/drawing/2014/main" val="1981975742"/>
+                    </a:ext>
+                  </a:extLst>
+                </a:gridCol>
+              </a:tblGrid>
+              <a:tr h="486372">
                 <a:tc>
                   <a:txBody>
                     <a:bodyPr/>
                     <a:lstStyle/>
                     <a:p>
-                      <a:pPr algn="l" rtl="0" fontAlgn="b"/>
+                      <a:pPr algn="ctr" fontAlgn="b"/>
                       <a:r>
-                        <a:rPr lang="en-US" sz="1800" b="0" i="0" u="none" strike="noStrike" dirty="0">
+                        <a:rPr lang="en-US" sz="1800" b="1" i="0" u="none" strike="noStrike" dirty="0">
                           <a:solidFill>
                             <a:srgbClr val="000000"/>
                           </a:solidFill>
                           <a:effectLst/>
                           <a:latin typeface="Calibri" panose="020F0502020204030204" pitchFamily="34" charset="0"/>
                         </a:rPr>
-                        <a:t>Household practiced social distancing &amp; hygiene</a:t>
-                      </a:r>
-                    </a:p>
-                  </a:txBody>
-                  <a:tcPr marL="6350" marR="6350" marT="6350" marB="0" anchor="b">
-                    <a:lnL w="6350" cap="flat" cmpd="sng" algn="ctr">
-                      <a:solidFill>
-                        <a:srgbClr val="000000"/>
-                      </a:solidFill>
-                      <a:prstDash val="solid"/>
-                      <a:round/>
-                      <a:headEnd type="none" w="med" len="med"/>
-                      <a:tailEnd type="none" w="med" len="med"/>
-                    </a:lnL>
-                    <a:lnR w="6350" cap="flat" cmpd="sng" algn="ctr">
-                      <a:solidFill>
-                        <a:srgbClr val="000000"/>
-                      </a:solidFill>
-                      <a:prstDash val="solid"/>
-                      <a:round/>
-                      <a:headEnd type="none" w="med" len="med"/>
-                      <a:tailEnd type="none" w="med" len="med"/>
-                    </a:lnR>
-                    <a:lnT w="6350" cap="flat" cmpd="sng" algn="ctr">
-                      <a:solidFill>
-                        <a:srgbClr val="000000"/>
-                      </a:solidFill>
-                      <a:prstDash val="solid"/>
-                      <a:round/>
-                      <a:headEnd type="none" w="med" len="med"/>
-                      <a:tailEnd type="none" w="med" len="med"/>
-                    </a:lnT>
-                    <a:lnB w="6350" cap="flat" cmpd="sng" algn="ctr">
-                      <a:solidFill>
-                        <a:srgbClr val="000000"/>
-                      </a:solidFill>
-                      <a:prstDash val="solid"/>
-                      <a:round/>
-                      <a:headEnd type="none" w="med" len="med"/>
-                      <a:tailEnd type="none" w="med" len="med"/>
-                    </a:lnB>
-                    <a:solidFill>
-                      <a:srgbClr val="FFFFFF"/>
-                    </a:solidFill>
-                  </a:tcPr>
-                </a:tc>
-                <a:tc>
-                  <a:txBody>
-                    <a:bodyPr/>
-                    <a:lstStyle/>
-                    <a:p>
-                      <a:pPr algn="ctr" rtl="0" fontAlgn="b"/>
-                      <a:r>
-                        <a:rPr lang="en-US" sz="2600" b="0" i="0" u="none" strike="noStrike">
-                          <a:solidFill>
-                            <a:srgbClr val="000000"/>
-                          </a:solidFill>
-                          <a:effectLst/>
-                          <a:latin typeface="Calibri" panose="020F0502020204030204" pitchFamily="34" charset="0"/>
-                        </a:rPr>
-                        <a:t>-</a:t>
+                        <a:t>Positively Correlated</a:t>
                       </a:r>
                     </a:p>
                   </a:txBody>
@@ -18847,17 +19644,17 @@
                 </a:tc>
                 <a:extLst>
                   <a:ext uri="{0D108BD9-81ED-4DB2-BD59-A6C34878D82A}">
-                    <a16:rowId xmlns:a16="http://schemas.microsoft.com/office/drawing/2014/main" val="3828410643"/>
+                    <a16:rowId xmlns:a16="http://schemas.microsoft.com/office/drawing/2014/main" val="3357503309"/>
                   </a:ext>
                 </a:extLst>
               </a:tr>
-              <a:tr h="438172">
+              <a:tr h="486372">
                 <a:tc>
                   <a:txBody>
                     <a:bodyPr/>
                     <a:lstStyle/>
                     <a:p>
-                      <a:pPr algn="l" rtl="0" fontAlgn="b"/>
+                      <a:pPr algn="l" fontAlgn="b"/>
                       <a:r>
                         <a:rPr lang="en-US" sz="1800" b="0" i="0" u="none" strike="noStrike" dirty="0">
                           <a:solidFill>
@@ -18866,67 +19663,7 @@
                           <a:effectLst/>
                           <a:latin typeface="Calibri" panose="020F0502020204030204" pitchFamily="34" charset="0"/>
                         </a:rPr>
-                        <a:t>Taking prescription medication</a:t>
-                      </a:r>
-                    </a:p>
-                  </a:txBody>
-                  <a:tcPr marL="6350" marR="6350" marT="6350" marB="0" anchor="b">
-                    <a:lnL w="6350" cap="flat" cmpd="sng" algn="ctr">
-                      <a:solidFill>
-                        <a:srgbClr val="000000"/>
-                      </a:solidFill>
-                      <a:prstDash val="solid"/>
-                      <a:round/>
-                      <a:headEnd type="none" w="med" len="med"/>
-                      <a:tailEnd type="none" w="med" len="med"/>
-                    </a:lnL>
-                    <a:lnR w="6350" cap="flat" cmpd="sng" algn="ctr">
-                      <a:solidFill>
-                        <a:srgbClr val="000000"/>
-                      </a:solidFill>
-                      <a:prstDash val="solid"/>
-                      <a:round/>
-                      <a:headEnd type="none" w="med" len="med"/>
-                      <a:tailEnd type="none" w="med" len="med"/>
-                    </a:lnR>
-                    <a:lnT w="6350" cap="flat" cmpd="sng" algn="ctr">
-                      <a:solidFill>
-                        <a:srgbClr val="000000"/>
-                      </a:solidFill>
-                      <a:prstDash val="solid"/>
-                      <a:round/>
-                      <a:headEnd type="none" w="med" len="med"/>
-                      <a:tailEnd type="none" w="med" len="med"/>
-                    </a:lnT>
-                    <a:lnB w="6350" cap="flat" cmpd="sng" algn="ctr">
-                      <a:solidFill>
-                        <a:srgbClr val="000000"/>
-                      </a:solidFill>
-                      <a:prstDash val="solid"/>
-                      <a:round/>
-                      <a:headEnd type="none" w="med" len="med"/>
-                      <a:tailEnd type="none" w="med" len="med"/>
-                    </a:lnB>
-                    <a:solidFill>
-                      <a:srgbClr val="F2F2F2"/>
-                    </a:solidFill>
-                  </a:tcPr>
-                </a:tc>
-                <a:tc>
-                  <a:txBody>
-                    <a:bodyPr/>
-                    <a:lstStyle/>
-                    <a:p>
-                      <a:pPr algn="ctr" rtl="0" fontAlgn="b"/>
-                      <a:r>
-                        <a:rPr lang="en-US" sz="2600" b="0" i="0" u="none" strike="noStrike">
-                          <a:solidFill>
-                            <a:srgbClr val="000000"/>
-                          </a:solidFill>
-                          <a:effectLst/>
-                          <a:latin typeface="Calibri" panose="020F0502020204030204" pitchFamily="34" charset="0"/>
-                        </a:rPr>
-                        <a:t>+</a:t>
+                        <a:t>Individual believed they contracted COVID-19</a:t>
                       </a:r>
                     </a:p>
                   </a:txBody>
@@ -18974,86 +19711,26 @@
                 </a:tc>
                 <a:extLst>
                   <a:ext uri="{0D108BD9-81ED-4DB2-BD59-A6C34878D82A}">
-                    <a16:rowId xmlns:a16="http://schemas.microsoft.com/office/drawing/2014/main" val="3686016146"/>
+                    <a16:rowId xmlns:a16="http://schemas.microsoft.com/office/drawing/2014/main" val="2590479393"/>
                   </a:ext>
                 </a:extLst>
               </a:tr>
-              <a:tr h="438172">
+              <a:tr h="486372">
                 <a:tc>
                   <a:txBody>
                     <a:bodyPr/>
                     <a:lstStyle/>
                     <a:p>
-                      <a:pPr algn="l" rtl="0" fontAlgn="b"/>
+                      <a:pPr algn="l" fontAlgn="b"/>
                       <a:r>
-                        <a:rPr lang="en-US" sz="1800" b="0" i="0" u="none" strike="noStrike">
+                        <a:rPr lang="en-US" sz="1800" b="0" i="0" u="none" strike="noStrike" dirty="0">
                           <a:solidFill>
                             <a:srgbClr val="000000"/>
                           </a:solidFill>
                           <a:effectLst/>
                           <a:latin typeface="Calibri" panose="020F0502020204030204" pitchFamily="34" charset="0"/>
                         </a:rPr>
-                        <a:t>Travel</a:t>
-                      </a:r>
-                    </a:p>
-                  </a:txBody>
-                  <a:tcPr marL="6350" marR="6350" marT="6350" marB="0" anchor="b">
-                    <a:lnL w="6350" cap="flat" cmpd="sng" algn="ctr">
-                      <a:solidFill>
-                        <a:srgbClr val="000000"/>
-                      </a:solidFill>
-                      <a:prstDash val="solid"/>
-                      <a:round/>
-                      <a:headEnd type="none" w="med" len="med"/>
-                      <a:tailEnd type="none" w="med" len="med"/>
-                    </a:lnL>
-                    <a:lnR w="6350" cap="flat" cmpd="sng" algn="ctr">
-                      <a:solidFill>
-                        <a:srgbClr val="000000"/>
-                      </a:solidFill>
-                      <a:prstDash val="solid"/>
-                      <a:round/>
-                      <a:headEnd type="none" w="med" len="med"/>
-                      <a:tailEnd type="none" w="med" len="med"/>
-                    </a:lnR>
-                    <a:lnT w="6350" cap="flat" cmpd="sng" algn="ctr">
-                      <a:solidFill>
-                        <a:srgbClr val="000000"/>
-                      </a:solidFill>
-                      <a:prstDash val="solid"/>
-                      <a:round/>
-                      <a:headEnd type="none" w="med" len="med"/>
-                      <a:tailEnd type="none" w="med" len="med"/>
-                    </a:lnT>
-                    <a:lnB w="6350" cap="flat" cmpd="sng" algn="ctr">
-                      <a:solidFill>
-                        <a:srgbClr val="000000"/>
-                      </a:solidFill>
-                      <a:prstDash val="solid"/>
-                      <a:round/>
-                      <a:headEnd type="none" w="med" len="med"/>
-                      <a:tailEnd type="none" w="med" len="med"/>
-                    </a:lnB>
-                    <a:solidFill>
-                      <a:srgbClr val="FFFFFF"/>
-                    </a:solidFill>
-                  </a:tcPr>
-                </a:tc>
-                <a:tc>
-                  <a:txBody>
-                    <a:bodyPr/>
-                    <a:lstStyle/>
-                    <a:p>
-                      <a:pPr algn="ctr" rtl="0" fontAlgn="b"/>
-                      <a:r>
-                        <a:rPr lang="en-US" sz="2600" b="0" i="0" u="none" strike="noStrike">
-                          <a:solidFill>
-                            <a:srgbClr val="000000"/>
-                          </a:solidFill>
-                          <a:effectLst/>
-                          <a:latin typeface="Calibri" panose="020F0502020204030204" pitchFamily="34" charset="0"/>
-                        </a:rPr>
-                        <a:t>+</a:t>
+                        <a:t>Individual exhibited COVID-19 symptoms</a:t>
                       </a:r>
                     </a:p>
                   </a:txBody>
@@ -19101,17 +19778,17 @@
                 </a:tc>
                 <a:extLst>
                   <a:ext uri="{0D108BD9-81ED-4DB2-BD59-A6C34878D82A}">
-                    <a16:rowId xmlns:a16="http://schemas.microsoft.com/office/drawing/2014/main" val="1846506930"/>
+                    <a16:rowId xmlns:a16="http://schemas.microsoft.com/office/drawing/2014/main" val="2739320367"/>
                   </a:ext>
                 </a:extLst>
               </a:tr>
-              <a:tr h="414629">
+              <a:tr h="486372">
                 <a:tc>
                   <a:txBody>
                     <a:bodyPr/>
                     <a:lstStyle/>
                     <a:p>
-                      <a:pPr algn="l" rtl="0" fontAlgn="b"/>
+                      <a:pPr algn="l" fontAlgn="b"/>
                       <a:r>
                         <a:rPr lang="en-US" sz="1800" b="0" i="0" u="none" strike="noStrike" dirty="0">
                           <a:solidFill>
@@ -19120,67 +19797,7 @@
                           <a:effectLst/>
                           <a:latin typeface="Calibri" panose="020F0502020204030204" pitchFamily="34" charset="0"/>
                         </a:rPr>
-                        <a:t>Individual practiced social distancing &amp; hygiene</a:t>
-                      </a:r>
-                    </a:p>
-                  </a:txBody>
-                  <a:tcPr marL="6350" marR="6350" marT="6350" marB="0" anchor="b">
-                    <a:lnL w="6350" cap="flat" cmpd="sng" algn="ctr">
-                      <a:solidFill>
-                        <a:srgbClr val="000000"/>
-                      </a:solidFill>
-                      <a:prstDash val="solid"/>
-                      <a:round/>
-                      <a:headEnd type="none" w="med" len="med"/>
-                      <a:tailEnd type="none" w="med" len="med"/>
-                    </a:lnL>
-                    <a:lnR w="6350" cap="flat" cmpd="sng" algn="ctr">
-                      <a:solidFill>
-                        <a:srgbClr val="000000"/>
-                      </a:solidFill>
-                      <a:prstDash val="solid"/>
-                      <a:round/>
-                      <a:headEnd type="none" w="med" len="med"/>
-                      <a:tailEnd type="none" w="med" len="med"/>
-                    </a:lnR>
-                    <a:lnT w="6350" cap="flat" cmpd="sng" algn="ctr">
-                      <a:solidFill>
-                        <a:srgbClr val="000000"/>
-                      </a:solidFill>
-                      <a:prstDash val="solid"/>
-                      <a:round/>
-                      <a:headEnd type="none" w="med" len="med"/>
-                      <a:tailEnd type="none" w="med" len="med"/>
-                    </a:lnT>
-                    <a:lnB w="6350" cap="flat" cmpd="sng" algn="ctr">
-                      <a:solidFill>
-                        <a:srgbClr val="000000"/>
-                      </a:solidFill>
-                      <a:prstDash val="solid"/>
-                      <a:round/>
-                      <a:headEnd type="none" w="med" len="med"/>
-                      <a:tailEnd type="none" w="med" len="med"/>
-                    </a:lnB>
-                    <a:solidFill>
-                      <a:srgbClr val="F2F2F2"/>
-                    </a:solidFill>
-                  </a:tcPr>
-                </a:tc>
-                <a:tc>
-                  <a:txBody>
-                    <a:bodyPr/>
-                    <a:lstStyle/>
-                    <a:p>
-                      <a:pPr algn="ctr" rtl="0" fontAlgn="b"/>
-                      <a:r>
-                        <a:rPr lang="en-US" sz="2600" b="0" i="0" u="none" strike="noStrike" dirty="0">
-                          <a:solidFill>
-                            <a:srgbClr val="000000"/>
-                          </a:solidFill>
-                          <a:effectLst/>
-                          <a:latin typeface="Calibri" panose="020F0502020204030204" pitchFamily="34" charset="0"/>
-                        </a:rPr>
-                        <a:t>-</a:t>
+                        <a:t>Individual came in contact with another who was COVID-19+</a:t>
                       </a:r>
                     </a:p>
                   </a:txBody>
@@ -19228,7 +19845,342 @@
                 </a:tc>
                 <a:extLst>
                   <a:ext uri="{0D108BD9-81ED-4DB2-BD59-A6C34878D82A}">
-                    <a16:rowId xmlns:a16="http://schemas.microsoft.com/office/drawing/2014/main" val="4212778254"/>
+                    <a16:rowId xmlns:a16="http://schemas.microsoft.com/office/drawing/2014/main" val="2177389538"/>
+                  </a:ext>
+                </a:extLst>
+              </a:tr>
+              <a:tr h="486372">
+                <a:tc>
+                  <a:txBody>
+                    <a:bodyPr/>
+                    <a:lstStyle/>
+                    <a:p>
+                      <a:pPr algn="l" fontAlgn="b"/>
+                      <a:r>
+                        <a:rPr lang="en-US" sz="1800" b="0" i="0" u="none" strike="noStrike" dirty="0">
+                          <a:solidFill>
+                            <a:srgbClr val="000000"/>
+                          </a:solidFill>
+                          <a:effectLst/>
+                          <a:latin typeface="Calibri" panose="020F0502020204030204" pitchFamily="34" charset="0"/>
+                        </a:rPr>
+                        <a:t>Individual did not respond if they believed they could die from COVID-19</a:t>
+                      </a:r>
+                    </a:p>
+                  </a:txBody>
+                  <a:tcPr marL="6350" marR="6350" marT="6350" marB="0" anchor="b">
+                    <a:lnL w="6350" cap="flat" cmpd="sng" algn="ctr">
+                      <a:solidFill>
+                        <a:srgbClr val="000000"/>
+                      </a:solidFill>
+                      <a:prstDash val="solid"/>
+                      <a:round/>
+                      <a:headEnd type="none" w="med" len="med"/>
+                      <a:tailEnd type="none" w="med" len="med"/>
+                    </a:lnL>
+                    <a:lnR w="6350" cap="flat" cmpd="sng" algn="ctr">
+                      <a:solidFill>
+                        <a:srgbClr val="000000"/>
+                      </a:solidFill>
+                      <a:prstDash val="solid"/>
+                      <a:round/>
+                      <a:headEnd type="none" w="med" len="med"/>
+                      <a:tailEnd type="none" w="med" len="med"/>
+                    </a:lnR>
+                    <a:lnT w="6350" cap="flat" cmpd="sng" algn="ctr">
+                      <a:solidFill>
+                        <a:srgbClr val="000000"/>
+                      </a:solidFill>
+                      <a:prstDash val="solid"/>
+                      <a:round/>
+                      <a:headEnd type="none" w="med" len="med"/>
+                      <a:tailEnd type="none" w="med" len="med"/>
+                    </a:lnT>
+                    <a:lnB w="6350" cap="flat" cmpd="sng" algn="ctr">
+                      <a:solidFill>
+                        <a:srgbClr val="000000"/>
+                      </a:solidFill>
+                      <a:prstDash val="solid"/>
+                      <a:round/>
+                      <a:headEnd type="none" w="med" len="med"/>
+                      <a:tailEnd type="none" w="med" len="med"/>
+                    </a:lnB>
+                    <a:solidFill>
+                      <a:srgbClr val="FFFFFF"/>
+                    </a:solidFill>
+                  </a:tcPr>
+                </a:tc>
+                <a:extLst>
+                  <a:ext uri="{0D108BD9-81ED-4DB2-BD59-A6C34878D82A}">
+                    <a16:rowId xmlns:a16="http://schemas.microsoft.com/office/drawing/2014/main" val="3692206361"/>
+                  </a:ext>
+                </a:extLst>
+              </a:tr>
+              <a:tr h="486372">
+                <a:tc>
+                  <a:txBody>
+                    <a:bodyPr/>
+                    <a:lstStyle/>
+                    <a:p>
+                      <a:pPr algn="l" fontAlgn="b"/>
+                      <a:r>
+                        <a:rPr lang="en-US" sz="1800" b="0" i="0" u="none" strike="noStrike" dirty="0">
+                          <a:solidFill>
+                            <a:srgbClr val="000000"/>
+                          </a:solidFill>
+                          <a:effectLst/>
+                          <a:latin typeface="Calibri" panose="020F0502020204030204" pitchFamily="34" charset="0"/>
+                        </a:rPr>
+                        <a:t>Individual did not respond if they believed they could die from COVID-19</a:t>
+                      </a:r>
+                    </a:p>
+                  </a:txBody>
+                  <a:tcPr marL="6350" marR="6350" marT="6350" marB="0" anchor="b">
+                    <a:lnL w="6350" cap="flat" cmpd="sng" algn="ctr">
+                      <a:solidFill>
+                        <a:srgbClr val="000000"/>
+                      </a:solidFill>
+                      <a:prstDash val="solid"/>
+                      <a:round/>
+                      <a:headEnd type="none" w="med" len="med"/>
+                      <a:tailEnd type="none" w="med" len="med"/>
+                    </a:lnL>
+                    <a:lnR w="6350" cap="flat" cmpd="sng" algn="ctr">
+                      <a:solidFill>
+                        <a:srgbClr val="000000"/>
+                      </a:solidFill>
+                      <a:prstDash val="solid"/>
+                      <a:round/>
+                      <a:headEnd type="none" w="med" len="med"/>
+                      <a:tailEnd type="none" w="med" len="med"/>
+                    </a:lnR>
+                    <a:lnT w="6350" cap="flat" cmpd="sng" algn="ctr">
+                      <a:solidFill>
+                        <a:srgbClr val="000000"/>
+                      </a:solidFill>
+                      <a:prstDash val="solid"/>
+                      <a:round/>
+                      <a:headEnd type="none" w="med" len="med"/>
+                      <a:tailEnd type="none" w="med" len="med"/>
+                    </a:lnT>
+                    <a:lnB w="6350" cap="flat" cmpd="sng" algn="ctr">
+                      <a:solidFill>
+                        <a:srgbClr val="000000"/>
+                      </a:solidFill>
+                      <a:prstDash val="solid"/>
+                      <a:round/>
+                      <a:headEnd type="none" w="med" len="med"/>
+                      <a:tailEnd type="none" w="med" len="med"/>
+                    </a:lnB>
+                    <a:solidFill>
+                      <a:srgbClr val="F2F2F2"/>
+                    </a:solidFill>
+                  </a:tcPr>
+                </a:tc>
+                <a:extLst>
+                  <a:ext uri="{0D108BD9-81ED-4DB2-BD59-A6C34878D82A}">
+                    <a16:rowId xmlns:a16="http://schemas.microsoft.com/office/drawing/2014/main" val="3551698161"/>
+                  </a:ext>
+                </a:extLst>
+              </a:tr>
+              <a:tr h="486372">
+                <a:tc>
+                  <a:txBody>
+                    <a:bodyPr/>
+                    <a:lstStyle/>
+                    <a:p>
+                      <a:pPr algn="l" fontAlgn="b"/>
+                      <a:r>
+                        <a:rPr lang="en-US" sz="1800" b="0" i="0" u="none" strike="noStrike" dirty="0">
+                          <a:solidFill>
+                            <a:srgbClr val="000000"/>
+                          </a:solidFill>
+                          <a:effectLst/>
+                          <a:latin typeface="Calibri" panose="020F0502020204030204" pitchFamily="34" charset="0"/>
+                        </a:rPr>
+                        <a:t>Individual was male</a:t>
+                      </a:r>
+                    </a:p>
+                  </a:txBody>
+                  <a:tcPr marL="6350" marR="6350" marT="6350" marB="0" anchor="b">
+                    <a:lnL w="6350" cap="flat" cmpd="sng" algn="ctr">
+                      <a:solidFill>
+                        <a:srgbClr val="000000"/>
+                      </a:solidFill>
+                      <a:prstDash val="solid"/>
+                      <a:round/>
+                      <a:headEnd type="none" w="med" len="med"/>
+                      <a:tailEnd type="none" w="med" len="med"/>
+                    </a:lnL>
+                    <a:lnR w="6350" cap="flat" cmpd="sng" algn="ctr">
+                      <a:solidFill>
+                        <a:srgbClr val="000000"/>
+                      </a:solidFill>
+                      <a:prstDash val="solid"/>
+                      <a:round/>
+                      <a:headEnd type="none" w="med" len="med"/>
+                      <a:tailEnd type="none" w="med" len="med"/>
+                    </a:lnR>
+                    <a:lnT w="6350" cap="flat" cmpd="sng" algn="ctr">
+                      <a:solidFill>
+                        <a:srgbClr val="000000"/>
+                      </a:solidFill>
+                      <a:prstDash val="solid"/>
+                      <a:round/>
+                      <a:headEnd type="none" w="med" len="med"/>
+                      <a:tailEnd type="none" w="med" len="med"/>
+                    </a:lnT>
+                    <a:lnB w="6350" cap="flat" cmpd="sng" algn="ctr">
+                      <a:solidFill>
+                        <a:srgbClr val="000000"/>
+                      </a:solidFill>
+                      <a:prstDash val="solid"/>
+                      <a:round/>
+                      <a:headEnd type="none" w="med" len="med"/>
+                      <a:tailEnd type="none" w="med" len="med"/>
+                    </a:lnB>
+                    <a:solidFill>
+                      <a:srgbClr val="FFFFFF"/>
+                    </a:solidFill>
+                  </a:tcPr>
+                </a:tc>
+                <a:extLst>
+                  <a:ext uri="{0D108BD9-81ED-4DB2-BD59-A6C34878D82A}">
+                    <a16:rowId xmlns:a16="http://schemas.microsoft.com/office/drawing/2014/main" val="1635764257"/>
+                  </a:ext>
+                </a:extLst>
+              </a:tr>
+              <a:tr h="486372">
+                <a:tc>
+                  <a:txBody>
+                    <a:bodyPr/>
+                    <a:lstStyle/>
+                    <a:p>
+                      <a:pPr algn="l" fontAlgn="b"/>
+                      <a:r>
+                        <a:rPr lang="en-US" sz="1800" b="0" i="0" u="none" strike="noStrike" dirty="0">
+                          <a:solidFill>
+                            <a:srgbClr val="000000"/>
+                          </a:solidFill>
+                          <a:effectLst/>
+                          <a:latin typeface="Calibri" panose="020F0502020204030204" pitchFamily="34" charset="0"/>
+                        </a:rPr>
+                        <a:t>Body Mass Index (kg/m** 2)</a:t>
+                      </a:r>
+                    </a:p>
+                  </a:txBody>
+                  <a:tcPr marL="6350" marR="6350" marT="6350" marB="0" anchor="b">
+                    <a:lnL w="6350" cap="flat" cmpd="sng" algn="ctr">
+                      <a:solidFill>
+                        <a:srgbClr val="000000"/>
+                      </a:solidFill>
+                      <a:prstDash val="solid"/>
+                      <a:round/>
+                      <a:headEnd type="none" w="med" len="med"/>
+                      <a:tailEnd type="none" w="med" len="med"/>
+                    </a:lnL>
+                    <a:lnR w="6350" cap="flat" cmpd="sng" algn="ctr">
+                      <a:solidFill>
+                        <a:srgbClr val="000000"/>
+                      </a:solidFill>
+                      <a:prstDash val="solid"/>
+                      <a:round/>
+                      <a:headEnd type="none" w="med" len="med"/>
+                      <a:tailEnd type="none" w="med" len="med"/>
+                    </a:lnR>
+                    <a:lnT w="6350" cap="flat" cmpd="sng" algn="ctr">
+                      <a:solidFill>
+                        <a:srgbClr val="000000"/>
+                      </a:solidFill>
+                      <a:prstDash val="solid"/>
+                      <a:round/>
+                      <a:headEnd type="none" w="med" len="med"/>
+                      <a:tailEnd type="none" w="med" len="med"/>
+                    </a:lnT>
+                    <a:lnB w="6350" cap="flat" cmpd="sng" algn="ctr">
+                      <a:solidFill>
+                        <a:srgbClr val="000000"/>
+                      </a:solidFill>
+                      <a:prstDash val="solid"/>
+                      <a:round/>
+                      <a:headEnd type="none" w="med" len="med"/>
+                      <a:tailEnd type="none" w="med" len="med"/>
+                    </a:lnB>
+                    <a:solidFill>
+                      <a:srgbClr val="F2F2F2"/>
+                    </a:solidFill>
+                  </a:tcPr>
+                </a:tc>
+                <a:extLst>
+                  <a:ext uri="{0D108BD9-81ED-4DB2-BD59-A6C34878D82A}">
+                    <a16:rowId xmlns:a16="http://schemas.microsoft.com/office/drawing/2014/main" val="844221050"/>
+                  </a:ext>
+                </a:extLst>
+              </a:tr>
+              <a:tr h="486372">
+                <a:tc>
+                  <a:txBody>
+                    <a:bodyPr/>
+                    <a:lstStyle/>
+                    <a:p>
+                      <a:pPr algn="l" fontAlgn="b"/>
+                      <a:r>
+                        <a:rPr lang="en-US" sz="1800" b="0" i="0" u="none" strike="noStrike" dirty="0">
+                          <a:solidFill>
+                            <a:srgbClr val="000000"/>
+                          </a:solidFill>
+                          <a:effectLst/>
+                          <a:latin typeface="Calibri" panose="020F0502020204030204" pitchFamily="34" charset="0"/>
+                        </a:rPr>
+                        <a:t>The individual was taking prescription medication</a:t>
+                      </a:r>
+                    </a:p>
+                  </a:txBody>
+                  <a:tcPr marL="6350" marR="6350" marT="6350" marB="0" anchor="b">
+                    <a:lnL w="6350" cap="flat" cmpd="sng" algn="ctr">
+                      <a:solidFill>
+                        <a:srgbClr val="000000"/>
+                      </a:solidFill>
+                      <a:prstDash val="solid"/>
+                      <a:round/>
+                      <a:headEnd type="none" w="med" len="med"/>
+                      <a:tailEnd type="none" w="med" len="med"/>
+                    </a:lnL>
+                    <a:lnR w="6350" cap="flat" cmpd="sng" algn="ctr">
+                      <a:solidFill>
+                        <a:srgbClr val="000000"/>
+                      </a:solidFill>
+                      <a:prstDash val="solid"/>
+                      <a:round/>
+                      <a:headEnd type="none" w="med" len="med"/>
+                      <a:tailEnd type="none" w="med" len="med"/>
+                    </a:lnR>
+                    <a:lnT w="6350" cap="flat" cmpd="sng" algn="ctr">
+                      <a:solidFill>
+                        <a:srgbClr val="000000"/>
+                      </a:solidFill>
+                      <a:prstDash val="solid"/>
+                      <a:round/>
+                      <a:headEnd type="none" w="med" len="med"/>
+                      <a:tailEnd type="none" w="med" len="med"/>
+                    </a:lnT>
+                    <a:lnB w="6350" cap="flat" cmpd="sng" algn="ctr">
+                      <a:solidFill>
+                        <a:srgbClr val="000000"/>
+                      </a:solidFill>
+                      <a:prstDash val="solid"/>
+                      <a:round/>
+                      <a:headEnd type="none" w="med" len="med"/>
+                      <a:tailEnd type="none" w="med" len="med"/>
+                    </a:lnB>
+                    <a:solidFill>
+                      <a:srgbClr val="FFFFFF"/>
+                    </a:solidFill>
+                  </a:tcPr>
+                </a:tc>
+                <a:extLst>
+                  <a:ext uri="{0D108BD9-81ED-4DB2-BD59-A6C34878D82A}">
+                    <a16:rowId xmlns:a16="http://schemas.microsoft.com/office/drawing/2014/main" val="339050399"/>
                   </a:ext>
                 </a:extLst>
               </a:tr>
@@ -19236,210 +20188,252 @@
           </a:graphicData>
         </a:graphic>
       </p:graphicFrame>
-      <p:sp>
-        <p:nvSpPr>
-          <p:cNvPr id="36" name="Flowchart: Connector 35">
+      <p:pic>
+        <p:nvPicPr>
+          <p:cNvPr id="8" name="Graphic 7" descr="Man">
             <a:extLst>
               <a:ext uri="{FF2B5EF4-FFF2-40B4-BE49-F238E27FC236}">
-                <a16:creationId xmlns:a16="http://schemas.microsoft.com/office/drawing/2014/main" id="{084BA0E7-0D0F-4DF0-8B93-9EE06DDA3C39}"/>
+                <a16:creationId xmlns:a16="http://schemas.microsoft.com/office/drawing/2014/main" id="{92E47B00-26A8-40A4-A8F2-A1E065E68FC9}"/>
               </a:ext>
             </a:extLst>
           </p:cNvPr>
-          <p:cNvSpPr/>
+          <p:cNvPicPr>
+            <a:picLocks noChangeAspect="1"/>
+          </p:cNvPicPr>
           <p:nvPr/>
-        </p:nvSpPr>
+        </p:nvPicPr>
+        <p:blipFill>
+          <a:blip r:embed="rId8">
+            <a:extLst>
+              <a:ext uri="{28A0092B-C50C-407E-A947-70E740481C1C}">
+                <a14:useLocalDpi xmlns:a14="http://schemas.microsoft.com/office/drawing/2010/main" val="0"/>
+              </a:ext>
+              <a:ext uri="{96DAC541-7B7A-43D3-8B79-37D633B846F1}">
+                <asvg:svgBlip xmlns:asvg="http://schemas.microsoft.com/office/drawing/2016/SVG/main" r:embed="rId9"/>
+              </a:ext>
+            </a:extLst>
+          </a:blip>
+          <a:stretch>
+            <a:fillRect/>
+          </a:stretch>
+        </p:blipFill>
         <p:spPr>
           <a:xfrm>
-            <a:off x="4948311" y="3814145"/>
-            <a:ext cx="166967" cy="173280"/>
+            <a:off x="3087253" y="4881566"/>
+            <a:ext cx="1011495" cy="1011495"/>
           </a:xfrm>
-          <a:prstGeom prst="flowChartConnector">
+          <a:prstGeom prst="rect">
             <a:avLst/>
           </a:prstGeom>
-          <a:solidFill>
-            <a:schemeClr val="accent1">
-              <a:lumMod val="75000"/>
-            </a:schemeClr>
-          </a:solidFill>
         </p:spPr>
-        <p:style>
-          <a:lnRef idx="2">
-            <a:schemeClr val="accent1">
-              <a:shade val="50000"/>
-            </a:schemeClr>
-          </a:lnRef>
-          <a:fillRef idx="1">
-            <a:schemeClr val="accent1"/>
-          </a:fillRef>
-          <a:effectRef idx="0">
-            <a:schemeClr val="accent1"/>
-          </a:effectRef>
-          <a:fontRef idx="minor">
-            <a:schemeClr val="lt1"/>
-          </a:fontRef>
-        </p:style>
-        <p:txBody>
-          <a:bodyPr rtlCol="0" anchor="ctr"/>
-          <a:lstStyle/>
-          <a:p>
-            <a:pPr algn="ctr"/>
-            <a:endParaRPr lang="en-US"/>
-          </a:p>
-        </p:txBody>
-      </p:sp>
-      <p:sp>
-        <p:nvSpPr>
-          <p:cNvPr id="45" name="Flowchart: Connector 44">
+      </p:pic>
+      <p:pic>
+        <p:nvPicPr>
+          <p:cNvPr id="12" name="Picture 11">
             <a:extLst>
               <a:ext uri="{FF2B5EF4-FFF2-40B4-BE49-F238E27FC236}">
-                <a16:creationId xmlns:a16="http://schemas.microsoft.com/office/drawing/2014/main" id="{57F034DA-6C66-4110-B7B3-4427168E7D42}"/>
+                <a16:creationId xmlns:a16="http://schemas.microsoft.com/office/drawing/2014/main" id="{F9048C64-EBB8-478E-84BD-7F0514D6D944}"/>
               </a:ext>
             </a:extLst>
           </p:cNvPr>
-          <p:cNvSpPr/>
+          <p:cNvPicPr>
+            <a:picLocks noChangeAspect="1"/>
+          </p:cNvPicPr>
           <p:nvPr/>
-        </p:nvSpPr>
+        </p:nvPicPr>
+        <p:blipFill>
+          <a:blip r:embed="rId10">
+            <a:duotone>
+              <a:schemeClr val="accent1">
+                <a:shade val="45000"/>
+                <a:satMod val="135000"/>
+              </a:schemeClr>
+              <a:prstClr val="white"/>
+            </a:duotone>
+          </a:blip>
+          <a:stretch>
+            <a:fillRect/>
+          </a:stretch>
+        </p:blipFill>
         <p:spPr>
           <a:xfrm>
-            <a:off x="4948311" y="5221640"/>
-            <a:ext cx="166967" cy="173280"/>
+            <a:off x="6303040" y="3123020"/>
+            <a:ext cx="678957" cy="745896"/>
           </a:xfrm>
-          <a:prstGeom prst="flowChartConnector">
+          <a:prstGeom prst="rect">
             <a:avLst/>
           </a:prstGeom>
-          <a:solidFill>
-            <a:schemeClr val="accent1">
-              <a:lumMod val="75000"/>
-            </a:schemeClr>
-          </a:solidFill>
         </p:spPr>
-        <p:style>
-          <a:lnRef idx="2">
-            <a:schemeClr val="accent1">
-              <a:shade val="50000"/>
-            </a:schemeClr>
-          </a:lnRef>
-          <a:fillRef idx="1">
-            <a:schemeClr val="accent1"/>
-          </a:fillRef>
-          <a:effectRef idx="0">
-            <a:schemeClr val="accent1"/>
-          </a:effectRef>
-          <a:fontRef idx="minor">
-            <a:schemeClr val="lt1"/>
-          </a:fontRef>
-        </p:style>
-        <p:txBody>
-          <a:bodyPr rtlCol="0" anchor="ctr"/>
-          <a:lstStyle/>
-          <a:p>
-            <a:pPr algn="ctr"/>
-            <a:endParaRPr lang="en-US"/>
-          </a:p>
-        </p:txBody>
-      </p:sp>
-      <p:sp>
-        <p:nvSpPr>
-          <p:cNvPr id="46" name="Flowchart: Connector 45">
+      </p:pic>
+      <p:pic>
+        <p:nvPicPr>
+          <p:cNvPr id="1028" name="Picture 4" descr="Predicting the Dynamics of Non-Adherence | CVS Health Payor Solutions">
             <a:extLst>
               <a:ext uri="{FF2B5EF4-FFF2-40B4-BE49-F238E27FC236}">
-                <a16:creationId xmlns:a16="http://schemas.microsoft.com/office/drawing/2014/main" id="{F8720CAE-7F4F-4F8E-B9D4-972E917D87E9}"/>
+                <a16:creationId xmlns:a16="http://schemas.microsoft.com/office/drawing/2014/main" id="{42059801-7FB1-469D-A443-4B769B4192C6}"/>
               </a:ext>
             </a:extLst>
           </p:cNvPr>
-          <p:cNvSpPr/>
+          <p:cNvPicPr>
+            <a:picLocks noChangeAspect="1" noChangeArrowheads="1"/>
+          </p:cNvPicPr>
           <p:nvPr/>
-        </p:nvSpPr>
-        <p:spPr>
+        </p:nvPicPr>
+        <p:blipFill>
+          <a:blip r:embed="rId11" cstate="print">
+            <a:duotone>
+              <a:schemeClr val="accent1">
+                <a:shade val="45000"/>
+                <a:satMod val="135000"/>
+              </a:schemeClr>
+              <a:prstClr val="white"/>
+            </a:duotone>
+            <a:extLst>
+              <a:ext uri="{28A0092B-C50C-407E-A947-70E740481C1C}">
+                <a14:useLocalDpi xmlns:a14="http://schemas.microsoft.com/office/drawing/2010/main" val="0"/>
+              </a:ext>
+            </a:extLst>
+          </a:blip>
+          <a:srcRect/>
+          <a:stretch>
+            <a:fillRect/>
+          </a:stretch>
+        </p:blipFill>
+        <p:spPr bwMode="auto">
           <a:xfrm>
-            <a:off x="4948310" y="4331924"/>
-            <a:ext cx="166967" cy="173280"/>
+            <a:off x="5032392" y="5941000"/>
+            <a:ext cx="373858" cy="373858"/>
           </a:xfrm>
-          <a:prstGeom prst="flowChartConnector">
+          <a:prstGeom prst="rect">
             <a:avLst/>
           </a:prstGeom>
-          <a:solidFill>
-            <a:schemeClr val="accent1">
-              <a:lumMod val="75000"/>
-            </a:schemeClr>
-          </a:solidFill>
+          <a:noFill/>
+          <a:extLst>
+            <a:ext uri="{909E8E84-426E-40DD-AFC4-6F175D3DCCD1}">
+              <a14:hiddenFill xmlns:a14="http://schemas.microsoft.com/office/drawing/2010/main">
+                <a:solidFill>
+                  <a:srgbClr val="FFFFFF"/>
+                </a:solidFill>
+              </a14:hiddenFill>
+            </a:ext>
+          </a:extLst>
         </p:spPr>
-        <p:style>
-          <a:lnRef idx="2">
-            <a:schemeClr val="accent1">
-              <a:shade val="50000"/>
-            </a:schemeClr>
-          </a:lnRef>
-          <a:fillRef idx="1">
-            <a:schemeClr val="accent1"/>
-          </a:fillRef>
-          <a:effectRef idx="0">
-            <a:schemeClr val="accent1"/>
-          </a:effectRef>
-          <a:fontRef idx="minor">
-            <a:schemeClr val="lt1"/>
-          </a:fontRef>
-        </p:style>
-        <p:txBody>
-          <a:bodyPr rtlCol="0" anchor="ctr"/>
-          <a:lstStyle/>
-          <a:p>
-            <a:pPr algn="ctr"/>
-            <a:endParaRPr lang="en-US"/>
-          </a:p>
-        </p:txBody>
-      </p:sp>
-      <p:sp>
-        <p:nvSpPr>
-          <p:cNvPr id="47" name="Flowchart: Connector 46">
+      </p:pic>
+      <p:pic>
+        <p:nvPicPr>
+          <p:cNvPr id="13" name="Picture 12">
             <a:extLst>
               <a:ext uri="{FF2B5EF4-FFF2-40B4-BE49-F238E27FC236}">
-                <a16:creationId xmlns:a16="http://schemas.microsoft.com/office/drawing/2014/main" id="{4D683B1B-66EC-4958-9CCC-66EB1FA25D27}"/>
+                <a16:creationId xmlns:a16="http://schemas.microsoft.com/office/drawing/2014/main" id="{10254A40-AA27-4771-AF19-EC6B53A2D991}"/>
               </a:ext>
             </a:extLst>
           </p:cNvPr>
-          <p:cNvSpPr/>
+          <p:cNvPicPr>
+            <a:picLocks noChangeAspect="1"/>
+          </p:cNvPicPr>
           <p:nvPr/>
-        </p:nvSpPr>
+        </p:nvPicPr>
+        <p:blipFill>
+          <a:blip r:embed="rId12">
+            <a:duotone>
+              <a:schemeClr val="accent1">
+                <a:shade val="45000"/>
+                <a:satMod val="135000"/>
+              </a:schemeClr>
+              <a:prstClr val="white"/>
+            </a:duotone>
+          </a:blip>
+          <a:stretch>
+            <a:fillRect/>
+          </a:stretch>
+        </p:blipFill>
         <p:spPr>
           <a:xfrm>
-            <a:off x="4948310" y="5652779"/>
-            <a:ext cx="166967" cy="173280"/>
+            <a:off x="4891387" y="2421801"/>
+            <a:ext cx="752778" cy="701219"/>
           </a:xfrm>
-          <a:prstGeom prst="flowChartConnector">
+          <a:prstGeom prst="rect">
             <a:avLst/>
           </a:prstGeom>
-          <a:solidFill>
-            <a:schemeClr val="accent1">
-              <a:lumMod val="75000"/>
-            </a:schemeClr>
-          </a:solidFill>
         </p:spPr>
-        <p:style>
-          <a:lnRef idx="2">
-            <a:schemeClr val="accent1">
-              <a:shade val="50000"/>
-            </a:schemeClr>
-          </a:lnRef>
-          <a:fillRef idx="1">
-            <a:schemeClr val="accent1"/>
-          </a:fillRef>
-          <a:effectRef idx="0">
-            <a:schemeClr val="accent1"/>
-          </a:effectRef>
-          <a:fontRef idx="minor">
-            <a:schemeClr val="lt1"/>
-          </a:fontRef>
-        </p:style>
-        <p:txBody>
-          <a:bodyPr rtlCol="0" anchor="ctr"/>
-          <a:lstStyle/>
-          <a:p>
-            <a:pPr algn="ctr"/>
-            <a:endParaRPr lang="en-US"/>
-          </a:p>
-        </p:txBody>
-      </p:sp>
+      </p:pic>
+      <p:pic>
+        <p:nvPicPr>
+          <p:cNvPr id="11" name="Picture 10">
+            <a:extLst>
+              <a:ext uri="{FF2B5EF4-FFF2-40B4-BE49-F238E27FC236}">
+                <a16:creationId xmlns:a16="http://schemas.microsoft.com/office/drawing/2014/main" id="{020F6A76-B802-463E-AFA8-CB77B75BAA30}"/>
+              </a:ext>
+            </a:extLst>
+          </p:cNvPr>
+          <p:cNvPicPr>
+            <a:picLocks noChangeAspect="1"/>
+          </p:cNvPicPr>
+          <p:nvPr/>
+        </p:nvPicPr>
+        <p:blipFill>
+          <a:blip r:embed="rId13">
+            <a:duotone>
+              <a:schemeClr val="accent1">
+                <a:shade val="45000"/>
+                <a:satMod val="135000"/>
+              </a:schemeClr>
+              <a:prstClr val="white"/>
+            </a:duotone>
+          </a:blip>
+          <a:stretch>
+            <a:fillRect/>
+          </a:stretch>
+        </p:blipFill>
+        <p:spPr>
+          <a:xfrm>
+            <a:off x="5667356" y="2736085"/>
+            <a:ext cx="573041" cy="745896"/>
+          </a:xfrm>
+          <a:prstGeom prst="rect">
+            <a:avLst/>
+          </a:prstGeom>
+        </p:spPr>
+      </p:pic>
+      <p:pic>
+        <p:nvPicPr>
+          <p:cNvPr id="22" name="Graphic 21" descr="Add">
+            <a:extLst>
+              <a:ext uri="{FF2B5EF4-FFF2-40B4-BE49-F238E27FC236}">
+                <a16:creationId xmlns:a16="http://schemas.microsoft.com/office/drawing/2014/main" id="{E663DCC7-E322-4876-8553-F994C06265FC}"/>
+              </a:ext>
+            </a:extLst>
+          </p:cNvPr>
+          <p:cNvPicPr>
+            <a:picLocks noChangeAspect="1"/>
+          </p:cNvPicPr>
+          <p:nvPr/>
+        </p:nvPicPr>
+        <p:blipFill>
+          <a:blip r:embed="rId14" cstate="print">
+            <a:extLst>
+              <a:ext uri="{28A0092B-C50C-407E-A947-70E740481C1C}">
+                <a14:useLocalDpi xmlns:a14="http://schemas.microsoft.com/office/drawing/2010/main" val="0"/>
+              </a:ext>
+              <a:ext uri="{96DAC541-7B7A-43D3-8B79-37D633B846F1}">
+                <asvg:svgBlip xmlns:asvg="http://schemas.microsoft.com/office/drawing/2016/SVG/main" r:embed="rId15"/>
+              </a:ext>
+            </a:extLst>
+          </a:blip>
+          <a:stretch>
+            <a:fillRect/>
+          </a:stretch>
+        </p:blipFill>
+        <p:spPr>
+          <a:xfrm>
+            <a:off x="1932016" y="2045785"/>
+            <a:ext cx="381000" cy="381000"/>
+          </a:xfrm>
+          <a:prstGeom prst="rect">
+            <a:avLst/>
+          </a:prstGeom>
+        </p:spPr>
+      </p:pic>
     </p:spTree>
     <p:extLst>
       <p:ext uri="{BB962C8B-B14F-4D97-AF65-F5344CB8AC3E}">
@@ -19462,168 +20456,6 @@
       </p:transition>
     </mc:Fallback>
   </mc:AlternateContent>
-  <p:timing>
-    <p:tnLst>
-      <p:par>
-        <p:cTn id="1" dur="indefinite" restart="never" nodeType="tmRoot">
-          <p:childTnLst>
-            <p:seq concurrent="1" nextAc="seek">
-              <p:cTn id="2" dur="indefinite" nodeType="mainSeq">
-                <p:childTnLst>
-                  <p:par>
-                    <p:cTn id="3" fill="hold">
-                      <p:stCondLst>
-                        <p:cond delay="indefinite"/>
-                      </p:stCondLst>
-                      <p:childTnLst>
-                        <p:par>
-                          <p:cTn id="4" fill="hold">
-                            <p:stCondLst>
-                              <p:cond delay="0"/>
-                            </p:stCondLst>
-                            <p:childTnLst>
-                              <p:par>
-                                <p:cTn id="5" presetID="1" presetClass="entr" presetSubtype="0" fill="hold" grpId="0" nodeType="clickEffect">
-                                  <p:stCondLst>
-                                    <p:cond delay="0"/>
-                                  </p:stCondLst>
-                                  <p:childTnLst>
-                                    <p:set>
-                                      <p:cBhvr>
-                                        <p:cTn id="6" dur="1" fill="hold">
-                                          <p:stCondLst>
-                                            <p:cond delay="0"/>
-                                          </p:stCondLst>
-                                        </p:cTn>
-                                        <p:tgtEl>
-                                          <p:spTgt spid="45"/>
-                                        </p:tgtEl>
-                                        <p:attrNameLst>
-                                          <p:attrName>style.visibility</p:attrName>
-                                        </p:attrNameLst>
-                                      </p:cBhvr>
-                                      <p:to>
-                                        <p:strVal val="visible"/>
-                                      </p:to>
-                                    </p:set>
-                                  </p:childTnLst>
-                                </p:cTn>
-                              </p:par>
-                              <p:par>
-                                <p:cTn id="7" presetID="1" presetClass="entr" presetSubtype="0" fill="hold" grpId="0" nodeType="withEffect">
-                                  <p:stCondLst>
-                                    <p:cond delay="0"/>
-                                  </p:stCondLst>
-                                  <p:childTnLst>
-                                    <p:set>
-                                      <p:cBhvr>
-                                        <p:cTn id="8" dur="1" fill="hold">
-                                          <p:stCondLst>
-                                            <p:cond delay="0"/>
-                                          </p:stCondLst>
-                                        </p:cTn>
-                                        <p:tgtEl>
-                                          <p:spTgt spid="47"/>
-                                        </p:tgtEl>
-                                        <p:attrNameLst>
-                                          <p:attrName>style.visibility</p:attrName>
-                                        </p:attrNameLst>
-                                      </p:cBhvr>
-                                      <p:to>
-                                        <p:strVal val="visible"/>
-                                      </p:to>
-                                    </p:set>
-                                  </p:childTnLst>
-                                </p:cTn>
-                              </p:par>
-                              <p:par>
-                                <p:cTn id="9" presetID="1" presetClass="entr" presetSubtype="0" fill="hold" grpId="0" nodeType="withEffect">
-                                  <p:stCondLst>
-                                    <p:cond delay="0"/>
-                                  </p:stCondLst>
-                                  <p:childTnLst>
-                                    <p:set>
-                                      <p:cBhvr>
-                                        <p:cTn id="10" dur="1" fill="hold">
-                                          <p:stCondLst>
-                                            <p:cond delay="0"/>
-                                          </p:stCondLst>
-                                        </p:cTn>
-                                        <p:tgtEl>
-                                          <p:spTgt spid="46"/>
-                                        </p:tgtEl>
-                                        <p:attrNameLst>
-                                          <p:attrName>style.visibility</p:attrName>
-                                        </p:attrNameLst>
-                                      </p:cBhvr>
-                                      <p:to>
-                                        <p:strVal val="visible"/>
-                                      </p:to>
-                                    </p:set>
-                                  </p:childTnLst>
-                                </p:cTn>
-                              </p:par>
-                              <p:par>
-                                <p:cTn id="11" presetID="1" presetClass="entr" presetSubtype="0" fill="hold" grpId="0" nodeType="withEffect">
-                                  <p:stCondLst>
-                                    <p:cond delay="0"/>
-                                  </p:stCondLst>
-                                  <p:childTnLst>
-                                    <p:set>
-                                      <p:cBhvr>
-                                        <p:cTn id="12" dur="1" fill="hold">
-                                          <p:stCondLst>
-                                            <p:cond delay="0"/>
-                                          </p:stCondLst>
-                                        </p:cTn>
-                                        <p:tgtEl>
-                                          <p:spTgt spid="36"/>
-                                        </p:tgtEl>
-                                        <p:attrNameLst>
-                                          <p:attrName>style.visibility</p:attrName>
-                                        </p:attrNameLst>
-                                      </p:cBhvr>
-                                      <p:to>
-                                        <p:strVal val="visible"/>
-                                      </p:to>
-                                    </p:set>
-                                  </p:childTnLst>
-                                </p:cTn>
-                              </p:par>
-                            </p:childTnLst>
-                          </p:cTn>
-                        </p:par>
-                      </p:childTnLst>
-                    </p:cTn>
-                  </p:par>
-                </p:childTnLst>
-              </p:cTn>
-              <p:prevCondLst>
-                <p:cond evt="onPrev" delay="0">
-                  <p:tgtEl>
-                    <p:sldTgt/>
-                  </p:tgtEl>
-                </p:cond>
-              </p:prevCondLst>
-              <p:nextCondLst>
-                <p:cond evt="onNext" delay="0">
-                  <p:tgtEl>
-                    <p:sldTgt/>
-                  </p:tgtEl>
-                </p:cond>
-              </p:nextCondLst>
-            </p:seq>
-          </p:childTnLst>
-        </p:cTn>
-      </p:par>
-    </p:tnLst>
-    <p:bldLst>
-      <p:bldP spid="36" grpId="0" animBg="1"/>
-      <p:bldP spid="45" grpId="0" animBg="1"/>
-      <p:bldP spid="46" grpId="0" animBg="1"/>
-      <p:bldP spid="47" grpId="0" animBg="1"/>
-    </p:bldLst>
-  </p:timing>
 </p:sld>
 </file>
 

--- a/Covid19Preso.pptx
+++ b/Covid19Preso.pptx
@@ -5,10 +5,10 @@
     <p:sldMasterId id="2147483648" r:id="rId1"/>
   </p:sldMasterIdLst>
   <p:notesMasterIdLst>
-    <p:notesMasterId r:id="rId15"/>
+    <p:notesMasterId r:id="rId17"/>
   </p:notesMasterIdLst>
   <p:handoutMasterIdLst>
-    <p:handoutMasterId r:id="rId16"/>
+    <p:handoutMasterId r:id="rId18"/>
   </p:handoutMasterIdLst>
   <p:sldIdLst>
     <p:sldId id="256" r:id="rId2"/>
@@ -23,7 +23,9 @@
     <p:sldId id="270" r:id="rId11"/>
     <p:sldId id="266" r:id="rId12"/>
     <p:sldId id="269" r:id="rId13"/>
-    <p:sldId id="272" r:id="rId14"/>
+    <p:sldId id="273" r:id="rId14"/>
+    <p:sldId id="272" r:id="rId15"/>
+    <p:sldId id="274" r:id="rId16"/>
   </p:sldIdLst>
   <p:sldSz cx="12192000" cy="6858000"/>
   <p:notesSz cx="6858000" cy="9144000"/>
@@ -238,7 +240,7 @@
           <a:p>
             <a:fld id="{043B725B-653D-4166-A8E9-72A38A1847CF}" type="datetimeFigureOut">
               <a:rPr lang="en-US"/>
-              <a:t>5/4/2020</a:t>
+              <a:t>5/7/2020</a:t>
             </a:fld>
             <a:endParaRPr/>
           </a:p>
@@ -403,7 +405,7 @@
           <a:p>
             <a:fld id="{783F64CD-0576-4A9A-BD06-7889D6E60BDC}" type="datetimeFigureOut">
               <a:rPr lang="en-US"/>
-              <a:t>5/4/2020</a:t>
+              <a:t>5/7/2020</a:t>
             </a:fld>
             <a:endParaRPr/>
           </a:p>
@@ -804,6 +806,362 @@
 </p:notes>
 </file>
 
+<file path=ppt/notesSlides/notesSlide10.xml><?xml version="1.0" encoding="utf-8"?>
+<p:notes xmlns:a="http://schemas.openxmlformats.org/drawingml/2006/main" xmlns:r="http://schemas.openxmlformats.org/officeDocument/2006/relationships" xmlns:p="http://schemas.openxmlformats.org/presentationml/2006/main">
+  <p:cSld>
+    <p:spTree>
+      <p:nvGrpSpPr>
+        <p:cNvPr id="1" name=""/>
+        <p:cNvGrpSpPr/>
+        <p:nvPr/>
+      </p:nvGrpSpPr>
+      <p:grpSpPr>
+        <a:xfrm>
+          <a:off x="0" y="0"/>
+          <a:ext cx="0" cy="0"/>
+          <a:chOff x="0" y="0"/>
+          <a:chExt cx="0" cy="0"/>
+        </a:xfrm>
+      </p:grpSpPr>
+      <p:sp>
+        <p:nvSpPr>
+          <p:cNvPr id="2" name="Slide Image Placeholder 1"/>
+          <p:cNvSpPr>
+            <a:spLocks noGrp="1" noRot="1" noChangeAspect="1"/>
+          </p:cNvSpPr>
+          <p:nvPr>
+            <p:ph type="sldImg"/>
+          </p:nvPr>
+        </p:nvSpPr>
+        <p:spPr/>
+      </p:sp>
+      <p:sp>
+        <p:nvSpPr>
+          <p:cNvPr id="3" name="Notes Placeholder 2"/>
+          <p:cNvSpPr>
+            <a:spLocks noGrp="1"/>
+          </p:cNvSpPr>
+          <p:nvPr>
+            <p:ph type="body" idx="1"/>
+          </p:nvPr>
+        </p:nvSpPr>
+        <p:spPr/>
+        <p:txBody>
+          <a:bodyPr/>
+          <a:lstStyle/>
+          <a:p>
+            <a:pPr marL="0" marR="0" lvl="0" indent="0" algn="l" defTabSz="914400" rtl="0" eaLnBrk="1" fontAlgn="auto" latinLnBrk="0" hangingPunct="1">
+              <a:lnSpc>
+                <a:spcPct val="100000"/>
+              </a:lnSpc>
+              <a:spcBef>
+                <a:spcPts val="0"/>
+              </a:spcBef>
+              <a:spcAft>
+                <a:spcPts val="0"/>
+              </a:spcAft>
+              <a:buClrTx/>
+              <a:buSzTx/>
+              <a:buFontTx/>
+              <a:buNone/>
+              <a:tabLst/>
+              <a:defRPr/>
+            </a:pPr>
+            <a:r>
+              <a:rPr lang="en-US" sz="1200" b="0" i="0" kern="1200" dirty="0">
+                <a:solidFill>
+                  <a:schemeClr val="tx1"/>
+                </a:solidFill>
+                <a:effectLst/>
+                <a:latin typeface="+mn-lt"/>
+                <a:ea typeface="+mn-ea"/>
+                <a:cs typeface="+mn-cs"/>
+              </a:rPr>
+              <a:t>A Receiver Operator Characteristic (</a:t>
+            </a:r>
+            <a:r>
+              <a:rPr lang="en-US" sz="1200" b="1" i="0" kern="1200" dirty="0">
+                <a:solidFill>
+                  <a:schemeClr val="tx1"/>
+                </a:solidFill>
+                <a:effectLst/>
+                <a:latin typeface="+mn-lt"/>
+                <a:ea typeface="+mn-ea"/>
+                <a:cs typeface="+mn-cs"/>
+              </a:rPr>
+              <a:t>ROC</a:t>
+            </a:r>
+            <a:r>
+              <a:rPr lang="en-US" sz="1200" b="0" i="0" kern="1200" dirty="0">
+                <a:solidFill>
+                  <a:schemeClr val="tx1"/>
+                </a:solidFill>
+                <a:effectLst/>
+                <a:latin typeface="+mn-lt"/>
+                <a:ea typeface="+mn-ea"/>
+                <a:cs typeface="+mn-cs"/>
+              </a:rPr>
+              <a:t>) </a:t>
+            </a:r>
+            <a:r>
+              <a:rPr lang="en-US" sz="1200" b="1" i="0" kern="1200" dirty="0">
+                <a:solidFill>
+                  <a:schemeClr val="tx1"/>
+                </a:solidFill>
+                <a:effectLst/>
+                <a:latin typeface="+mn-lt"/>
+                <a:ea typeface="+mn-ea"/>
+                <a:cs typeface="+mn-cs"/>
+              </a:rPr>
+              <a:t>curve</a:t>
+            </a:r>
+            <a:r>
+              <a:rPr lang="en-US" sz="1200" b="0" i="0" kern="1200" dirty="0">
+                <a:solidFill>
+                  <a:schemeClr val="tx1"/>
+                </a:solidFill>
+                <a:effectLst/>
+                <a:latin typeface="+mn-lt"/>
+                <a:ea typeface="+mn-ea"/>
+                <a:cs typeface="+mn-cs"/>
+              </a:rPr>
+              <a:t> is a graphical plot used to </a:t>
+            </a:r>
+            <a:r>
+              <a:rPr lang="en-US" sz="1200" b="1" i="0" kern="1200" dirty="0">
+                <a:solidFill>
+                  <a:schemeClr val="tx1"/>
+                </a:solidFill>
+                <a:effectLst/>
+                <a:latin typeface="+mn-lt"/>
+                <a:ea typeface="+mn-ea"/>
+                <a:cs typeface="+mn-cs"/>
+              </a:rPr>
+              <a:t>show</a:t>
+            </a:r>
+            <a:r>
+              <a:rPr lang="en-US" sz="1200" b="0" i="0" kern="1200" dirty="0">
+                <a:solidFill>
+                  <a:schemeClr val="tx1"/>
+                </a:solidFill>
+                <a:effectLst/>
+                <a:latin typeface="+mn-lt"/>
+                <a:ea typeface="+mn-ea"/>
+                <a:cs typeface="+mn-cs"/>
+              </a:rPr>
+              <a:t> the diagnostic ability of binary classifiers. It shows the tradeoff between sensitivity TP/(TP+FN) and specificity TN/(TN+FP)  (any increase in sensitivity will be accompanied by a decrease in specificity). The closer the curve follows the left-hand border and then the top border of the </a:t>
+            </a:r>
+            <a:r>
+              <a:rPr lang="en-US" sz="1200" b="1" i="0" kern="1200" dirty="0">
+                <a:solidFill>
+                  <a:schemeClr val="tx1"/>
+                </a:solidFill>
+                <a:effectLst/>
+                <a:latin typeface="+mn-lt"/>
+                <a:ea typeface="+mn-ea"/>
+                <a:cs typeface="+mn-cs"/>
+              </a:rPr>
+              <a:t>ROC</a:t>
+            </a:r>
+            <a:r>
+              <a:rPr lang="en-US" sz="1200" b="0" i="0" kern="1200" dirty="0">
+                <a:solidFill>
+                  <a:schemeClr val="tx1"/>
+                </a:solidFill>
+                <a:effectLst/>
+                <a:latin typeface="+mn-lt"/>
+                <a:ea typeface="+mn-ea"/>
+                <a:cs typeface="+mn-cs"/>
+              </a:rPr>
+              <a:t> space, the more accurate the test. The </a:t>
+            </a:r>
+            <a:r>
+              <a:rPr lang="en-US" sz="1200" b="0" i="0" u="sng" kern="1200" dirty="0">
+                <a:solidFill>
+                  <a:schemeClr val="tx1"/>
+                </a:solidFill>
+                <a:effectLst/>
+                <a:latin typeface="+mn-lt"/>
+                <a:ea typeface="+mn-ea"/>
+                <a:cs typeface="+mn-cs"/>
+              </a:rPr>
+              <a:t>area under </a:t>
+            </a:r>
+            <a:r>
+              <a:rPr lang="en-US" sz="1200" b="0" i="0" kern="1200" dirty="0">
+                <a:solidFill>
+                  <a:schemeClr val="tx1"/>
+                </a:solidFill>
+                <a:effectLst/>
+                <a:latin typeface="+mn-lt"/>
+                <a:ea typeface="+mn-ea"/>
+                <a:cs typeface="+mn-cs"/>
+              </a:rPr>
+              <a:t>an ROC </a:t>
+            </a:r>
+            <a:r>
+              <a:rPr lang="en-US" sz="1200" b="0" i="0" u="sng" kern="1200" dirty="0">
+                <a:solidFill>
+                  <a:schemeClr val="tx1"/>
+                </a:solidFill>
+                <a:effectLst/>
+                <a:latin typeface="+mn-lt"/>
+                <a:ea typeface="+mn-ea"/>
+                <a:cs typeface="+mn-cs"/>
+              </a:rPr>
+              <a:t>curve</a:t>
+            </a:r>
+            <a:r>
+              <a:rPr lang="en-US" sz="1200" b="0" i="0" kern="1200" dirty="0">
+                <a:solidFill>
+                  <a:schemeClr val="tx1"/>
+                </a:solidFill>
+                <a:effectLst/>
+                <a:latin typeface="+mn-lt"/>
+                <a:ea typeface="+mn-ea"/>
+                <a:cs typeface="+mn-cs"/>
+              </a:rPr>
+              <a:t> is a measure of the usefulness of a test in general, where a greater area means a more useful test, the areas under ROC curves are used to compare the usefulness of tests.</a:t>
+            </a:r>
+            <a:endParaRPr lang="en-US" dirty="0"/>
+          </a:p>
+          <a:p>
+            <a:endParaRPr lang="en-US" dirty="0"/>
+          </a:p>
+        </p:txBody>
+      </p:sp>
+      <p:sp>
+        <p:nvSpPr>
+          <p:cNvPr id="4" name="Slide Number Placeholder 3"/>
+          <p:cNvSpPr>
+            <a:spLocks noGrp="1"/>
+          </p:cNvSpPr>
+          <p:nvPr>
+            <p:ph type="sldNum" sz="quarter" idx="5"/>
+          </p:nvPr>
+        </p:nvSpPr>
+        <p:spPr/>
+        <p:txBody>
+          <a:bodyPr/>
+          <a:lstStyle/>
+          <a:p>
+            <a:fld id="{9555D449-B875-4B8D-8E66-224D27E54C9A}" type="slidenum">
+              <a:rPr lang="en-US" smtClean="0"/>
+              <a:t>14</a:t>
+            </a:fld>
+            <a:endParaRPr lang="en-US"/>
+          </a:p>
+        </p:txBody>
+      </p:sp>
+    </p:spTree>
+    <p:extLst>
+      <p:ext uri="{BB962C8B-B14F-4D97-AF65-F5344CB8AC3E}">
+        <p14:creationId xmlns:p14="http://schemas.microsoft.com/office/powerpoint/2010/main" val="390993250"/>
+      </p:ext>
+    </p:extLst>
+  </p:cSld>
+  <p:clrMapOvr>
+    <a:masterClrMapping/>
+  </p:clrMapOvr>
+</p:notes>
+</file>
+
+<file path=ppt/notesSlides/notesSlide11.xml><?xml version="1.0" encoding="utf-8"?>
+<p:notes xmlns:a="http://schemas.openxmlformats.org/drawingml/2006/main" xmlns:r="http://schemas.openxmlformats.org/officeDocument/2006/relationships" xmlns:p="http://schemas.openxmlformats.org/presentationml/2006/main">
+  <p:cSld>
+    <p:spTree>
+      <p:nvGrpSpPr>
+        <p:cNvPr id="1" name=""/>
+        <p:cNvGrpSpPr/>
+        <p:nvPr/>
+      </p:nvGrpSpPr>
+      <p:grpSpPr>
+        <a:xfrm>
+          <a:off x="0" y="0"/>
+          <a:ext cx="0" cy="0"/>
+          <a:chOff x="0" y="0"/>
+          <a:chExt cx="0" cy="0"/>
+        </a:xfrm>
+      </p:grpSpPr>
+      <p:sp>
+        <p:nvSpPr>
+          <p:cNvPr id="2" name="Slide Image Placeholder 1"/>
+          <p:cNvSpPr>
+            <a:spLocks noGrp="1" noRot="1" noChangeAspect="1"/>
+          </p:cNvSpPr>
+          <p:nvPr>
+            <p:ph type="sldImg"/>
+          </p:nvPr>
+        </p:nvSpPr>
+        <p:spPr/>
+      </p:sp>
+      <p:sp>
+        <p:nvSpPr>
+          <p:cNvPr id="3" name="Notes Placeholder 2"/>
+          <p:cNvSpPr>
+            <a:spLocks noGrp="1"/>
+          </p:cNvSpPr>
+          <p:nvPr>
+            <p:ph type="body" idx="1"/>
+          </p:nvPr>
+        </p:nvSpPr>
+        <p:spPr/>
+        <p:txBody>
+          <a:bodyPr/>
+          <a:lstStyle/>
+          <a:p>
+            <a:r>
+              <a:rPr lang="en-US" dirty="0"/>
+              <a:t>The top feature here is practicing social distancing and hygiene as a household scored at a value less than .5 where the individual is positive for COVID-19. If this is classified as true, the next layer examines this same feature but as an individual scored low on this as well, in both cases the individual tested positive for COVID-19.  </a:t>
+            </a:r>
+          </a:p>
+          <a:p>
+            <a:endParaRPr lang="en-US" dirty="0"/>
+          </a:p>
+          <a:p>
+            <a:r>
+              <a:rPr lang="en-US" dirty="0"/>
+              <a:t>Alternatively if it was false and the person believed they had the infection was less than a score of 90 more cases than not the individual was not positive for COVID-19.</a:t>
+            </a:r>
+          </a:p>
+        </p:txBody>
+      </p:sp>
+      <p:sp>
+        <p:nvSpPr>
+          <p:cNvPr id="4" name="Slide Number Placeholder 3"/>
+          <p:cNvSpPr>
+            <a:spLocks noGrp="1"/>
+          </p:cNvSpPr>
+          <p:nvPr>
+            <p:ph type="sldNum" sz="quarter" idx="5"/>
+          </p:nvPr>
+        </p:nvSpPr>
+        <p:spPr/>
+        <p:txBody>
+          <a:bodyPr/>
+          <a:lstStyle/>
+          <a:p>
+            <a:fld id="{9555D449-B875-4B8D-8E66-224D27E54C9A}" type="slidenum">
+              <a:rPr lang="en-US" smtClean="0"/>
+              <a:t>15</a:t>
+            </a:fld>
+            <a:endParaRPr lang="en-US"/>
+          </a:p>
+        </p:txBody>
+      </p:sp>
+    </p:spTree>
+    <p:extLst>
+      <p:ext uri="{BB962C8B-B14F-4D97-AF65-F5344CB8AC3E}">
+        <p14:creationId xmlns:p14="http://schemas.microsoft.com/office/powerpoint/2010/main" val="3755684271"/>
+      </p:ext>
+    </p:extLst>
+  </p:cSld>
+  <p:clrMapOvr>
+    <a:masterClrMapping/>
+  </p:clrMapOvr>
+</p:notes>
+</file>
+
 <file path=ppt/notesSlides/notesSlide2.xml><?xml version="1.0" encoding="utf-8"?>
 <p:notes xmlns:a="http://schemas.openxmlformats.org/drawingml/2006/main" xmlns:r="http://schemas.openxmlformats.org/officeDocument/2006/relationships" xmlns:p="http://schemas.openxmlformats.org/presentationml/2006/main">
   <p:cSld>
@@ -1157,6 +1515,20 @@
           <a:bodyPr/>
           <a:lstStyle/>
           <a:p>
+            <a:r>
+              <a:rPr lang="en-US" dirty="0"/>
+              <a:t>Decision trees look at each feature and the factors associated with each and examine how many cases of each align with each class.  </a:t>
+            </a:r>
+            <a:br>
+              <a:rPr lang="en-US" dirty="0"/>
+            </a:br>
+            <a:r>
+              <a:rPr lang="en-US" dirty="0"/>
+              <a:t>Based on the results, move to other layers until each class is sorted out.  During this process feature importance is developed.  Feature importance is a score assigned to each feature in it’s usefulness in predicting a class.  When totaled, all features values equal 1.</a:t>
+            </a:r>
+            <a:br>
+              <a:rPr lang="en-US" dirty="0"/>
+            </a:br>
             <a:endParaRPr lang="en-US" dirty="0"/>
           </a:p>
         </p:txBody>
@@ -1579,7 +1951,7 @@
           <a:p>
             <a:fld id="{9555D449-B875-4B8D-8E66-224D27E54C9A}" type="slidenum">
               <a:rPr lang="en-US" smtClean="0"/>
-              <a:t>12</a:t>
+              <a:t>10</a:t>
             </a:fld>
             <a:endParaRPr lang="en-US"/>
           </a:p>
@@ -1588,7 +1960,7 @@
     </p:spTree>
     <p:extLst>
       <p:ext uri="{BB962C8B-B14F-4D97-AF65-F5344CB8AC3E}">
-        <p14:creationId xmlns:p14="http://schemas.microsoft.com/office/powerpoint/2010/main" val="2737633482"/>
+        <p14:creationId xmlns:p14="http://schemas.microsoft.com/office/powerpoint/2010/main" val="4042463158"/>
       </p:ext>
     </p:extLst>
   </p:cSld>
@@ -1642,182 +2014,6 @@
           <a:bodyPr/>
           <a:lstStyle/>
           <a:p>
-            <a:pPr marL="0" marR="0" lvl="0" indent="0" algn="l" defTabSz="914400" rtl="0" eaLnBrk="1" fontAlgn="auto" latinLnBrk="0" hangingPunct="1">
-              <a:lnSpc>
-                <a:spcPct val="100000"/>
-              </a:lnSpc>
-              <a:spcBef>
-                <a:spcPts val="0"/>
-              </a:spcBef>
-              <a:spcAft>
-                <a:spcPts val="0"/>
-              </a:spcAft>
-              <a:buClrTx/>
-              <a:buSzTx/>
-              <a:buFontTx/>
-              <a:buNone/>
-              <a:tabLst/>
-              <a:defRPr/>
-            </a:pPr>
-            <a:r>
-              <a:rPr lang="en-US" sz="1200" b="0" i="0" kern="1200" dirty="0">
-                <a:solidFill>
-                  <a:schemeClr val="tx1"/>
-                </a:solidFill>
-                <a:effectLst/>
-                <a:latin typeface="+mn-lt"/>
-                <a:ea typeface="+mn-ea"/>
-                <a:cs typeface="+mn-cs"/>
-              </a:rPr>
-              <a:t>A Receiver Operator Characteristic (</a:t>
-            </a:r>
-            <a:r>
-              <a:rPr lang="en-US" sz="1200" b="1" i="0" kern="1200" dirty="0">
-                <a:solidFill>
-                  <a:schemeClr val="tx1"/>
-                </a:solidFill>
-                <a:effectLst/>
-                <a:latin typeface="+mn-lt"/>
-                <a:ea typeface="+mn-ea"/>
-                <a:cs typeface="+mn-cs"/>
-              </a:rPr>
-              <a:t>ROC</a:t>
-            </a:r>
-            <a:r>
-              <a:rPr lang="en-US" sz="1200" b="0" i="0" kern="1200" dirty="0">
-                <a:solidFill>
-                  <a:schemeClr val="tx1"/>
-                </a:solidFill>
-                <a:effectLst/>
-                <a:latin typeface="+mn-lt"/>
-                <a:ea typeface="+mn-ea"/>
-                <a:cs typeface="+mn-cs"/>
-              </a:rPr>
-              <a:t>) </a:t>
-            </a:r>
-            <a:r>
-              <a:rPr lang="en-US" sz="1200" b="1" i="0" kern="1200" dirty="0">
-                <a:solidFill>
-                  <a:schemeClr val="tx1"/>
-                </a:solidFill>
-                <a:effectLst/>
-                <a:latin typeface="+mn-lt"/>
-                <a:ea typeface="+mn-ea"/>
-                <a:cs typeface="+mn-cs"/>
-              </a:rPr>
-              <a:t>curve</a:t>
-            </a:r>
-            <a:r>
-              <a:rPr lang="en-US" sz="1200" b="0" i="0" kern="1200" dirty="0">
-                <a:solidFill>
-                  <a:schemeClr val="tx1"/>
-                </a:solidFill>
-                <a:effectLst/>
-                <a:latin typeface="+mn-lt"/>
-                <a:ea typeface="+mn-ea"/>
-                <a:cs typeface="+mn-cs"/>
-              </a:rPr>
-              <a:t> is a graphical plot used to </a:t>
-            </a:r>
-            <a:r>
-              <a:rPr lang="en-US" sz="1200" b="1" i="0" kern="1200" dirty="0">
-                <a:solidFill>
-                  <a:schemeClr val="tx1"/>
-                </a:solidFill>
-                <a:effectLst/>
-                <a:latin typeface="+mn-lt"/>
-                <a:ea typeface="+mn-ea"/>
-                <a:cs typeface="+mn-cs"/>
-              </a:rPr>
-              <a:t>show</a:t>
-            </a:r>
-            <a:r>
-              <a:rPr lang="en-US" sz="1200" b="0" i="0" kern="1200" dirty="0">
-                <a:solidFill>
-                  <a:schemeClr val="tx1"/>
-                </a:solidFill>
-                <a:effectLst/>
-                <a:latin typeface="+mn-lt"/>
-                <a:ea typeface="+mn-ea"/>
-                <a:cs typeface="+mn-cs"/>
-              </a:rPr>
-              <a:t> the diagnostic ability of binary classifiers. It shows the tradeoff between sensitivity TP/(TP+FN) and specificity TN/(TN+FP)  (any increase in sensitivity will be accompanied by a decrease in specificity). The closer the curve follows the left-hand border and then the top border of the </a:t>
-            </a:r>
-            <a:r>
-              <a:rPr lang="en-US" sz="1200" b="1" i="0" kern="1200" dirty="0">
-                <a:solidFill>
-                  <a:schemeClr val="tx1"/>
-                </a:solidFill>
-                <a:effectLst/>
-                <a:latin typeface="+mn-lt"/>
-                <a:ea typeface="+mn-ea"/>
-                <a:cs typeface="+mn-cs"/>
-              </a:rPr>
-              <a:t>ROC</a:t>
-            </a:r>
-            <a:r>
-              <a:rPr lang="en-US" sz="1200" b="0" i="0" kern="1200" dirty="0">
-                <a:solidFill>
-                  <a:schemeClr val="tx1"/>
-                </a:solidFill>
-                <a:effectLst/>
-                <a:latin typeface="+mn-lt"/>
-                <a:ea typeface="+mn-ea"/>
-                <a:cs typeface="+mn-cs"/>
-              </a:rPr>
-              <a:t> space, the more accurate the test. The </a:t>
-            </a:r>
-            <a:r>
-              <a:rPr lang="en-US" sz="1200" b="0" i="0" u="sng" kern="1200" dirty="0">
-                <a:solidFill>
-                  <a:schemeClr val="tx1"/>
-                </a:solidFill>
-                <a:effectLst/>
-                <a:latin typeface="+mn-lt"/>
-                <a:ea typeface="+mn-ea"/>
-                <a:cs typeface="+mn-cs"/>
-              </a:rPr>
-              <a:t>area under </a:t>
-            </a:r>
-            <a:r>
-              <a:rPr lang="en-US" sz="1200" b="0" i="0" kern="1200" dirty="0">
-                <a:solidFill>
-                  <a:schemeClr val="tx1"/>
-                </a:solidFill>
-                <a:effectLst/>
-                <a:latin typeface="+mn-lt"/>
-                <a:ea typeface="+mn-ea"/>
-                <a:cs typeface="+mn-cs"/>
-              </a:rPr>
-              <a:t>an ROC </a:t>
-            </a:r>
-            <a:r>
-              <a:rPr lang="en-US" sz="1200" b="0" i="0" u="sng" kern="1200" dirty="0">
-                <a:solidFill>
-                  <a:schemeClr val="tx1"/>
-                </a:solidFill>
-                <a:effectLst/>
-                <a:latin typeface="+mn-lt"/>
-                <a:ea typeface="+mn-ea"/>
-                <a:cs typeface="+mn-cs"/>
-              </a:rPr>
-              <a:t>curve</a:t>
-            </a:r>
-            <a:r>
-              <a:rPr lang="en-US" sz="1200" b="0" i="0" kern="1200" dirty="0">
-                <a:solidFill>
-                  <a:schemeClr val="tx1"/>
-                </a:solidFill>
-                <a:effectLst/>
-                <a:latin typeface="+mn-lt"/>
-                <a:ea typeface="+mn-ea"/>
-                <a:cs typeface="+mn-cs"/>
-              </a:rPr>
-              <a:t> is a measure of the usefulness of a test in general, where a greater area means a more useful test, the areas under ROC curves are used to compare the usefulness of tests.</a:t>
-            </a:r>
-            <a:endParaRPr lang="en-US" dirty="0"/>
-          </a:p>
-          <a:p>
             <a:endParaRPr lang="en-US" dirty="0"/>
           </a:p>
         </p:txBody>
@@ -1839,7 +2035,7 @@
           <a:p>
             <a:fld id="{9555D449-B875-4B8D-8E66-224D27E54C9A}" type="slidenum">
               <a:rPr lang="en-US" smtClean="0"/>
-              <a:t>13</a:t>
+              <a:t>12</a:t>
             </a:fld>
             <a:endParaRPr lang="en-US"/>
           </a:p>
@@ -1848,7 +2044,91 @@
     </p:spTree>
     <p:extLst>
       <p:ext uri="{BB962C8B-B14F-4D97-AF65-F5344CB8AC3E}">
-        <p14:creationId xmlns:p14="http://schemas.microsoft.com/office/powerpoint/2010/main" val="390993250"/>
+        <p14:creationId xmlns:p14="http://schemas.microsoft.com/office/powerpoint/2010/main" val="2737633482"/>
+      </p:ext>
+    </p:extLst>
+  </p:cSld>
+  <p:clrMapOvr>
+    <a:masterClrMapping/>
+  </p:clrMapOvr>
+</p:notes>
+</file>
+
+<file path=ppt/notesSlides/notesSlide9.xml><?xml version="1.0" encoding="utf-8"?>
+<p:notes xmlns:a="http://schemas.openxmlformats.org/drawingml/2006/main" xmlns:r="http://schemas.openxmlformats.org/officeDocument/2006/relationships" xmlns:p="http://schemas.openxmlformats.org/presentationml/2006/main">
+  <p:cSld>
+    <p:spTree>
+      <p:nvGrpSpPr>
+        <p:cNvPr id="1" name=""/>
+        <p:cNvGrpSpPr/>
+        <p:nvPr/>
+      </p:nvGrpSpPr>
+      <p:grpSpPr>
+        <a:xfrm>
+          <a:off x="0" y="0"/>
+          <a:ext cx="0" cy="0"/>
+          <a:chOff x="0" y="0"/>
+          <a:chExt cx="0" cy="0"/>
+        </a:xfrm>
+      </p:grpSpPr>
+      <p:sp>
+        <p:nvSpPr>
+          <p:cNvPr id="2" name="Slide Image Placeholder 1"/>
+          <p:cNvSpPr>
+            <a:spLocks noGrp="1" noRot="1" noChangeAspect="1"/>
+          </p:cNvSpPr>
+          <p:nvPr>
+            <p:ph type="sldImg"/>
+          </p:nvPr>
+        </p:nvSpPr>
+        <p:spPr/>
+      </p:sp>
+      <p:sp>
+        <p:nvSpPr>
+          <p:cNvPr id="3" name="Notes Placeholder 2"/>
+          <p:cNvSpPr>
+            <a:spLocks noGrp="1"/>
+          </p:cNvSpPr>
+          <p:nvPr>
+            <p:ph type="body" idx="1"/>
+          </p:nvPr>
+        </p:nvSpPr>
+        <p:spPr/>
+        <p:txBody>
+          <a:bodyPr/>
+          <a:lstStyle/>
+          <a:p>
+            <a:endParaRPr lang="en-US" dirty="0"/>
+          </a:p>
+        </p:txBody>
+      </p:sp>
+      <p:sp>
+        <p:nvSpPr>
+          <p:cNvPr id="4" name="Slide Number Placeholder 3"/>
+          <p:cNvSpPr>
+            <a:spLocks noGrp="1"/>
+          </p:cNvSpPr>
+          <p:nvPr>
+            <p:ph type="sldNum" sz="quarter" idx="5"/>
+          </p:nvPr>
+        </p:nvSpPr>
+        <p:spPr/>
+        <p:txBody>
+          <a:bodyPr/>
+          <a:lstStyle/>
+          <a:p>
+            <a:fld id="{9555D449-B875-4B8D-8E66-224D27E54C9A}" type="slidenum">
+              <a:rPr lang="en-US" smtClean="0"/>
+              <a:t>13</a:t>
+            </a:fld>
+            <a:endParaRPr lang="en-US"/>
+          </a:p>
+        </p:txBody>
+      </p:sp>
+    </p:spTree>
+    <p:extLst>
+      <p:ext uri="{BB962C8B-B14F-4D97-AF65-F5344CB8AC3E}">
+        <p14:creationId xmlns:p14="http://schemas.microsoft.com/office/powerpoint/2010/main" val="1110580887"/>
       </p:ext>
     </p:extLst>
   </p:cSld>
@@ -2194,7 +2474,7 @@
           <a:p>
             <a:fld id="{37CC0096-1860-4642-9CD2-0079EA5E7CD1}" type="datetimeFigureOut">
               <a:rPr lang="en-US"/>
-              <a:t>5/4/2020</a:t>
+              <a:t>5/7/2020</a:t>
             </a:fld>
             <a:endParaRPr/>
           </a:p>
@@ -2443,7 +2723,7 @@
           <a:p>
             <a:fld id="{37CC0096-1860-4642-9CD2-0079EA5E7CD1}" type="datetimeFigureOut">
               <a:rPr lang="en-US"/>
-              <a:t>5/4/2020</a:t>
+              <a:t>5/7/2020</a:t>
             </a:fld>
             <a:endParaRPr/>
           </a:p>
@@ -2629,7 +2909,7 @@
           <a:p>
             <a:fld id="{37CC0096-1860-4642-9CD2-0079EA5E7CD1}" type="datetimeFigureOut">
               <a:rPr lang="en-US"/>
-              <a:t>5/4/2020</a:t>
+              <a:t>5/7/2020</a:t>
             </a:fld>
             <a:endParaRPr/>
           </a:p>
@@ -3160,7 +3440,7 @@
           <a:p>
             <a:fld id="{37CC0096-1860-4642-9CD2-0079EA5E7CD1}" type="datetimeFigureOut">
               <a:rPr lang="en-US"/>
-              <a:t>5/4/2020</a:t>
+              <a:t>5/7/2020</a:t>
             </a:fld>
             <a:endParaRPr/>
           </a:p>
@@ -3612,7 +3892,7 @@
           <a:p>
             <a:fld id="{37CC0096-1860-4642-9CD2-0079EA5E7CD1}" type="datetimeFigureOut">
               <a:rPr lang="en-US"/>
-              <a:t>5/4/2020</a:t>
+              <a:t>5/7/2020</a:t>
             </a:fld>
             <a:endParaRPr/>
           </a:p>
@@ -3742,7 +4022,7 @@
           <a:p>
             <a:fld id="{37CC0096-1860-4642-9CD2-0079EA5E7CD1}" type="datetimeFigureOut">
               <a:rPr lang="en-US"/>
-              <a:t>5/4/2020</a:t>
+              <a:t>5/7/2020</a:t>
             </a:fld>
             <a:endParaRPr/>
           </a:p>
@@ -3849,7 +4129,7 @@
           <a:p>
             <a:fld id="{37CC0096-1860-4642-9CD2-0079EA5E7CD1}" type="datetimeFigureOut">
               <a:rPr lang="en-US"/>
-              <a:t>5/4/2020</a:t>
+              <a:t>5/7/2020</a:t>
             </a:fld>
             <a:endParaRPr/>
           </a:p>
@@ -4838,7 +5118,7 @@
             <a:fld id="{37CC0096-1860-4642-9CD2-0079EA5E7CD1}" type="datetimeFigureOut">
               <a:rPr lang="en-US" smtClean="0"/>
               <a:pPr/>
-              <a:t>5/4/2020</a:t>
+              <a:t>5/7/2020</a:t>
             </a:fld>
             <a:endParaRPr lang="en-US" dirty="0"/>
           </a:p>
@@ -5505,7 +5785,7 @@
           <p:nvPr/>
         </p:nvPicPr>
         <p:blipFill>
-          <a:blip r:embed="rId2">
+          <a:blip r:embed="rId3">
             <a:duotone>
               <a:schemeClr val="accent1">
                 <a:shade val="45000"/>
@@ -5559,7 +5839,7 @@
           <p:nvPr/>
         </p:nvPicPr>
         <p:blipFill>
-          <a:blip r:embed="rId3">
+          <a:blip r:embed="rId4">
             <a:duotone>
               <a:schemeClr val="accent1">
                 <a:shade val="45000"/>
@@ -5612,8 +5892,8 @@
         </p:nvSpPr>
         <p:spPr>
           <a:xfrm>
-            <a:off x="1674667" y="4647479"/>
-            <a:ext cx="4591050" cy="1908215"/>
+            <a:off x="1028700" y="4824227"/>
+            <a:ext cx="5562600" cy="1446550"/>
           </a:xfrm>
           <a:prstGeom prst="rect">
             <a:avLst/>
@@ -5640,7 +5920,7 @@
             </a:r>
           </a:p>
           <a:p>
-            <a:pPr marL="285750" indent="-285750">
+            <a:pPr marL="742950" lvl="1" indent="-285750">
               <a:buFont typeface="Arial" panose="020B0604020202020204" pitchFamily="34" charset="0"/>
               <a:buChar char="•"/>
             </a:pPr>
@@ -5650,8 +5930,16 @@
                   <a:schemeClr val="bg1"/>
                 </a:solidFill>
               </a:rPr>
-              <a:t>Encourage/ensure those in your household do the same.</a:t>
-            </a:r>
+              <a:t>Individually &amp; Collectively</a:t>
+            </a:r>
+          </a:p>
+          <a:p>
+            <a:pPr lvl="1"/>
+            <a:endParaRPr lang="en-US" dirty="0">
+              <a:solidFill>
+                <a:schemeClr val="bg1"/>
+              </a:solidFill>
+            </a:endParaRPr>
           </a:p>
           <a:p>
             <a:pPr marL="285750" indent="-285750">
@@ -5673,26 +5961,13 @@
               <a:buChar char="•"/>
             </a:pPr>
             <a:r>
-              <a:rPr lang="en-US" sz="1000" dirty="0">
+              <a:rPr lang="en-US" sz="1600" dirty="0">
                 <a:solidFill>
                   <a:schemeClr val="bg1"/>
                 </a:solidFill>
               </a:rPr>
-              <a:t>Especially true for males, and those with higher  </a:t>
-            </a:r>
-            <a:r>
-              <a:rPr lang="en-US" sz="1000" dirty="0" err="1">
-                <a:solidFill>
-                  <a:schemeClr val="bg1"/>
-                </a:solidFill>
-              </a:rPr>
-              <a:t>bmi</a:t>
-            </a:r>
-            <a:endParaRPr lang="en-US" sz="1000" dirty="0">
-              <a:solidFill>
-                <a:schemeClr val="bg1"/>
-              </a:solidFill>
-            </a:endParaRPr>
+              <a:t>Especially true for males, and those with higher  BMI</a:t>
+            </a:r>
           </a:p>
         </p:txBody>
       </p:sp>
@@ -5796,7 +6071,7 @@
           <p:nvPr/>
         </p:nvPicPr>
         <p:blipFill>
-          <a:blip r:embed="rId4">
+          <a:blip r:embed="rId5">
             <a:duotone>
               <a:schemeClr val="accent1">
                 <a:shade val="45000"/>
@@ -6413,7 +6688,7 @@
         </p:blipFill>
         <p:spPr bwMode="auto">
           <a:xfrm>
-            <a:off x="11044270" y="2580865"/>
+            <a:off x="10820400" y="2209800"/>
             <a:ext cx="631049" cy="1076735"/>
           </a:xfrm>
           <a:prstGeom prst="rect">
@@ -6438,7 +6713,7 @@
         </p:nvSpPr>
         <p:spPr>
           <a:xfrm>
-            <a:off x="11141161" y="2759632"/>
+            <a:off x="10917291" y="2388567"/>
             <a:ext cx="615188" cy="338554"/>
           </a:xfrm>
           <a:prstGeom prst="rect">
@@ -6481,8 +6756,8 @@
         </p:nvSpPr>
         <p:spPr>
           <a:xfrm>
-            <a:off x="9085670" y="2131078"/>
-            <a:ext cx="2981294" cy="762000"/>
+            <a:off x="9242817" y="2438714"/>
+            <a:ext cx="2344330" cy="764522"/>
           </a:xfrm>
           <a:prstGeom prst="rect">
             <a:avLst/>
@@ -6720,8 +6995,8 @@
         </p:nvSpPr>
         <p:spPr>
           <a:xfrm>
-            <a:off x="9208412" y="3179551"/>
-            <a:ext cx="2602588" cy="3170099"/>
+            <a:off x="9025194" y="3777526"/>
+            <a:ext cx="2779576" cy="1600438"/>
           </a:xfrm>
           <a:prstGeom prst="rect">
             <a:avLst/>
@@ -6740,13 +7015,30 @@
           </a:bodyPr>
           <a:lstStyle/>
           <a:p>
-            <a:pPr marL="285750" indent="-285750">
+            <a:pPr marL="342900" indent="-342900">
               <a:buFont typeface="Arial" panose="020B0604020202020204" pitchFamily="34" charset="0"/>
               <a:buChar char="•"/>
             </a:pPr>
             <a:r>
+              <a:rPr lang="en-US" dirty="0"/>
+              <a:t>Meaning/Description</a:t>
+            </a:r>
+          </a:p>
+          <a:p>
+            <a:pPr marL="342900" indent="-342900">
+              <a:buFont typeface="Arial" panose="020B0604020202020204" pitchFamily="34" charset="0"/>
+              <a:buChar char="•"/>
+            </a:pPr>
+            <a:endParaRPr lang="en-US" sz="2000" dirty="0"/>
+          </a:p>
+          <a:p>
+            <a:pPr marL="342900" indent="-342900">
+              <a:buFont typeface="Arial" panose="020B0604020202020204" pitchFamily="34" charset="0"/>
+              <a:buChar char="•"/>
+            </a:pPr>
+            <a:r>
               <a:rPr lang="en-US" sz="2000" dirty="0"/>
-              <a:t>Investigate the meaning behind this feature.  The questionnaire to collect data has had several versions and questions surrounding this no longer exist.</a:t>
+              <a:t>Data collection surrounding this no longer exist.</a:t>
             </a:r>
           </a:p>
         </p:txBody>
@@ -6862,8 +7154,8 @@
         </p:nvSpPr>
         <p:spPr>
           <a:xfrm>
-            <a:off x="5982427" y="2156401"/>
-            <a:ext cx="2981294" cy="762000"/>
+            <a:off x="5850204" y="2351581"/>
+            <a:ext cx="929173" cy="736677"/>
           </a:xfrm>
           <a:prstGeom prst="rect">
             <a:avLst/>
@@ -7132,6 +7424,44 @@
           </a:p>
         </p:txBody>
       </p:sp>
+      <p:pic>
+        <p:nvPicPr>
+          <p:cNvPr id="3" name="Picture 2">
+            <a:extLst>
+              <a:ext uri="{FF2B5EF4-FFF2-40B4-BE49-F238E27FC236}">
+                <a16:creationId xmlns:a16="http://schemas.microsoft.com/office/drawing/2014/main" id="{07F84162-A6DD-4F1F-A231-E8636F86D687}"/>
+              </a:ext>
+            </a:extLst>
+          </p:cNvPr>
+          <p:cNvPicPr>
+            <a:picLocks noChangeAspect="1"/>
+          </p:cNvPicPr>
+          <p:nvPr/>
+        </p:nvPicPr>
+        <p:blipFill>
+          <a:blip r:embed="rId6">
+            <a:duotone>
+              <a:schemeClr val="accent1">
+                <a:shade val="45000"/>
+                <a:satMod val="135000"/>
+              </a:schemeClr>
+              <a:prstClr val="white"/>
+            </a:duotone>
+          </a:blip>
+          <a:stretch>
+            <a:fillRect/>
+          </a:stretch>
+        </p:blipFill>
+        <p:spPr>
+          <a:xfrm>
+            <a:off x="6741363" y="2190718"/>
+            <a:ext cx="1470718" cy="1137828"/>
+          </a:xfrm>
+          <a:prstGeom prst="rect">
+            <a:avLst/>
+          </a:prstGeom>
+        </p:spPr>
+      </p:pic>
     </p:spTree>
     <p:extLst>
       <p:ext uri="{BB962C8B-B14F-4D97-AF65-F5344CB8AC3E}">
@@ -7272,6 +7602,75 @@
       </p:grpSpPr>
       <p:sp>
         <p:nvSpPr>
+          <p:cNvPr id="2" name="Title 1"/>
+          <p:cNvSpPr>
+            <a:spLocks noGrp="1"/>
+          </p:cNvSpPr>
+          <p:nvPr>
+            <p:ph type="title"/>
+          </p:nvPr>
+        </p:nvSpPr>
+        <p:spPr>
+          <a:xfrm>
+            <a:off x="914400" y="4495800"/>
+            <a:ext cx="4343400" cy="1371600"/>
+          </a:xfrm>
+        </p:spPr>
+        <p:txBody>
+          <a:bodyPr/>
+          <a:lstStyle/>
+          <a:p>
+            <a:r>
+              <a:rPr lang="en-US" dirty="0"/>
+              <a:t> Appendix:</a:t>
+            </a:r>
+          </a:p>
+        </p:txBody>
+      </p:sp>
+    </p:spTree>
+    <p:extLst>
+      <p:ext uri="{BB962C8B-B14F-4D97-AF65-F5344CB8AC3E}">
+        <p14:creationId xmlns:p14="http://schemas.microsoft.com/office/powerpoint/2010/main" val="90523319"/>
+      </p:ext>
+    </p:extLst>
+  </p:cSld>
+  <p:clrMapOvr>
+    <a:masterClrMapping/>
+  </p:clrMapOvr>
+  <mc:AlternateContent xmlns:mc="http://schemas.openxmlformats.org/markup-compatibility/2006" xmlns:p14="http://schemas.microsoft.com/office/powerpoint/2010/main">
+    <mc:Choice Requires="p14">
+      <p:transition spd="med" p14:dur="700">
+        <p:fade/>
+      </p:transition>
+    </mc:Choice>
+    <mc:Fallback xmlns="">
+      <p:transition spd="med">
+        <p:fade/>
+      </p:transition>
+    </mc:Fallback>
+  </mc:AlternateContent>
+</p:sld>
+</file>
+
+<file path=ppt/slides/slide14.xml><?xml version="1.0" encoding="utf-8"?>
+<p:sld xmlns:a="http://schemas.openxmlformats.org/drawingml/2006/main" xmlns:r="http://schemas.openxmlformats.org/officeDocument/2006/relationships" xmlns:p="http://schemas.openxmlformats.org/presentationml/2006/main">
+  <p:cSld>
+    <p:spTree>
+      <p:nvGrpSpPr>
+        <p:cNvPr id="1" name=""/>
+        <p:cNvGrpSpPr/>
+        <p:nvPr/>
+      </p:nvGrpSpPr>
+      <p:grpSpPr>
+        <a:xfrm>
+          <a:off x="0" y="0"/>
+          <a:ext cx="0" cy="0"/>
+          <a:chOff x="0" y="0"/>
+          <a:chExt cx="0" cy="0"/>
+        </a:xfrm>
+      </p:grpSpPr>
+      <p:sp>
+        <p:nvSpPr>
           <p:cNvPr id="2" name="Title 1">
             <a:extLst>
               <a:ext uri="{FF2B5EF4-FFF2-40B4-BE49-F238E27FC236}">
@@ -7293,7 +7692,7 @@
           <a:p>
             <a:r>
               <a:rPr lang="en-US" dirty="0"/>
-              <a:t>Receiver Operator Curve (ROC)</a:t>
+              <a:t>Receiver Operator Curve (ROC) Results for Random Forest Classification Model:</a:t>
             </a:r>
           </a:p>
         </p:txBody>
@@ -7320,8 +7719,378 @@
         </p:blipFill>
         <p:spPr>
           <a:xfrm>
-            <a:off x="5867400" y="2057400"/>
+            <a:off x="6078583" y="1967325"/>
             <a:ext cx="5915025" cy="4548864"/>
+          </a:xfrm>
+          <a:prstGeom prst="rect">
+            <a:avLst/>
+          </a:prstGeom>
+        </p:spPr>
+      </p:pic>
+      <p:sp>
+        <p:nvSpPr>
+          <p:cNvPr id="3" name="TextBox 2">
+            <a:extLst>
+              <a:ext uri="{FF2B5EF4-FFF2-40B4-BE49-F238E27FC236}">
+                <a16:creationId xmlns:a16="http://schemas.microsoft.com/office/drawing/2014/main" id="{360EA8BD-0BFF-4CCB-88D8-A647563AAAD6}"/>
+              </a:ext>
+            </a:extLst>
+          </p:cNvPr>
+          <p:cNvSpPr txBox="1"/>
+          <p:nvPr/>
+        </p:nvSpPr>
+        <p:spPr>
+          <a:xfrm>
+            <a:off x="847997" y="2895600"/>
+            <a:ext cx="5029200" cy="2308324"/>
+          </a:xfrm>
+          <a:prstGeom prst="rect">
+            <a:avLst/>
+          </a:prstGeom>
+          <a:noFill/>
+        </p:spPr>
+        <p:txBody>
+          <a:bodyPr wrap="square" rtlCol="0">
+            <a:spAutoFit/>
+          </a:bodyPr>
+          <a:lstStyle/>
+          <a:p>
+            <a:r>
+              <a:rPr lang="en-US" dirty="0"/>
+              <a:t>Blue dotted line represents  the 50:50 </a:t>
+            </a:r>
+            <a:r>
+              <a:rPr lang="en-US" dirty="0">
+                <a:solidFill>
+                  <a:srgbClr val="0070C0"/>
+                </a:solidFill>
+              </a:rPr>
+              <a:t>chance</a:t>
+            </a:r>
+            <a:r>
+              <a:rPr lang="en-US" dirty="0"/>
+              <a:t> in predicting if someone tests positive for COVID-19. </a:t>
+            </a:r>
+          </a:p>
+          <a:p>
+            <a:endParaRPr lang="en-US" dirty="0"/>
+          </a:p>
+          <a:p>
+            <a:endParaRPr lang="en-US" dirty="0"/>
+          </a:p>
+          <a:p>
+            <a:r>
+              <a:rPr lang="en-US" dirty="0"/>
+              <a:t>The red line represents the diagnostic ability or Area Under the Curve (AUC) of the binomial classifier to be </a:t>
+            </a:r>
+            <a:r>
+              <a:rPr lang="en-US" dirty="0">
+                <a:solidFill>
+                  <a:schemeClr val="accent1"/>
+                </a:solidFill>
+              </a:rPr>
+              <a:t>87.1% reliable </a:t>
+            </a:r>
+            <a:r>
+              <a:rPr lang="en-US" dirty="0"/>
+              <a:t>or approximately 37% better than randomly guessing.</a:t>
+            </a:r>
+          </a:p>
+        </p:txBody>
+      </p:sp>
+      <p:sp>
+        <p:nvSpPr>
+          <p:cNvPr id="5" name="Arrow: Right 4">
+            <a:extLst>
+              <a:ext uri="{FF2B5EF4-FFF2-40B4-BE49-F238E27FC236}">
+                <a16:creationId xmlns:a16="http://schemas.microsoft.com/office/drawing/2014/main" id="{15E4ADFD-A339-49F0-81A9-D1FBBF6E8036}"/>
+              </a:ext>
+            </a:extLst>
+          </p:cNvPr>
+          <p:cNvSpPr/>
+          <p:nvPr/>
+        </p:nvSpPr>
+        <p:spPr>
+          <a:xfrm>
+            <a:off x="314597" y="4165557"/>
+            <a:ext cx="533400" cy="381000"/>
+          </a:xfrm>
+          <a:prstGeom prst="rightArrow">
+            <a:avLst/>
+          </a:prstGeom>
+        </p:spPr>
+        <p:style>
+          <a:lnRef idx="2">
+            <a:schemeClr val="accent1">
+              <a:shade val="50000"/>
+            </a:schemeClr>
+          </a:lnRef>
+          <a:fillRef idx="1">
+            <a:schemeClr val="accent1"/>
+          </a:fillRef>
+          <a:effectRef idx="0">
+            <a:schemeClr val="accent1"/>
+          </a:effectRef>
+          <a:fontRef idx="minor">
+            <a:schemeClr val="lt1"/>
+          </a:fontRef>
+        </p:style>
+        <p:txBody>
+          <a:bodyPr rtlCol="0" anchor="ctr"/>
+          <a:lstStyle/>
+          <a:p>
+            <a:pPr algn="ctr"/>
+            <a:endParaRPr lang="en-US"/>
+          </a:p>
+        </p:txBody>
+      </p:sp>
+      <p:sp>
+        <p:nvSpPr>
+          <p:cNvPr id="6" name="Arrow: Right 5">
+            <a:extLst>
+              <a:ext uri="{FF2B5EF4-FFF2-40B4-BE49-F238E27FC236}">
+                <a16:creationId xmlns:a16="http://schemas.microsoft.com/office/drawing/2014/main" id="{E1EF9F19-02C4-4470-8F4C-D9B8D93934B5}"/>
+              </a:ext>
+            </a:extLst>
+          </p:cNvPr>
+          <p:cNvSpPr/>
+          <p:nvPr/>
+        </p:nvSpPr>
+        <p:spPr>
+          <a:xfrm>
+            <a:off x="304800" y="3025952"/>
+            <a:ext cx="533400" cy="381000"/>
+          </a:xfrm>
+          <a:prstGeom prst="rightArrow">
+            <a:avLst/>
+          </a:prstGeom>
+          <a:solidFill>
+            <a:srgbClr val="0070C0"/>
+          </a:solidFill>
+          <a:ln>
+            <a:solidFill>
+              <a:srgbClr val="0070C0"/>
+            </a:solidFill>
+          </a:ln>
+        </p:spPr>
+        <p:style>
+          <a:lnRef idx="2">
+            <a:schemeClr val="accent1">
+              <a:shade val="50000"/>
+            </a:schemeClr>
+          </a:lnRef>
+          <a:fillRef idx="1">
+            <a:schemeClr val="accent1"/>
+          </a:fillRef>
+          <a:effectRef idx="0">
+            <a:schemeClr val="accent1"/>
+          </a:effectRef>
+          <a:fontRef idx="minor">
+            <a:schemeClr val="lt1"/>
+          </a:fontRef>
+        </p:style>
+        <p:txBody>
+          <a:bodyPr rtlCol="0" anchor="ctr"/>
+          <a:lstStyle/>
+          <a:p>
+            <a:pPr algn="ctr"/>
+            <a:endParaRPr lang="en-US"/>
+          </a:p>
+        </p:txBody>
+      </p:sp>
+      <p:cxnSp>
+        <p:nvCxnSpPr>
+          <p:cNvPr id="8" name="Straight Connector 7">
+            <a:extLst>
+              <a:ext uri="{FF2B5EF4-FFF2-40B4-BE49-F238E27FC236}">
+                <a16:creationId xmlns:a16="http://schemas.microsoft.com/office/drawing/2014/main" id="{60DE6E2B-D788-4238-A405-0864C495AAC0}"/>
+              </a:ext>
+            </a:extLst>
+          </p:cNvPr>
+          <p:cNvCxnSpPr/>
+          <p:nvPr/>
+        </p:nvCxnSpPr>
+        <p:spPr>
+          <a:xfrm>
+            <a:off x="919434" y="3733800"/>
+            <a:ext cx="4886325" cy="0"/>
+          </a:xfrm>
+          <a:prstGeom prst="line">
+            <a:avLst/>
+          </a:prstGeom>
+          <a:ln w="9525" cap="flat" cmpd="sng" algn="ctr">
+            <a:solidFill>
+              <a:srgbClr val="0070C0"/>
+            </a:solidFill>
+            <a:prstDash val="dash"/>
+            <a:round/>
+            <a:headEnd type="none" w="med" len="med"/>
+            <a:tailEnd type="none" w="med" len="med"/>
+          </a:ln>
+        </p:spPr>
+        <p:style>
+          <a:lnRef idx="0">
+            <a:scrgbClr r="0" g="0" b="0"/>
+          </a:lnRef>
+          <a:fillRef idx="0">
+            <a:scrgbClr r="0" g="0" b="0"/>
+          </a:fillRef>
+          <a:effectRef idx="0">
+            <a:scrgbClr r="0" g="0" b="0"/>
+          </a:effectRef>
+          <a:fontRef idx="minor">
+            <a:schemeClr val="tx1"/>
+          </a:fontRef>
+        </p:style>
+      </p:cxnSp>
+      <p:cxnSp>
+        <p:nvCxnSpPr>
+          <p:cNvPr id="10" name="Straight Connector 9">
+            <a:extLst>
+              <a:ext uri="{FF2B5EF4-FFF2-40B4-BE49-F238E27FC236}">
+                <a16:creationId xmlns:a16="http://schemas.microsoft.com/office/drawing/2014/main" id="{350B0AD5-03B6-4D54-AF74-E7824FA3B1C3}"/>
+              </a:ext>
+            </a:extLst>
+          </p:cNvPr>
+          <p:cNvCxnSpPr>
+            <a:cxnSpLocks/>
+          </p:cNvCxnSpPr>
+          <p:nvPr/>
+        </p:nvCxnSpPr>
+        <p:spPr>
+          <a:xfrm>
+            <a:off x="919434" y="5410200"/>
+            <a:ext cx="4886325" cy="0"/>
+          </a:xfrm>
+          <a:prstGeom prst="line">
+            <a:avLst/>
+          </a:prstGeom>
+          <a:ln w="28575"/>
+        </p:spPr>
+        <p:style>
+          <a:lnRef idx="1">
+            <a:schemeClr val="accent1"/>
+          </a:lnRef>
+          <a:fillRef idx="0">
+            <a:schemeClr val="accent1"/>
+          </a:fillRef>
+          <a:effectRef idx="0">
+            <a:schemeClr val="accent1"/>
+          </a:effectRef>
+          <a:fontRef idx="minor">
+            <a:schemeClr val="tx1"/>
+          </a:fontRef>
+        </p:style>
+      </p:cxnSp>
+    </p:spTree>
+    <p:extLst>
+      <p:ext uri="{BB962C8B-B14F-4D97-AF65-F5344CB8AC3E}">
+        <p14:creationId xmlns:p14="http://schemas.microsoft.com/office/powerpoint/2010/main" val="1438998939"/>
+      </p:ext>
+    </p:extLst>
+  </p:cSld>
+  <p:clrMapOvr>
+    <a:masterClrMapping/>
+  </p:clrMapOvr>
+  <mc:AlternateContent xmlns:mc="http://schemas.openxmlformats.org/markup-compatibility/2006" xmlns:p14="http://schemas.microsoft.com/office/powerpoint/2010/main">
+    <mc:Choice Requires="p14">
+      <p:transition spd="med" p14:dur="700">
+        <p:fade/>
+      </p:transition>
+    </mc:Choice>
+    <mc:Fallback xmlns="">
+      <p:transition spd="med">
+        <p:fade/>
+      </p:transition>
+    </mc:Fallback>
+  </mc:AlternateContent>
+</p:sld>
+</file>
+
+<file path=ppt/slides/slide15.xml><?xml version="1.0" encoding="utf-8"?>
+<p:sld xmlns:a="http://schemas.openxmlformats.org/drawingml/2006/main" xmlns:r="http://schemas.openxmlformats.org/officeDocument/2006/relationships" xmlns:p="http://schemas.openxmlformats.org/presentationml/2006/main">
+  <p:cSld>
+    <p:spTree>
+      <p:nvGrpSpPr>
+        <p:cNvPr id="1" name=""/>
+        <p:cNvGrpSpPr/>
+        <p:nvPr/>
+      </p:nvGrpSpPr>
+      <p:grpSpPr>
+        <a:xfrm>
+          <a:off x="0" y="0"/>
+          <a:ext cx="0" cy="0"/>
+          <a:chOff x="0" y="0"/>
+          <a:chExt cx="0" cy="0"/>
+        </a:xfrm>
+      </p:grpSpPr>
+      <p:sp>
+        <p:nvSpPr>
+          <p:cNvPr id="2" name="Title 1">
+            <a:extLst>
+              <a:ext uri="{FF2B5EF4-FFF2-40B4-BE49-F238E27FC236}">
+                <a16:creationId xmlns:a16="http://schemas.microsoft.com/office/drawing/2014/main" id="{1251D4D8-C436-4BB0-8728-0D156BD9464A}"/>
+              </a:ext>
+            </a:extLst>
+          </p:cNvPr>
+          <p:cNvSpPr>
+            <a:spLocks noGrp="1"/>
+          </p:cNvSpPr>
+          <p:nvPr>
+            <p:ph type="title"/>
+          </p:nvPr>
+        </p:nvSpPr>
+        <p:spPr/>
+        <p:txBody>
+          <a:bodyPr/>
+          <a:lstStyle/>
+          <a:p>
+            <a:r>
+              <a:rPr lang="en-US" dirty="0"/>
+              <a:t>One sample tree from the random forest: </a:t>
+            </a:r>
+            <a:br>
+              <a:rPr lang="en-US" dirty="0"/>
+            </a:br>
+            <a:r>
+              <a:rPr lang="en-US" dirty="0"/>
+              <a:t>(a closer look)</a:t>
+            </a:r>
+          </a:p>
+        </p:txBody>
+      </p:sp>
+      <p:pic>
+        <p:nvPicPr>
+          <p:cNvPr id="3" name="Picture 2">
+            <a:extLst>
+              <a:ext uri="{FF2B5EF4-FFF2-40B4-BE49-F238E27FC236}">
+                <a16:creationId xmlns:a16="http://schemas.microsoft.com/office/drawing/2014/main" id="{6B9CC9D9-F446-4C08-AD2A-4C670ACE5753}"/>
+              </a:ext>
+            </a:extLst>
+          </p:cNvPr>
+          <p:cNvPicPr>
+            <a:picLocks noChangeAspect="1"/>
+          </p:cNvPicPr>
+          <p:nvPr/>
+        </p:nvPicPr>
+        <p:blipFill>
+          <a:blip r:embed="rId3">
+            <a:duotone>
+              <a:schemeClr val="accent1">
+                <a:shade val="45000"/>
+                <a:satMod val="135000"/>
+              </a:schemeClr>
+              <a:prstClr val="white"/>
+            </a:duotone>
+          </a:blip>
+          <a:stretch>
+            <a:fillRect/>
+          </a:stretch>
+        </p:blipFill>
+        <p:spPr>
+          <a:xfrm>
+            <a:off x="331957" y="2133600"/>
+            <a:ext cx="11528085" cy="4191000"/>
           </a:xfrm>
           <a:prstGeom prst="rect">
             <a:avLst/>
@@ -7331,7 +8100,7 @@
     </p:spTree>
     <p:extLst>
       <p:ext uri="{BB962C8B-B14F-4D97-AF65-F5344CB8AC3E}">
-        <p14:creationId xmlns:p14="http://schemas.microsoft.com/office/powerpoint/2010/main" val="1438998939"/>
+        <p14:creationId xmlns:p14="http://schemas.microsoft.com/office/powerpoint/2010/main" val="2788657718"/>
       </p:ext>
     </p:extLst>
   </p:cSld>
@@ -7615,7 +8384,21 @@
                 <a:latin typeface="CiscoSansTT" panose="020B0503020201020303" pitchFamily="34" charset="0"/>
                 <a:cs typeface="CiscoSansTT" panose="020B0503020201020303" pitchFamily="34" charset="0"/>
               </a:rPr>
-              <a:t>contracting </a:t>
+              <a:t>testing positive </a:t>
+            </a:r>
+            <a:r>
+              <a:rPr lang="en-US" dirty="0">
+                <a:latin typeface="CiscoSansTT" panose="020B0503020201020303" pitchFamily="34" charset="0"/>
+                <a:cs typeface="CiscoSansTT" panose="020B0503020201020303" pitchFamily="34" charset="0"/>
+              </a:rPr>
+              <a:t>for</a:t>
+            </a:r>
+            <a:r>
+              <a:rPr lang="en-US" sz="3200" b="1" dirty="0">
+                <a:latin typeface="CiscoSansTT" panose="020B0503020201020303" pitchFamily="34" charset="0"/>
+                <a:cs typeface="CiscoSansTT" panose="020B0503020201020303" pitchFamily="34" charset="0"/>
+              </a:rPr>
+              <a:t> </a:t>
             </a:r>
             <a:r>
               <a:rPr lang="en-US" dirty="0">
@@ -16769,7 +17552,7 @@
                   </a:schemeClr>
                 </a:solidFill>
               </a:rPr>
-              <a:t>.013% Tested Positive</a:t>
+              <a:t>.13% Tested Positive</a:t>
             </a:r>
             <a:endParaRPr lang="en-US" sz="900" dirty="0">
               <a:solidFill>
@@ -17100,44 +17883,6 @@
           <a:xfrm>
             <a:off x="741171" y="1901153"/>
             <a:ext cx="4165474" cy="4165474"/>
-          </a:xfrm>
-          <a:prstGeom prst="rect">
-            <a:avLst/>
-          </a:prstGeom>
-        </p:spPr>
-      </p:pic>
-      <p:pic>
-        <p:nvPicPr>
-          <p:cNvPr id="4" name="Picture 3">
-            <a:extLst>
-              <a:ext uri="{FF2B5EF4-FFF2-40B4-BE49-F238E27FC236}">
-                <a16:creationId xmlns:a16="http://schemas.microsoft.com/office/drawing/2014/main" id="{9D5467AE-28CC-4ED2-9C2A-E779A9C881FA}"/>
-              </a:ext>
-            </a:extLst>
-          </p:cNvPr>
-          <p:cNvPicPr>
-            <a:picLocks noChangeAspect="1"/>
-          </p:cNvPicPr>
-          <p:nvPr/>
-        </p:nvPicPr>
-        <p:blipFill>
-          <a:blip r:embed="rId6">
-            <a:duotone>
-              <a:schemeClr val="accent1">
-                <a:shade val="45000"/>
-                <a:satMod val="135000"/>
-              </a:schemeClr>
-              <a:prstClr val="white"/>
-            </a:duotone>
-          </a:blip>
-          <a:stretch>
-            <a:fillRect/>
-          </a:stretch>
-        </p:blipFill>
-        <p:spPr>
-          <a:xfrm>
-            <a:off x="5106031" y="2233085"/>
-            <a:ext cx="6599674" cy="4165474"/>
           </a:xfrm>
           <a:prstGeom prst="rect">
             <a:avLst/>
@@ -17413,8 +18158,8 @@
           <p:nvPr/>
         </p:nvSpPr>
         <p:spPr>
-          <a:xfrm rot="2770241">
-            <a:off x="3024591" y="3295267"/>
+          <a:xfrm rot="18947746">
+            <a:off x="2121570" y="3286598"/>
             <a:ext cx="358234" cy="184666"/>
           </a:xfrm>
           <a:prstGeom prst="rect">
@@ -17452,8 +18197,8 @@
           <p:nvPr/>
         </p:nvSpPr>
         <p:spPr>
-          <a:xfrm rot="19055852">
-            <a:off x="2046754" y="3197366"/>
+          <a:xfrm rot="2869172">
+            <a:off x="2964395" y="3391496"/>
             <a:ext cx="710400" cy="184666"/>
           </a:xfrm>
           <a:prstGeom prst="rect">
@@ -17492,8 +18237,8 @@
         </p:nvSpPr>
         <p:spPr>
           <a:xfrm>
-            <a:off x="8768288" y="2315576"/>
-            <a:ext cx="2937417" cy="461665"/>
+            <a:off x="7125221" y="1961757"/>
+            <a:ext cx="4580564" cy="461665"/>
           </a:xfrm>
           <a:prstGeom prst="rect">
             <a:avLst/>
@@ -17533,8 +18278,8 @@
         </p:nvSpPr>
         <p:spPr>
           <a:xfrm>
-            <a:off x="1896478" y="2774885"/>
-            <a:ext cx="1854861" cy="404725"/>
+            <a:off x="1896478" y="2598259"/>
+            <a:ext cx="1854861" cy="581352"/>
           </a:xfrm>
           <a:prstGeom prst="roundRect">
             <a:avLst/>
@@ -17560,15 +18305,28 @@
           <a:p>
             <a:pPr algn="ctr"/>
             <a:r>
-              <a:rPr lang="en-US" sz="800" dirty="0"/>
-              <a:t>COVID-19+</a:t>
+              <a:rPr lang="en-US" sz="500" dirty="0"/>
+              <a:t>(COVID-19 +)</a:t>
             </a:r>
           </a:p>
           <a:p>
             <a:pPr algn="ctr"/>
             <a:r>
               <a:rPr lang="en-US" sz="1200" dirty="0"/>
-              <a:t>COVID-19 Contact=True</a:t>
+              <a:t>Practicing Social Distancing &amp; Hygiene </a:t>
+            </a:r>
+          </a:p>
+          <a:p>
+            <a:pPr algn="ctr"/>
+            <a:r>
+              <a:rPr lang="en-US" sz="600" dirty="0">
+                <a:solidFill>
+                  <a:schemeClr val="bg1">
+                    <a:lumMod val="65000"/>
+                  </a:schemeClr>
+                </a:solidFill>
+              </a:rPr>
+              <a:t>(low score) </a:t>
             </a:r>
           </a:p>
         </p:txBody>
@@ -17614,6 +18372,13 @@
           <a:p>
             <a:pPr algn="ctr"/>
             <a:r>
+              <a:rPr lang="en-US" sz="600" dirty="0"/>
+              <a:t>(Covid-19 +)</a:t>
+            </a:r>
+          </a:p>
+          <a:p>
+            <a:pPr algn="ctr"/>
+            <a:r>
               <a:rPr lang="en-US" sz="1200" dirty="0"/>
               <a:t>Other Feature</a:t>
             </a:r>
@@ -17661,6 +18426,13 @@
           <a:p>
             <a:pPr algn="ctr"/>
             <a:r>
+              <a:rPr lang="en-US" sz="600" dirty="0"/>
+              <a:t>(Covid-19 -)</a:t>
+            </a:r>
+          </a:p>
+          <a:p>
+            <a:pPr algn="ctr"/>
+            <a:r>
               <a:rPr lang="en-US" sz="1200" dirty="0"/>
               <a:t>Other Feature</a:t>
             </a:r>
@@ -17681,7 +18453,7 @@
         </p:nvSpPr>
         <p:spPr>
           <a:xfrm>
-            <a:off x="3013057" y="5181600"/>
+            <a:off x="3833800" y="4405395"/>
             <a:ext cx="2984362" cy="1222479"/>
           </a:xfrm>
           <a:prstGeom prst="rect">
@@ -17745,6 +18517,240 @@
           </a:p>
         </p:txBody>
       </p:sp>
+      <p:pic>
+        <p:nvPicPr>
+          <p:cNvPr id="21" name="Graphic 20" descr="Deciduous tree">
+            <a:extLst>
+              <a:ext uri="{FF2B5EF4-FFF2-40B4-BE49-F238E27FC236}">
+                <a16:creationId xmlns:a16="http://schemas.microsoft.com/office/drawing/2014/main" id="{9714DED2-90C9-479B-B1F0-385A549A4637}"/>
+              </a:ext>
+            </a:extLst>
+          </p:cNvPr>
+          <p:cNvPicPr>
+            <a:picLocks noChangeAspect="1"/>
+          </p:cNvPicPr>
+          <p:nvPr/>
+        </p:nvPicPr>
+        <p:blipFill>
+          <a:blip r:embed="rId4">
+            <a:extLst>
+              <a:ext uri="{28A0092B-C50C-407E-A947-70E740481C1C}">
+                <a14:useLocalDpi xmlns:a14="http://schemas.microsoft.com/office/drawing/2010/main" val="0"/>
+              </a:ext>
+              <a:ext uri="{96DAC541-7B7A-43D3-8B79-37D633B846F1}">
+                <asvg:svgBlip xmlns:asvg="http://schemas.microsoft.com/office/drawing/2016/SVG/main" r:embed="rId5"/>
+              </a:ext>
+            </a:extLst>
+          </a:blip>
+          <a:stretch>
+            <a:fillRect/>
+          </a:stretch>
+        </p:blipFill>
+        <p:spPr>
+          <a:xfrm>
+            <a:off x="6095081" y="2284178"/>
+            <a:ext cx="1935047" cy="1935047"/>
+          </a:xfrm>
+          <a:prstGeom prst="rect">
+            <a:avLst/>
+          </a:prstGeom>
+        </p:spPr>
+      </p:pic>
+      <p:pic>
+        <p:nvPicPr>
+          <p:cNvPr id="22" name="Graphic 21" descr="Deciduous tree">
+            <a:extLst>
+              <a:ext uri="{FF2B5EF4-FFF2-40B4-BE49-F238E27FC236}">
+                <a16:creationId xmlns:a16="http://schemas.microsoft.com/office/drawing/2014/main" id="{E08CC35B-3A75-49F4-9F07-2CF17A8B8A27}"/>
+              </a:ext>
+            </a:extLst>
+          </p:cNvPr>
+          <p:cNvPicPr>
+            <a:picLocks noChangeAspect="1"/>
+          </p:cNvPicPr>
+          <p:nvPr/>
+        </p:nvPicPr>
+        <p:blipFill>
+          <a:blip r:embed="rId4">
+            <a:extLst>
+              <a:ext uri="{28A0092B-C50C-407E-A947-70E740481C1C}">
+                <a14:useLocalDpi xmlns:a14="http://schemas.microsoft.com/office/drawing/2010/main" val="0"/>
+              </a:ext>
+              <a:ext uri="{96DAC541-7B7A-43D3-8B79-37D633B846F1}">
+                <asvg:svgBlip xmlns:asvg="http://schemas.microsoft.com/office/drawing/2016/SVG/main" r:embed="rId5"/>
+              </a:ext>
+            </a:extLst>
+          </a:blip>
+          <a:stretch>
+            <a:fillRect/>
+          </a:stretch>
+        </p:blipFill>
+        <p:spPr>
+          <a:xfrm>
+            <a:off x="7844153" y="2375766"/>
+            <a:ext cx="1935047" cy="1935047"/>
+          </a:xfrm>
+          <a:prstGeom prst="rect">
+            <a:avLst/>
+          </a:prstGeom>
+        </p:spPr>
+      </p:pic>
+      <p:pic>
+        <p:nvPicPr>
+          <p:cNvPr id="23" name="Graphic 22" descr="Deciduous tree">
+            <a:extLst>
+              <a:ext uri="{FF2B5EF4-FFF2-40B4-BE49-F238E27FC236}">
+                <a16:creationId xmlns:a16="http://schemas.microsoft.com/office/drawing/2014/main" id="{FA61862F-BCB6-4B21-A7E5-5A4F9175412F}"/>
+              </a:ext>
+            </a:extLst>
+          </p:cNvPr>
+          <p:cNvPicPr>
+            <a:picLocks noChangeAspect="1"/>
+          </p:cNvPicPr>
+          <p:nvPr/>
+        </p:nvPicPr>
+        <p:blipFill>
+          <a:blip r:embed="rId4">
+            <a:extLst>
+              <a:ext uri="{28A0092B-C50C-407E-A947-70E740481C1C}">
+                <a14:useLocalDpi xmlns:a14="http://schemas.microsoft.com/office/drawing/2010/main" val="0"/>
+              </a:ext>
+              <a:ext uri="{96DAC541-7B7A-43D3-8B79-37D633B846F1}">
+                <asvg:svgBlip xmlns:asvg="http://schemas.microsoft.com/office/drawing/2016/SVG/main" r:embed="rId5"/>
+              </a:ext>
+            </a:extLst>
+          </a:blip>
+          <a:stretch>
+            <a:fillRect/>
+          </a:stretch>
+        </p:blipFill>
+        <p:spPr>
+          <a:xfrm>
+            <a:off x="9978809" y="2376416"/>
+            <a:ext cx="1935047" cy="1935047"/>
+          </a:xfrm>
+          <a:prstGeom prst="rect">
+            <a:avLst/>
+          </a:prstGeom>
+        </p:spPr>
+      </p:pic>
+      <p:pic>
+        <p:nvPicPr>
+          <p:cNvPr id="25" name="Graphic 24" descr="Deciduous tree">
+            <a:extLst>
+              <a:ext uri="{FF2B5EF4-FFF2-40B4-BE49-F238E27FC236}">
+                <a16:creationId xmlns:a16="http://schemas.microsoft.com/office/drawing/2014/main" id="{F074EEE4-3528-4358-A09B-B2F20B17B44E}"/>
+              </a:ext>
+            </a:extLst>
+          </p:cNvPr>
+          <p:cNvPicPr>
+            <a:picLocks noChangeAspect="1"/>
+          </p:cNvPicPr>
+          <p:nvPr/>
+        </p:nvPicPr>
+        <p:blipFill>
+          <a:blip r:embed="rId4">
+            <a:extLst>
+              <a:ext uri="{28A0092B-C50C-407E-A947-70E740481C1C}">
+                <a14:useLocalDpi xmlns:a14="http://schemas.microsoft.com/office/drawing/2010/main" val="0"/>
+              </a:ext>
+              <a:ext uri="{96DAC541-7B7A-43D3-8B79-37D633B846F1}">
+                <asvg:svgBlip xmlns:asvg="http://schemas.microsoft.com/office/drawing/2016/SVG/main" r:embed="rId5"/>
+              </a:ext>
+            </a:extLst>
+          </a:blip>
+          <a:stretch>
+            <a:fillRect/>
+          </a:stretch>
+        </p:blipFill>
+        <p:spPr>
+          <a:xfrm>
+            <a:off x="10256953" y="4633138"/>
+            <a:ext cx="1935047" cy="1935047"/>
+          </a:xfrm>
+          <a:prstGeom prst="rect">
+            <a:avLst/>
+          </a:prstGeom>
+        </p:spPr>
+      </p:pic>
+      <p:pic>
+        <p:nvPicPr>
+          <p:cNvPr id="27" name="Graphic 26" descr="Deciduous tree">
+            <a:extLst>
+              <a:ext uri="{FF2B5EF4-FFF2-40B4-BE49-F238E27FC236}">
+                <a16:creationId xmlns:a16="http://schemas.microsoft.com/office/drawing/2014/main" id="{AE00AC04-2AE1-4A13-AD46-9BC600FAEE9E}"/>
+              </a:ext>
+            </a:extLst>
+          </p:cNvPr>
+          <p:cNvPicPr>
+            <a:picLocks noChangeAspect="1"/>
+          </p:cNvPicPr>
+          <p:nvPr/>
+        </p:nvPicPr>
+        <p:blipFill>
+          <a:blip r:embed="rId4">
+            <a:extLst>
+              <a:ext uri="{28A0092B-C50C-407E-A947-70E740481C1C}">
+                <a14:useLocalDpi xmlns:a14="http://schemas.microsoft.com/office/drawing/2010/main" val="0"/>
+              </a:ext>
+              <a:ext uri="{96DAC541-7B7A-43D3-8B79-37D633B846F1}">
+                <asvg:svgBlip xmlns:asvg="http://schemas.microsoft.com/office/drawing/2016/SVG/main" r:embed="rId5"/>
+              </a:ext>
+            </a:extLst>
+          </a:blip>
+          <a:stretch>
+            <a:fillRect/>
+          </a:stretch>
+        </p:blipFill>
+        <p:spPr>
+          <a:xfrm>
+            <a:off x="6776825" y="3875190"/>
+            <a:ext cx="1935047" cy="1935047"/>
+          </a:xfrm>
+          <a:prstGeom prst="rect">
+            <a:avLst/>
+          </a:prstGeom>
+        </p:spPr>
+      </p:pic>
+      <p:pic>
+        <p:nvPicPr>
+          <p:cNvPr id="28" name="Graphic 27" descr="Deciduous tree">
+            <a:extLst>
+              <a:ext uri="{FF2B5EF4-FFF2-40B4-BE49-F238E27FC236}">
+                <a16:creationId xmlns:a16="http://schemas.microsoft.com/office/drawing/2014/main" id="{56219D8F-B662-431E-8152-F4AB88A06B17}"/>
+              </a:ext>
+            </a:extLst>
+          </p:cNvPr>
+          <p:cNvPicPr>
+            <a:picLocks noChangeAspect="1"/>
+          </p:cNvPicPr>
+          <p:nvPr/>
+        </p:nvPicPr>
+        <p:blipFill>
+          <a:blip r:embed="rId4">
+            <a:extLst>
+              <a:ext uri="{28A0092B-C50C-407E-A947-70E740481C1C}">
+                <a14:useLocalDpi xmlns:a14="http://schemas.microsoft.com/office/drawing/2010/main" val="0"/>
+              </a:ext>
+              <a:ext uri="{96DAC541-7B7A-43D3-8B79-37D633B846F1}">
+                <asvg:svgBlip xmlns:asvg="http://schemas.microsoft.com/office/drawing/2016/SVG/main" r:embed="rId5"/>
+              </a:ext>
+            </a:extLst>
+          </a:blip>
+          <a:stretch>
+            <a:fillRect/>
+          </a:stretch>
+        </p:blipFill>
+        <p:spPr>
+          <a:xfrm>
+            <a:off x="8525897" y="4159938"/>
+            <a:ext cx="1935047" cy="1935047"/>
+          </a:xfrm>
+          <a:prstGeom prst="rect">
+            <a:avLst/>
+          </a:prstGeom>
+        </p:spPr>
+      </p:pic>
     </p:spTree>
     <p:extLst>
       <p:ext uri="{BB962C8B-B14F-4D97-AF65-F5344CB8AC3E}">
@@ -17767,6 +18773,678 @@
       </p:transition>
     </mc:Fallback>
   </mc:AlternateContent>
+  <p:timing>
+    <p:tnLst>
+      <p:par>
+        <p:cTn id="1" dur="indefinite" restart="never" nodeType="tmRoot">
+          <p:childTnLst>
+            <p:seq concurrent="1" nextAc="seek">
+              <p:cTn id="2" dur="indefinite" nodeType="mainSeq">
+                <p:childTnLst>
+                  <p:par>
+                    <p:cTn id="3" fill="hold">
+                      <p:stCondLst>
+                        <p:cond delay="indefinite"/>
+                      </p:stCondLst>
+                      <p:childTnLst>
+                        <p:par>
+                          <p:cTn id="4" fill="hold">
+                            <p:stCondLst>
+                              <p:cond delay="0"/>
+                            </p:stCondLst>
+                            <p:childTnLst>
+                              <p:par>
+                                <p:cTn id="5" presetID="1" presetClass="entr" presetSubtype="0" fill="hold" grpId="0" nodeType="clickEffect">
+                                  <p:stCondLst>
+                                    <p:cond delay="0"/>
+                                  </p:stCondLst>
+                                  <p:childTnLst>
+                                    <p:set>
+                                      <p:cBhvr>
+                                        <p:cTn id="6" dur="1" fill="hold">
+                                          <p:stCondLst>
+                                            <p:cond delay="0"/>
+                                          </p:stCondLst>
+                                        </p:cTn>
+                                        <p:tgtEl>
+                                          <p:spTgt spid="42"/>
+                                        </p:tgtEl>
+                                        <p:attrNameLst>
+                                          <p:attrName>style.visibility</p:attrName>
+                                        </p:attrNameLst>
+                                      </p:cBhvr>
+                                      <p:to>
+                                        <p:strVal val="visible"/>
+                                      </p:to>
+                                    </p:set>
+                                  </p:childTnLst>
+                                </p:cTn>
+                              </p:par>
+                            </p:childTnLst>
+                          </p:cTn>
+                        </p:par>
+                      </p:childTnLst>
+                    </p:cTn>
+                  </p:par>
+                  <p:par>
+                    <p:cTn id="7" fill="hold">
+                      <p:stCondLst>
+                        <p:cond delay="indefinite"/>
+                      </p:stCondLst>
+                      <p:childTnLst>
+                        <p:par>
+                          <p:cTn id="8" fill="hold">
+                            <p:stCondLst>
+                              <p:cond delay="0"/>
+                            </p:stCondLst>
+                            <p:childTnLst>
+                              <p:par>
+                                <p:cTn id="9" presetID="42" presetClass="entr" presetSubtype="0" fill="hold" nodeType="clickEffect">
+                                  <p:stCondLst>
+                                    <p:cond delay="0"/>
+                                  </p:stCondLst>
+                                  <p:childTnLst>
+                                    <p:set>
+                                      <p:cBhvr>
+                                        <p:cTn id="10" dur="1" fill="hold">
+                                          <p:stCondLst>
+                                            <p:cond delay="0"/>
+                                          </p:stCondLst>
+                                        </p:cTn>
+                                        <p:tgtEl>
+                                          <p:spTgt spid="21"/>
+                                        </p:tgtEl>
+                                        <p:attrNameLst>
+                                          <p:attrName>style.visibility</p:attrName>
+                                        </p:attrNameLst>
+                                      </p:cBhvr>
+                                      <p:to>
+                                        <p:strVal val="visible"/>
+                                      </p:to>
+                                    </p:set>
+                                    <p:animEffect transition="in" filter="fade">
+                                      <p:cBhvr>
+                                        <p:cTn id="11" dur="1000"/>
+                                        <p:tgtEl>
+                                          <p:spTgt spid="21"/>
+                                        </p:tgtEl>
+                                      </p:cBhvr>
+                                    </p:animEffect>
+                                    <p:anim calcmode="lin" valueType="num">
+                                      <p:cBhvr>
+                                        <p:cTn id="12" dur="1000" fill="hold"/>
+                                        <p:tgtEl>
+                                          <p:spTgt spid="21"/>
+                                        </p:tgtEl>
+                                        <p:attrNameLst>
+                                          <p:attrName>ppt_x</p:attrName>
+                                        </p:attrNameLst>
+                                      </p:cBhvr>
+                                      <p:tavLst>
+                                        <p:tav tm="0">
+                                          <p:val>
+                                            <p:strVal val="#ppt_x"/>
+                                          </p:val>
+                                        </p:tav>
+                                        <p:tav tm="100000">
+                                          <p:val>
+                                            <p:strVal val="#ppt_x"/>
+                                          </p:val>
+                                        </p:tav>
+                                      </p:tavLst>
+                                    </p:anim>
+                                    <p:anim calcmode="lin" valueType="num">
+                                      <p:cBhvr>
+                                        <p:cTn id="13" dur="1000" fill="hold"/>
+                                        <p:tgtEl>
+                                          <p:spTgt spid="21"/>
+                                        </p:tgtEl>
+                                        <p:attrNameLst>
+                                          <p:attrName>ppt_y</p:attrName>
+                                        </p:attrNameLst>
+                                      </p:cBhvr>
+                                      <p:tavLst>
+                                        <p:tav tm="0">
+                                          <p:val>
+                                            <p:strVal val="#ppt_y+.1"/>
+                                          </p:val>
+                                        </p:tav>
+                                        <p:tav tm="100000">
+                                          <p:val>
+                                            <p:strVal val="#ppt_y"/>
+                                          </p:val>
+                                        </p:tav>
+                                      </p:tavLst>
+                                    </p:anim>
+                                  </p:childTnLst>
+                                </p:cTn>
+                              </p:par>
+                            </p:childTnLst>
+                          </p:cTn>
+                        </p:par>
+                      </p:childTnLst>
+                    </p:cTn>
+                  </p:par>
+                  <p:par>
+                    <p:cTn id="14" fill="hold">
+                      <p:stCondLst>
+                        <p:cond delay="indefinite"/>
+                      </p:stCondLst>
+                      <p:childTnLst>
+                        <p:par>
+                          <p:cTn id="15" fill="hold">
+                            <p:stCondLst>
+                              <p:cond delay="0"/>
+                            </p:stCondLst>
+                            <p:childTnLst>
+                              <p:par>
+                                <p:cTn id="16" presetID="42" presetClass="entr" presetSubtype="0" fill="hold" nodeType="clickEffect">
+                                  <p:stCondLst>
+                                    <p:cond delay="0"/>
+                                  </p:stCondLst>
+                                  <p:childTnLst>
+                                    <p:set>
+                                      <p:cBhvr>
+                                        <p:cTn id="17" dur="1" fill="hold">
+                                          <p:stCondLst>
+                                            <p:cond delay="0"/>
+                                          </p:stCondLst>
+                                        </p:cTn>
+                                        <p:tgtEl>
+                                          <p:spTgt spid="22"/>
+                                        </p:tgtEl>
+                                        <p:attrNameLst>
+                                          <p:attrName>style.visibility</p:attrName>
+                                        </p:attrNameLst>
+                                      </p:cBhvr>
+                                      <p:to>
+                                        <p:strVal val="visible"/>
+                                      </p:to>
+                                    </p:set>
+                                    <p:animEffect transition="in" filter="fade">
+                                      <p:cBhvr>
+                                        <p:cTn id="18" dur="1000"/>
+                                        <p:tgtEl>
+                                          <p:spTgt spid="22"/>
+                                        </p:tgtEl>
+                                      </p:cBhvr>
+                                    </p:animEffect>
+                                    <p:anim calcmode="lin" valueType="num">
+                                      <p:cBhvr>
+                                        <p:cTn id="19" dur="1000" fill="hold"/>
+                                        <p:tgtEl>
+                                          <p:spTgt spid="22"/>
+                                        </p:tgtEl>
+                                        <p:attrNameLst>
+                                          <p:attrName>ppt_x</p:attrName>
+                                        </p:attrNameLst>
+                                      </p:cBhvr>
+                                      <p:tavLst>
+                                        <p:tav tm="0">
+                                          <p:val>
+                                            <p:strVal val="#ppt_x"/>
+                                          </p:val>
+                                        </p:tav>
+                                        <p:tav tm="100000">
+                                          <p:val>
+                                            <p:strVal val="#ppt_x"/>
+                                          </p:val>
+                                        </p:tav>
+                                      </p:tavLst>
+                                    </p:anim>
+                                    <p:anim calcmode="lin" valueType="num">
+                                      <p:cBhvr>
+                                        <p:cTn id="20" dur="1000" fill="hold"/>
+                                        <p:tgtEl>
+                                          <p:spTgt spid="22"/>
+                                        </p:tgtEl>
+                                        <p:attrNameLst>
+                                          <p:attrName>ppt_y</p:attrName>
+                                        </p:attrNameLst>
+                                      </p:cBhvr>
+                                      <p:tavLst>
+                                        <p:tav tm="0">
+                                          <p:val>
+                                            <p:strVal val="#ppt_y+.1"/>
+                                          </p:val>
+                                        </p:tav>
+                                        <p:tav tm="100000">
+                                          <p:val>
+                                            <p:strVal val="#ppt_y"/>
+                                          </p:val>
+                                        </p:tav>
+                                      </p:tavLst>
+                                    </p:anim>
+                                  </p:childTnLst>
+                                </p:cTn>
+                              </p:par>
+                            </p:childTnLst>
+                          </p:cTn>
+                        </p:par>
+                      </p:childTnLst>
+                    </p:cTn>
+                  </p:par>
+                  <p:par>
+                    <p:cTn id="21" fill="hold">
+                      <p:stCondLst>
+                        <p:cond delay="indefinite"/>
+                      </p:stCondLst>
+                      <p:childTnLst>
+                        <p:par>
+                          <p:cTn id="22" fill="hold">
+                            <p:stCondLst>
+                              <p:cond delay="0"/>
+                            </p:stCondLst>
+                            <p:childTnLst>
+                              <p:par>
+                                <p:cTn id="23" presetID="42" presetClass="entr" presetSubtype="0" fill="hold" nodeType="clickEffect">
+                                  <p:stCondLst>
+                                    <p:cond delay="0"/>
+                                  </p:stCondLst>
+                                  <p:childTnLst>
+                                    <p:set>
+                                      <p:cBhvr>
+                                        <p:cTn id="24" dur="1" fill="hold">
+                                          <p:stCondLst>
+                                            <p:cond delay="0"/>
+                                          </p:stCondLst>
+                                        </p:cTn>
+                                        <p:tgtEl>
+                                          <p:spTgt spid="27"/>
+                                        </p:tgtEl>
+                                        <p:attrNameLst>
+                                          <p:attrName>style.visibility</p:attrName>
+                                        </p:attrNameLst>
+                                      </p:cBhvr>
+                                      <p:to>
+                                        <p:strVal val="visible"/>
+                                      </p:to>
+                                    </p:set>
+                                    <p:animEffect transition="in" filter="fade">
+                                      <p:cBhvr>
+                                        <p:cTn id="25" dur="1000"/>
+                                        <p:tgtEl>
+                                          <p:spTgt spid="27"/>
+                                        </p:tgtEl>
+                                      </p:cBhvr>
+                                    </p:animEffect>
+                                    <p:anim calcmode="lin" valueType="num">
+                                      <p:cBhvr>
+                                        <p:cTn id="26" dur="1000" fill="hold"/>
+                                        <p:tgtEl>
+                                          <p:spTgt spid="27"/>
+                                        </p:tgtEl>
+                                        <p:attrNameLst>
+                                          <p:attrName>ppt_x</p:attrName>
+                                        </p:attrNameLst>
+                                      </p:cBhvr>
+                                      <p:tavLst>
+                                        <p:tav tm="0">
+                                          <p:val>
+                                            <p:strVal val="#ppt_x"/>
+                                          </p:val>
+                                        </p:tav>
+                                        <p:tav tm="100000">
+                                          <p:val>
+                                            <p:strVal val="#ppt_x"/>
+                                          </p:val>
+                                        </p:tav>
+                                      </p:tavLst>
+                                    </p:anim>
+                                    <p:anim calcmode="lin" valueType="num">
+                                      <p:cBhvr>
+                                        <p:cTn id="27" dur="1000" fill="hold"/>
+                                        <p:tgtEl>
+                                          <p:spTgt spid="27"/>
+                                        </p:tgtEl>
+                                        <p:attrNameLst>
+                                          <p:attrName>ppt_y</p:attrName>
+                                        </p:attrNameLst>
+                                      </p:cBhvr>
+                                      <p:tavLst>
+                                        <p:tav tm="0">
+                                          <p:val>
+                                            <p:strVal val="#ppt_y+.1"/>
+                                          </p:val>
+                                        </p:tav>
+                                        <p:tav tm="100000">
+                                          <p:val>
+                                            <p:strVal val="#ppt_y"/>
+                                          </p:val>
+                                        </p:tav>
+                                      </p:tavLst>
+                                    </p:anim>
+                                  </p:childTnLst>
+                                </p:cTn>
+                              </p:par>
+                            </p:childTnLst>
+                          </p:cTn>
+                        </p:par>
+                      </p:childTnLst>
+                    </p:cTn>
+                  </p:par>
+                  <p:par>
+                    <p:cTn id="28" fill="hold">
+                      <p:stCondLst>
+                        <p:cond delay="indefinite"/>
+                      </p:stCondLst>
+                      <p:childTnLst>
+                        <p:par>
+                          <p:cTn id="29" fill="hold">
+                            <p:stCondLst>
+                              <p:cond delay="0"/>
+                            </p:stCondLst>
+                            <p:childTnLst>
+                              <p:par>
+                                <p:cTn id="30" presetID="42" presetClass="entr" presetSubtype="0" fill="hold" nodeType="clickEffect">
+                                  <p:stCondLst>
+                                    <p:cond delay="0"/>
+                                  </p:stCondLst>
+                                  <p:childTnLst>
+                                    <p:set>
+                                      <p:cBhvr>
+                                        <p:cTn id="31" dur="1" fill="hold">
+                                          <p:stCondLst>
+                                            <p:cond delay="0"/>
+                                          </p:stCondLst>
+                                        </p:cTn>
+                                        <p:tgtEl>
+                                          <p:spTgt spid="28"/>
+                                        </p:tgtEl>
+                                        <p:attrNameLst>
+                                          <p:attrName>style.visibility</p:attrName>
+                                        </p:attrNameLst>
+                                      </p:cBhvr>
+                                      <p:to>
+                                        <p:strVal val="visible"/>
+                                      </p:to>
+                                    </p:set>
+                                    <p:animEffect transition="in" filter="fade">
+                                      <p:cBhvr>
+                                        <p:cTn id="32" dur="1000"/>
+                                        <p:tgtEl>
+                                          <p:spTgt spid="28"/>
+                                        </p:tgtEl>
+                                      </p:cBhvr>
+                                    </p:animEffect>
+                                    <p:anim calcmode="lin" valueType="num">
+                                      <p:cBhvr>
+                                        <p:cTn id="33" dur="1000" fill="hold"/>
+                                        <p:tgtEl>
+                                          <p:spTgt spid="28"/>
+                                        </p:tgtEl>
+                                        <p:attrNameLst>
+                                          <p:attrName>ppt_x</p:attrName>
+                                        </p:attrNameLst>
+                                      </p:cBhvr>
+                                      <p:tavLst>
+                                        <p:tav tm="0">
+                                          <p:val>
+                                            <p:strVal val="#ppt_x"/>
+                                          </p:val>
+                                        </p:tav>
+                                        <p:tav tm="100000">
+                                          <p:val>
+                                            <p:strVal val="#ppt_x"/>
+                                          </p:val>
+                                        </p:tav>
+                                      </p:tavLst>
+                                    </p:anim>
+                                    <p:anim calcmode="lin" valueType="num">
+                                      <p:cBhvr>
+                                        <p:cTn id="34" dur="1000" fill="hold"/>
+                                        <p:tgtEl>
+                                          <p:spTgt spid="28"/>
+                                        </p:tgtEl>
+                                        <p:attrNameLst>
+                                          <p:attrName>ppt_y</p:attrName>
+                                        </p:attrNameLst>
+                                      </p:cBhvr>
+                                      <p:tavLst>
+                                        <p:tav tm="0">
+                                          <p:val>
+                                            <p:strVal val="#ppt_y+.1"/>
+                                          </p:val>
+                                        </p:tav>
+                                        <p:tav tm="100000">
+                                          <p:val>
+                                            <p:strVal val="#ppt_y"/>
+                                          </p:val>
+                                        </p:tav>
+                                      </p:tavLst>
+                                    </p:anim>
+                                  </p:childTnLst>
+                                </p:cTn>
+                              </p:par>
+                            </p:childTnLst>
+                          </p:cTn>
+                        </p:par>
+                      </p:childTnLst>
+                    </p:cTn>
+                  </p:par>
+                  <p:par>
+                    <p:cTn id="35" fill="hold">
+                      <p:stCondLst>
+                        <p:cond delay="indefinite"/>
+                      </p:stCondLst>
+                      <p:childTnLst>
+                        <p:par>
+                          <p:cTn id="36" fill="hold">
+                            <p:stCondLst>
+                              <p:cond delay="0"/>
+                            </p:stCondLst>
+                            <p:childTnLst>
+                              <p:par>
+                                <p:cTn id="37" presetID="42" presetClass="entr" presetSubtype="0" fill="hold" nodeType="clickEffect">
+                                  <p:stCondLst>
+                                    <p:cond delay="0"/>
+                                  </p:stCondLst>
+                                  <p:childTnLst>
+                                    <p:set>
+                                      <p:cBhvr>
+                                        <p:cTn id="38" dur="1" fill="hold">
+                                          <p:stCondLst>
+                                            <p:cond delay="0"/>
+                                          </p:stCondLst>
+                                        </p:cTn>
+                                        <p:tgtEl>
+                                          <p:spTgt spid="23"/>
+                                        </p:tgtEl>
+                                        <p:attrNameLst>
+                                          <p:attrName>style.visibility</p:attrName>
+                                        </p:attrNameLst>
+                                      </p:cBhvr>
+                                      <p:to>
+                                        <p:strVal val="visible"/>
+                                      </p:to>
+                                    </p:set>
+                                    <p:animEffect transition="in" filter="fade">
+                                      <p:cBhvr>
+                                        <p:cTn id="39" dur="1000"/>
+                                        <p:tgtEl>
+                                          <p:spTgt spid="23"/>
+                                        </p:tgtEl>
+                                      </p:cBhvr>
+                                    </p:animEffect>
+                                    <p:anim calcmode="lin" valueType="num">
+                                      <p:cBhvr>
+                                        <p:cTn id="40" dur="1000" fill="hold"/>
+                                        <p:tgtEl>
+                                          <p:spTgt spid="23"/>
+                                        </p:tgtEl>
+                                        <p:attrNameLst>
+                                          <p:attrName>ppt_x</p:attrName>
+                                        </p:attrNameLst>
+                                      </p:cBhvr>
+                                      <p:tavLst>
+                                        <p:tav tm="0">
+                                          <p:val>
+                                            <p:strVal val="#ppt_x"/>
+                                          </p:val>
+                                        </p:tav>
+                                        <p:tav tm="100000">
+                                          <p:val>
+                                            <p:strVal val="#ppt_x"/>
+                                          </p:val>
+                                        </p:tav>
+                                      </p:tavLst>
+                                    </p:anim>
+                                    <p:anim calcmode="lin" valueType="num">
+                                      <p:cBhvr>
+                                        <p:cTn id="41" dur="1000" fill="hold"/>
+                                        <p:tgtEl>
+                                          <p:spTgt spid="23"/>
+                                        </p:tgtEl>
+                                        <p:attrNameLst>
+                                          <p:attrName>ppt_y</p:attrName>
+                                        </p:attrNameLst>
+                                      </p:cBhvr>
+                                      <p:tavLst>
+                                        <p:tav tm="0">
+                                          <p:val>
+                                            <p:strVal val="#ppt_y+.1"/>
+                                          </p:val>
+                                        </p:tav>
+                                        <p:tav tm="100000">
+                                          <p:val>
+                                            <p:strVal val="#ppt_y"/>
+                                          </p:val>
+                                        </p:tav>
+                                      </p:tavLst>
+                                    </p:anim>
+                                  </p:childTnLst>
+                                </p:cTn>
+                              </p:par>
+                            </p:childTnLst>
+                          </p:cTn>
+                        </p:par>
+                      </p:childTnLst>
+                    </p:cTn>
+                  </p:par>
+                  <p:par>
+                    <p:cTn id="42" fill="hold">
+                      <p:stCondLst>
+                        <p:cond delay="indefinite"/>
+                      </p:stCondLst>
+                      <p:childTnLst>
+                        <p:par>
+                          <p:cTn id="43" fill="hold">
+                            <p:stCondLst>
+                              <p:cond delay="0"/>
+                            </p:stCondLst>
+                            <p:childTnLst>
+                              <p:par>
+                                <p:cTn id="44" presetID="42" presetClass="entr" presetSubtype="0" fill="hold" nodeType="clickEffect">
+                                  <p:stCondLst>
+                                    <p:cond delay="0"/>
+                                  </p:stCondLst>
+                                  <p:childTnLst>
+                                    <p:set>
+                                      <p:cBhvr>
+                                        <p:cTn id="45" dur="1" fill="hold">
+                                          <p:stCondLst>
+                                            <p:cond delay="0"/>
+                                          </p:stCondLst>
+                                        </p:cTn>
+                                        <p:tgtEl>
+                                          <p:spTgt spid="25"/>
+                                        </p:tgtEl>
+                                        <p:attrNameLst>
+                                          <p:attrName>style.visibility</p:attrName>
+                                        </p:attrNameLst>
+                                      </p:cBhvr>
+                                      <p:to>
+                                        <p:strVal val="visible"/>
+                                      </p:to>
+                                    </p:set>
+                                    <p:animEffect transition="in" filter="fade">
+                                      <p:cBhvr>
+                                        <p:cTn id="46" dur="1000"/>
+                                        <p:tgtEl>
+                                          <p:spTgt spid="25"/>
+                                        </p:tgtEl>
+                                      </p:cBhvr>
+                                    </p:animEffect>
+                                    <p:anim calcmode="lin" valueType="num">
+                                      <p:cBhvr>
+                                        <p:cTn id="47" dur="1000" fill="hold"/>
+                                        <p:tgtEl>
+                                          <p:spTgt spid="25"/>
+                                        </p:tgtEl>
+                                        <p:attrNameLst>
+                                          <p:attrName>ppt_x</p:attrName>
+                                        </p:attrNameLst>
+                                      </p:cBhvr>
+                                      <p:tavLst>
+                                        <p:tav tm="0">
+                                          <p:val>
+                                            <p:strVal val="#ppt_x"/>
+                                          </p:val>
+                                        </p:tav>
+                                        <p:tav tm="100000">
+                                          <p:val>
+                                            <p:strVal val="#ppt_x"/>
+                                          </p:val>
+                                        </p:tav>
+                                      </p:tavLst>
+                                    </p:anim>
+                                    <p:anim calcmode="lin" valueType="num">
+                                      <p:cBhvr>
+                                        <p:cTn id="48" dur="1000" fill="hold"/>
+                                        <p:tgtEl>
+                                          <p:spTgt spid="25"/>
+                                        </p:tgtEl>
+                                        <p:attrNameLst>
+                                          <p:attrName>ppt_y</p:attrName>
+                                        </p:attrNameLst>
+                                      </p:cBhvr>
+                                      <p:tavLst>
+                                        <p:tav tm="0">
+                                          <p:val>
+                                            <p:strVal val="#ppt_y+.1"/>
+                                          </p:val>
+                                        </p:tav>
+                                        <p:tav tm="100000">
+                                          <p:val>
+                                            <p:strVal val="#ppt_y"/>
+                                          </p:val>
+                                        </p:tav>
+                                      </p:tavLst>
+                                    </p:anim>
+                                  </p:childTnLst>
+                                </p:cTn>
+                              </p:par>
+                            </p:childTnLst>
+                          </p:cTn>
+                        </p:par>
+                      </p:childTnLst>
+                    </p:cTn>
+                  </p:par>
+                </p:childTnLst>
+              </p:cTn>
+              <p:prevCondLst>
+                <p:cond evt="onPrev" delay="0">
+                  <p:tgtEl>
+                    <p:sldTgt/>
+                  </p:tgtEl>
+                </p:cond>
+              </p:prevCondLst>
+              <p:nextCondLst>
+                <p:cond evt="onNext" delay="0">
+                  <p:tgtEl>
+                    <p:sldTgt/>
+                  </p:tgtEl>
+                </p:cond>
+              </p:nextCondLst>
+            </p:seq>
+          </p:childTnLst>
+        </p:cTn>
+      </p:par>
+    </p:tnLst>
+    <p:bldLst>
+      <p:bldP spid="42" grpId="0" animBg="1"/>
+    </p:bldLst>
+  </p:timing>
 </p:sld>
 </file>
 
@@ -17953,18 +19631,30 @@
             <p:ph type="title"/>
           </p:nvPr>
         </p:nvSpPr>
-        <p:spPr/>
+        <p:spPr>
+          <a:xfrm>
+            <a:off x="187104" y="122861"/>
+            <a:ext cx="10058400" cy="1325563"/>
+          </a:xfrm>
+        </p:spPr>
         <p:txBody>
           <a:bodyPr/>
           <a:lstStyle/>
           <a:p>
             <a:r>
               <a:rPr lang="en-US" dirty="0"/>
-              <a:t>Modeling Results: </a:t>
+              <a:t>Modeling Results from Random Forest: </a:t>
             </a:r>
             <a:r>
               <a:rPr lang="en-US" sz="2400" dirty="0"/>
-              <a:t> 95.8% Accuracy</a:t>
+              <a:t> </a:t>
+            </a:r>
+            <a:br>
+              <a:rPr lang="en-US" sz="2400" dirty="0"/>
+            </a:br>
+            <a:r>
+              <a:rPr lang="en-US" sz="2400" dirty="0"/>
+              <a:t>95.8% Accuracy</a:t>
             </a:r>
             <a:endParaRPr lang="en-US" dirty="0"/>
           </a:p>
@@ -18016,159 +19706,6 @@
           </a:p>
         </p:txBody>
       </p:sp>
-      <p:pic>
-        <p:nvPicPr>
-          <p:cNvPr id="12" name="Picture 11">
-            <a:extLst>
-              <a:ext uri="{FF2B5EF4-FFF2-40B4-BE49-F238E27FC236}">
-                <a16:creationId xmlns:a16="http://schemas.microsoft.com/office/drawing/2014/main" id="{0F31ECD0-614C-4D87-B4A3-C0E3100162AF}"/>
-              </a:ext>
-            </a:extLst>
-          </p:cNvPr>
-          <p:cNvPicPr>
-            <a:picLocks noChangeAspect="1"/>
-          </p:cNvPicPr>
-          <p:nvPr/>
-        </p:nvPicPr>
-        <p:blipFill>
-          <a:blip r:embed="rId3"/>
-          <a:stretch>
-            <a:fillRect/>
-          </a:stretch>
-        </p:blipFill>
-        <p:spPr>
-          <a:xfrm>
-            <a:off x="6327590" y="2290576"/>
-            <a:ext cx="5753003" cy="4461773"/>
-          </a:xfrm>
-          <a:prstGeom prst="rect">
-            <a:avLst/>
-          </a:prstGeom>
-        </p:spPr>
-      </p:pic>
-      <p:sp>
-        <p:nvSpPr>
-          <p:cNvPr id="3" name="TextBox 2">
-            <a:extLst>
-              <a:ext uri="{FF2B5EF4-FFF2-40B4-BE49-F238E27FC236}">
-                <a16:creationId xmlns:a16="http://schemas.microsoft.com/office/drawing/2014/main" id="{E31C96D7-B47E-4FA5-85CF-AE2033A936C1}"/>
-              </a:ext>
-            </a:extLst>
-          </p:cNvPr>
-          <p:cNvSpPr txBox="1"/>
-          <p:nvPr/>
-        </p:nvSpPr>
-        <p:spPr>
-          <a:xfrm>
-            <a:off x="7696200" y="4050535"/>
-            <a:ext cx="1676400" cy="261610"/>
-          </a:xfrm>
-          <a:prstGeom prst="rect">
-            <a:avLst/>
-          </a:prstGeom>
-          <a:noFill/>
-        </p:spPr>
-        <p:txBody>
-          <a:bodyPr wrap="square" rtlCol="0">
-            <a:spAutoFit/>
-          </a:bodyPr>
-          <a:lstStyle/>
-          <a:p>
-            <a:r>
-              <a:rPr lang="en-US" sz="1100" dirty="0">
-                <a:solidFill>
-                  <a:schemeClr val="accent2">
-                    <a:lumMod val="20000"/>
-                    <a:lumOff val="80000"/>
-                  </a:schemeClr>
-                </a:solidFill>
-              </a:rPr>
-              <a:t>True Negative</a:t>
-            </a:r>
-          </a:p>
-        </p:txBody>
-      </p:sp>
-      <p:sp>
-        <p:nvSpPr>
-          <p:cNvPr id="9" name="TextBox 8">
-            <a:extLst>
-              <a:ext uri="{FF2B5EF4-FFF2-40B4-BE49-F238E27FC236}">
-                <a16:creationId xmlns:a16="http://schemas.microsoft.com/office/drawing/2014/main" id="{7A5FD056-C860-45FA-ABAD-AF4A7BC16BD2}"/>
-              </a:ext>
-            </a:extLst>
-          </p:cNvPr>
-          <p:cNvSpPr txBox="1"/>
-          <p:nvPr/>
-        </p:nvSpPr>
-        <p:spPr>
-          <a:xfrm>
-            <a:off x="10034155" y="5723555"/>
-            <a:ext cx="1676400" cy="261610"/>
-          </a:xfrm>
-          <a:prstGeom prst="rect">
-            <a:avLst/>
-          </a:prstGeom>
-          <a:noFill/>
-        </p:spPr>
-        <p:txBody>
-          <a:bodyPr wrap="square" rtlCol="0">
-            <a:spAutoFit/>
-          </a:bodyPr>
-          <a:lstStyle/>
-          <a:p>
-            <a:r>
-              <a:rPr lang="en-US" sz="1100" dirty="0">
-                <a:solidFill>
-                  <a:schemeClr val="accent2">
-                    <a:lumMod val="20000"/>
-                    <a:lumOff val="80000"/>
-                  </a:schemeClr>
-                </a:solidFill>
-              </a:rPr>
-              <a:t>True Positive</a:t>
-            </a:r>
-          </a:p>
-        </p:txBody>
-      </p:sp>
-      <p:pic>
-        <p:nvPicPr>
-          <p:cNvPr id="11" name="Picture 10">
-            <a:extLst>
-              <a:ext uri="{FF2B5EF4-FFF2-40B4-BE49-F238E27FC236}">
-                <a16:creationId xmlns:a16="http://schemas.microsoft.com/office/drawing/2014/main" id="{6E35151D-EEE6-453A-AB92-C1ABA3DE1AB8}"/>
-              </a:ext>
-            </a:extLst>
-          </p:cNvPr>
-          <p:cNvPicPr>
-            <a:picLocks noChangeAspect="1"/>
-          </p:cNvPicPr>
-          <p:nvPr/>
-        </p:nvPicPr>
-        <p:blipFill>
-          <a:blip r:embed="rId4">
-            <a:duotone>
-              <a:schemeClr val="accent1">
-                <a:shade val="45000"/>
-                <a:satMod val="135000"/>
-              </a:schemeClr>
-              <a:prstClr val="white"/>
-            </a:duotone>
-            <a:alphaModFix/>
-          </a:blip>
-          <a:stretch>
-            <a:fillRect/>
-          </a:stretch>
-        </p:blipFill>
-        <p:spPr>
-          <a:xfrm>
-            <a:off x="8915400" y="163911"/>
-            <a:ext cx="2819400" cy="1196180"/>
-          </a:xfrm>
-          <a:prstGeom prst="rect">
-            <a:avLst/>
-          </a:prstGeom>
-        </p:spPr>
-      </p:pic>
       <p:sp>
         <p:nvSpPr>
           <p:cNvPr id="7" name="Rectangle 6">
@@ -18223,7 +19760,7 @@
                 </a:solidFill>
                 <a:latin typeface="Calibri" panose="020F0502020204030204" pitchFamily="34" charset="0"/>
               </a:rPr>
-              <a:t>Contraction of COVID-19</a:t>
+              <a:t>Testing Positive for COVID-19</a:t>
             </a:r>
             <a:endParaRPr lang="en-US" dirty="0">
               <a:solidFill>
@@ -18250,7 +19787,7 @@
           <p:nvPr/>
         </p:nvPicPr>
         <p:blipFill>
-          <a:blip r:embed="rId5">
+          <a:blip r:embed="rId3">
             <a:duotone>
               <a:schemeClr val="accent1">
                 <a:shade val="45000"/>
@@ -18265,7 +19802,7 @@
         </p:blipFill>
         <p:spPr>
           <a:xfrm>
-            <a:off x="187104" y="2502103"/>
+            <a:off x="187104" y="2514600"/>
             <a:ext cx="5517057" cy="4305703"/>
           </a:xfrm>
           <a:prstGeom prst="rect">
@@ -18301,12 +19838,20 @@
           <a:lstStyle/>
           <a:p>
             <a:r>
+              <a:rPr lang="en-US" sz="1200" b="1" dirty="0">
+                <a:solidFill>
+                  <a:schemeClr val="bg1"/>
+                </a:solidFill>
+              </a:rPr>
+              <a:t>Belief</a:t>
+            </a:r>
+            <a:r>
               <a:rPr lang="en-US" sz="1200" dirty="0">
                 <a:solidFill>
                   <a:schemeClr val="bg1"/>
                 </a:solidFill>
               </a:rPr>
-              <a:t>Belief individual is infected</a:t>
+              <a:t> individual is infected</a:t>
             </a:r>
           </a:p>
         </p:txBody>
@@ -18344,7 +19889,15 @@
                   <a:schemeClr val="bg1"/>
                 </a:solidFill>
               </a:rPr>
-              <a:t>Exhibiting COVID-19 symptoms</a:t>
+              <a:t>Exhibiting COVID-19 </a:t>
+            </a:r>
+            <a:r>
+              <a:rPr lang="en-US" sz="1200" b="1" dirty="0">
+                <a:solidFill>
+                  <a:schemeClr val="bg1"/>
+                </a:solidFill>
+              </a:rPr>
+              <a:t>symptoms</a:t>
             </a:r>
           </a:p>
         </p:txBody>
@@ -18363,7 +19916,7 @@
         </p:nvSpPr>
         <p:spPr>
           <a:xfrm>
-            <a:off x="1677526" y="3276967"/>
+            <a:off x="1464865" y="3290755"/>
             <a:ext cx="3018519" cy="276999"/>
           </a:xfrm>
           <a:prstGeom prst="rect">
@@ -18377,8 +19930,12 @@
           <a:lstStyle/>
           <a:p>
             <a:r>
+              <a:rPr lang="en-US" sz="1200" b="1" dirty="0"/>
+              <a:t>Contact</a:t>
+            </a:r>
+            <a:r>
               <a:rPr lang="en-US" sz="1200" dirty="0"/>
-              <a:t>Contact with others infected with COVID-19</a:t>
+              <a:t> with others infected with COVID-19</a:t>
             </a:r>
           </a:p>
         </p:txBody>
@@ -18397,7 +19954,7 @@
         </p:nvSpPr>
         <p:spPr>
           <a:xfrm>
-            <a:off x="622164" y="3630212"/>
+            <a:off x="515439" y="3631389"/>
             <a:ext cx="4232377" cy="276999"/>
           </a:xfrm>
           <a:prstGeom prst="rect">
@@ -18411,8 +19968,12 @@
           <a:lstStyle/>
           <a:p>
             <a:r>
+              <a:rPr lang="en-US" sz="1200" b="1" dirty="0"/>
+              <a:t>Social distancing and hand washing </a:t>
+            </a:r>
+            <a:r>
               <a:rPr lang="en-US" sz="1200" dirty="0"/>
-              <a:t>Social distancing and hand washing practiced as a household</a:t>
+              <a:t>practiced as a household</a:t>
             </a:r>
           </a:p>
         </p:txBody>
@@ -18431,8 +19992,8 @@
         </p:nvSpPr>
         <p:spPr>
           <a:xfrm>
-            <a:off x="609600" y="4308103"/>
-            <a:ext cx="4227568" cy="276999"/>
+            <a:off x="509995" y="4325876"/>
+            <a:ext cx="4270849" cy="276999"/>
           </a:xfrm>
           <a:prstGeom prst="rect">
             <a:avLst/>
@@ -18445,8 +20006,20 @@
           <a:lstStyle/>
           <a:p>
             <a:r>
+              <a:rPr lang="en-US" sz="1200" b="1" dirty="0"/>
+              <a:t>Social distancing </a:t>
+            </a:r>
+            <a:r>
               <a:rPr lang="en-US" sz="1200" dirty="0"/>
-              <a:t>Social distancing and hand washing practiced as an individual</a:t>
+              <a:t>and </a:t>
+            </a:r>
+            <a:r>
+              <a:rPr lang="en-US" sz="1200" b="1" dirty="0"/>
+              <a:t>hand washing </a:t>
+            </a:r>
+            <a:r>
+              <a:rPr lang="en-US" sz="1200" dirty="0"/>
+              <a:t>practiced as an individual</a:t>
             </a:r>
           </a:p>
         </p:txBody>
@@ -18499,7 +20072,7 @@
         </p:nvSpPr>
         <p:spPr>
           <a:xfrm>
-            <a:off x="622164" y="4684816"/>
+            <a:off x="622164" y="4706779"/>
             <a:ext cx="3663182" cy="246221"/>
           </a:xfrm>
           <a:prstGeom prst="rect">
@@ -18533,7 +20106,7 @@
         </p:nvSpPr>
         <p:spPr>
           <a:xfrm>
-            <a:off x="596606" y="4968922"/>
+            <a:off x="463630" y="5123117"/>
             <a:ext cx="556667" cy="276999"/>
           </a:xfrm>
           <a:prstGeom prst="rect">
@@ -18567,7 +20140,7 @@
         </p:nvSpPr>
         <p:spPr>
           <a:xfrm>
-            <a:off x="581411" y="5283806"/>
+            <a:off x="448435" y="5438001"/>
             <a:ext cx="675313" cy="276999"/>
           </a:xfrm>
           <a:prstGeom prst="rect">
@@ -18601,7 +20174,7 @@
         </p:nvSpPr>
         <p:spPr>
           <a:xfrm>
-            <a:off x="561046" y="5664829"/>
+            <a:off x="471650" y="5834031"/>
             <a:ext cx="442750" cy="276999"/>
           </a:xfrm>
           <a:prstGeom prst="rect">
@@ -18615,8 +20188,12 @@
           <a:lstStyle/>
           <a:p>
             <a:r>
+              <a:rPr lang="en-US" sz="1200" b="1" dirty="0"/>
+              <a:t>BM</a:t>
+            </a:r>
+            <a:r>
               <a:rPr lang="en-US" sz="1200" dirty="0"/>
-              <a:t>BMI</a:t>
+              <a:t>I</a:t>
             </a:r>
           </a:p>
         </p:txBody>
@@ -18635,7 +20212,7 @@
         </p:nvSpPr>
         <p:spPr>
           <a:xfrm>
-            <a:off x="1600465" y="5076644"/>
+            <a:off x="1467489" y="5230839"/>
             <a:ext cx="556667" cy="338554"/>
           </a:xfrm>
           <a:prstGeom prst="rect">
@@ -18650,7 +20227,7 @@
           <a:lstStyle/>
           <a:p>
             <a:r>
-              <a:rPr lang="en-US" sz="1600" dirty="0">
+              <a:rPr lang="en-US" sz="1600" b="1" dirty="0">
                 <a:solidFill>
                   <a:schemeClr val="accent1">
                     <a:lumMod val="75000"/>
@@ -18676,7 +20253,7 @@
         </p:nvSpPr>
         <p:spPr>
           <a:xfrm>
-            <a:off x="1303309" y="5051752"/>
+            <a:off x="1170333" y="5205947"/>
             <a:ext cx="242534" cy="345439"/>
           </a:xfrm>
           <a:prstGeom prst="rightBrace">
@@ -18720,7 +20297,7 @@
         </p:nvSpPr>
         <p:spPr>
           <a:xfrm>
-            <a:off x="538650" y="5985165"/>
+            <a:off x="385650" y="6230061"/>
             <a:ext cx="2285434" cy="276999"/>
           </a:xfrm>
           <a:prstGeom prst="rect">
@@ -18735,11 +20312,268 @@
           <a:p>
             <a:r>
               <a:rPr lang="en-US" sz="1200" dirty="0"/>
-              <a:t>Taking prescription medications</a:t>
+              <a:t>Taking </a:t>
+            </a:r>
+            <a:r>
+              <a:rPr lang="en-US" sz="1200" b="1" dirty="0"/>
+              <a:t>prescription medications</a:t>
             </a:r>
           </a:p>
         </p:txBody>
       </p:sp>
+      <p:sp>
+        <p:nvSpPr>
+          <p:cNvPr id="24" name="Rectangle 23">
+            <a:extLst>
+              <a:ext uri="{FF2B5EF4-FFF2-40B4-BE49-F238E27FC236}">
+                <a16:creationId xmlns:a16="http://schemas.microsoft.com/office/drawing/2014/main" id="{1F362087-5847-416B-AAA8-47F4A8D08444}"/>
+              </a:ext>
+            </a:extLst>
+          </p:cNvPr>
+          <p:cNvSpPr/>
+          <p:nvPr/>
+        </p:nvSpPr>
+        <p:spPr>
+          <a:xfrm>
+            <a:off x="247285" y="4007018"/>
+            <a:ext cx="5456876" cy="250425"/>
+          </a:xfrm>
+          <a:prstGeom prst="rect">
+            <a:avLst/>
+          </a:prstGeom>
+          <a:solidFill>
+            <a:schemeClr val="bg1">
+              <a:lumMod val="95000"/>
+              <a:alpha val="36000"/>
+            </a:schemeClr>
+          </a:solidFill>
+          <a:ln>
+            <a:solidFill>
+              <a:schemeClr val="bg1">
+                <a:lumMod val="85000"/>
+              </a:schemeClr>
+            </a:solidFill>
+          </a:ln>
+        </p:spPr>
+        <p:style>
+          <a:lnRef idx="2">
+            <a:schemeClr val="accent1">
+              <a:shade val="50000"/>
+            </a:schemeClr>
+          </a:lnRef>
+          <a:fillRef idx="1">
+            <a:schemeClr val="accent1"/>
+          </a:fillRef>
+          <a:effectRef idx="0">
+            <a:schemeClr val="accent1"/>
+          </a:effectRef>
+          <a:fontRef idx="minor">
+            <a:schemeClr val="lt1"/>
+          </a:fontRef>
+        </p:style>
+        <p:txBody>
+          <a:bodyPr rtlCol="0" anchor="ctr"/>
+          <a:lstStyle/>
+          <a:p>
+            <a:pPr algn="ctr"/>
+            <a:endParaRPr lang="en-US"/>
+          </a:p>
+        </p:txBody>
+      </p:sp>
+      <p:sp>
+        <p:nvSpPr>
+          <p:cNvPr id="27" name="Rectangle 26">
+            <a:extLst>
+              <a:ext uri="{FF2B5EF4-FFF2-40B4-BE49-F238E27FC236}">
+                <a16:creationId xmlns:a16="http://schemas.microsoft.com/office/drawing/2014/main" id="{7281E22E-5435-49E8-B0E9-1CA93B1EB57C}"/>
+              </a:ext>
+            </a:extLst>
+          </p:cNvPr>
+          <p:cNvSpPr/>
+          <p:nvPr/>
+        </p:nvSpPr>
+        <p:spPr>
+          <a:xfrm>
+            <a:off x="217194" y="4686887"/>
+            <a:ext cx="5456876" cy="255325"/>
+          </a:xfrm>
+          <a:prstGeom prst="rect">
+            <a:avLst/>
+          </a:prstGeom>
+          <a:solidFill>
+            <a:schemeClr val="bg1">
+              <a:lumMod val="95000"/>
+              <a:alpha val="36000"/>
+            </a:schemeClr>
+          </a:solidFill>
+          <a:ln>
+            <a:solidFill>
+              <a:schemeClr val="bg1">
+                <a:lumMod val="85000"/>
+              </a:schemeClr>
+            </a:solidFill>
+          </a:ln>
+        </p:spPr>
+        <p:style>
+          <a:lnRef idx="2">
+            <a:schemeClr val="accent1">
+              <a:shade val="50000"/>
+            </a:schemeClr>
+          </a:lnRef>
+          <a:fillRef idx="1">
+            <a:schemeClr val="accent1"/>
+          </a:fillRef>
+          <a:effectRef idx="0">
+            <a:schemeClr val="accent1"/>
+          </a:effectRef>
+          <a:fontRef idx="minor">
+            <a:schemeClr val="lt1"/>
+          </a:fontRef>
+        </p:style>
+        <p:txBody>
+          <a:bodyPr rtlCol="0" anchor="ctr"/>
+          <a:lstStyle/>
+          <a:p>
+            <a:pPr algn="ctr"/>
+            <a:endParaRPr lang="en-US"/>
+          </a:p>
+        </p:txBody>
+      </p:sp>
+      <p:grpSp>
+        <p:nvGrpSpPr>
+          <p:cNvPr id="4" name="Group 3">
+            <a:extLst>
+              <a:ext uri="{FF2B5EF4-FFF2-40B4-BE49-F238E27FC236}">
+                <a16:creationId xmlns:a16="http://schemas.microsoft.com/office/drawing/2014/main" id="{81AC9F67-2674-41B6-B6CC-80E4D26FE03D}"/>
+              </a:ext>
+            </a:extLst>
+          </p:cNvPr>
+          <p:cNvGrpSpPr/>
+          <p:nvPr/>
+        </p:nvGrpSpPr>
+        <p:grpSpPr>
+          <a:xfrm>
+            <a:off x="6368424" y="2309647"/>
+            <a:ext cx="5753003" cy="4461773"/>
+            <a:chOff x="6327590" y="2290576"/>
+            <a:chExt cx="5753003" cy="4461773"/>
+          </a:xfrm>
+        </p:grpSpPr>
+        <p:pic>
+          <p:nvPicPr>
+            <p:cNvPr id="12" name="Picture 11">
+              <a:extLst>
+                <a:ext uri="{FF2B5EF4-FFF2-40B4-BE49-F238E27FC236}">
+                  <a16:creationId xmlns:a16="http://schemas.microsoft.com/office/drawing/2014/main" id="{0F31ECD0-614C-4D87-B4A3-C0E3100162AF}"/>
+                </a:ext>
+              </a:extLst>
+            </p:cNvPr>
+            <p:cNvPicPr>
+              <a:picLocks noChangeAspect="1"/>
+            </p:cNvPicPr>
+            <p:nvPr/>
+          </p:nvPicPr>
+          <p:blipFill>
+            <a:blip r:embed="rId4"/>
+            <a:stretch>
+              <a:fillRect/>
+            </a:stretch>
+          </p:blipFill>
+          <p:spPr>
+            <a:xfrm>
+              <a:off x="6327590" y="2290576"/>
+              <a:ext cx="5753003" cy="4461773"/>
+            </a:xfrm>
+            <a:prstGeom prst="rect">
+              <a:avLst/>
+            </a:prstGeom>
+          </p:spPr>
+        </p:pic>
+        <p:sp>
+          <p:nvSpPr>
+            <p:cNvPr id="3" name="TextBox 2">
+              <a:extLst>
+                <a:ext uri="{FF2B5EF4-FFF2-40B4-BE49-F238E27FC236}">
+                  <a16:creationId xmlns:a16="http://schemas.microsoft.com/office/drawing/2014/main" id="{E31C96D7-B47E-4FA5-85CF-AE2033A936C1}"/>
+                </a:ext>
+              </a:extLst>
+            </p:cNvPr>
+            <p:cNvSpPr txBox="1"/>
+            <p:nvPr/>
+          </p:nvSpPr>
+          <p:spPr>
+            <a:xfrm>
+              <a:off x="7696200" y="4050535"/>
+              <a:ext cx="1676400" cy="261610"/>
+            </a:xfrm>
+            <a:prstGeom prst="rect">
+              <a:avLst/>
+            </a:prstGeom>
+            <a:noFill/>
+          </p:spPr>
+          <p:txBody>
+            <a:bodyPr wrap="square" rtlCol="0">
+              <a:spAutoFit/>
+            </a:bodyPr>
+            <a:lstStyle/>
+            <a:p>
+              <a:r>
+                <a:rPr lang="en-US" sz="1100" dirty="0">
+                  <a:solidFill>
+                    <a:schemeClr val="accent2">
+                      <a:lumMod val="20000"/>
+                      <a:lumOff val="80000"/>
+                    </a:schemeClr>
+                  </a:solidFill>
+                </a:rPr>
+                <a:t>True Negative</a:t>
+              </a:r>
+            </a:p>
+          </p:txBody>
+        </p:sp>
+        <p:sp>
+          <p:nvSpPr>
+            <p:cNvPr id="9" name="TextBox 8">
+              <a:extLst>
+                <a:ext uri="{FF2B5EF4-FFF2-40B4-BE49-F238E27FC236}">
+                  <a16:creationId xmlns:a16="http://schemas.microsoft.com/office/drawing/2014/main" id="{7A5FD056-C860-45FA-ABAD-AF4A7BC16BD2}"/>
+                </a:ext>
+              </a:extLst>
+            </p:cNvPr>
+            <p:cNvSpPr txBox="1"/>
+            <p:nvPr/>
+          </p:nvSpPr>
+          <p:spPr>
+            <a:xfrm>
+              <a:off x="10034155" y="5723555"/>
+              <a:ext cx="1676400" cy="261610"/>
+            </a:xfrm>
+            <a:prstGeom prst="rect">
+              <a:avLst/>
+            </a:prstGeom>
+            <a:noFill/>
+          </p:spPr>
+          <p:txBody>
+            <a:bodyPr wrap="square" rtlCol="0">
+              <a:spAutoFit/>
+            </a:bodyPr>
+            <a:lstStyle/>
+            <a:p>
+              <a:r>
+                <a:rPr lang="en-US" sz="1100" dirty="0">
+                  <a:solidFill>
+                    <a:schemeClr val="accent2">
+                      <a:lumMod val="20000"/>
+                      <a:lumOff val="80000"/>
+                    </a:schemeClr>
+                  </a:solidFill>
+                </a:rPr>
+                <a:t>True Positive</a:t>
+              </a:r>
+            </a:p>
+          </p:txBody>
+        </p:sp>
+      </p:grpSp>
     </p:spTree>
     <p:extLst>
       <p:ext uri="{BB962C8B-B14F-4D97-AF65-F5344CB8AC3E}">
@@ -18762,6 +20596,546 @@
       </p:transition>
     </mc:Fallback>
   </mc:AlternateContent>
+  <p:timing>
+    <p:tnLst>
+      <p:par>
+        <p:cTn id="1" dur="indefinite" restart="never" nodeType="tmRoot">
+          <p:childTnLst>
+            <p:seq concurrent="1" nextAc="seek">
+              <p:cTn id="2" dur="indefinite" nodeType="mainSeq">
+                <p:childTnLst>
+                  <p:par>
+                    <p:cTn id="3" fill="hold">
+                      <p:stCondLst>
+                        <p:cond delay="indefinite"/>
+                      </p:stCondLst>
+                      <p:childTnLst>
+                        <p:par>
+                          <p:cTn id="4" fill="hold">
+                            <p:stCondLst>
+                              <p:cond delay="0"/>
+                            </p:stCondLst>
+                            <p:childTnLst>
+                              <p:par>
+                                <p:cTn id="5" presetID="1" presetClass="entr" presetSubtype="0" fill="hold" grpId="0" nodeType="clickEffect">
+                                  <p:stCondLst>
+                                    <p:cond delay="0"/>
+                                  </p:stCondLst>
+                                  <p:childTnLst>
+                                    <p:set>
+                                      <p:cBhvr>
+                                        <p:cTn id="6" dur="1" fill="hold">
+                                          <p:stCondLst>
+                                            <p:cond delay="0"/>
+                                          </p:stCondLst>
+                                        </p:cTn>
+                                        <p:tgtEl>
+                                          <p:spTgt spid="13"/>
+                                        </p:tgtEl>
+                                        <p:attrNameLst>
+                                          <p:attrName>style.visibility</p:attrName>
+                                        </p:attrNameLst>
+                                      </p:cBhvr>
+                                      <p:to>
+                                        <p:strVal val="visible"/>
+                                      </p:to>
+                                    </p:set>
+                                  </p:childTnLst>
+                                </p:cTn>
+                              </p:par>
+                            </p:childTnLst>
+                          </p:cTn>
+                        </p:par>
+                      </p:childTnLst>
+                    </p:cTn>
+                  </p:par>
+                  <p:par>
+                    <p:cTn id="7" fill="hold">
+                      <p:stCondLst>
+                        <p:cond delay="indefinite"/>
+                      </p:stCondLst>
+                      <p:childTnLst>
+                        <p:par>
+                          <p:cTn id="8" fill="hold">
+                            <p:stCondLst>
+                              <p:cond delay="0"/>
+                            </p:stCondLst>
+                            <p:childTnLst>
+                              <p:par>
+                                <p:cTn id="9" presetID="1" presetClass="entr" presetSubtype="0" fill="hold" grpId="0" nodeType="clickEffect">
+                                  <p:stCondLst>
+                                    <p:cond delay="0"/>
+                                  </p:stCondLst>
+                                  <p:childTnLst>
+                                    <p:set>
+                                      <p:cBhvr>
+                                        <p:cTn id="10" dur="1" fill="hold">
+                                          <p:stCondLst>
+                                            <p:cond delay="0"/>
+                                          </p:stCondLst>
+                                        </p:cTn>
+                                        <p:tgtEl>
+                                          <p:spTgt spid="14"/>
+                                        </p:tgtEl>
+                                        <p:attrNameLst>
+                                          <p:attrName>style.visibility</p:attrName>
+                                        </p:attrNameLst>
+                                      </p:cBhvr>
+                                      <p:to>
+                                        <p:strVal val="visible"/>
+                                      </p:to>
+                                    </p:set>
+                                  </p:childTnLst>
+                                </p:cTn>
+                              </p:par>
+                            </p:childTnLst>
+                          </p:cTn>
+                        </p:par>
+                      </p:childTnLst>
+                    </p:cTn>
+                  </p:par>
+                  <p:par>
+                    <p:cTn id="11" fill="hold">
+                      <p:stCondLst>
+                        <p:cond delay="indefinite"/>
+                      </p:stCondLst>
+                      <p:childTnLst>
+                        <p:par>
+                          <p:cTn id="12" fill="hold">
+                            <p:stCondLst>
+                              <p:cond delay="0"/>
+                            </p:stCondLst>
+                            <p:childTnLst>
+                              <p:par>
+                                <p:cTn id="13" presetID="1" presetClass="entr" presetSubtype="0" fill="hold" grpId="0" nodeType="clickEffect">
+                                  <p:stCondLst>
+                                    <p:cond delay="0"/>
+                                  </p:stCondLst>
+                                  <p:childTnLst>
+                                    <p:set>
+                                      <p:cBhvr>
+                                        <p:cTn id="14" dur="1" fill="hold">
+                                          <p:stCondLst>
+                                            <p:cond delay="0"/>
+                                          </p:stCondLst>
+                                        </p:cTn>
+                                        <p:tgtEl>
+                                          <p:spTgt spid="15"/>
+                                        </p:tgtEl>
+                                        <p:attrNameLst>
+                                          <p:attrName>style.visibility</p:attrName>
+                                        </p:attrNameLst>
+                                      </p:cBhvr>
+                                      <p:to>
+                                        <p:strVal val="visible"/>
+                                      </p:to>
+                                    </p:set>
+                                  </p:childTnLst>
+                                </p:cTn>
+                              </p:par>
+                            </p:childTnLst>
+                          </p:cTn>
+                        </p:par>
+                      </p:childTnLst>
+                    </p:cTn>
+                  </p:par>
+                  <p:par>
+                    <p:cTn id="15" fill="hold">
+                      <p:stCondLst>
+                        <p:cond delay="indefinite"/>
+                      </p:stCondLst>
+                      <p:childTnLst>
+                        <p:par>
+                          <p:cTn id="16" fill="hold">
+                            <p:stCondLst>
+                              <p:cond delay="0"/>
+                            </p:stCondLst>
+                            <p:childTnLst>
+                              <p:par>
+                                <p:cTn id="17" presetID="1" presetClass="entr" presetSubtype="0" fill="hold" grpId="0" nodeType="clickEffect">
+                                  <p:stCondLst>
+                                    <p:cond delay="0"/>
+                                  </p:stCondLst>
+                                  <p:childTnLst>
+                                    <p:set>
+                                      <p:cBhvr>
+                                        <p:cTn id="18" dur="1" fill="hold">
+                                          <p:stCondLst>
+                                            <p:cond delay="0"/>
+                                          </p:stCondLst>
+                                        </p:cTn>
+                                        <p:tgtEl>
+                                          <p:spTgt spid="16"/>
+                                        </p:tgtEl>
+                                        <p:attrNameLst>
+                                          <p:attrName>style.visibility</p:attrName>
+                                        </p:attrNameLst>
+                                      </p:cBhvr>
+                                      <p:to>
+                                        <p:strVal val="visible"/>
+                                      </p:to>
+                                    </p:set>
+                                  </p:childTnLst>
+                                </p:cTn>
+                              </p:par>
+                              <p:par>
+                                <p:cTn id="19" presetID="1" presetClass="entr" presetSubtype="0" fill="hold" grpId="0" nodeType="withEffect">
+                                  <p:stCondLst>
+                                    <p:cond delay="0"/>
+                                  </p:stCondLst>
+                                  <p:childTnLst>
+                                    <p:set>
+                                      <p:cBhvr>
+                                        <p:cTn id="20" dur="1" fill="hold">
+                                          <p:stCondLst>
+                                            <p:cond delay="0"/>
+                                          </p:stCondLst>
+                                        </p:cTn>
+                                        <p:tgtEl>
+                                          <p:spTgt spid="17"/>
+                                        </p:tgtEl>
+                                        <p:attrNameLst>
+                                          <p:attrName>style.visibility</p:attrName>
+                                        </p:attrNameLst>
+                                      </p:cBhvr>
+                                      <p:to>
+                                        <p:strVal val="visible"/>
+                                      </p:to>
+                                    </p:set>
+                                  </p:childTnLst>
+                                </p:cTn>
+                              </p:par>
+                            </p:childTnLst>
+                          </p:cTn>
+                        </p:par>
+                      </p:childTnLst>
+                    </p:cTn>
+                  </p:par>
+                  <p:par>
+                    <p:cTn id="21" fill="hold">
+                      <p:stCondLst>
+                        <p:cond delay="indefinite"/>
+                      </p:stCondLst>
+                      <p:childTnLst>
+                        <p:par>
+                          <p:cTn id="22" fill="hold">
+                            <p:stCondLst>
+                              <p:cond delay="0"/>
+                            </p:stCondLst>
+                            <p:childTnLst>
+                              <p:par>
+                                <p:cTn id="23" presetID="1" presetClass="entr" presetSubtype="0" fill="hold" grpId="0" nodeType="clickEffect">
+                                  <p:stCondLst>
+                                    <p:cond delay="0"/>
+                                  </p:stCondLst>
+                                  <p:childTnLst>
+                                    <p:set>
+                                      <p:cBhvr>
+                                        <p:cTn id="24" dur="1" fill="hold">
+                                          <p:stCondLst>
+                                            <p:cond delay="0"/>
+                                          </p:stCondLst>
+                                        </p:cTn>
+                                        <p:tgtEl>
+                                          <p:spTgt spid="18"/>
+                                        </p:tgtEl>
+                                        <p:attrNameLst>
+                                          <p:attrName>style.visibility</p:attrName>
+                                        </p:attrNameLst>
+                                      </p:cBhvr>
+                                      <p:to>
+                                        <p:strVal val="visible"/>
+                                      </p:to>
+                                    </p:set>
+                                  </p:childTnLst>
+                                </p:cTn>
+                              </p:par>
+                              <p:par>
+                                <p:cTn id="25" presetID="1" presetClass="entr" presetSubtype="0" fill="hold" grpId="0" nodeType="withEffect">
+                                  <p:stCondLst>
+                                    <p:cond delay="0"/>
+                                  </p:stCondLst>
+                                  <p:childTnLst>
+                                    <p:set>
+                                      <p:cBhvr>
+                                        <p:cTn id="26" dur="1" fill="hold">
+                                          <p:stCondLst>
+                                            <p:cond delay="0"/>
+                                          </p:stCondLst>
+                                        </p:cTn>
+                                        <p:tgtEl>
+                                          <p:spTgt spid="20"/>
+                                        </p:tgtEl>
+                                        <p:attrNameLst>
+                                          <p:attrName>style.visibility</p:attrName>
+                                        </p:attrNameLst>
+                                      </p:cBhvr>
+                                      <p:to>
+                                        <p:strVal val="visible"/>
+                                      </p:to>
+                                    </p:set>
+                                  </p:childTnLst>
+                                </p:cTn>
+                              </p:par>
+                            </p:childTnLst>
+                          </p:cTn>
+                        </p:par>
+                      </p:childTnLst>
+                    </p:cTn>
+                  </p:par>
+                  <p:par>
+                    <p:cTn id="27" fill="hold">
+                      <p:stCondLst>
+                        <p:cond delay="indefinite"/>
+                      </p:stCondLst>
+                      <p:childTnLst>
+                        <p:par>
+                          <p:cTn id="28" fill="hold">
+                            <p:stCondLst>
+                              <p:cond delay="0"/>
+                            </p:stCondLst>
+                            <p:childTnLst>
+                              <p:par>
+                                <p:cTn id="29" presetID="1" presetClass="entr" presetSubtype="0" fill="hold" grpId="0" nodeType="clickEffect">
+                                  <p:stCondLst>
+                                    <p:cond delay="0"/>
+                                  </p:stCondLst>
+                                  <p:childTnLst>
+                                    <p:set>
+                                      <p:cBhvr>
+                                        <p:cTn id="30" dur="1" fill="hold">
+                                          <p:stCondLst>
+                                            <p:cond delay="0"/>
+                                          </p:stCondLst>
+                                        </p:cTn>
+                                        <p:tgtEl>
+                                          <p:spTgt spid="21"/>
+                                        </p:tgtEl>
+                                        <p:attrNameLst>
+                                          <p:attrName>style.visibility</p:attrName>
+                                        </p:attrNameLst>
+                                      </p:cBhvr>
+                                      <p:to>
+                                        <p:strVal val="visible"/>
+                                      </p:to>
+                                    </p:set>
+                                  </p:childTnLst>
+                                </p:cTn>
+                              </p:par>
+                              <p:par>
+                                <p:cTn id="31" presetID="1" presetClass="entr" presetSubtype="0" fill="hold" grpId="0" nodeType="withEffect">
+                                  <p:stCondLst>
+                                    <p:cond delay="0"/>
+                                  </p:stCondLst>
+                                  <p:childTnLst>
+                                    <p:set>
+                                      <p:cBhvr>
+                                        <p:cTn id="32" dur="1" fill="hold">
+                                          <p:stCondLst>
+                                            <p:cond delay="0"/>
+                                          </p:stCondLst>
+                                        </p:cTn>
+                                        <p:tgtEl>
+                                          <p:spTgt spid="22"/>
+                                        </p:tgtEl>
+                                        <p:attrNameLst>
+                                          <p:attrName>style.visibility</p:attrName>
+                                        </p:attrNameLst>
+                                      </p:cBhvr>
+                                      <p:to>
+                                        <p:strVal val="visible"/>
+                                      </p:to>
+                                    </p:set>
+                                  </p:childTnLst>
+                                </p:cTn>
+                              </p:par>
+                              <p:par>
+                                <p:cTn id="33" presetID="1" presetClass="entr" presetSubtype="0" fill="hold" grpId="0" nodeType="withEffect">
+                                  <p:stCondLst>
+                                    <p:cond delay="0"/>
+                                  </p:stCondLst>
+                                  <p:childTnLst>
+                                    <p:set>
+                                      <p:cBhvr>
+                                        <p:cTn id="34" dur="1" fill="hold">
+                                          <p:stCondLst>
+                                            <p:cond delay="0"/>
+                                          </p:stCondLst>
+                                        </p:cTn>
+                                        <p:tgtEl>
+                                          <p:spTgt spid="6"/>
+                                        </p:tgtEl>
+                                        <p:attrNameLst>
+                                          <p:attrName>style.visibility</p:attrName>
+                                        </p:attrNameLst>
+                                      </p:cBhvr>
+                                      <p:to>
+                                        <p:strVal val="visible"/>
+                                      </p:to>
+                                    </p:set>
+                                  </p:childTnLst>
+                                </p:cTn>
+                              </p:par>
+                              <p:par>
+                                <p:cTn id="35" presetID="1" presetClass="entr" presetSubtype="0" fill="hold" grpId="0" nodeType="withEffect">
+                                  <p:stCondLst>
+                                    <p:cond delay="0"/>
+                                  </p:stCondLst>
+                                  <p:childTnLst>
+                                    <p:set>
+                                      <p:cBhvr>
+                                        <p:cTn id="36" dur="1" fill="hold">
+                                          <p:stCondLst>
+                                            <p:cond delay="0"/>
+                                          </p:stCondLst>
+                                        </p:cTn>
+                                        <p:tgtEl>
+                                          <p:spTgt spid="10"/>
+                                        </p:tgtEl>
+                                        <p:attrNameLst>
+                                          <p:attrName>style.visibility</p:attrName>
+                                        </p:attrNameLst>
+                                      </p:cBhvr>
+                                      <p:to>
+                                        <p:strVal val="visible"/>
+                                      </p:to>
+                                    </p:set>
+                                  </p:childTnLst>
+                                </p:cTn>
+                              </p:par>
+                            </p:childTnLst>
+                          </p:cTn>
+                        </p:par>
+                      </p:childTnLst>
+                    </p:cTn>
+                  </p:par>
+                  <p:par>
+                    <p:cTn id="37" fill="hold">
+                      <p:stCondLst>
+                        <p:cond delay="indefinite"/>
+                      </p:stCondLst>
+                      <p:childTnLst>
+                        <p:par>
+                          <p:cTn id="38" fill="hold">
+                            <p:stCondLst>
+                              <p:cond delay="0"/>
+                            </p:stCondLst>
+                            <p:childTnLst>
+                              <p:par>
+                                <p:cTn id="39" presetID="1" presetClass="entr" presetSubtype="0" fill="hold" grpId="0" nodeType="clickEffect">
+                                  <p:stCondLst>
+                                    <p:cond delay="0"/>
+                                  </p:stCondLst>
+                                  <p:childTnLst>
+                                    <p:set>
+                                      <p:cBhvr>
+                                        <p:cTn id="40" dur="1" fill="hold">
+                                          <p:stCondLst>
+                                            <p:cond delay="0"/>
+                                          </p:stCondLst>
+                                        </p:cTn>
+                                        <p:tgtEl>
+                                          <p:spTgt spid="23"/>
+                                        </p:tgtEl>
+                                        <p:attrNameLst>
+                                          <p:attrName>style.visibility</p:attrName>
+                                        </p:attrNameLst>
+                                      </p:cBhvr>
+                                      <p:to>
+                                        <p:strVal val="visible"/>
+                                      </p:to>
+                                    </p:set>
+                                  </p:childTnLst>
+                                </p:cTn>
+                              </p:par>
+                            </p:childTnLst>
+                          </p:cTn>
+                        </p:par>
+                      </p:childTnLst>
+                    </p:cTn>
+                  </p:par>
+                  <p:par>
+                    <p:cTn id="41" fill="hold">
+                      <p:stCondLst>
+                        <p:cond delay="indefinite"/>
+                      </p:stCondLst>
+                      <p:childTnLst>
+                        <p:par>
+                          <p:cTn id="42" fill="hold">
+                            <p:stCondLst>
+                              <p:cond delay="0"/>
+                            </p:stCondLst>
+                            <p:childTnLst>
+                              <p:par>
+                                <p:cTn id="43" presetID="1" presetClass="entr" presetSubtype="0" fill="hold" grpId="0" nodeType="clickEffect">
+                                  <p:stCondLst>
+                                    <p:cond delay="0"/>
+                                  </p:stCondLst>
+                                  <p:childTnLst>
+                                    <p:set>
+                                      <p:cBhvr>
+                                        <p:cTn id="44" dur="1" fill="hold">
+                                          <p:stCondLst>
+                                            <p:cond delay="0"/>
+                                          </p:stCondLst>
+                                        </p:cTn>
+                                        <p:tgtEl>
+                                          <p:spTgt spid="26"/>
+                                        </p:tgtEl>
+                                        <p:attrNameLst>
+                                          <p:attrName>style.visibility</p:attrName>
+                                        </p:attrNameLst>
+                                      </p:cBhvr>
+                                      <p:to>
+                                        <p:strVal val="visible"/>
+                                      </p:to>
+                                    </p:set>
+                                  </p:childTnLst>
+                                </p:cTn>
+                              </p:par>
+                            </p:childTnLst>
+                          </p:cTn>
+                        </p:par>
+                      </p:childTnLst>
+                    </p:cTn>
+                  </p:par>
+                </p:childTnLst>
+              </p:cTn>
+              <p:prevCondLst>
+                <p:cond evt="onPrev" delay="0">
+                  <p:tgtEl>
+                    <p:sldTgt/>
+                  </p:tgtEl>
+                </p:cond>
+              </p:prevCondLst>
+              <p:nextCondLst>
+                <p:cond evt="onNext" delay="0">
+                  <p:tgtEl>
+                    <p:sldTgt/>
+                  </p:tgtEl>
+                </p:cond>
+              </p:nextCondLst>
+            </p:seq>
+          </p:childTnLst>
+        </p:cTn>
+      </p:par>
+    </p:tnLst>
+    <p:bldLst>
+      <p:bldP spid="13" grpId="0"/>
+      <p:bldP spid="14" grpId="0"/>
+      <p:bldP spid="15" grpId="0"/>
+      <p:bldP spid="16" grpId="0"/>
+      <p:bldP spid="17" grpId="0"/>
+      <p:bldP spid="18" grpId="0"/>
+      <p:bldP spid="20" grpId="0"/>
+      <p:bldP spid="21" grpId="0"/>
+      <p:bldP spid="22" grpId="0"/>
+      <p:bldP spid="23" grpId="0"/>
+      <p:bldP spid="10" grpId="0"/>
+      <p:bldP spid="6" grpId="0" animBg="1"/>
+      <p:bldP spid="26" grpId="0"/>
+    </p:bldLst>
+  </p:timing>
 </p:sld>
 </file>
 
@@ -18794,7 +21168,7 @@
         </p:nvSpPr>
         <p:spPr>
           <a:xfrm>
-            <a:off x="425505" y="54747"/>
+            <a:off x="237775" y="151837"/>
             <a:ext cx="6965895" cy="1091238"/>
           </a:xfrm>
         </p:spPr>
@@ -18809,7 +21183,7 @@
             </a:br>
             <a:r>
               <a:rPr lang="en-US" sz="4000" dirty="0"/>
-              <a:t>Top Factors by level of importance in prediction using Random Forest </a:t>
+              <a:t>Top Feature Correlations:</a:t>
             </a:r>
             <a:endParaRPr lang="en-US" sz="2800" dirty="0"/>
           </a:p>
@@ -18921,242 +21295,6 @@
           </a:p>
         </p:txBody>
       </p:sp>
-      <p:grpSp>
-        <p:nvGrpSpPr>
-          <p:cNvPr id="37" name="Group 36">
-            <a:extLst>
-              <a:ext uri="{FF2B5EF4-FFF2-40B4-BE49-F238E27FC236}">
-                <a16:creationId xmlns:a16="http://schemas.microsoft.com/office/drawing/2014/main" id="{FEED6C0F-C312-4C6B-802F-5AFC1E22AABE}"/>
-              </a:ext>
-            </a:extLst>
-          </p:cNvPr>
-          <p:cNvGrpSpPr/>
-          <p:nvPr/>
-        </p:nvGrpSpPr>
-        <p:grpSpPr>
-          <a:xfrm>
-            <a:off x="10047007" y="4661024"/>
-            <a:ext cx="2098695" cy="1806128"/>
-            <a:chOff x="312013" y="2505293"/>
-            <a:chExt cx="3886200" cy="3788122"/>
-          </a:xfrm>
-        </p:grpSpPr>
-        <p:sp>
-          <p:nvSpPr>
-            <p:cNvPr id="5" name="Rectangle 4">
-              <a:extLst>
-                <a:ext uri="{FF2B5EF4-FFF2-40B4-BE49-F238E27FC236}">
-                  <a16:creationId xmlns:a16="http://schemas.microsoft.com/office/drawing/2014/main" id="{00E362E1-51B8-4957-9422-944EE1216076}"/>
-                </a:ext>
-              </a:extLst>
-            </p:cNvPr>
-            <p:cNvSpPr/>
-            <p:nvPr/>
-          </p:nvSpPr>
-          <p:spPr>
-            <a:xfrm>
-              <a:off x="312013" y="2505293"/>
-              <a:ext cx="3886200" cy="3788122"/>
-            </a:xfrm>
-            <a:prstGeom prst="rect">
-              <a:avLst/>
-            </a:prstGeom>
-            <a:solidFill>
-              <a:schemeClr val="bg1"/>
-            </a:solidFill>
-          </p:spPr>
-          <p:style>
-            <a:lnRef idx="2">
-              <a:schemeClr val="accent1">
-                <a:shade val="50000"/>
-              </a:schemeClr>
-            </a:lnRef>
-            <a:fillRef idx="1">
-              <a:schemeClr val="accent1"/>
-            </a:fillRef>
-            <a:effectRef idx="0">
-              <a:schemeClr val="accent1"/>
-            </a:effectRef>
-            <a:fontRef idx="minor">
-              <a:schemeClr val="lt1"/>
-            </a:fontRef>
-          </p:style>
-          <p:txBody>
-            <a:bodyPr rtlCol="0" anchor="ctr"/>
-            <a:lstStyle/>
-            <a:p>
-              <a:pPr algn="ctr"/>
-              <a:r>
-                <a:rPr lang="en-US">
-                  <a:cs typeface="Aharoni" panose="02010803020104030203" pitchFamily="2" charset="-79"/>
-                </a:rPr>
-                <a:t>Behavior Matters</a:t>
-              </a:r>
-              <a:r>
-                <a:rPr lang="en-US" sz="2400">
-                  <a:cs typeface="Aharoni" panose="02010803020104030203" pitchFamily="2" charset="-79"/>
-                </a:rPr>
-                <a:t>:</a:t>
-              </a:r>
-              <a:endParaRPr lang="en-US" sz="2400" dirty="0">
-                <a:cs typeface="Aharoni" panose="02010803020104030203" pitchFamily="2" charset="-79"/>
-              </a:endParaRPr>
-            </a:p>
-          </p:txBody>
-        </p:sp>
-        <p:pic>
-          <p:nvPicPr>
-            <p:cNvPr id="2054" name="Picture 6" descr="WASHING HANDS - Free miscellaneous icons">
-              <a:extLst>
-                <a:ext uri="{FF2B5EF4-FFF2-40B4-BE49-F238E27FC236}">
-                  <a16:creationId xmlns:a16="http://schemas.microsoft.com/office/drawing/2014/main" id="{18EDBB62-60A8-42FF-B504-1E30AD285701}"/>
-                </a:ext>
-              </a:extLst>
-            </p:cNvPr>
-            <p:cNvPicPr>
-              <a:picLocks noChangeAspect="1" noChangeArrowheads="1"/>
-            </p:cNvPicPr>
-            <p:nvPr/>
-          </p:nvPicPr>
-          <p:blipFill>
-            <a:blip r:embed="rId3" cstate="print">
-              <a:duotone>
-                <a:schemeClr val="accent1">
-                  <a:shade val="45000"/>
-                  <a:satMod val="135000"/>
-                </a:schemeClr>
-                <a:prstClr val="white"/>
-              </a:duotone>
-              <a:extLst>
-                <a:ext uri="{28A0092B-C50C-407E-A947-70E740481C1C}">
-                  <a14:useLocalDpi xmlns:a14="http://schemas.microsoft.com/office/drawing/2010/main" val="0"/>
-                </a:ext>
-              </a:extLst>
-            </a:blip>
-            <a:srcRect/>
-            <a:stretch>
-              <a:fillRect/>
-            </a:stretch>
-          </p:blipFill>
-          <p:spPr bwMode="auto">
-            <a:xfrm>
-              <a:off x="2594840" y="4337645"/>
-              <a:ext cx="1108267" cy="1108266"/>
-            </a:xfrm>
-            <a:prstGeom prst="rect">
-              <a:avLst/>
-            </a:prstGeom>
-            <a:noFill/>
-            <a:extLst>
-              <a:ext uri="{909E8E84-426E-40DD-AFC4-6F175D3DCCD1}">
-                <a14:hiddenFill xmlns:a14="http://schemas.microsoft.com/office/drawing/2010/main">
-                  <a:solidFill>
-                    <a:srgbClr val="FFFFFF"/>
-                  </a:solidFill>
-                </a14:hiddenFill>
-              </a:ext>
-            </a:extLst>
-          </p:spPr>
-        </p:pic>
-        <p:pic>
-          <p:nvPicPr>
-            <p:cNvPr id="2052" name="Picture 4">
-              <a:extLst>
-                <a:ext uri="{FF2B5EF4-FFF2-40B4-BE49-F238E27FC236}">
-                  <a16:creationId xmlns:a16="http://schemas.microsoft.com/office/drawing/2014/main" id="{1F721424-AD6D-4C58-B0C0-9A47CF7E9A2F}"/>
-                </a:ext>
-              </a:extLst>
-            </p:cNvPr>
-            <p:cNvPicPr>
-              <a:picLocks noChangeAspect="1" noChangeArrowheads="1"/>
-            </p:cNvPicPr>
-            <p:nvPr/>
-          </p:nvPicPr>
-          <p:blipFill>
-            <a:blip r:embed="rId4" cstate="print">
-              <a:duotone>
-                <a:schemeClr val="accent1">
-                  <a:shade val="45000"/>
-                  <a:satMod val="135000"/>
-                </a:schemeClr>
-                <a:prstClr val="white"/>
-              </a:duotone>
-              <a:extLst>
-                <a:ext uri="{28A0092B-C50C-407E-A947-70E740481C1C}">
-                  <a14:useLocalDpi xmlns:a14="http://schemas.microsoft.com/office/drawing/2010/main" val="0"/>
-                </a:ext>
-              </a:extLst>
-            </a:blip>
-            <a:srcRect/>
-            <a:stretch>
-              <a:fillRect/>
-            </a:stretch>
-          </p:blipFill>
-          <p:spPr bwMode="auto">
-            <a:xfrm>
-              <a:off x="920683" y="4169373"/>
-              <a:ext cx="1444814" cy="1444812"/>
-            </a:xfrm>
-            <a:prstGeom prst="rect">
-              <a:avLst/>
-            </a:prstGeom>
-            <a:noFill/>
-            <a:extLst>
-              <a:ext uri="{909E8E84-426E-40DD-AFC4-6F175D3DCCD1}">
-                <a14:hiddenFill xmlns:a14="http://schemas.microsoft.com/office/drawing/2010/main">
-                  <a:solidFill>
-                    <a:srgbClr val="FFFFFF"/>
-                  </a:solidFill>
-                </a14:hiddenFill>
-              </a:ext>
-            </a:extLst>
-          </p:spPr>
-        </p:pic>
-        <p:sp>
-          <p:nvSpPr>
-            <p:cNvPr id="4" name="TextBox 3">
-              <a:extLst>
-                <a:ext uri="{FF2B5EF4-FFF2-40B4-BE49-F238E27FC236}">
-                  <a16:creationId xmlns:a16="http://schemas.microsoft.com/office/drawing/2014/main" id="{57EE8F21-8F69-4229-95DA-596CA450EEAD}"/>
-                </a:ext>
-              </a:extLst>
-            </p:cNvPr>
-            <p:cNvSpPr txBox="1"/>
-            <p:nvPr/>
-          </p:nvSpPr>
-          <p:spPr>
-            <a:xfrm>
-              <a:off x="442517" y="2937329"/>
-              <a:ext cx="3722402" cy="968283"/>
-            </a:xfrm>
-            <a:prstGeom prst="rect">
-              <a:avLst/>
-            </a:prstGeom>
-            <a:noFill/>
-          </p:spPr>
-          <p:txBody>
-            <a:bodyPr wrap="square" rtlCol="0">
-              <a:spAutoFit/>
-            </a:bodyPr>
-            <a:lstStyle/>
-            <a:p>
-              <a:pPr algn="ctr"/>
-              <a:r>
-                <a:rPr lang="en-US" dirty="0">
-                  <a:cs typeface="Aharoni" panose="02010803020104030203" pitchFamily="2" charset="-79"/>
-                </a:rPr>
-                <a:t>Behavior Matters</a:t>
-              </a:r>
-              <a:r>
-                <a:rPr lang="en-US" sz="2400" dirty="0">
-                  <a:cs typeface="Aharoni" panose="02010803020104030203" pitchFamily="2" charset="-79"/>
-                </a:rPr>
-                <a:t>:</a:t>
-              </a:r>
-            </a:p>
-          </p:txBody>
-        </p:sp>
-      </p:grpSp>
       <p:pic>
         <p:nvPicPr>
           <p:cNvPr id="25" name="Picture 24">
@@ -19172,7 +21310,7 @@
           <p:nvPr/>
         </p:nvPicPr>
         <p:blipFill>
-          <a:blip r:embed="rId5">
+          <a:blip r:embed="rId3">
             <a:duotone>
               <a:schemeClr val="accent1">
                 <a:shade val="45000"/>
@@ -19211,14 +21349,14 @@
           <p:nvPr>
             <p:extLst>
               <p:ext uri="{D42A27DB-BD31-4B8C-83A1-F6EECF244321}">
-                <p14:modId xmlns:p14="http://schemas.microsoft.com/office/powerpoint/2010/main" val="4153443324"/>
+                <p14:modId xmlns:p14="http://schemas.microsoft.com/office/powerpoint/2010/main" val="4022475999"/>
               </p:ext>
             </p:extLst>
           </p:nvPr>
         </p:nvGraphicFramePr>
         <p:xfrm>
-          <a:off x="7391400" y="1993111"/>
-          <a:ext cx="4800600" cy="2517560"/>
+          <a:off x="7252074" y="1925783"/>
+          <a:ext cx="4800600" cy="4401369"/>
         </p:xfrm>
         <a:graphic>
           <a:graphicData uri="http://schemas.openxmlformats.org/drawingml/2006/table">
@@ -19233,7 +21371,7 @@
                   </a:extLst>
                 </a:gridCol>
               </a:tblGrid>
-              <a:tr h="629390">
+              <a:tr h="628767">
                 <a:tc>
                   <a:txBody>
                     <a:bodyPr/>
@@ -19300,7 +21438,7 @@
                   </a:ext>
                 </a:extLst>
               </a:tr>
-              <a:tr h="629390">
+              <a:tr h="628767">
                 <a:tc>
                   <a:txBody>
                     <a:bodyPr/>
@@ -19367,7 +21505,7 @@
                   </a:ext>
                 </a:extLst>
               </a:tr>
-              <a:tr h="629390">
+              <a:tr h="628767">
                 <a:tc>
                   <a:txBody>
                     <a:bodyPr/>
@@ -19414,10 +21552,8 @@
                       <a:headEnd type="none" w="med" len="med"/>
                       <a:tailEnd type="none" w="med" len="med"/>
                     </a:lnT>
-                    <a:lnB w="6350" cap="flat" cmpd="sng" algn="ctr">
-                      <a:solidFill>
-                        <a:srgbClr val="000000"/>
-                      </a:solidFill>
+                    <a:lnB w="12700" cap="flat" cmpd="sng" algn="ctr">
+                      <a:noFill/>
                       <a:prstDash val="solid"/>
                       <a:round/>
                       <a:headEnd type="none" w="med" len="med"/>
@@ -19434,13 +21570,283 @@
                   </a:ext>
                 </a:extLst>
               </a:tr>
-              <a:tr h="629390">
+              <a:tr h="628767">
                 <a:tc>
                   <a:txBody>
                     <a:bodyPr/>
                     <a:lstStyle/>
                     <a:p>
-                      <a:pPr algn="l" fontAlgn="b"/>
+                      <a:pPr marL="0" marR="0" lvl="0" indent="0" algn="l" defTabSz="914400" rtl="0" eaLnBrk="1" fontAlgn="b" latinLnBrk="0" hangingPunct="1">
+                        <a:lnSpc>
+                          <a:spcPct val="100000"/>
+                        </a:lnSpc>
+                        <a:spcBef>
+                          <a:spcPts val="0"/>
+                        </a:spcBef>
+                        <a:spcAft>
+                          <a:spcPts val="0"/>
+                        </a:spcAft>
+                        <a:buClrTx/>
+                        <a:buSzTx/>
+                        <a:buFontTx/>
+                        <a:buNone/>
+                        <a:tabLst/>
+                        <a:defRPr/>
+                      </a:pPr>
+                      <a:endParaRPr lang="en-US" sz="1800" b="0" i="0" u="none" strike="noStrike" dirty="0">
+                        <a:solidFill>
+                          <a:srgbClr val="000000"/>
+                        </a:solidFill>
+                        <a:effectLst/>
+                        <a:latin typeface="Calibri" panose="020F0502020204030204" pitchFamily="34" charset="0"/>
+                      </a:endParaRPr>
+                    </a:p>
+                  </a:txBody>
+                  <a:tcPr marL="6350" marR="6350" marT="6350" marB="0" anchor="b">
+                    <a:lnL w="12700" cap="flat" cmpd="sng" algn="ctr">
+                      <a:solidFill>
+                        <a:schemeClr val="tx1"/>
+                      </a:solidFill>
+                      <a:prstDash val="solid"/>
+                      <a:round/>
+                      <a:headEnd type="none" w="med" len="med"/>
+                      <a:tailEnd type="none" w="med" len="med"/>
+                    </a:lnL>
+                    <a:lnR w="12700" cap="flat" cmpd="sng" algn="ctr">
+                      <a:solidFill>
+                        <a:schemeClr val="tx1"/>
+                      </a:solidFill>
+                      <a:prstDash val="solid"/>
+                      <a:round/>
+                      <a:headEnd type="none" w="med" len="med"/>
+                      <a:tailEnd type="none" w="med" len="med"/>
+                    </a:lnR>
+                    <a:lnT w="12700" cap="flat" cmpd="sng" algn="ctr">
+                      <a:noFill/>
+                      <a:prstDash val="solid"/>
+                      <a:round/>
+                      <a:headEnd type="none" w="med" len="med"/>
+                      <a:tailEnd type="none" w="med" len="med"/>
+                    </a:lnT>
+                    <a:lnB w="6350" cap="flat" cmpd="sng" algn="ctr">
+                      <a:noFill/>
+                      <a:prstDash val="solid"/>
+                      <a:round/>
+                      <a:headEnd type="none" w="med" len="med"/>
+                      <a:tailEnd type="none" w="med" len="med"/>
+                    </a:lnB>
+                    <a:lnTlToBr w="12700" cmpd="sng">
+                      <a:noFill/>
+                      <a:prstDash val="solid"/>
+                    </a:lnTlToBr>
+                    <a:lnBlToTr w="12700" cmpd="sng">
+                      <a:noFill/>
+                      <a:prstDash val="solid"/>
+                    </a:lnBlToTr>
+                    <a:solidFill>
+                      <a:schemeClr val="bg1"/>
+                    </a:solidFill>
+                  </a:tcPr>
+                </a:tc>
+                <a:extLst>
+                  <a:ext uri="{0D108BD9-81ED-4DB2-BD59-A6C34878D82A}">
+                    <a16:rowId xmlns:a16="http://schemas.microsoft.com/office/drawing/2014/main" val="3499823358"/>
+                  </a:ext>
+                </a:extLst>
+              </a:tr>
+              <a:tr h="628767">
+                <a:tc>
+                  <a:txBody>
+                    <a:bodyPr/>
+                    <a:lstStyle/>
+                    <a:p>
+                      <a:pPr marL="0" marR="0" lvl="0" indent="0" algn="l" defTabSz="914400" rtl="0" eaLnBrk="1" fontAlgn="b" latinLnBrk="0" hangingPunct="1">
+                        <a:lnSpc>
+                          <a:spcPct val="100000"/>
+                        </a:lnSpc>
+                        <a:spcBef>
+                          <a:spcPts val="0"/>
+                        </a:spcBef>
+                        <a:spcAft>
+                          <a:spcPts val="0"/>
+                        </a:spcAft>
+                        <a:buClrTx/>
+                        <a:buSzTx/>
+                        <a:buFontTx/>
+                        <a:buNone/>
+                        <a:tabLst/>
+                        <a:defRPr/>
+                      </a:pPr>
+                      <a:endParaRPr lang="en-US" sz="1800" b="0" i="0" u="none" strike="noStrike" dirty="0">
+                        <a:solidFill>
+                          <a:srgbClr val="000000"/>
+                        </a:solidFill>
+                        <a:effectLst/>
+                        <a:latin typeface="Calibri" panose="020F0502020204030204" pitchFamily="34" charset="0"/>
+                      </a:endParaRPr>
+                    </a:p>
+                  </a:txBody>
+                  <a:tcPr marL="6350" marR="6350" marT="6350" marB="0" anchor="b">
+                    <a:lnL w="12700" cap="flat" cmpd="sng" algn="ctr">
+                      <a:solidFill>
+                        <a:schemeClr val="tx1"/>
+                      </a:solidFill>
+                      <a:prstDash val="solid"/>
+                      <a:round/>
+                      <a:headEnd type="none" w="med" len="med"/>
+                      <a:tailEnd type="none" w="med" len="med"/>
+                    </a:lnL>
+                    <a:lnR w="12700" cap="flat" cmpd="sng" algn="ctr">
+                      <a:solidFill>
+                        <a:schemeClr val="tx1"/>
+                      </a:solidFill>
+                      <a:prstDash val="solid"/>
+                      <a:round/>
+                      <a:headEnd type="none" w="med" len="med"/>
+                      <a:tailEnd type="none" w="med" len="med"/>
+                    </a:lnR>
+                    <a:lnT w="6350" cap="flat" cmpd="sng" algn="ctr">
+                      <a:noFill/>
+                      <a:prstDash val="solid"/>
+                      <a:round/>
+                      <a:headEnd type="none" w="med" len="med"/>
+                      <a:tailEnd type="none" w="med" len="med"/>
+                    </a:lnT>
+                    <a:lnB w="6350" cap="flat" cmpd="sng" algn="ctr">
+                      <a:noFill/>
+                      <a:prstDash val="solid"/>
+                      <a:round/>
+                      <a:headEnd type="none" w="med" len="med"/>
+                      <a:tailEnd type="none" w="med" len="med"/>
+                    </a:lnB>
+                    <a:lnTlToBr w="12700" cmpd="sng">
+                      <a:noFill/>
+                      <a:prstDash val="solid"/>
+                    </a:lnTlToBr>
+                    <a:lnBlToTr w="12700" cmpd="sng">
+                      <a:noFill/>
+                      <a:prstDash val="solid"/>
+                    </a:lnBlToTr>
+                    <a:solidFill>
+                      <a:schemeClr val="bg1"/>
+                    </a:solidFill>
+                  </a:tcPr>
+                </a:tc>
+                <a:extLst>
+                  <a:ext uri="{0D108BD9-81ED-4DB2-BD59-A6C34878D82A}">
+                    <a16:rowId xmlns:a16="http://schemas.microsoft.com/office/drawing/2014/main" val="408069453"/>
+                  </a:ext>
+                </a:extLst>
+              </a:tr>
+              <a:tr h="628767">
+                <a:tc>
+                  <a:txBody>
+                    <a:bodyPr/>
+                    <a:lstStyle/>
+                    <a:p>
+                      <a:pPr marL="0" marR="0" lvl="0" indent="0" algn="l" defTabSz="914400" rtl="0" eaLnBrk="1" fontAlgn="b" latinLnBrk="0" hangingPunct="1">
+                        <a:lnSpc>
+                          <a:spcPct val="100000"/>
+                        </a:lnSpc>
+                        <a:spcBef>
+                          <a:spcPts val="0"/>
+                        </a:spcBef>
+                        <a:spcAft>
+                          <a:spcPts val="0"/>
+                        </a:spcAft>
+                        <a:buClrTx/>
+                        <a:buSzTx/>
+                        <a:buFontTx/>
+                        <a:buNone/>
+                        <a:tabLst/>
+                        <a:defRPr/>
+                      </a:pPr>
+                      <a:endParaRPr lang="en-US" sz="1800" b="0" i="0" u="none" strike="noStrike" dirty="0">
+                        <a:solidFill>
+                          <a:srgbClr val="000000"/>
+                        </a:solidFill>
+                        <a:effectLst/>
+                        <a:latin typeface="Calibri" panose="020F0502020204030204" pitchFamily="34" charset="0"/>
+                      </a:endParaRPr>
+                    </a:p>
+                  </a:txBody>
+                  <a:tcPr marL="6350" marR="6350" marT="6350" marB="0" anchor="b">
+                    <a:lnL w="12700" cap="flat" cmpd="sng" algn="ctr">
+                      <a:solidFill>
+                        <a:schemeClr val="tx1"/>
+                      </a:solidFill>
+                      <a:prstDash val="solid"/>
+                      <a:round/>
+                      <a:headEnd type="none" w="med" len="med"/>
+                      <a:tailEnd type="none" w="med" len="med"/>
+                    </a:lnL>
+                    <a:lnR w="12700" cap="flat" cmpd="sng" algn="ctr">
+                      <a:solidFill>
+                        <a:schemeClr val="tx1"/>
+                      </a:solidFill>
+                      <a:prstDash val="solid"/>
+                      <a:round/>
+                      <a:headEnd type="none" w="med" len="med"/>
+                      <a:tailEnd type="none" w="med" len="med"/>
+                    </a:lnR>
+                    <a:lnT w="6350" cap="flat" cmpd="sng" algn="ctr">
+                      <a:noFill/>
+                      <a:prstDash val="solid"/>
+                      <a:round/>
+                      <a:headEnd type="none" w="med" len="med"/>
+                      <a:tailEnd type="none" w="med" len="med"/>
+                    </a:lnT>
+                    <a:lnB w="12700" cap="flat" cmpd="sng" algn="ctr">
+                      <a:solidFill>
+                        <a:schemeClr val="tx1"/>
+                      </a:solidFill>
+                      <a:prstDash val="solid"/>
+                      <a:round/>
+                      <a:headEnd type="none" w="med" len="med"/>
+                      <a:tailEnd type="none" w="med" len="med"/>
+                    </a:lnB>
+                    <a:lnTlToBr w="12700" cmpd="sng">
+                      <a:noFill/>
+                      <a:prstDash val="solid"/>
+                    </a:lnTlToBr>
+                    <a:lnBlToTr w="12700" cmpd="sng">
+                      <a:noFill/>
+                      <a:prstDash val="solid"/>
+                    </a:lnBlToTr>
+                    <a:solidFill>
+                      <a:schemeClr val="bg1"/>
+                    </a:solidFill>
+                  </a:tcPr>
+                </a:tc>
+                <a:extLst>
+                  <a:ext uri="{0D108BD9-81ED-4DB2-BD59-A6C34878D82A}">
+                    <a16:rowId xmlns:a16="http://schemas.microsoft.com/office/drawing/2014/main" val="412626164"/>
+                  </a:ext>
+                </a:extLst>
+              </a:tr>
+              <a:tr h="628767">
+                <a:tc>
+                  <a:txBody>
+                    <a:bodyPr/>
+                    <a:lstStyle/>
+                    <a:p>
+                      <a:pPr marL="0" marR="0" lvl="0" indent="0" algn="l" defTabSz="914400" rtl="0" eaLnBrk="1" fontAlgn="b" latinLnBrk="0" hangingPunct="1">
+                        <a:lnSpc>
+                          <a:spcPct val="100000"/>
+                        </a:lnSpc>
+                        <a:spcBef>
+                          <a:spcPts val="0"/>
+                        </a:spcBef>
+                        <a:spcAft>
+                          <a:spcPts val="0"/>
+                        </a:spcAft>
+                        <a:buClrTx/>
+                        <a:buSzTx/>
+                        <a:buFontTx/>
+                        <a:buNone/>
+                        <a:tabLst/>
+                        <a:defRPr/>
+                      </a:pPr>
                       <a:r>
                         <a:rPr lang="en-US" sz="1800" b="0" i="0" u="none" strike="noStrike" dirty="0">
                           <a:solidFill>
@@ -19472,9 +21878,9 @@
                       <a:headEnd type="none" w="med" len="med"/>
                       <a:tailEnd type="none" w="med" len="med"/>
                     </a:lnR>
-                    <a:lnT w="6350" cap="flat" cmpd="sng" algn="ctr">
+                    <a:lnT w="12700" cap="flat" cmpd="sng" algn="ctr">
                       <a:solidFill>
-                        <a:srgbClr val="000000"/>
+                        <a:schemeClr val="tx1"/>
                       </a:solidFill>
                       <a:prstDash val="solid"/>
                       <a:round/>
@@ -19497,7 +21903,7 @@
                 </a:tc>
                 <a:extLst>
                   <a:ext uri="{0D108BD9-81ED-4DB2-BD59-A6C34878D82A}">
-                    <a16:rowId xmlns:a16="http://schemas.microsoft.com/office/drawing/2014/main" val="3499823358"/>
+                    <a16:rowId xmlns:a16="http://schemas.microsoft.com/office/drawing/2014/main" val="796431467"/>
                   </a:ext>
                 </a:extLst>
               </a:tr>
@@ -19505,45 +21911,6 @@
           </a:graphicData>
         </a:graphic>
       </p:graphicFrame>
-      <p:pic>
-        <p:nvPicPr>
-          <p:cNvPr id="10" name="Graphic 9" descr="Woman">
-            <a:extLst>
-              <a:ext uri="{FF2B5EF4-FFF2-40B4-BE49-F238E27FC236}">
-                <a16:creationId xmlns:a16="http://schemas.microsoft.com/office/drawing/2014/main" id="{333D9716-5BAE-4E24-9452-572473DD4661}"/>
-              </a:ext>
-            </a:extLst>
-          </p:cNvPr>
-          <p:cNvPicPr>
-            <a:picLocks noChangeAspect="1"/>
-          </p:cNvPicPr>
-          <p:nvPr/>
-        </p:nvPicPr>
-        <p:blipFill>
-          <a:blip r:embed="rId6">
-            <a:extLst>
-              <a:ext uri="{28A0092B-C50C-407E-A947-70E740481C1C}">
-                <a14:useLocalDpi xmlns:a14="http://schemas.microsoft.com/office/drawing/2010/main" val="0"/>
-              </a:ext>
-              <a:ext uri="{96DAC541-7B7A-43D3-8B79-37D633B846F1}">
-                <asvg:svgBlip xmlns:asvg="http://schemas.microsoft.com/office/drawing/2016/SVG/main" r:embed="rId7"/>
-              </a:ext>
-            </a:extLst>
-          </a:blip>
-          <a:stretch>
-            <a:fillRect/>
-          </a:stretch>
-        </p:blipFill>
-        <p:spPr>
-          <a:xfrm>
-            <a:off x="9508151" y="3899730"/>
-            <a:ext cx="590134" cy="590134"/>
-          </a:xfrm>
-          <a:prstGeom prst="rect">
-            <a:avLst/>
-          </a:prstGeom>
-        </p:spPr>
-      </p:pic>
       <p:graphicFrame>
         <p:nvGraphicFramePr>
           <p:cNvPr id="16" name="Table 15">
@@ -19559,13 +21926,13 @@
           <p:nvPr>
             <p:extLst>
               <p:ext uri="{D42A27DB-BD31-4B8C-83A1-F6EECF244321}">
-                <p14:modId xmlns:p14="http://schemas.microsoft.com/office/powerpoint/2010/main" val="3751677613"/>
+                <p14:modId xmlns:p14="http://schemas.microsoft.com/office/powerpoint/2010/main" val="2861983375"/>
               </p:ext>
             </p:extLst>
           </p:nvPr>
         </p:nvGraphicFramePr>
         <p:xfrm>
-          <a:off x="265265" y="1975308"/>
+          <a:off x="221096" y="1947252"/>
           <a:ext cx="6843153" cy="4377348"/>
         </p:xfrm>
         <a:graphic>
@@ -19654,7 +22021,7 @@
                     <a:bodyPr/>
                     <a:lstStyle/>
                     <a:p>
-                      <a:pPr algn="l" fontAlgn="b"/>
+                      <a:pPr algn="just" fontAlgn="b"/>
                       <a:r>
                         <a:rPr lang="en-US" sz="1800" b="0" i="0" u="none" strike="noStrike" dirty="0">
                           <a:solidFill>
@@ -19721,7 +22088,7 @@
                     <a:bodyPr/>
                     <a:lstStyle/>
                     <a:p>
-                      <a:pPr algn="l" fontAlgn="b"/>
+                      <a:pPr algn="just" fontAlgn="b"/>
                       <a:r>
                         <a:rPr lang="en-US" sz="1800" b="0" i="0" u="none" strike="noStrike" dirty="0">
                           <a:solidFill>
@@ -19788,7 +22155,7 @@
                     <a:bodyPr/>
                     <a:lstStyle/>
                     <a:p>
-                      <a:pPr algn="l" fontAlgn="b"/>
+                      <a:pPr algn="just" fontAlgn="b"/>
                       <a:r>
                         <a:rPr lang="en-US" sz="1800" b="0" i="0" u="none" strike="noStrike" dirty="0">
                           <a:solidFill>
@@ -19855,7 +22222,7 @@
                     <a:bodyPr/>
                     <a:lstStyle/>
                     <a:p>
-                      <a:pPr algn="l" fontAlgn="b"/>
+                      <a:pPr algn="just" fontAlgn="b"/>
                       <a:r>
                         <a:rPr lang="en-US" sz="1800" b="0" i="0" u="none" strike="noStrike" dirty="0">
                           <a:solidFill>
@@ -19864,7 +22231,27 @@
                           <a:effectLst/>
                           <a:latin typeface="Calibri" panose="020F0502020204030204" pitchFamily="34" charset="0"/>
                         </a:rPr>
-                        <a:t>Individual did not respond if they believed they could die from COVID-19</a:t>
+                        <a:t>Individual </a:t>
+                      </a:r>
+                      <a:r>
+                        <a:rPr lang="en-US" sz="1800" b="0" i="1" u="none" strike="noStrike" dirty="0">
+                          <a:solidFill>
+                            <a:srgbClr val="000000"/>
+                          </a:solidFill>
+                          <a:effectLst/>
+                          <a:latin typeface="Calibri" panose="020F0502020204030204" pitchFamily="34" charset="0"/>
+                        </a:rPr>
+                        <a:t>did not respond </a:t>
+                      </a:r>
+                      <a:r>
+                        <a:rPr lang="en-US" sz="1800" b="0" i="0" u="none" strike="noStrike" dirty="0">
+                          <a:solidFill>
+                            <a:srgbClr val="000000"/>
+                          </a:solidFill>
+                          <a:effectLst/>
+                          <a:latin typeface="Calibri" panose="020F0502020204030204" pitchFamily="34" charset="0"/>
+                        </a:rPr>
+                        <a:t>if they believed they had COVID-19</a:t>
                       </a:r>
                     </a:p>
                   </a:txBody>
@@ -19922,7 +22309,7 @@
                     <a:bodyPr/>
                     <a:lstStyle/>
                     <a:p>
-                      <a:pPr algn="l" fontAlgn="b"/>
+                      <a:pPr algn="just" fontAlgn="b"/>
                       <a:r>
                         <a:rPr lang="en-US" sz="1800" b="0" i="0" u="none" strike="noStrike" dirty="0">
                           <a:solidFill>
@@ -19931,7 +22318,37 @@
                           <a:effectLst/>
                           <a:latin typeface="Calibri" panose="020F0502020204030204" pitchFamily="34" charset="0"/>
                         </a:rPr>
-                        <a:t>Individual did not respond if they believed they could die from COVID-19</a:t>
+                        <a:t>Individual</a:t>
+                      </a:r>
+                      <a:r>
+                        <a:rPr lang="en-US" sz="1800" b="1" i="1" u="none" strike="noStrike" dirty="0">
+                          <a:solidFill>
+                            <a:srgbClr val="000000"/>
+                          </a:solidFill>
+                          <a:effectLst/>
+                          <a:latin typeface="Calibri" panose="020F0502020204030204" pitchFamily="34" charset="0"/>
+                        </a:rPr>
+                        <a:t> </a:t>
+                      </a:r>
+                      <a:r>
+                        <a:rPr lang="en-US" sz="1800" b="0" i="1" u="none" strike="noStrike" dirty="0">
+                          <a:solidFill>
+                            <a:srgbClr val="000000"/>
+                          </a:solidFill>
+                          <a:effectLst/>
+                          <a:latin typeface="Calibri" panose="020F0502020204030204" pitchFamily="34" charset="0"/>
+                        </a:rPr>
+                        <a:t>did not respond </a:t>
+                      </a:r>
+                      <a:r>
+                        <a:rPr lang="en-US" sz="1800" b="0" i="0" u="none" strike="noStrike" dirty="0">
+                          <a:solidFill>
+                            <a:srgbClr val="000000"/>
+                          </a:solidFill>
+                          <a:effectLst/>
+                          <a:latin typeface="Calibri" panose="020F0502020204030204" pitchFamily="34" charset="0"/>
+                        </a:rPr>
+                        <a:t>if they believed they could die from COVID-19</a:t>
                       </a:r>
                     </a:p>
                   </a:txBody>
@@ -19989,7 +22406,7 @@
                     <a:bodyPr/>
                     <a:lstStyle/>
                     <a:p>
-                      <a:pPr algn="l" fontAlgn="b"/>
+                      <a:pPr algn="just" fontAlgn="b"/>
                       <a:r>
                         <a:rPr lang="en-US" sz="1800" b="0" i="0" u="none" strike="noStrike" dirty="0">
                           <a:solidFill>
@@ -20056,7 +22473,7 @@
                     <a:bodyPr/>
                     <a:lstStyle/>
                     <a:p>
-                      <a:pPr algn="l" fontAlgn="b"/>
+                      <a:pPr algn="just" fontAlgn="b"/>
                       <a:r>
                         <a:rPr lang="en-US" sz="1800" b="0" i="0" u="none" strike="noStrike" dirty="0">
                           <a:solidFill>
@@ -20123,7 +22540,7 @@
                     <a:bodyPr/>
                     <a:lstStyle/>
                     <a:p>
-                      <a:pPr algn="l" fontAlgn="b"/>
+                      <a:pPr algn="just" fontAlgn="b"/>
                       <a:r>
                         <a:rPr lang="en-US" sz="1800" b="0" i="0" u="none" strike="noStrike" dirty="0">
                           <a:solidFill>
@@ -20203,13 +22620,13 @@
           <p:nvPr/>
         </p:nvPicPr>
         <p:blipFill>
-          <a:blip r:embed="rId8">
+          <a:blip r:embed="rId4">
             <a:extLst>
               <a:ext uri="{28A0092B-C50C-407E-A947-70E740481C1C}">
                 <a14:useLocalDpi xmlns:a14="http://schemas.microsoft.com/office/drawing/2010/main" val="0"/>
               </a:ext>
               <a:ext uri="{96DAC541-7B7A-43D3-8B79-37D633B846F1}">
-                <asvg:svgBlip xmlns:asvg="http://schemas.microsoft.com/office/drawing/2016/SVG/main" r:embed="rId9"/>
+                <asvg:svgBlip xmlns:asvg="http://schemas.microsoft.com/office/drawing/2016/SVG/main" r:embed="rId5"/>
               </a:ext>
             </a:extLst>
           </a:blip>
@@ -20219,7 +22636,7 @@
         </p:blipFill>
         <p:spPr>
           <a:xfrm>
-            <a:off x="3087253" y="4881566"/>
+            <a:off x="2991563" y="4881566"/>
             <a:ext cx="1011495" cy="1011495"/>
           </a:xfrm>
           <a:prstGeom prst="rect">
@@ -20242,7 +22659,7 @@
           <p:nvPr/>
         </p:nvPicPr>
         <p:blipFill>
-          <a:blip r:embed="rId10">
+          <a:blip r:embed="rId6">
             <a:duotone>
               <a:schemeClr val="accent1">
                 <a:shade val="45000"/>
@@ -20257,7 +22674,7 @@
         </p:blipFill>
         <p:spPr>
           <a:xfrm>
-            <a:off x="6303040" y="3123020"/>
+            <a:off x="6108240" y="3109033"/>
             <a:ext cx="678957" cy="745896"/>
           </a:xfrm>
           <a:prstGeom prst="rect">
@@ -20280,7 +22697,7 @@
           <p:nvPr/>
         </p:nvPicPr>
         <p:blipFill>
-          <a:blip r:embed="rId11" cstate="print">
+          <a:blip r:embed="rId7" cstate="print">
             <a:duotone>
               <a:schemeClr val="accent1">
                 <a:shade val="45000"/>
@@ -20301,7 +22718,7 @@
         </p:blipFill>
         <p:spPr bwMode="auto">
           <a:xfrm>
-            <a:off x="5032392" y="5941000"/>
+            <a:off x="4936702" y="5941000"/>
             <a:ext cx="373858" cy="373858"/>
           </a:xfrm>
           <a:prstGeom prst="rect">
@@ -20334,7 +22751,7 @@
           <p:nvPr/>
         </p:nvPicPr>
         <p:blipFill>
-          <a:blip r:embed="rId12">
+          <a:blip r:embed="rId8">
             <a:duotone>
               <a:schemeClr val="accent1">
                 <a:shade val="45000"/>
@@ -20349,7 +22766,7 @@
         </p:blipFill>
         <p:spPr>
           <a:xfrm>
-            <a:off x="4891387" y="2421801"/>
+            <a:off x="4795697" y="2421801"/>
             <a:ext cx="752778" cy="701219"/>
           </a:xfrm>
           <a:prstGeom prst="rect">
@@ -20372,7 +22789,7 @@
           <p:nvPr/>
         </p:nvPicPr>
         <p:blipFill>
-          <a:blip r:embed="rId13">
+          <a:blip r:embed="rId9">
             <a:duotone>
               <a:schemeClr val="accent1">
                 <a:shade val="45000"/>
@@ -20387,7 +22804,7 @@
         </p:blipFill>
         <p:spPr>
           <a:xfrm>
-            <a:off x="5667356" y="2736085"/>
+            <a:off x="5565649" y="2724074"/>
             <a:ext cx="573041" cy="745896"/>
           </a:xfrm>
           <a:prstGeom prst="rect">
@@ -20395,12 +22812,237 @@
           </a:prstGeom>
         </p:spPr>
       </p:pic>
+      <p:sp>
+        <p:nvSpPr>
+          <p:cNvPr id="6" name="Rectangle 5">
+            <a:extLst>
+              <a:ext uri="{FF2B5EF4-FFF2-40B4-BE49-F238E27FC236}">
+                <a16:creationId xmlns:a16="http://schemas.microsoft.com/office/drawing/2014/main" id="{F9FC2B7F-21D6-4DEB-A99C-8BE05939BD57}"/>
+              </a:ext>
+            </a:extLst>
+          </p:cNvPr>
+          <p:cNvSpPr/>
+          <p:nvPr/>
+        </p:nvSpPr>
+        <p:spPr>
+          <a:xfrm>
+            <a:off x="208022" y="2416394"/>
+            <a:ext cx="6787531" cy="1465177"/>
+          </a:xfrm>
+          <a:prstGeom prst="rect">
+            <a:avLst/>
+          </a:prstGeom>
+          <a:noFill/>
+          <a:ln>
+            <a:solidFill>
+              <a:schemeClr val="accent1"/>
+            </a:solidFill>
+          </a:ln>
+        </p:spPr>
+        <p:style>
+          <a:lnRef idx="2">
+            <a:schemeClr val="accent1">
+              <a:shade val="50000"/>
+            </a:schemeClr>
+          </a:lnRef>
+          <a:fillRef idx="1">
+            <a:schemeClr val="accent1"/>
+          </a:fillRef>
+          <a:effectRef idx="0">
+            <a:schemeClr val="accent1"/>
+          </a:effectRef>
+          <a:fontRef idx="minor">
+            <a:schemeClr val="lt1"/>
+          </a:fontRef>
+        </p:style>
+        <p:txBody>
+          <a:bodyPr rtlCol="0" anchor="ctr"/>
+          <a:lstStyle/>
+          <a:p>
+            <a:pPr algn="ctr"/>
+            <a:endParaRPr lang="en-US"/>
+          </a:p>
+        </p:txBody>
+      </p:sp>
+      <p:grpSp>
+        <p:nvGrpSpPr>
+          <p:cNvPr id="37" name="Group 36">
+            <a:extLst>
+              <a:ext uri="{FF2B5EF4-FFF2-40B4-BE49-F238E27FC236}">
+                <a16:creationId xmlns:a16="http://schemas.microsoft.com/office/drawing/2014/main" id="{FEED6C0F-C312-4C6B-802F-5AFC1E22AABE}"/>
+              </a:ext>
+            </a:extLst>
+          </p:cNvPr>
+          <p:cNvGrpSpPr/>
+          <p:nvPr/>
+        </p:nvGrpSpPr>
+        <p:grpSpPr>
+          <a:xfrm>
+            <a:off x="8309628" y="3930161"/>
+            <a:ext cx="2325268" cy="1524571"/>
+            <a:chOff x="442517" y="2937329"/>
+            <a:chExt cx="3722402" cy="2676856"/>
+          </a:xfrm>
+        </p:grpSpPr>
+        <p:pic>
+          <p:nvPicPr>
+            <p:cNvPr id="2054" name="Picture 6" descr="WASHING HANDS - Free miscellaneous icons">
+              <a:extLst>
+                <a:ext uri="{FF2B5EF4-FFF2-40B4-BE49-F238E27FC236}">
+                  <a16:creationId xmlns:a16="http://schemas.microsoft.com/office/drawing/2014/main" id="{18EDBB62-60A8-42FF-B504-1E30AD285701}"/>
+                </a:ext>
+              </a:extLst>
+            </p:cNvPr>
+            <p:cNvPicPr>
+              <a:picLocks noChangeAspect="1" noChangeArrowheads="1"/>
+            </p:cNvPicPr>
+            <p:nvPr/>
+          </p:nvPicPr>
+          <p:blipFill>
+            <a:blip r:embed="rId10" cstate="print">
+              <a:duotone>
+                <a:schemeClr val="accent1">
+                  <a:shade val="45000"/>
+                  <a:satMod val="135000"/>
+                </a:schemeClr>
+                <a:prstClr val="white"/>
+              </a:duotone>
+              <a:extLst>
+                <a:ext uri="{28A0092B-C50C-407E-A947-70E740481C1C}">
+                  <a14:useLocalDpi xmlns:a14="http://schemas.microsoft.com/office/drawing/2010/main" val="0"/>
+                </a:ext>
+              </a:extLst>
+            </a:blip>
+            <a:srcRect/>
+            <a:stretch>
+              <a:fillRect/>
+            </a:stretch>
+          </p:blipFill>
+          <p:spPr bwMode="auto">
+            <a:xfrm>
+              <a:off x="2594840" y="4337645"/>
+              <a:ext cx="1108267" cy="1108266"/>
+            </a:xfrm>
+            <a:prstGeom prst="rect">
+              <a:avLst/>
+            </a:prstGeom>
+            <a:noFill/>
+            <a:extLst>
+              <a:ext uri="{909E8E84-426E-40DD-AFC4-6F175D3DCCD1}">
+                <a14:hiddenFill xmlns:a14="http://schemas.microsoft.com/office/drawing/2010/main">
+                  <a:solidFill>
+                    <a:srgbClr val="FFFFFF"/>
+                  </a:solidFill>
+                </a14:hiddenFill>
+              </a:ext>
+            </a:extLst>
+          </p:spPr>
+        </p:pic>
+        <p:pic>
+          <p:nvPicPr>
+            <p:cNvPr id="2052" name="Picture 4">
+              <a:extLst>
+                <a:ext uri="{FF2B5EF4-FFF2-40B4-BE49-F238E27FC236}">
+                  <a16:creationId xmlns:a16="http://schemas.microsoft.com/office/drawing/2014/main" id="{1F721424-AD6D-4C58-B0C0-9A47CF7E9A2F}"/>
+                </a:ext>
+              </a:extLst>
+            </p:cNvPr>
+            <p:cNvPicPr>
+              <a:picLocks noChangeAspect="1" noChangeArrowheads="1"/>
+            </p:cNvPicPr>
+            <p:nvPr/>
+          </p:nvPicPr>
+          <p:blipFill>
+            <a:blip r:embed="rId11" cstate="print">
+              <a:duotone>
+                <a:schemeClr val="accent1">
+                  <a:shade val="45000"/>
+                  <a:satMod val="135000"/>
+                </a:schemeClr>
+                <a:prstClr val="white"/>
+              </a:duotone>
+              <a:extLst>
+                <a:ext uri="{28A0092B-C50C-407E-A947-70E740481C1C}">
+                  <a14:useLocalDpi xmlns:a14="http://schemas.microsoft.com/office/drawing/2010/main" val="0"/>
+                </a:ext>
+              </a:extLst>
+            </a:blip>
+            <a:srcRect/>
+            <a:stretch>
+              <a:fillRect/>
+            </a:stretch>
+          </p:blipFill>
+          <p:spPr bwMode="auto">
+            <a:xfrm>
+              <a:off x="920683" y="4169373"/>
+              <a:ext cx="1444814" cy="1444812"/>
+            </a:xfrm>
+            <a:prstGeom prst="rect">
+              <a:avLst/>
+            </a:prstGeom>
+            <a:noFill/>
+            <a:extLst>
+              <a:ext uri="{909E8E84-426E-40DD-AFC4-6F175D3DCCD1}">
+                <a14:hiddenFill xmlns:a14="http://schemas.microsoft.com/office/drawing/2010/main">
+                  <a:solidFill>
+                    <a:srgbClr val="FFFFFF"/>
+                  </a:solidFill>
+                </a14:hiddenFill>
+              </a:ext>
+            </a:extLst>
+          </p:spPr>
+        </p:pic>
+        <p:sp>
+          <p:nvSpPr>
+            <p:cNvPr id="4" name="TextBox 3">
+              <a:extLst>
+                <a:ext uri="{FF2B5EF4-FFF2-40B4-BE49-F238E27FC236}">
+                  <a16:creationId xmlns:a16="http://schemas.microsoft.com/office/drawing/2014/main" id="{57EE8F21-8F69-4229-95DA-596CA450EEAD}"/>
+                </a:ext>
+              </a:extLst>
+            </p:cNvPr>
+            <p:cNvSpPr txBox="1"/>
+            <p:nvPr/>
+          </p:nvSpPr>
+          <p:spPr>
+            <a:xfrm>
+              <a:off x="442517" y="2937329"/>
+              <a:ext cx="3722402" cy="968283"/>
+            </a:xfrm>
+            <a:prstGeom prst="rect">
+              <a:avLst/>
+            </a:prstGeom>
+            <a:noFill/>
+          </p:spPr>
+          <p:txBody>
+            <a:bodyPr wrap="square" rtlCol="0">
+              <a:spAutoFit/>
+            </a:bodyPr>
+            <a:lstStyle/>
+            <a:p>
+              <a:pPr algn="ctr"/>
+              <a:r>
+                <a:rPr lang="en-US" dirty="0">
+                  <a:cs typeface="Aharoni" panose="02010803020104030203" pitchFamily="2" charset="-79"/>
+                </a:rPr>
+                <a:t>Behavior Matters</a:t>
+              </a:r>
+              <a:r>
+                <a:rPr lang="en-US" sz="2400" dirty="0">
+                  <a:cs typeface="Aharoni" panose="02010803020104030203" pitchFamily="2" charset="-79"/>
+                </a:rPr>
+                <a:t>:</a:t>
+              </a:r>
+            </a:p>
+          </p:txBody>
+        </p:sp>
+      </p:grpSp>
       <p:pic>
         <p:nvPicPr>
-          <p:cNvPr id="22" name="Graphic 21" descr="Add">
+          <p:cNvPr id="15" name="Graphic 14" descr="Woman">
             <a:extLst>
               <a:ext uri="{FF2B5EF4-FFF2-40B4-BE49-F238E27FC236}">
-                <a16:creationId xmlns:a16="http://schemas.microsoft.com/office/drawing/2014/main" id="{E663DCC7-E322-4876-8553-F994C06265FC}"/>
+                <a16:creationId xmlns:a16="http://schemas.microsoft.com/office/drawing/2014/main" id="{E752B010-0340-4878-A524-D1632E32B79B}"/>
               </a:ext>
             </a:extLst>
           </p:cNvPr>
@@ -20410,13 +23052,13 @@
           <p:nvPr/>
         </p:nvPicPr>
         <p:blipFill>
-          <a:blip r:embed="rId14" cstate="print">
+          <a:blip r:embed="rId12">
             <a:extLst>
               <a:ext uri="{28A0092B-C50C-407E-A947-70E740481C1C}">
                 <a14:useLocalDpi xmlns:a14="http://schemas.microsoft.com/office/drawing/2010/main" val="0"/>
               </a:ext>
               <a:ext uri="{96DAC541-7B7A-43D3-8B79-37D633B846F1}">
-                <asvg:svgBlip xmlns:asvg="http://schemas.microsoft.com/office/drawing/2016/SVG/main" r:embed="rId15"/>
+                <asvg:svgBlip xmlns:asvg="http://schemas.microsoft.com/office/drawing/2016/SVG/main" r:embed="rId13"/>
               </a:ext>
             </a:extLst>
           </a:blip>
@@ -20426,14 +23068,174 @@
         </p:blipFill>
         <p:spPr>
           <a:xfrm>
-            <a:off x="1932016" y="2045785"/>
-            <a:ext cx="381000" cy="381000"/>
+            <a:off x="9171315" y="5744034"/>
+            <a:ext cx="556969" cy="556969"/>
           </a:xfrm>
           <a:prstGeom prst="rect">
             <a:avLst/>
           </a:prstGeom>
         </p:spPr>
       </p:pic>
+      <p:sp>
+        <p:nvSpPr>
+          <p:cNvPr id="17" name="Rectangle 16">
+            <a:extLst>
+              <a:ext uri="{FF2B5EF4-FFF2-40B4-BE49-F238E27FC236}">
+                <a16:creationId xmlns:a16="http://schemas.microsoft.com/office/drawing/2014/main" id="{B2F80736-8437-464A-9E31-60CAB8A1BB69}"/>
+              </a:ext>
+            </a:extLst>
+          </p:cNvPr>
+          <p:cNvSpPr/>
+          <p:nvPr/>
+        </p:nvSpPr>
+        <p:spPr>
+          <a:xfrm>
+            <a:off x="208022" y="3876399"/>
+            <a:ext cx="6843153" cy="955347"/>
+          </a:xfrm>
+          <a:prstGeom prst="rect">
+            <a:avLst/>
+          </a:prstGeom>
+          <a:solidFill>
+            <a:schemeClr val="bg1">
+              <a:lumMod val="95000"/>
+              <a:alpha val="38000"/>
+            </a:schemeClr>
+          </a:solidFill>
+        </p:spPr>
+        <p:style>
+          <a:lnRef idx="2">
+            <a:schemeClr val="accent1">
+              <a:shade val="50000"/>
+            </a:schemeClr>
+          </a:lnRef>
+          <a:fillRef idx="1">
+            <a:schemeClr val="accent1"/>
+          </a:fillRef>
+          <a:effectRef idx="0">
+            <a:schemeClr val="accent1"/>
+          </a:effectRef>
+          <a:fontRef idx="minor">
+            <a:schemeClr val="lt1"/>
+          </a:fontRef>
+        </p:style>
+        <p:txBody>
+          <a:bodyPr rtlCol="0" anchor="ctr"/>
+          <a:lstStyle/>
+          <a:p>
+            <a:pPr algn="ctr"/>
+            <a:endParaRPr lang="en-US"/>
+          </a:p>
+        </p:txBody>
+      </p:sp>
+      <p:sp>
+        <p:nvSpPr>
+          <p:cNvPr id="18" name="Rectangle 17">
+            <a:extLst>
+              <a:ext uri="{FF2B5EF4-FFF2-40B4-BE49-F238E27FC236}">
+                <a16:creationId xmlns:a16="http://schemas.microsoft.com/office/drawing/2014/main" id="{C46C8F33-C504-43DC-861D-1692627C7F3C}"/>
+              </a:ext>
+            </a:extLst>
+          </p:cNvPr>
+          <p:cNvSpPr/>
+          <p:nvPr/>
+        </p:nvSpPr>
+        <p:spPr>
+          <a:xfrm>
+            <a:off x="208022" y="1925782"/>
+            <a:ext cx="6856227" cy="4426874"/>
+          </a:xfrm>
+          <a:prstGeom prst="rect">
+            <a:avLst/>
+          </a:prstGeom>
+          <a:noFill/>
+          <a:ln w="57150">
+            <a:solidFill>
+              <a:schemeClr val="accent1">
+                <a:lumMod val="50000"/>
+              </a:schemeClr>
+            </a:solidFill>
+          </a:ln>
+        </p:spPr>
+        <p:style>
+          <a:lnRef idx="2">
+            <a:schemeClr val="accent1">
+              <a:shade val="50000"/>
+            </a:schemeClr>
+          </a:lnRef>
+          <a:fillRef idx="1">
+            <a:schemeClr val="accent1"/>
+          </a:fillRef>
+          <a:effectRef idx="0">
+            <a:schemeClr val="accent1"/>
+          </a:effectRef>
+          <a:fontRef idx="minor">
+            <a:schemeClr val="lt1"/>
+          </a:fontRef>
+        </p:style>
+        <p:txBody>
+          <a:bodyPr rtlCol="0" anchor="ctr"/>
+          <a:lstStyle/>
+          <a:p>
+            <a:pPr algn="ctr"/>
+            <a:endParaRPr lang="en-US"/>
+          </a:p>
+        </p:txBody>
+      </p:sp>
+      <p:sp>
+        <p:nvSpPr>
+          <p:cNvPr id="28" name="Rectangle 27">
+            <a:extLst>
+              <a:ext uri="{FF2B5EF4-FFF2-40B4-BE49-F238E27FC236}">
+                <a16:creationId xmlns:a16="http://schemas.microsoft.com/office/drawing/2014/main" id="{34AFE9A3-1BD6-4AFE-BB83-4C8D5FF21CBE}"/>
+              </a:ext>
+            </a:extLst>
+          </p:cNvPr>
+          <p:cNvSpPr/>
+          <p:nvPr/>
+        </p:nvSpPr>
+        <p:spPr>
+          <a:xfrm>
+            <a:off x="7211379" y="1925782"/>
+            <a:ext cx="4828221" cy="4426874"/>
+          </a:xfrm>
+          <a:prstGeom prst="rect">
+            <a:avLst/>
+          </a:prstGeom>
+          <a:noFill/>
+          <a:ln w="57150">
+            <a:solidFill>
+              <a:schemeClr val="accent1">
+                <a:lumMod val="50000"/>
+              </a:schemeClr>
+            </a:solidFill>
+          </a:ln>
+        </p:spPr>
+        <p:style>
+          <a:lnRef idx="2">
+            <a:schemeClr val="accent1">
+              <a:shade val="50000"/>
+            </a:schemeClr>
+          </a:lnRef>
+          <a:fillRef idx="1">
+            <a:schemeClr val="accent1"/>
+          </a:fillRef>
+          <a:effectRef idx="0">
+            <a:schemeClr val="accent1"/>
+          </a:effectRef>
+          <a:fontRef idx="minor">
+            <a:schemeClr val="lt1"/>
+          </a:fontRef>
+        </p:style>
+        <p:txBody>
+          <a:bodyPr rtlCol="0" anchor="ctr"/>
+          <a:lstStyle/>
+          <a:p>
+            <a:pPr algn="ctr"/>
+            <a:endParaRPr lang="en-US"/>
+          </a:p>
+        </p:txBody>
+      </p:sp>
     </p:spTree>
     <p:extLst>
       <p:ext uri="{BB962C8B-B14F-4D97-AF65-F5344CB8AC3E}">

--- a/Covid19Preso.pptx
+++ b/Covid19Preso.pptx
@@ -240,7 +240,7 @@
           <a:p>
             <a:fld id="{043B725B-653D-4166-A8E9-72A38A1847CF}" type="datetimeFigureOut">
               <a:rPr lang="en-US"/>
-              <a:t>5/7/2020</a:t>
+              <a:t>5/8/2020</a:t>
             </a:fld>
             <a:endParaRPr/>
           </a:p>
@@ -405,7 +405,7 @@
           <a:p>
             <a:fld id="{783F64CD-0576-4A9A-BD06-7889D6E60BDC}" type="datetimeFigureOut">
               <a:rPr lang="en-US"/>
-              <a:t>5/7/2020</a:t>
+              <a:t>5/8/2020</a:t>
             </a:fld>
             <a:endParaRPr/>
           </a:p>
@@ -2474,7 +2474,7 @@
           <a:p>
             <a:fld id="{37CC0096-1860-4642-9CD2-0079EA5E7CD1}" type="datetimeFigureOut">
               <a:rPr lang="en-US"/>
-              <a:t>5/7/2020</a:t>
+              <a:t>5/8/2020</a:t>
             </a:fld>
             <a:endParaRPr/>
           </a:p>
@@ -2723,7 +2723,7 @@
           <a:p>
             <a:fld id="{37CC0096-1860-4642-9CD2-0079EA5E7CD1}" type="datetimeFigureOut">
               <a:rPr lang="en-US"/>
-              <a:t>5/7/2020</a:t>
+              <a:t>5/8/2020</a:t>
             </a:fld>
             <a:endParaRPr/>
           </a:p>
@@ -2909,7 +2909,7 @@
           <a:p>
             <a:fld id="{37CC0096-1860-4642-9CD2-0079EA5E7CD1}" type="datetimeFigureOut">
               <a:rPr lang="en-US"/>
-              <a:t>5/7/2020</a:t>
+              <a:t>5/8/2020</a:t>
             </a:fld>
             <a:endParaRPr/>
           </a:p>
@@ -3440,7 +3440,7 @@
           <a:p>
             <a:fld id="{37CC0096-1860-4642-9CD2-0079EA5E7CD1}" type="datetimeFigureOut">
               <a:rPr lang="en-US"/>
-              <a:t>5/7/2020</a:t>
+              <a:t>5/8/2020</a:t>
             </a:fld>
             <a:endParaRPr/>
           </a:p>
@@ -3892,7 +3892,7 @@
           <a:p>
             <a:fld id="{37CC0096-1860-4642-9CD2-0079EA5E7CD1}" type="datetimeFigureOut">
               <a:rPr lang="en-US"/>
-              <a:t>5/7/2020</a:t>
+              <a:t>5/8/2020</a:t>
             </a:fld>
             <a:endParaRPr/>
           </a:p>
@@ -4022,7 +4022,7 @@
           <a:p>
             <a:fld id="{37CC0096-1860-4642-9CD2-0079EA5E7CD1}" type="datetimeFigureOut">
               <a:rPr lang="en-US"/>
-              <a:t>5/7/2020</a:t>
+              <a:t>5/8/2020</a:t>
             </a:fld>
             <a:endParaRPr/>
           </a:p>
@@ -4129,7 +4129,7 @@
           <a:p>
             <a:fld id="{37CC0096-1860-4642-9CD2-0079EA5E7CD1}" type="datetimeFigureOut">
               <a:rPr lang="en-US"/>
-              <a:t>5/7/2020</a:t>
+              <a:t>5/8/2020</a:t>
             </a:fld>
             <a:endParaRPr/>
           </a:p>
@@ -5118,7 +5118,7 @@
             <a:fld id="{37CC0096-1860-4642-9CD2-0079EA5E7CD1}" type="datetimeFigureOut">
               <a:rPr lang="en-US" smtClean="0"/>
               <a:pPr/>
-              <a:t>5/7/2020</a:t>
+              <a:t>5/8/2020</a:t>
             </a:fld>
             <a:endParaRPr lang="en-US" dirty="0"/>
           </a:p>

--- a/Covid19Preso.pptx
+++ b/Covid19Preso.pptx
@@ -240,7 +240,7 @@
           <a:p>
             <a:fld id="{043B725B-653D-4166-A8E9-72A38A1847CF}" type="datetimeFigureOut">
               <a:rPr lang="en-US"/>
-              <a:t>5/8/2020</a:t>
+              <a:t>5/10/2020</a:t>
             </a:fld>
             <a:endParaRPr/>
           </a:p>
@@ -405,7 +405,7 @@
           <a:p>
             <a:fld id="{783F64CD-0576-4A9A-BD06-7889D6E60BDC}" type="datetimeFigureOut">
               <a:rPr lang="en-US"/>
-              <a:t>5/8/2020</a:t>
+              <a:t>5/10/2020</a:t>
             </a:fld>
             <a:endParaRPr/>
           </a:p>
@@ -2474,7 +2474,7 @@
           <a:p>
             <a:fld id="{37CC0096-1860-4642-9CD2-0079EA5E7CD1}" type="datetimeFigureOut">
               <a:rPr lang="en-US"/>
-              <a:t>5/8/2020</a:t>
+              <a:t>5/10/2020</a:t>
             </a:fld>
             <a:endParaRPr/>
           </a:p>
@@ -2723,7 +2723,7 @@
           <a:p>
             <a:fld id="{37CC0096-1860-4642-9CD2-0079EA5E7CD1}" type="datetimeFigureOut">
               <a:rPr lang="en-US"/>
-              <a:t>5/8/2020</a:t>
+              <a:t>5/10/2020</a:t>
             </a:fld>
             <a:endParaRPr/>
           </a:p>
@@ -2909,7 +2909,7 @@
           <a:p>
             <a:fld id="{37CC0096-1860-4642-9CD2-0079EA5E7CD1}" type="datetimeFigureOut">
               <a:rPr lang="en-US"/>
-              <a:t>5/8/2020</a:t>
+              <a:t>5/10/2020</a:t>
             </a:fld>
             <a:endParaRPr/>
           </a:p>
@@ -3440,7 +3440,7 @@
           <a:p>
             <a:fld id="{37CC0096-1860-4642-9CD2-0079EA5E7CD1}" type="datetimeFigureOut">
               <a:rPr lang="en-US"/>
-              <a:t>5/8/2020</a:t>
+              <a:t>5/10/2020</a:t>
             </a:fld>
             <a:endParaRPr/>
           </a:p>
@@ -3892,7 +3892,7 @@
           <a:p>
             <a:fld id="{37CC0096-1860-4642-9CD2-0079EA5E7CD1}" type="datetimeFigureOut">
               <a:rPr lang="en-US"/>
-              <a:t>5/8/2020</a:t>
+              <a:t>5/10/2020</a:t>
             </a:fld>
             <a:endParaRPr/>
           </a:p>
@@ -4022,7 +4022,7 @@
           <a:p>
             <a:fld id="{37CC0096-1860-4642-9CD2-0079EA5E7CD1}" type="datetimeFigureOut">
               <a:rPr lang="en-US"/>
-              <a:t>5/8/2020</a:t>
+              <a:t>5/10/2020</a:t>
             </a:fld>
             <a:endParaRPr/>
           </a:p>
@@ -4129,7 +4129,7 @@
           <a:p>
             <a:fld id="{37CC0096-1860-4642-9CD2-0079EA5E7CD1}" type="datetimeFigureOut">
               <a:rPr lang="en-US"/>
-              <a:t>5/8/2020</a:t>
+              <a:t>5/10/2020</a:t>
             </a:fld>
             <a:endParaRPr/>
           </a:p>
@@ -5118,7 +5118,7 @@
             <a:fld id="{37CC0096-1860-4642-9CD2-0079EA5E7CD1}" type="datetimeFigureOut">
               <a:rPr lang="en-US" smtClean="0"/>
               <a:pPr/>
-              <a:t>5/8/2020</a:t>
+              <a:t>5/10/2020</a:t>
             </a:fld>
             <a:endParaRPr lang="en-US" dirty="0"/>
           </a:p>

--- a/Covid19Preso.pptx
+++ b/Covid19Preso.pptx
@@ -240,7 +240,7 @@
           <a:p>
             <a:fld id="{043B725B-653D-4166-A8E9-72A38A1847CF}" type="datetimeFigureOut">
               <a:rPr lang="en-US"/>
-              <a:t>5/10/2020</a:t>
+              <a:t>9/2/2020</a:t>
             </a:fld>
             <a:endParaRPr/>
           </a:p>
@@ -405,7 +405,7 @@
           <a:p>
             <a:fld id="{783F64CD-0576-4A9A-BD06-7889D6E60BDC}" type="datetimeFigureOut">
               <a:rPr lang="en-US"/>
-              <a:t>5/10/2020</a:t>
+              <a:t>9/2/2020</a:t>
             </a:fld>
             <a:endParaRPr/>
           </a:p>
@@ -2474,7 +2474,7 @@
           <a:p>
             <a:fld id="{37CC0096-1860-4642-9CD2-0079EA5E7CD1}" type="datetimeFigureOut">
               <a:rPr lang="en-US"/>
-              <a:t>5/10/2020</a:t>
+              <a:t>9/2/2020</a:t>
             </a:fld>
             <a:endParaRPr/>
           </a:p>
@@ -2723,7 +2723,7 @@
           <a:p>
             <a:fld id="{37CC0096-1860-4642-9CD2-0079EA5E7CD1}" type="datetimeFigureOut">
               <a:rPr lang="en-US"/>
-              <a:t>5/10/2020</a:t>
+              <a:t>9/2/2020</a:t>
             </a:fld>
             <a:endParaRPr/>
           </a:p>
@@ -2909,7 +2909,7 @@
           <a:p>
             <a:fld id="{37CC0096-1860-4642-9CD2-0079EA5E7CD1}" type="datetimeFigureOut">
               <a:rPr lang="en-US"/>
-              <a:t>5/10/2020</a:t>
+              <a:t>9/2/2020</a:t>
             </a:fld>
             <a:endParaRPr/>
           </a:p>
@@ -3440,7 +3440,7 @@
           <a:p>
             <a:fld id="{37CC0096-1860-4642-9CD2-0079EA5E7CD1}" type="datetimeFigureOut">
               <a:rPr lang="en-US"/>
-              <a:t>5/10/2020</a:t>
+              <a:t>9/2/2020</a:t>
             </a:fld>
             <a:endParaRPr/>
           </a:p>
@@ -3892,7 +3892,7 @@
           <a:p>
             <a:fld id="{37CC0096-1860-4642-9CD2-0079EA5E7CD1}" type="datetimeFigureOut">
               <a:rPr lang="en-US"/>
-              <a:t>5/10/2020</a:t>
+              <a:t>9/2/2020</a:t>
             </a:fld>
             <a:endParaRPr/>
           </a:p>
@@ -4022,7 +4022,7 @@
           <a:p>
             <a:fld id="{37CC0096-1860-4642-9CD2-0079EA5E7CD1}" type="datetimeFigureOut">
               <a:rPr lang="en-US"/>
-              <a:t>5/10/2020</a:t>
+              <a:t>9/2/2020</a:t>
             </a:fld>
             <a:endParaRPr/>
           </a:p>
@@ -4129,7 +4129,7 @@
           <a:p>
             <a:fld id="{37CC0096-1860-4642-9CD2-0079EA5E7CD1}" type="datetimeFigureOut">
               <a:rPr lang="en-US"/>
-              <a:t>5/10/2020</a:t>
+              <a:t>9/2/2020</a:t>
             </a:fld>
             <a:endParaRPr/>
           </a:p>
@@ -5118,7 +5118,7 @@
             <a:fld id="{37CC0096-1860-4642-9CD2-0079EA5E7CD1}" type="datetimeFigureOut">
               <a:rPr lang="en-US" smtClean="0"/>
               <a:pPr/>
-              <a:t>5/10/2020</a:t>
+              <a:t>9/2/2020</a:t>
             </a:fld>
             <a:endParaRPr lang="en-US" dirty="0"/>
           </a:p>

--- a/Covid19Preso.pptx
+++ b/Covid19Preso.pptx
@@ -240,7 +240,7 @@
           <a:p>
             <a:fld id="{043B725B-653D-4166-A8E9-72A38A1847CF}" type="datetimeFigureOut">
               <a:rPr lang="en-US"/>
-              <a:t>9/2/2020</a:t>
+              <a:t>1/12/2021</a:t>
             </a:fld>
             <a:endParaRPr/>
           </a:p>
@@ -405,7 +405,7 @@
           <a:p>
             <a:fld id="{783F64CD-0576-4A9A-BD06-7889D6E60BDC}" type="datetimeFigureOut">
               <a:rPr lang="en-US"/>
-              <a:t>9/2/2020</a:t>
+              <a:t>1/12/2021</a:t>
             </a:fld>
             <a:endParaRPr/>
           </a:p>
@@ -2474,7 +2474,7 @@
           <a:p>
             <a:fld id="{37CC0096-1860-4642-9CD2-0079EA5E7CD1}" type="datetimeFigureOut">
               <a:rPr lang="en-US"/>
-              <a:t>9/2/2020</a:t>
+              <a:t>1/12/2021</a:t>
             </a:fld>
             <a:endParaRPr/>
           </a:p>
@@ -2723,7 +2723,7 @@
           <a:p>
             <a:fld id="{37CC0096-1860-4642-9CD2-0079EA5E7CD1}" type="datetimeFigureOut">
               <a:rPr lang="en-US"/>
-              <a:t>9/2/2020</a:t>
+              <a:t>1/12/2021</a:t>
             </a:fld>
             <a:endParaRPr/>
           </a:p>
@@ -2909,7 +2909,7 @@
           <a:p>
             <a:fld id="{37CC0096-1860-4642-9CD2-0079EA5E7CD1}" type="datetimeFigureOut">
               <a:rPr lang="en-US"/>
-              <a:t>9/2/2020</a:t>
+              <a:t>1/12/2021</a:t>
             </a:fld>
             <a:endParaRPr/>
           </a:p>
@@ -3440,7 +3440,7 @@
           <a:p>
             <a:fld id="{37CC0096-1860-4642-9CD2-0079EA5E7CD1}" type="datetimeFigureOut">
               <a:rPr lang="en-US"/>
-              <a:t>9/2/2020</a:t>
+              <a:t>1/12/2021</a:t>
             </a:fld>
             <a:endParaRPr/>
           </a:p>
@@ -3892,7 +3892,7 @@
           <a:p>
             <a:fld id="{37CC0096-1860-4642-9CD2-0079EA5E7CD1}" type="datetimeFigureOut">
               <a:rPr lang="en-US"/>
-              <a:t>9/2/2020</a:t>
+              <a:t>1/12/2021</a:t>
             </a:fld>
             <a:endParaRPr/>
           </a:p>
@@ -4022,7 +4022,7 @@
           <a:p>
             <a:fld id="{37CC0096-1860-4642-9CD2-0079EA5E7CD1}" type="datetimeFigureOut">
               <a:rPr lang="en-US"/>
-              <a:t>9/2/2020</a:t>
+              <a:t>1/12/2021</a:t>
             </a:fld>
             <a:endParaRPr/>
           </a:p>
@@ -4129,7 +4129,7 @@
           <a:p>
             <a:fld id="{37CC0096-1860-4642-9CD2-0079EA5E7CD1}" type="datetimeFigureOut">
               <a:rPr lang="en-US"/>
-              <a:t>9/2/2020</a:t>
+              <a:t>1/12/2021</a:t>
             </a:fld>
             <a:endParaRPr/>
           </a:p>
@@ -5118,7 +5118,7 @@
             <a:fld id="{37CC0096-1860-4642-9CD2-0079EA5E7CD1}" type="datetimeFigureOut">
               <a:rPr lang="en-US" smtClean="0"/>
               <a:pPr/>
-              <a:t>9/2/2020</a:t>
+              <a:t>1/12/2021</a:t>
             </a:fld>
             <a:endParaRPr lang="en-US" dirty="0"/>
           </a:p>
